--- a/14/slides.pptx
+++ b/14/slides.pptx
@@ -5,18 +5,23 @@
     <p:sldMasterId id="2147483648" r:id="rId1"/>
   </p:sldMasterIdLst>
   <p:notesMasterIdLst>
-    <p:notesMasterId r:id="rId9"/>
+    <p:notesMasterId r:id="rId14"/>
   </p:notesMasterIdLst>
   <p:handoutMasterIdLst>
-    <p:handoutMasterId r:id="rId10"/>
+    <p:handoutMasterId r:id="rId15"/>
   </p:handoutMasterIdLst>
   <p:sldIdLst>
     <p:sldId id="256" r:id="rId3"/>
-    <p:sldId id="262" r:id="rId4"/>
-    <p:sldId id="257" r:id="rId5"/>
-    <p:sldId id="258" r:id="rId6"/>
-    <p:sldId id="259" r:id="rId7"/>
-    <p:sldId id="261" r:id="rId8"/>
+    <p:sldId id="267" r:id="rId4"/>
+    <p:sldId id="269" r:id="rId5"/>
+    <p:sldId id="272" r:id="rId6"/>
+    <p:sldId id="273" r:id="rId7"/>
+    <p:sldId id="268" r:id="rId8"/>
+    <p:sldId id="262" r:id="rId9"/>
+    <p:sldId id="257" r:id="rId10"/>
+    <p:sldId id="258" r:id="rId11"/>
+    <p:sldId id="259" r:id="rId12"/>
+    <p:sldId id="261" r:id="rId13"/>
   </p:sldIdLst>
   <p:sldSz cx="12192000" cy="6858000"/>
   <p:notesSz cx="7103745" cy="10234295"/>
@@ -624,8 +629,16 @@
 </file>
 
 <file path=ppt/slideLayouts/slideLayout1.xml><?xml version="1.0" encoding="utf-8"?>
-<p:sldLayout xmlns:a="http://schemas.openxmlformats.org/drawingml/2006/main" xmlns:r="http://schemas.openxmlformats.org/officeDocument/2006/relationships" xmlns:p="http://schemas.openxmlformats.org/presentationml/2006/main" type="title" preserve="1">
+<p:sldLayout xmlns:a="http://schemas.openxmlformats.org/drawingml/2006/main" xmlns:r="http://schemas.openxmlformats.org/officeDocument/2006/relationships" xmlns:p="http://schemas.openxmlformats.org/presentationml/2006/main" type="title" preserve="1" showMasterSp="0">
   <p:cSld name="Title Slide">
+    <p:bg>
+      <p:bgPr>
+        <a:solidFill>
+          <a:schemeClr val="bg1"/>
+        </a:solidFill>
+        <a:effectLst/>
+      </p:bgPr>
+    </p:bg>
     <p:spTree>
       <p:nvGrpSpPr>
         <p:cNvPr id="1" name=""/>
@@ -640,36 +653,64 @@
           <a:chExt cx="0" cy="0"/>
         </a:xfrm>
       </p:grpSpPr>
-      <p:sp>
-        <p:nvSpPr>
-          <p:cNvPr id="2" name="标题 1"/>
-          <p:cNvSpPr>
-            <a:spLocks noGrp="1"/>
-          </p:cNvSpPr>
-          <p:nvPr>
-            <p:ph type="ctrTitle"/>
-          </p:nvPr>
-        </p:nvSpPr>
+      <p:pic>
+        <p:nvPicPr>
+          <p:cNvPr id="4" name="Picture 3" descr="3c6a535d7ecc90554cb87761dd101fe067f0eadd"/>
+          <p:cNvPicPr>
+            <a:picLocks noChangeAspect="1"/>
+          </p:cNvPicPr>
+          <p:nvPr userDrawn="1"/>
+        </p:nvPicPr>
+        <p:blipFill>
+          <a:blip r:embed="rId2"/>
+          <a:stretch>
+            <a:fillRect/>
+          </a:stretch>
+        </p:blipFill>
         <p:spPr>
           <a:xfrm>
-            <a:off x="1524000" y="1322962"/>
-            <a:ext cx="9144000" cy="2187001"/>
+            <a:off x="-8255" y="-385445"/>
+            <a:ext cx="12208510" cy="7628890"/>
+          </a:xfrm>
+          <a:prstGeom prst="rect">
+            <a:avLst/>
+          </a:prstGeom>
+        </p:spPr>
+      </p:pic>
+      <p:sp>
+        <p:nvSpPr>
+          <p:cNvPr id="2051" name="Rectangle 3"/>
+          <p:cNvSpPr>
+            <a:spLocks noGrp="1" noChangeArrowheads="1"/>
+          </p:cNvSpPr>
+          <p:nvPr>
+            <p:ph type="ctrTitle"/>
+          </p:nvPr>
+        </p:nvSpPr>
+        <p:spPr>
+          <a:xfrm>
+            <a:off x="1490346" y="1711325"/>
+            <a:ext cx="9211733" cy="1082675"/>
           </a:xfrm>
         </p:spPr>
         <p:txBody>
-          <a:bodyPr anchor="b">
-            <a:normAutofit/>
-          </a:bodyPr>
+          <a:bodyPr/>
           <a:lstStyle>
             <a:lvl1pPr algn="ctr">
-              <a:lnSpc>
-                <a:spcPct val="130000"/>
-              </a:lnSpc>
-              <a:defRPr sz="6000">
+              <a:defRPr b="1">
+                <a:ln w="10160">
+                  <a:solidFill>
+                    <a:schemeClr val="accent5"/>
+                  </a:solidFill>
+                  <a:prstDash val="solid"/>
+                </a:ln>
+                <a:solidFill>
+                  <a:srgbClr val="FFFFFF"/>
+                </a:solidFill>
                 <a:effectLst>
-                  <a:outerShdw blurRad="38100" dist="38100" dir="2700000" algn="tl">
+                  <a:outerShdw blurRad="38100" dist="22860" dir="5400000" algn="tl" rotWithShape="0">
                     <a:srgbClr val="000000">
-                      <a:alpha val="43137"/>
+                      <a:alpha val="30000"/>
                     </a:srgbClr>
                   </a:outerShdw>
                 </a:effectLst>
@@ -677,32 +718,122 @@
             </a:lvl1pPr>
           </a:lstStyle>
           <a:p>
-            <a:r>
-              <a:rPr lang="zh-CN" altLang="en-US" dirty="0">
-                <a:sym typeface="+mn-ea"/>
-              </a:rPr>
+            <a:pPr lvl="0"/>
+            <a:r>
+              <a:rPr lang="en-US" altLang="zh-CN" noProof="0" smtClean="0"/>
               <a:t>Click to edit Master title style</a:t>
             </a:r>
-            <a:endParaRPr lang="zh-CN" altLang="en-US" dirty="0">
-              <a:sym typeface="+mn-ea"/>
-            </a:endParaRPr>
-          </a:p>
-        </p:txBody>
-      </p:sp>
-      <p:sp>
-        <p:nvSpPr>
-          <p:cNvPr id="4" name="日期占位符 3"/>
-          <p:cNvSpPr>
-            <a:spLocks noGrp="1"/>
-          </p:cNvSpPr>
-          <p:nvPr>
-            <p:ph type="dt" sz="half" idx="10"/>
-          </p:nvPr>
-        </p:nvSpPr>
-        <p:spPr/>
+            <a:endParaRPr lang="en-US" altLang="zh-CN" noProof="0" smtClean="0"/>
+          </a:p>
+        </p:txBody>
+      </p:sp>
+      <p:sp>
+        <p:nvSpPr>
+          <p:cNvPr id="2052" name="Rectangle 4"/>
+          <p:cNvSpPr>
+            <a:spLocks noGrp="1" noChangeArrowheads="1"/>
+          </p:cNvSpPr>
+          <p:nvPr>
+            <p:ph type="subTitle" idx="1"/>
+          </p:nvPr>
+        </p:nvSpPr>
+        <p:spPr>
+          <a:xfrm>
+            <a:off x="1490346" y="3028315"/>
+            <a:ext cx="9218083" cy="1752600"/>
+          </a:xfrm>
+        </p:spPr>
         <p:txBody>
           <a:bodyPr/>
-          <a:lstStyle/>
+          <a:lstStyle>
+            <a:lvl1pPr marL="0" indent="0" algn="ctr">
+              <a:buFontTx/>
+              <a:buNone/>
+              <a:defRPr sz="2800">
+                <a:ln w="10160">
+                  <a:solidFill>
+                    <a:schemeClr val="accent5"/>
+                  </a:solidFill>
+                  <a:prstDash val="solid"/>
+                </a:ln>
+                <a:solidFill>
+                  <a:srgbClr val="FFFFFF"/>
+                </a:solidFill>
+                <a:effectLst>
+                  <a:outerShdw blurRad="38100" dist="22860" dir="5400000" algn="tl" rotWithShape="0">
+                    <a:srgbClr val="000000">
+                      <a:alpha val="30000"/>
+                    </a:srgbClr>
+                  </a:outerShdw>
+                </a:effectLst>
+              </a:defRPr>
+            </a:lvl1pPr>
+          </a:lstStyle>
+          <a:p>
+            <a:pPr lvl="0"/>
+            <a:r>
+              <a:rPr lang="en-US" altLang="zh-CN" noProof="0" smtClean="0"/>
+              <a:t>Click to edit Master subtitle style</a:t>
+            </a:r>
+            <a:endParaRPr lang="en-US" altLang="zh-CN" noProof="0" smtClean="0"/>
+          </a:p>
+        </p:txBody>
+      </p:sp>
+      <p:sp>
+        <p:nvSpPr>
+          <p:cNvPr id="9" name="Rectangle 5"/>
+          <p:cNvSpPr>
+            <a:spLocks noGrp="1" noChangeArrowheads="1"/>
+          </p:cNvSpPr>
+          <p:nvPr>
+            <p:ph type="dt" sz="half" idx="2"/>
+          </p:nvPr>
+        </p:nvSpPr>
+        <p:spPr bwMode="auto">
+          <a:xfrm>
+            <a:off x="609600" y="6245225"/>
+            <a:ext cx="2844800" cy="476250"/>
+          </a:xfrm>
+          <a:prstGeom prst="rect">
+            <a:avLst/>
+          </a:prstGeom>
+          <a:noFill/>
+          <a:extLst>
+            <a:ext uri="{909E8E84-426E-40DD-AFC4-6F175D3DCCD1}">
+              <a14:hiddenFill xmlns:a14="http://schemas.microsoft.com/office/drawing/2010/main">
+                <a:solidFill>
+                  <a:schemeClr val="accent1"/>
+                </a:solidFill>
+              </a14:hiddenFill>
+            </a:ext>
+            <a:ext uri="{91240B29-F687-4F45-9708-019B960494DF}">
+              <a14:hiddenLine xmlns:a14="http://schemas.microsoft.com/office/drawing/2010/main" w="9525">
+                <a:solidFill>
+                  <a:srgbClr val="000000"/>
+                </a:solidFill>
+                <a:miter lim="800000"/>
+                <a:headEnd/>
+                <a:tailEnd/>
+              </a14:hiddenLine>
+            </a:ext>
+            <a:ext uri="{AF507438-7753-43E0-B8FC-AC1667EBCBE1}">
+              <a14:hiddenEffects xmlns:a14="http://schemas.microsoft.com/office/drawing/2010/main">
+                <a:effectLst>
+                  <a:outerShdw dist="35921" dir="2700000" algn="ctr" rotWithShape="0">
+                    <a:schemeClr val="bg2"/>
+                  </a:outerShdw>
+                </a:effectLst>
+              </a14:hiddenEffects>
+            </a:ext>
+          </a:extLst>
+        </p:spPr>
+        <p:txBody>
+          <a:bodyPr vert="horz" wrap="square" lIns="91440" tIns="45720" rIns="91440" bIns="45720" numCol="1" anchor="t" anchorCtr="0" compatLnSpc="1"/>
+          <a:lstStyle>
+            <a:lvl1pPr>
+              <a:defRPr/>
+            </a:lvl1pPr>
+          </a:lstStyle>
           <a:p>
             <a:fld id="{760FBDFE-C587-4B4C-A407-44438C67B59E}" type="datetimeFigureOut">
               <a:rPr lang="zh-CN" altLang="en-US" smtClean="0"/>
@@ -713,18 +844,59 @@
       </p:sp>
       <p:sp>
         <p:nvSpPr>
-          <p:cNvPr id="5" name="页脚占位符 4"/>
-          <p:cNvSpPr>
-            <a:spLocks noGrp="1"/>
-          </p:cNvSpPr>
-          <p:nvPr>
-            <p:ph type="ftr" sz="quarter" idx="11"/>
-          </p:nvPr>
-        </p:nvSpPr>
-        <p:spPr/>
-        <p:txBody>
-          <a:bodyPr/>
-          <a:lstStyle/>
+          <p:cNvPr id="10" name="Rectangle 6"/>
+          <p:cNvSpPr>
+            <a:spLocks noGrp="1" noChangeArrowheads="1"/>
+          </p:cNvSpPr>
+          <p:nvPr>
+            <p:ph type="ftr" sz="quarter" idx="3"/>
+          </p:nvPr>
+        </p:nvSpPr>
+        <p:spPr bwMode="auto">
+          <a:xfrm>
+            <a:off x="4165600" y="6245225"/>
+            <a:ext cx="3860800" cy="476250"/>
+          </a:xfrm>
+          <a:prstGeom prst="rect">
+            <a:avLst/>
+          </a:prstGeom>
+          <a:noFill/>
+          <a:extLst>
+            <a:ext uri="{909E8E84-426E-40DD-AFC4-6F175D3DCCD1}">
+              <a14:hiddenFill xmlns:a14="http://schemas.microsoft.com/office/drawing/2010/main">
+                <a:solidFill>
+                  <a:schemeClr val="accent1"/>
+                </a:solidFill>
+              </a14:hiddenFill>
+            </a:ext>
+            <a:ext uri="{91240B29-F687-4F45-9708-019B960494DF}">
+              <a14:hiddenLine xmlns:a14="http://schemas.microsoft.com/office/drawing/2010/main" w="9525">
+                <a:solidFill>
+                  <a:srgbClr val="000000"/>
+                </a:solidFill>
+                <a:miter lim="800000"/>
+                <a:headEnd/>
+                <a:tailEnd/>
+              </a14:hiddenLine>
+            </a:ext>
+            <a:ext uri="{AF507438-7753-43E0-B8FC-AC1667EBCBE1}">
+              <a14:hiddenEffects xmlns:a14="http://schemas.microsoft.com/office/drawing/2010/main">
+                <a:effectLst>
+                  <a:outerShdw dist="35921" dir="2700000" algn="ctr" rotWithShape="0">
+                    <a:schemeClr val="bg2"/>
+                  </a:outerShdw>
+                </a:effectLst>
+              </a14:hiddenEffects>
+            </a:ext>
+          </a:extLst>
+        </p:spPr>
+        <p:txBody>
+          <a:bodyPr vert="horz" wrap="square" lIns="91440" tIns="45720" rIns="91440" bIns="45720" numCol="1" anchor="t" anchorCtr="0" compatLnSpc="1"/>
+          <a:lstStyle>
+            <a:lvl1pPr>
+              <a:defRPr/>
+            </a:lvl1pPr>
+          </a:lstStyle>
           <a:p>
             <a:endParaRPr lang="zh-CN" altLang="en-US"/>
           </a:p>
@@ -732,100 +904,64 @@
       </p:sp>
       <p:sp>
         <p:nvSpPr>
-          <p:cNvPr id="6" name="灯片编号占位符 5"/>
-          <p:cNvSpPr>
-            <a:spLocks noGrp="1"/>
-          </p:cNvSpPr>
-          <p:nvPr>
-            <p:ph type="sldNum" sz="quarter" idx="12"/>
-          </p:nvPr>
-        </p:nvSpPr>
-        <p:spPr/>
-        <p:txBody>
-          <a:bodyPr/>
-          <a:lstStyle/>
+          <p:cNvPr id="11" name="Rectangle 7"/>
+          <p:cNvSpPr>
+            <a:spLocks noGrp="1" noChangeArrowheads="1"/>
+          </p:cNvSpPr>
+          <p:nvPr>
+            <p:ph type="sldNum" sz="quarter" idx="4"/>
+          </p:nvPr>
+        </p:nvSpPr>
+        <p:spPr bwMode="auto">
+          <a:xfrm>
+            <a:off x="8737600" y="6245225"/>
+            <a:ext cx="2844800" cy="476250"/>
+          </a:xfrm>
+          <a:prstGeom prst="rect">
+            <a:avLst/>
+          </a:prstGeom>
+          <a:noFill/>
+          <a:extLst>
+            <a:ext uri="{909E8E84-426E-40DD-AFC4-6F175D3DCCD1}">
+              <a14:hiddenFill xmlns:a14="http://schemas.microsoft.com/office/drawing/2010/main">
+                <a:solidFill>
+                  <a:schemeClr val="accent1"/>
+                </a:solidFill>
+              </a14:hiddenFill>
+            </a:ext>
+            <a:ext uri="{91240B29-F687-4F45-9708-019B960494DF}">
+              <a14:hiddenLine xmlns:a14="http://schemas.microsoft.com/office/drawing/2010/main" w="9525">
+                <a:solidFill>
+                  <a:srgbClr val="000000"/>
+                </a:solidFill>
+                <a:miter lim="800000"/>
+                <a:headEnd/>
+                <a:tailEnd/>
+              </a14:hiddenLine>
+            </a:ext>
+            <a:ext uri="{AF507438-7753-43E0-B8FC-AC1667EBCBE1}">
+              <a14:hiddenEffects xmlns:a14="http://schemas.microsoft.com/office/drawing/2010/main">
+                <a:effectLst>
+                  <a:outerShdw dist="35921" dir="2700000" algn="ctr" rotWithShape="0">
+                    <a:schemeClr val="bg2"/>
+                  </a:outerShdw>
+                </a:effectLst>
+              </a14:hiddenEffects>
+            </a:ext>
+          </a:extLst>
+        </p:spPr>
+        <p:txBody>
+          <a:bodyPr vert="horz" wrap="square" lIns="91440" tIns="45720" rIns="91440" bIns="45720" numCol="1" anchor="t" anchorCtr="0" compatLnSpc="1"/>
+          <a:lstStyle>
+            <a:lvl1pPr>
+              <a:defRPr/>
+            </a:lvl1pPr>
+          </a:lstStyle>
           <a:p>
             <a:fld id="{49AE70B2-8BF9-45C0-BB95-33D1B9D3A854}" type="slidenum">
               <a:rPr lang="zh-CN" altLang="en-US" smtClean="0"/>
             </a:fld>
             <a:endParaRPr lang="zh-CN" altLang="en-US"/>
-          </a:p>
-        </p:txBody>
-      </p:sp>
-      <p:sp>
-        <p:nvSpPr>
-          <p:cNvPr id="3" name="副标题 2"/>
-          <p:cNvSpPr>
-            <a:spLocks noGrp="1"/>
-          </p:cNvSpPr>
-          <p:nvPr>
-            <p:ph type="subTitle" idx="1"/>
-          </p:nvPr>
-        </p:nvSpPr>
-        <p:spPr>
-          <a:xfrm>
-            <a:off x="1524000" y="3602038"/>
-            <a:ext cx="9144000" cy="1655762"/>
-          </a:xfrm>
-        </p:spPr>
-        <p:txBody>
-          <a:bodyPr>
-            <a:normAutofit/>
-          </a:bodyPr>
-          <a:lstStyle>
-            <a:lvl1pPr marL="0" indent="0" algn="ctr">
-              <a:buNone/>
-              <a:defRPr sz="1800">
-                <a:solidFill>
-                  <a:schemeClr val="tx1">
-                    <a:lumMod val="75000"/>
-                    <a:lumOff val="25000"/>
-                  </a:schemeClr>
-                </a:solidFill>
-                <a:effectLst/>
-                <a:latin typeface="+mj-lt"/>
-                <a:ea typeface="+mj-ea"/>
-              </a:defRPr>
-            </a:lvl1pPr>
-            <a:lvl2pPr marL="457200" indent="0" algn="ctr">
-              <a:buNone/>
-              <a:defRPr sz="2000"/>
-            </a:lvl2pPr>
-            <a:lvl3pPr marL="914400" indent="0" algn="ctr">
-              <a:buNone/>
-              <a:defRPr sz="1800"/>
-            </a:lvl3pPr>
-            <a:lvl4pPr marL="1371600" indent="0" algn="ctr">
-              <a:buNone/>
-              <a:defRPr sz="1600"/>
-            </a:lvl4pPr>
-            <a:lvl5pPr marL="1828800" indent="0" algn="ctr">
-              <a:buNone/>
-              <a:defRPr sz="1600"/>
-            </a:lvl5pPr>
-            <a:lvl6pPr marL="2286000" indent="0" algn="ctr">
-              <a:buNone/>
-              <a:defRPr sz="1600"/>
-            </a:lvl6pPr>
-            <a:lvl7pPr marL="2743200" indent="0" algn="ctr">
-              <a:buNone/>
-              <a:defRPr sz="1600"/>
-            </a:lvl7pPr>
-            <a:lvl8pPr marL="3200400" indent="0" algn="ctr">
-              <a:buNone/>
-              <a:defRPr sz="1600"/>
-            </a:lvl8pPr>
-            <a:lvl9pPr marL="3657600" indent="0" algn="ctr">
-              <a:buNone/>
-              <a:defRPr sz="1600"/>
-            </a:lvl9pPr>
-          </a:lstStyle>
-          <a:p>
-            <a:r>
-              <a:rPr lang="zh-CN" altLang="en-US" dirty="0"/>
-              <a:t>Click to edit Master subtitle style</a:t>
-            </a:r>
-            <a:endParaRPr lang="zh-CN" altLang="en-US" dirty="0"/>
           </a:p>
         </p:txBody>
       </p:sp>
@@ -834,12 +970,13 @@
   <p:clrMapOvr>
     <a:masterClrMapping/>
   </p:clrMapOvr>
+  <p:hf sldNum="0" hdr="0" ftr="0" dt="0"/>
 </p:sldLayout>
 </file>
 
 <file path=ppt/slideLayouts/slideLayout10.xml><?xml version="1.0" encoding="utf-8"?>
-<p:sldLayout xmlns:a="http://schemas.openxmlformats.org/drawingml/2006/main" xmlns:r="http://schemas.openxmlformats.org/officeDocument/2006/relationships" xmlns:p="http://schemas.openxmlformats.org/presentationml/2006/main" preserve="1" userDrawn="1">
-  <p:cSld name="Content">
+<p:sldLayout xmlns:a="http://schemas.openxmlformats.org/drawingml/2006/main" xmlns:r="http://schemas.openxmlformats.org/officeDocument/2006/relationships" xmlns:p="http://schemas.openxmlformats.org/presentationml/2006/main" type="picTx" preserve="1">
+  <p:cSld name="Picture with Caption">
     <p:spTree>
       <p:nvGrpSpPr>
         <p:cNvPr id="1" name=""/>
@@ -856,137 +993,725 @@
       </p:grpSpPr>
       <p:sp>
         <p:nvSpPr>
-          <p:cNvPr id="3" name="日期占位符 2"/>
+          <p:cNvPr id="2" name="Title 1"/>
           <p:cNvSpPr>
             <a:spLocks noGrp="1"/>
           </p:cNvSpPr>
           <p:nvPr>
+            <p:ph type="title"/>
+          </p:nvPr>
+        </p:nvSpPr>
+        <p:spPr>
+          <a:xfrm>
+            <a:off x="840317" y="457200"/>
+            <a:ext cx="3932767" cy="1600200"/>
+          </a:xfrm>
+        </p:spPr>
+        <p:txBody>
+          <a:bodyPr anchor="b"/>
+          <a:lstStyle>
+            <a:lvl1pPr>
+              <a:defRPr sz="3200"/>
+            </a:lvl1pPr>
+          </a:lstStyle>
+          <a:p>
+            <a:r>
+              <a:rPr lang="en-US" smtClean="0"/>
+              <a:t>Click to edit Master title style</a:t>
+            </a:r>
+            <a:endParaRPr lang="en-US"/>
+          </a:p>
+        </p:txBody>
+      </p:sp>
+      <p:sp>
+        <p:nvSpPr>
+          <p:cNvPr id="3" name="Picture Placeholder 2"/>
+          <p:cNvSpPr>
+            <a:spLocks noGrp="1"/>
+          </p:cNvSpPr>
+          <p:nvPr>
+            <p:ph type="pic" idx="1"/>
+          </p:nvPr>
+        </p:nvSpPr>
+        <p:spPr>
+          <a:xfrm>
+            <a:off x="5183717" y="987425"/>
+            <a:ext cx="6172200" cy="4873625"/>
+          </a:xfrm>
+        </p:spPr>
+        <p:txBody>
+          <a:bodyPr vert="horz" wrap="square" lIns="91440" tIns="45720" rIns="91440" bIns="45720" numCol="1" anchor="t" anchorCtr="0" compatLnSpc="1"/>
+          <a:lstStyle>
+            <a:lvl1pPr marL="0" indent="0">
+              <a:buNone/>
+              <a:defRPr sz="3200"/>
+            </a:lvl1pPr>
+            <a:lvl2pPr marL="457200" indent="0">
+              <a:buNone/>
+              <a:defRPr sz="2800"/>
+            </a:lvl2pPr>
+            <a:lvl3pPr marL="914400" indent="0">
+              <a:buNone/>
+              <a:defRPr sz="2400"/>
+            </a:lvl3pPr>
+            <a:lvl4pPr marL="1371600" indent="0">
+              <a:buNone/>
+              <a:defRPr sz="2000"/>
+            </a:lvl4pPr>
+            <a:lvl5pPr marL="1828800" indent="0">
+              <a:buNone/>
+              <a:defRPr sz="2000"/>
+            </a:lvl5pPr>
+            <a:lvl6pPr marL="2286000" indent="0">
+              <a:buNone/>
+              <a:defRPr sz="2000"/>
+            </a:lvl6pPr>
+            <a:lvl7pPr marL="2743200" indent="0">
+              <a:buNone/>
+              <a:defRPr sz="2000"/>
+            </a:lvl7pPr>
+            <a:lvl8pPr marL="3200400" indent="0">
+              <a:buNone/>
+              <a:defRPr sz="2000"/>
+            </a:lvl8pPr>
+            <a:lvl9pPr marL="3657600" indent="0">
+              <a:buNone/>
+              <a:defRPr sz="2000"/>
+            </a:lvl9pPr>
+          </a:lstStyle>
+          <a:p>
+            <a:pPr marL="0" marR="0" lvl="0" indent="0" algn="l" defTabSz="914400" rtl="0" eaLnBrk="1" fontAlgn="base" latinLnBrk="0" hangingPunct="1">
+              <a:lnSpc>
+                <a:spcPct val="100000"/>
+              </a:lnSpc>
+              <a:spcBef>
+                <a:spcPct val="20000"/>
+              </a:spcBef>
+              <a:spcAft>
+                <a:spcPct val="0"/>
+              </a:spcAft>
+              <a:buClrTx/>
+              <a:buSzTx/>
+              <a:buFontTx/>
+              <a:buNone/>
+              <a:defRPr/>
+            </a:pPr>
+            <a:endParaRPr kumimoji="0" lang="en-US" sz="3200" b="0" i="0" u="none" strike="noStrike" kern="1200" cap="none" spc="0" normalizeH="0" baseline="0" noProof="0" smtClean="0">
+              <a:ln>
+                <a:noFill/>
+              </a:ln>
+              <a:solidFill>
+                <a:schemeClr val="tx1"/>
+              </a:solidFill>
+              <a:effectLst/>
+              <a:uLnTx/>
+              <a:uFillTx/>
+              <a:latin typeface="+mn-lt"/>
+              <a:ea typeface="+mn-ea"/>
+              <a:cs typeface="+mn-cs"/>
+            </a:endParaRPr>
+          </a:p>
+        </p:txBody>
+      </p:sp>
+      <p:sp>
+        <p:nvSpPr>
+          <p:cNvPr id="4" name="Text Placeholder 3"/>
+          <p:cNvSpPr>
+            <a:spLocks noGrp="1"/>
+          </p:cNvSpPr>
+          <p:nvPr>
+            <p:ph type="body" sz="half" idx="2"/>
+          </p:nvPr>
+        </p:nvSpPr>
+        <p:spPr>
+          <a:xfrm>
+            <a:off x="840317" y="2057400"/>
+            <a:ext cx="3932767" cy="3811588"/>
+          </a:xfrm>
+        </p:spPr>
+        <p:txBody>
+          <a:bodyPr/>
+          <a:lstStyle>
+            <a:lvl1pPr marL="0" indent="0">
+              <a:buNone/>
+              <a:defRPr sz="1600"/>
+            </a:lvl1pPr>
+            <a:lvl2pPr marL="457200" indent="0">
+              <a:buNone/>
+              <a:defRPr sz="1400"/>
+            </a:lvl2pPr>
+            <a:lvl3pPr marL="914400" indent="0">
+              <a:buNone/>
+              <a:defRPr sz="1200"/>
+            </a:lvl3pPr>
+            <a:lvl4pPr marL="1371600" indent="0">
+              <a:buNone/>
+              <a:defRPr sz="1000"/>
+            </a:lvl4pPr>
+            <a:lvl5pPr marL="1828800" indent="0">
+              <a:buNone/>
+              <a:defRPr sz="1000"/>
+            </a:lvl5pPr>
+            <a:lvl6pPr marL="2286000" indent="0">
+              <a:buNone/>
+              <a:defRPr sz="1000"/>
+            </a:lvl6pPr>
+            <a:lvl7pPr marL="2743200" indent="0">
+              <a:buNone/>
+              <a:defRPr sz="1000"/>
+            </a:lvl7pPr>
+            <a:lvl8pPr marL="3200400" indent="0">
+              <a:buNone/>
+              <a:defRPr sz="1000"/>
+            </a:lvl8pPr>
+            <a:lvl9pPr marL="3657600" indent="0">
+              <a:buNone/>
+              <a:defRPr sz="1000"/>
+            </a:lvl9pPr>
+          </a:lstStyle>
+          <a:p>
+            <a:pPr lvl="0"/>
+            <a:r>
+              <a:rPr lang="en-US" smtClean="0"/>
+              <a:t>Click to edit Master text styles</a:t>
+            </a:r>
+            <a:endParaRPr lang="en-US" smtClean="0"/>
+          </a:p>
+        </p:txBody>
+      </p:sp>
+      <p:sp>
+        <p:nvSpPr>
+          <p:cNvPr id="5" name="Date Placeholder 4"/>
+          <p:cNvSpPr>
+            <a:spLocks noGrp="1"/>
+          </p:cNvSpPr>
+          <p:nvPr>
             <p:ph type="dt" sz="half" idx="10"/>
           </p:nvPr>
         </p:nvSpPr>
         <p:spPr/>
         <p:txBody>
           <a:bodyPr/>
-          <a:lstStyle/>
-          <a:p>
-            <a:fld id="{760FBDFE-C587-4B4C-A407-44438C67B59E}" type="datetimeFigureOut">
+          <a:p>
+            <a:fld id="{9EFD9D74-47D9-4702-A33C-335B63B48DBF}" type="datetimeFigureOut">
+              <a:rPr lang="zh-CN" altLang="en-US" smtClean="0"/>
+            </a:fld>
+            <a:endParaRPr lang="zh-CN" altLang="en-US" dirty="0"/>
+          </a:p>
+        </p:txBody>
+      </p:sp>
+      <p:sp>
+        <p:nvSpPr>
+          <p:cNvPr id="6" name="Footer Placeholder 5"/>
+          <p:cNvSpPr>
+            <a:spLocks noGrp="1"/>
+          </p:cNvSpPr>
+          <p:nvPr>
+            <p:ph type="ftr" sz="quarter" idx="11"/>
+          </p:nvPr>
+        </p:nvSpPr>
+        <p:spPr/>
+        <p:txBody>
+          <a:bodyPr/>
+          <a:p>
+            <a:endParaRPr lang="zh-CN" altLang="en-US" dirty="0"/>
+          </a:p>
+        </p:txBody>
+      </p:sp>
+      <p:sp>
+        <p:nvSpPr>
+          <p:cNvPr id="7" name="Slide Number Placeholder 6"/>
+          <p:cNvSpPr>
+            <a:spLocks noGrp="1"/>
+          </p:cNvSpPr>
+          <p:nvPr>
+            <p:ph type="sldNum" sz="quarter" idx="12"/>
+          </p:nvPr>
+        </p:nvSpPr>
+        <p:spPr/>
+        <p:txBody>
+          <a:bodyPr/>
+          <a:p>
+            <a:fld id="{FABC47A4-756D-490B-A52F-7D9E2C9FC05F}" type="slidenum">
               <a:rPr lang="zh-CN" altLang="en-US" smtClean="0"/>
             </a:fld>
             <a:endParaRPr lang="zh-CN" altLang="en-US"/>
           </a:p>
         </p:txBody>
       </p:sp>
-      <p:sp>
-        <p:nvSpPr>
-          <p:cNvPr id="4" name="页脚占位符 3"/>
-          <p:cNvSpPr>
-            <a:spLocks noGrp="1"/>
-          </p:cNvSpPr>
-          <p:nvPr>
-            <p:ph type="ftr" sz="quarter" idx="11"/>
-          </p:nvPr>
-        </p:nvSpPr>
-        <p:spPr/>
-        <p:txBody>
-          <a:bodyPr/>
-          <a:lstStyle/>
-          <a:p>
-            <a:endParaRPr lang="zh-CN" altLang="en-US"/>
-          </a:p>
-        </p:txBody>
-      </p:sp>
-      <p:sp>
-        <p:nvSpPr>
-          <p:cNvPr id="5" name="灯片编号占位符 4"/>
-          <p:cNvSpPr>
-            <a:spLocks noGrp="1"/>
-          </p:cNvSpPr>
-          <p:nvPr>
-            <p:ph type="sldNum" sz="quarter" idx="12"/>
-          </p:nvPr>
-        </p:nvSpPr>
-        <p:spPr/>
-        <p:txBody>
-          <a:bodyPr/>
-          <a:lstStyle/>
-          <a:p>
-            <a:fld id="{49AE70B2-8BF9-45C0-BB95-33D1B9D3A854}" type="slidenum">
-              <a:rPr lang="zh-CN" altLang="en-US" smtClean="0"/>
-            </a:fld>
-            <a:endParaRPr lang="zh-CN" altLang="en-US"/>
-          </a:p>
-        </p:txBody>
-      </p:sp>
-      <p:sp>
-        <p:nvSpPr>
-          <p:cNvPr id="7" name="内容占位符 6"/>
-          <p:cNvSpPr>
-            <a:spLocks noGrp="1"/>
-          </p:cNvSpPr>
-          <p:nvPr>
-            <p:ph sz="quarter" idx="13"/>
-          </p:nvPr>
-        </p:nvSpPr>
+      <p:cxnSp>
+        <p:nvCxnSpPr>
+          <p:cNvPr id="8" name="直接连接符 7" hidden="1"/>
+          <p:cNvCxnSpPr/>
+          <p:nvPr userDrawn="1"/>
+        </p:nvCxnSpPr>
         <p:spPr>
           <a:xfrm>
-            <a:off x="838200" y="551543"/>
-            <a:ext cx="10515600" cy="5558971"/>
+            <a:off x="742950" y="434340"/>
+            <a:ext cx="0" cy="1391285"/>
           </a:xfrm>
+          <a:prstGeom prst="line">
+            <a:avLst/>
+          </a:prstGeom>
         </p:spPr>
-        <p:txBody>
-          <a:bodyPr/>
-          <a:lstStyle/>
-          <a:p>
-            <a:pPr lvl="0"/>
-            <a:r>
-              <a:rPr lang="zh-CN" altLang="en-US" dirty="0">
-                <a:sym typeface="+mn-ea"/>
-              </a:rPr>
-              <a:t>Click to edit Master text styles</a:t>
-            </a:r>
-            <a:endParaRPr lang="zh-CN" altLang="en-US" dirty="0">
-              <a:sym typeface="+mn-ea"/>
-            </a:endParaRPr>
-          </a:p>
-          <a:p>
-            <a:pPr lvl="1"/>
-            <a:r>
-              <a:rPr lang="zh-CN" altLang="en-US" dirty="0"/>
-              <a:t>Second level</a:t>
-            </a:r>
-            <a:endParaRPr lang="zh-CN" altLang="en-US" dirty="0"/>
-          </a:p>
-          <a:p>
-            <a:pPr lvl="2"/>
-            <a:r>
-              <a:rPr lang="zh-CN" altLang="en-US" dirty="0"/>
-              <a:t>Third level</a:t>
-            </a:r>
-            <a:endParaRPr lang="zh-CN" altLang="en-US" dirty="0"/>
-          </a:p>
-          <a:p>
-            <a:pPr lvl="3"/>
-            <a:r>
-              <a:rPr lang="zh-CN" altLang="en-US" dirty="0"/>
-              <a:t>Fourth level</a:t>
-            </a:r>
-            <a:endParaRPr lang="zh-CN" altLang="en-US" dirty="0"/>
-          </a:p>
-          <a:p>
-            <a:pPr lvl="4"/>
-            <a:r>
-              <a:rPr lang="zh-CN" altLang="en-US" dirty="0"/>
-              <a:t>Fifth level</a:t>
-            </a:r>
-            <a:endParaRPr lang="zh-CN" altLang="en-US" dirty="0"/>
-          </a:p>
-        </p:txBody>
-      </p:sp>
+        <p:style>
+          <a:lnRef idx="1">
+            <a:schemeClr val="accent1"/>
+          </a:lnRef>
+          <a:fillRef idx="0">
+            <a:schemeClr val="accent1"/>
+          </a:fillRef>
+          <a:effectRef idx="0">
+            <a:schemeClr val="accent1"/>
+          </a:effectRef>
+          <a:fontRef idx="minor">
+            <a:schemeClr val="tx1"/>
+          </a:fontRef>
+        </p:style>
+      </p:cxnSp>
     </p:spTree>
   </p:cSld>
   <p:clrMapOvr>
     <a:masterClrMapping/>
   </p:clrMapOvr>
+  <p:hf sldNum="0" hdr="0" ftr="0" dt="0"/>
+</p:sldLayout>
+</file>
+
+<file path=ppt/slideLayouts/slideLayout11.xml><?xml version="1.0" encoding="utf-8"?>
+<p:sldLayout xmlns:a="http://schemas.openxmlformats.org/drawingml/2006/main" xmlns:r="http://schemas.openxmlformats.org/officeDocument/2006/relationships" xmlns:p="http://schemas.openxmlformats.org/presentationml/2006/main" type="vertTx" preserve="1">
+  <p:cSld name="Title and Vertical Text">
+    <p:spTree>
+      <p:nvGrpSpPr>
+        <p:cNvPr id="1" name=""/>
+        <p:cNvGrpSpPr/>
+        <p:nvPr/>
+      </p:nvGrpSpPr>
+      <p:grpSpPr>
+        <a:xfrm>
+          <a:off x="0" y="0"/>
+          <a:ext cx="0" cy="0"/>
+          <a:chOff x="0" y="0"/>
+          <a:chExt cx="0" cy="0"/>
+        </a:xfrm>
+      </p:grpSpPr>
+      <p:sp>
+        <p:nvSpPr>
+          <p:cNvPr id="2" name="Title 1"/>
+          <p:cNvSpPr>
+            <a:spLocks noGrp="1"/>
+          </p:cNvSpPr>
+          <p:nvPr>
+            <p:ph type="title"/>
+          </p:nvPr>
+        </p:nvSpPr>
+        <p:spPr/>
+        <p:txBody>
+          <a:bodyPr/>
+          <a:lstStyle/>
+          <a:p>
+            <a:r>
+              <a:rPr lang="en-US" smtClean="0"/>
+              <a:t>Click to edit Master title style</a:t>
+            </a:r>
+            <a:endParaRPr lang="en-US"/>
+          </a:p>
+        </p:txBody>
+      </p:sp>
+      <p:sp>
+        <p:nvSpPr>
+          <p:cNvPr id="3" name="Vertical Text Placeholder 2"/>
+          <p:cNvSpPr>
+            <a:spLocks noGrp="1"/>
+          </p:cNvSpPr>
+          <p:nvPr>
+            <p:ph type="body" orient="vert" idx="1"/>
+          </p:nvPr>
+        </p:nvSpPr>
+        <p:spPr/>
+        <p:txBody>
+          <a:bodyPr vert="eaVert"/>
+          <a:lstStyle/>
+          <a:p>
+            <a:pPr lvl="0"/>
+            <a:r>
+              <a:rPr lang="en-US" smtClean="0"/>
+              <a:t>Click to edit Master text styles</a:t>
+            </a:r>
+            <a:endParaRPr lang="en-US" smtClean="0"/>
+          </a:p>
+          <a:p>
+            <a:pPr lvl="1"/>
+            <a:r>
+              <a:rPr lang="en-US" smtClean="0"/>
+              <a:t>Second level</a:t>
+            </a:r>
+            <a:endParaRPr lang="en-US" smtClean="0"/>
+          </a:p>
+          <a:p>
+            <a:pPr lvl="2"/>
+            <a:r>
+              <a:rPr lang="en-US" smtClean="0"/>
+              <a:t>Third level</a:t>
+            </a:r>
+            <a:endParaRPr lang="en-US" smtClean="0"/>
+          </a:p>
+          <a:p>
+            <a:pPr lvl="3"/>
+            <a:r>
+              <a:rPr lang="en-US" smtClean="0"/>
+              <a:t>Fourth level</a:t>
+            </a:r>
+            <a:endParaRPr lang="en-US" smtClean="0"/>
+          </a:p>
+          <a:p>
+            <a:pPr lvl="4"/>
+            <a:r>
+              <a:rPr lang="en-US" smtClean="0"/>
+              <a:t>Fifth level</a:t>
+            </a:r>
+            <a:endParaRPr lang="en-US"/>
+          </a:p>
+        </p:txBody>
+      </p:sp>
+      <p:sp>
+        <p:nvSpPr>
+          <p:cNvPr id="4" name="Date Placeholder 3"/>
+          <p:cNvSpPr>
+            <a:spLocks noGrp="1"/>
+          </p:cNvSpPr>
+          <p:nvPr>
+            <p:ph type="dt" sz="half" idx="10"/>
+          </p:nvPr>
+        </p:nvSpPr>
+        <p:spPr/>
+        <p:txBody>
+          <a:bodyPr/>
+          <a:p>
+            <a:pPr marL="0" marR="0" lvl="0" indent="0" algn="l" defTabSz="914400" rtl="0" eaLnBrk="1" fontAlgn="base" latinLnBrk="0" hangingPunct="1">
+              <a:lnSpc>
+                <a:spcPct val="100000"/>
+              </a:lnSpc>
+              <a:spcBef>
+                <a:spcPct val="0"/>
+              </a:spcBef>
+              <a:spcAft>
+                <a:spcPct val="0"/>
+              </a:spcAft>
+              <a:buClrTx/>
+              <a:buSzTx/>
+              <a:buFontTx/>
+              <a:buNone/>
+              <a:defRPr/>
+            </a:pPr>
+            <a:endParaRPr kumimoji="0" lang="en-US" altLang="zh-CN" sz="1400" b="0" i="0" u="none" strike="noStrike" kern="1200" cap="none" spc="0" normalizeH="0" baseline="0" noProof="0" smtClean="0">
+              <a:ln>
+                <a:noFill/>
+              </a:ln>
+              <a:solidFill>
+                <a:schemeClr val="tx1"/>
+              </a:solidFill>
+              <a:effectLst/>
+              <a:uLnTx/>
+              <a:uFillTx/>
+              <a:latin typeface="Arial" panose="02080604020202020204" pitchFamily="34" charset="0"/>
+              <a:ea typeface="SimSun" pitchFamily="2" charset="-122"/>
+              <a:cs typeface="+mn-cs"/>
+            </a:endParaRPr>
+          </a:p>
+        </p:txBody>
+      </p:sp>
+      <p:sp>
+        <p:nvSpPr>
+          <p:cNvPr id="5" name="Footer Placeholder 4"/>
+          <p:cNvSpPr>
+            <a:spLocks noGrp="1"/>
+          </p:cNvSpPr>
+          <p:nvPr>
+            <p:ph type="ftr" sz="quarter" idx="11"/>
+          </p:nvPr>
+        </p:nvSpPr>
+        <p:spPr/>
+        <p:txBody>
+          <a:bodyPr/>
+          <a:p>
+            <a:pPr marL="0" marR="0" lvl="0" indent="0" algn="ctr" defTabSz="914400" rtl="0" eaLnBrk="1" fontAlgn="base" latinLnBrk="0" hangingPunct="1">
+              <a:lnSpc>
+                <a:spcPct val="100000"/>
+              </a:lnSpc>
+              <a:spcBef>
+                <a:spcPct val="0"/>
+              </a:spcBef>
+              <a:spcAft>
+                <a:spcPct val="0"/>
+              </a:spcAft>
+              <a:buClrTx/>
+              <a:buSzTx/>
+              <a:buFontTx/>
+              <a:buNone/>
+              <a:defRPr/>
+            </a:pPr>
+            <a:endParaRPr kumimoji="0" lang="en-US" altLang="zh-CN" sz="1400" b="0" i="0" u="none" strike="noStrike" kern="1200" cap="none" spc="0" normalizeH="0" baseline="0" noProof="0" smtClean="0">
+              <a:ln>
+                <a:noFill/>
+              </a:ln>
+              <a:solidFill>
+                <a:schemeClr val="tx1"/>
+              </a:solidFill>
+              <a:effectLst/>
+              <a:uLnTx/>
+              <a:uFillTx/>
+              <a:latin typeface="Arial" panose="02080604020202020204" pitchFamily="34" charset="0"/>
+              <a:ea typeface="SimSun" pitchFamily="2" charset="-122"/>
+              <a:cs typeface="+mn-cs"/>
+            </a:endParaRPr>
+          </a:p>
+        </p:txBody>
+      </p:sp>
+      <p:sp>
+        <p:nvSpPr>
+          <p:cNvPr id="6" name="Slide Number Placeholder 5"/>
+          <p:cNvSpPr>
+            <a:spLocks noGrp="1"/>
+          </p:cNvSpPr>
+          <p:nvPr>
+            <p:ph type="sldNum" sz="quarter" idx="12"/>
+          </p:nvPr>
+        </p:nvSpPr>
+        <p:spPr/>
+        <p:txBody>
+          <a:bodyPr/>
+          <a:p>
+            <a:pPr marL="0" marR="0" lvl="0" indent="0" algn="r" defTabSz="914400" rtl="0" eaLnBrk="1" fontAlgn="base" latinLnBrk="0" hangingPunct="1">
+              <a:lnSpc>
+                <a:spcPct val="100000"/>
+              </a:lnSpc>
+              <a:spcBef>
+                <a:spcPct val="0"/>
+              </a:spcBef>
+              <a:spcAft>
+                <a:spcPct val="0"/>
+              </a:spcAft>
+              <a:buClrTx/>
+              <a:buSzTx/>
+              <a:buFontTx/>
+              <a:buNone/>
+              <a:defRPr/>
+            </a:pPr>
+            <a:fld id="{F39722A4-B7DD-4972-B8CF-0A4F6863DCFD}" type="slidenum">
+              <a:rPr kumimoji="0" lang="en-US" altLang="zh-CN" sz="1400" b="0" i="0" u="none" strike="noStrike" kern="1200" cap="none" spc="0" normalizeH="0" baseline="0" noProof="0" smtClean="0">
+                <a:ln>
+                  <a:noFill/>
+                </a:ln>
+                <a:solidFill>
+                  <a:schemeClr val="tx1"/>
+                </a:solidFill>
+                <a:effectLst/>
+                <a:uLnTx/>
+                <a:uFillTx/>
+                <a:latin typeface="Arial" panose="02080604020202020204" pitchFamily="34" charset="0"/>
+                <a:ea typeface="SimSun" pitchFamily="2" charset="-122"/>
+                <a:cs typeface="+mn-cs"/>
+              </a:rPr>
+            </a:fld>
+            <a:endParaRPr kumimoji="0" lang="en-US" altLang="zh-CN" sz="1400" b="0" i="0" u="none" strike="noStrike" kern="1200" cap="none" spc="0" normalizeH="0" baseline="0" noProof="0" smtClean="0">
+              <a:ln>
+                <a:noFill/>
+              </a:ln>
+              <a:solidFill>
+                <a:schemeClr val="tx1"/>
+              </a:solidFill>
+              <a:effectLst/>
+              <a:uLnTx/>
+              <a:uFillTx/>
+              <a:latin typeface="Arial" panose="02080604020202020204" pitchFamily="34" charset="0"/>
+              <a:ea typeface="SimSun" pitchFamily="2" charset="-122"/>
+              <a:cs typeface="+mn-cs"/>
+            </a:endParaRPr>
+          </a:p>
+        </p:txBody>
+      </p:sp>
+    </p:spTree>
+  </p:cSld>
+  <p:clrMapOvr>
+    <a:masterClrMapping/>
+  </p:clrMapOvr>
+  <p:hf sldNum="0" hdr="0" ftr="0" dt="0"/>
+</p:sldLayout>
+</file>
+
+<file path=ppt/slideLayouts/slideLayout12.xml><?xml version="1.0" encoding="utf-8"?>
+<p:sldLayout xmlns:a="http://schemas.openxmlformats.org/drawingml/2006/main" xmlns:r="http://schemas.openxmlformats.org/officeDocument/2006/relationships" xmlns:p="http://schemas.openxmlformats.org/presentationml/2006/main" type="vertTitleAndTx" preserve="1">
+  <p:cSld name="Vertical Title and Text">
+    <p:spTree>
+      <p:nvGrpSpPr>
+        <p:cNvPr id="1" name=""/>
+        <p:cNvGrpSpPr/>
+        <p:nvPr/>
+      </p:nvGrpSpPr>
+      <p:grpSpPr>
+        <a:xfrm>
+          <a:off x="0" y="0"/>
+          <a:ext cx="0" cy="0"/>
+          <a:chOff x="0" y="0"/>
+          <a:chExt cx="0" cy="0"/>
+        </a:xfrm>
+      </p:grpSpPr>
+      <p:sp>
+        <p:nvSpPr>
+          <p:cNvPr id="2" name="Vertical Title 1"/>
+          <p:cNvSpPr>
+            <a:spLocks noGrp="1"/>
+          </p:cNvSpPr>
+          <p:nvPr>
+            <p:ph type="title" orient="vert"/>
+          </p:nvPr>
+        </p:nvSpPr>
+        <p:spPr>
+          <a:xfrm>
+            <a:off x="8839200" y="190500"/>
+            <a:ext cx="2743200" cy="5937250"/>
+          </a:xfrm>
+        </p:spPr>
+        <p:txBody>
+          <a:bodyPr vert="eaVert"/>
+          <a:lstStyle/>
+          <a:p>
+            <a:r>
+              <a:rPr lang="en-US" smtClean="0"/>
+              <a:t>Click to edit Master title style</a:t>
+            </a:r>
+            <a:endParaRPr lang="en-US"/>
+          </a:p>
+        </p:txBody>
+      </p:sp>
+      <p:sp>
+        <p:nvSpPr>
+          <p:cNvPr id="3" name="Vertical Text Placeholder 2"/>
+          <p:cNvSpPr>
+            <a:spLocks noGrp="1"/>
+          </p:cNvSpPr>
+          <p:nvPr>
+            <p:ph type="body" orient="vert" idx="1"/>
+          </p:nvPr>
+        </p:nvSpPr>
+        <p:spPr>
+          <a:xfrm>
+            <a:off x="609600" y="190500"/>
+            <a:ext cx="8026400" cy="5937250"/>
+          </a:xfrm>
+        </p:spPr>
+        <p:txBody>
+          <a:bodyPr vert="eaVert"/>
+          <a:lstStyle/>
+          <a:p>
+            <a:pPr lvl="0"/>
+            <a:r>
+              <a:rPr lang="en-US" smtClean="0"/>
+              <a:t>Click to edit Master text styles</a:t>
+            </a:r>
+            <a:endParaRPr lang="en-US" smtClean="0"/>
+          </a:p>
+          <a:p>
+            <a:pPr lvl="1"/>
+            <a:r>
+              <a:rPr lang="en-US" smtClean="0"/>
+              <a:t>Second level</a:t>
+            </a:r>
+            <a:endParaRPr lang="en-US" smtClean="0"/>
+          </a:p>
+          <a:p>
+            <a:pPr lvl="2"/>
+            <a:r>
+              <a:rPr lang="en-US" smtClean="0"/>
+              <a:t>Third level</a:t>
+            </a:r>
+            <a:endParaRPr lang="en-US" smtClean="0"/>
+          </a:p>
+          <a:p>
+            <a:pPr lvl="3"/>
+            <a:r>
+              <a:rPr lang="en-US" smtClean="0"/>
+              <a:t>Fourth level</a:t>
+            </a:r>
+            <a:endParaRPr lang="en-US" smtClean="0"/>
+          </a:p>
+          <a:p>
+            <a:pPr lvl="4"/>
+            <a:r>
+              <a:rPr lang="en-US" smtClean="0"/>
+              <a:t>Fifth level</a:t>
+            </a:r>
+            <a:endParaRPr lang="en-US"/>
+          </a:p>
+        </p:txBody>
+      </p:sp>
+      <p:sp>
+        <p:nvSpPr>
+          <p:cNvPr id="4" name="Date Placeholder 3"/>
+          <p:cNvSpPr>
+            <a:spLocks noGrp="1"/>
+          </p:cNvSpPr>
+          <p:nvPr>
+            <p:ph type="dt" sz="half" idx="10"/>
+          </p:nvPr>
+        </p:nvSpPr>
+        <p:spPr/>
+        <p:txBody>
+          <a:bodyPr/>
+          <a:p>
+            <a:fld id="{760FBDFE-C587-4B4C-A407-44438C67B59E}" type="datetimeFigureOut">
+              <a:rPr lang="zh-CN" altLang="en-US" smtClean="0"/>
+            </a:fld>
+            <a:endParaRPr lang="zh-CN" altLang="en-US"/>
+          </a:p>
+        </p:txBody>
+      </p:sp>
+      <p:sp>
+        <p:nvSpPr>
+          <p:cNvPr id="5" name="Footer Placeholder 4"/>
+          <p:cNvSpPr>
+            <a:spLocks noGrp="1"/>
+          </p:cNvSpPr>
+          <p:nvPr>
+            <p:ph type="ftr" sz="quarter" idx="11"/>
+          </p:nvPr>
+        </p:nvSpPr>
+        <p:spPr/>
+        <p:txBody>
+          <a:bodyPr/>
+          <a:p>
+            <a:endParaRPr lang="zh-CN" altLang="en-US"/>
+          </a:p>
+        </p:txBody>
+      </p:sp>
+      <p:sp>
+        <p:nvSpPr>
+          <p:cNvPr id="6" name="Slide Number Placeholder 5"/>
+          <p:cNvSpPr>
+            <a:spLocks noGrp="1"/>
+          </p:cNvSpPr>
+          <p:nvPr>
+            <p:ph type="sldNum" sz="quarter" idx="12"/>
+          </p:nvPr>
+        </p:nvSpPr>
+        <p:spPr/>
+        <p:txBody>
+          <a:bodyPr/>
+          <a:p>
+            <a:fld id="{49AE70B2-8BF9-45C0-BB95-33D1B9D3A854}" type="slidenum">
+              <a:rPr lang="zh-CN" altLang="en-US" smtClean="0"/>
+            </a:fld>
+            <a:endParaRPr lang="zh-CN" altLang="en-US"/>
+          </a:p>
+        </p:txBody>
+      </p:sp>
+    </p:spTree>
+  </p:cSld>
+  <p:clrMapOvr>
+    <a:masterClrMapping/>
+  </p:clrMapOvr>
+  <p:hf sldNum="0" hdr="0" ftr="0" dt="0"/>
 </p:sldLayout>
 </file>
 
@@ -1009,178 +1734,96 @@
       </p:grpSpPr>
       <p:sp>
         <p:nvSpPr>
-          <p:cNvPr id="2" name="标题 1"/>
+          <p:cNvPr id="2" name="Title 1"/>
           <p:cNvSpPr>
             <a:spLocks noGrp="1"/>
           </p:cNvSpPr>
           <p:nvPr>
             <p:ph type="title"/>
-          </p:nvPr>
-        </p:nvSpPr>
-        <p:spPr>
-          <a:xfrm>
-            <a:off x="647700" y="258445"/>
-            <a:ext cx="10515600" cy="1325563"/>
-          </a:xfrm>
-        </p:spPr>
-        <p:txBody>
-          <a:bodyPr anchor="ctr" anchorCtr="0">
-            <a:normAutofit/>
-          </a:bodyPr>
-          <a:lstStyle>
-            <a:lvl1pPr>
-              <a:defRPr sz="2400" b="1">
-                <a:effectLst>
-                  <a:outerShdw blurRad="38100" dist="38100" dir="2700000" algn="tl">
-                    <a:srgbClr val="000000">
-                      <a:alpha val="43137"/>
-                    </a:srgbClr>
-                  </a:outerShdw>
-                </a:effectLst>
-              </a:defRPr>
-            </a:lvl1pPr>
-          </a:lstStyle>
-          <a:p>
-            <a:r>
-              <a:rPr lang="zh-CN" altLang="en-US" dirty="0"/>
-              <a:t>Click to edit Master title style</a:t>
-            </a:r>
-            <a:endParaRPr lang="zh-CN" altLang="en-US" dirty="0"/>
-          </a:p>
-        </p:txBody>
-      </p:sp>
-      <p:sp>
-        <p:nvSpPr>
-          <p:cNvPr id="3" name="内容占位符 2"/>
-          <p:cNvSpPr>
-            <a:spLocks noGrp="1"/>
-          </p:cNvSpPr>
-          <p:nvPr>
-            <p:ph idx="1"/>
-          </p:nvPr>
-        </p:nvSpPr>
-        <p:spPr>
-          <a:xfrm>
-            <a:off x="647700" y="1825625"/>
-            <a:ext cx="10515600" cy="4351338"/>
-          </a:xfrm>
-        </p:spPr>
-        <p:txBody>
-          <a:bodyPr>
-            <a:normAutofit/>
-          </a:bodyPr>
-          <a:lstStyle>
-            <a:lvl1pPr>
-              <a:defRPr sz="2000">
-                <a:solidFill>
-                  <a:schemeClr val="tx1">
-                    <a:lumMod val="75000"/>
-                    <a:lumOff val="25000"/>
-                  </a:schemeClr>
-                </a:solidFill>
-              </a:defRPr>
-            </a:lvl1pPr>
-            <a:lvl2pPr>
-              <a:defRPr sz="1800">
-                <a:solidFill>
-                  <a:schemeClr val="tx1">
-                    <a:lumMod val="75000"/>
-                    <a:lumOff val="25000"/>
-                  </a:schemeClr>
-                </a:solidFill>
-              </a:defRPr>
-            </a:lvl2pPr>
-            <a:lvl3pPr>
-              <a:defRPr sz="1600">
-                <a:solidFill>
-                  <a:schemeClr val="tx1">
-                    <a:lumMod val="75000"/>
-                    <a:lumOff val="25000"/>
-                  </a:schemeClr>
-                </a:solidFill>
-              </a:defRPr>
-            </a:lvl3pPr>
-            <a:lvl4pPr>
-              <a:defRPr sz="1600">
-                <a:solidFill>
-                  <a:schemeClr val="tx1">
-                    <a:lumMod val="75000"/>
-                    <a:lumOff val="25000"/>
-                  </a:schemeClr>
-                </a:solidFill>
-              </a:defRPr>
-            </a:lvl4pPr>
-            <a:lvl5pPr>
-              <a:defRPr sz="1600">
-                <a:solidFill>
-                  <a:schemeClr val="tx1">
-                    <a:lumMod val="75000"/>
-                    <a:lumOff val="25000"/>
-                  </a:schemeClr>
-                </a:solidFill>
-              </a:defRPr>
-            </a:lvl5pPr>
-          </a:lstStyle>
-          <a:p>
-            <a:pPr lvl="0"/>
-            <a:r>
-              <a:rPr lang="zh-CN" altLang="en-US" dirty="0">
-                <a:sym typeface="+mn-ea"/>
-              </a:rPr>
-              <a:t>Click to edit Master text styles</a:t>
-            </a:r>
-            <a:endParaRPr lang="zh-CN" altLang="en-US" dirty="0">
-              <a:sym typeface="+mn-ea"/>
-            </a:endParaRPr>
-          </a:p>
-          <a:p>
-            <a:pPr lvl="1"/>
-            <a:r>
-              <a:rPr lang="zh-CN" altLang="en-US" dirty="0"/>
-              <a:t>Second level</a:t>
-            </a:r>
-            <a:endParaRPr lang="zh-CN" altLang="en-US" dirty="0"/>
-          </a:p>
-          <a:p>
-            <a:pPr lvl="2"/>
-            <a:r>
-              <a:rPr lang="zh-CN" altLang="en-US" dirty="0"/>
-              <a:t>Third level</a:t>
-            </a:r>
-            <a:endParaRPr lang="zh-CN" altLang="en-US" dirty="0"/>
-          </a:p>
-          <a:p>
-            <a:pPr lvl="3"/>
-            <a:r>
-              <a:rPr lang="zh-CN" altLang="en-US" dirty="0"/>
-              <a:t>Fourth level</a:t>
-            </a:r>
-            <a:endParaRPr lang="zh-CN" altLang="en-US" dirty="0"/>
-          </a:p>
-          <a:p>
-            <a:pPr lvl="4"/>
-            <a:r>
-              <a:rPr lang="zh-CN" altLang="en-US" dirty="0"/>
-              <a:t>Fifth level</a:t>
-            </a:r>
-            <a:endParaRPr lang="zh-CN" altLang="en-US" dirty="0"/>
-          </a:p>
-        </p:txBody>
-      </p:sp>
-      <p:sp>
-        <p:nvSpPr>
-          <p:cNvPr id="4" name="日期占位符 3"/>
-          <p:cNvSpPr>
-            <a:spLocks noGrp="1"/>
-          </p:cNvSpPr>
-          <p:nvPr>
-            <p:ph type="dt" sz="half" idx="10"/>
           </p:nvPr>
         </p:nvSpPr>
         <p:spPr/>
         <p:txBody>
           <a:bodyPr/>
           <a:lstStyle/>
+          <a:p>
+            <a:r>
+              <a:rPr lang="en-US" smtClean="0"/>
+              <a:t>Click to edit Master title style</a:t>
+            </a:r>
+            <a:endParaRPr lang="en-US"/>
+          </a:p>
+        </p:txBody>
+      </p:sp>
+      <p:sp>
+        <p:nvSpPr>
+          <p:cNvPr id="3" name="Content Placeholder 2"/>
+          <p:cNvSpPr>
+            <a:spLocks noGrp="1"/>
+          </p:cNvSpPr>
+          <p:nvPr>
+            <p:ph idx="1"/>
+          </p:nvPr>
+        </p:nvSpPr>
+        <p:spPr/>
+        <p:txBody>
+          <a:bodyPr/>
+          <a:lstStyle/>
+          <a:p>
+            <a:pPr lvl="0"/>
+            <a:r>
+              <a:rPr lang="en-US" smtClean="0"/>
+              <a:t>Click to edit Master text styles</a:t>
+            </a:r>
+            <a:endParaRPr lang="en-US" smtClean="0"/>
+          </a:p>
+          <a:p>
+            <a:pPr lvl="1"/>
+            <a:r>
+              <a:rPr lang="en-US" smtClean="0"/>
+              <a:t>Second level</a:t>
+            </a:r>
+            <a:endParaRPr lang="en-US" smtClean="0"/>
+          </a:p>
+          <a:p>
+            <a:pPr lvl="2"/>
+            <a:r>
+              <a:rPr lang="en-US" smtClean="0"/>
+              <a:t>Third level</a:t>
+            </a:r>
+            <a:endParaRPr lang="en-US" smtClean="0"/>
+          </a:p>
+          <a:p>
+            <a:pPr lvl="3"/>
+            <a:r>
+              <a:rPr lang="en-US" smtClean="0"/>
+              <a:t>Fourth level</a:t>
+            </a:r>
+            <a:endParaRPr lang="en-US" smtClean="0"/>
+          </a:p>
+          <a:p>
+            <a:pPr lvl="4"/>
+            <a:r>
+              <a:rPr lang="en-US" smtClean="0"/>
+              <a:t>Fifth level</a:t>
+            </a:r>
+            <a:endParaRPr lang="en-US"/>
+          </a:p>
+        </p:txBody>
+      </p:sp>
+      <p:sp>
+        <p:nvSpPr>
+          <p:cNvPr id="4" name="Date Placeholder 3"/>
+          <p:cNvSpPr>
+            <a:spLocks noGrp="1"/>
+          </p:cNvSpPr>
+          <p:nvPr>
+            <p:ph type="dt" sz="half" idx="10"/>
+          </p:nvPr>
+        </p:nvSpPr>
+        <p:spPr/>
+        <p:txBody>
+          <a:bodyPr/>
           <a:p>
             <a:fld id="{760FBDFE-C587-4B4C-A407-44438C67B59E}" type="datetimeFigureOut">
               <a:rPr lang="zh-CN" altLang="en-US" smtClean="0"/>
@@ -1191,7 +1834,7 @@
       </p:sp>
       <p:sp>
         <p:nvSpPr>
-          <p:cNvPr id="5" name="页脚占位符 4"/>
+          <p:cNvPr id="5" name="Footer Placeholder 4"/>
           <p:cNvSpPr>
             <a:spLocks noGrp="1"/>
           </p:cNvSpPr>
@@ -1202,7 +1845,6 @@
         <p:spPr/>
         <p:txBody>
           <a:bodyPr/>
-          <a:lstStyle/>
           <a:p>
             <a:endParaRPr lang="zh-CN" altLang="en-US"/>
           </a:p>
@@ -1210,7 +1852,7 @@
       </p:sp>
       <p:sp>
         <p:nvSpPr>
-          <p:cNvPr id="6" name="灯片编号占位符 5"/>
+          <p:cNvPr id="6" name="Slide Number Placeholder 5"/>
           <p:cNvSpPr>
             <a:spLocks noGrp="1"/>
           </p:cNvSpPr>
@@ -1221,7 +1863,6 @@
         <p:spPr/>
         <p:txBody>
           <a:bodyPr/>
-          <a:lstStyle/>
           <a:p>
             <a:fld id="{49AE70B2-8BF9-45C0-BB95-33D1B9D3A854}" type="slidenum">
               <a:rPr lang="zh-CN" altLang="en-US" smtClean="0"/>
@@ -1235,6 +1876,7 @@
   <p:clrMapOvr>
     <a:masterClrMapping/>
   </p:clrMapOvr>
+  <p:hf sldNum="0" hdr="0" ftr="0" dt="0"/>
 </p:sldLayout>
 </file>
 
@@ -1257,7 +1899,7 @@
       </p:grpSpPr>
       <p:sp>
         <p:nvSpPr>
-          <p:cNvPr id="2" name="标题 1"/>
+          <p:cNvPr id="2" name="Title 1"/>
           <p:cNvSpPr>
             <a:spLocks noGrp="1"/>
           </p:cNvSpPr>
@@ -1267,39 +1909,29 @@
         </p:nvSpPr>
         <p:spPr>
           <a:xfrm>
-            <a:off x="831850" y="3750945"/>
-            <a:ext cx="9848088" cy="811530"/>
+            <a:off x="831851" y="1709738"/>
+            <a:ext cx="10515600" cy="2852737"/>
           </a:xfrm>
         </p:spPr>
         <p:txBody>
-          <a:bodyPr anchor="b">
-            <a:normAutofit/>
-          </a:bodyPr>
+          <a:bodyPr anchor="b"/>
           <a:lstStyle>
             <a:lvl1pPr>
-              <a:defRPr sz="4000">
-                <a:effectLst>
-                  <a:outerShdw blurRad="38100" dist="38100" dir="2700000" algn="tl">
-                    <a:srgbClr val="000000">
-                      <a:alpha val="43137"/>
-                    </a:srgbClr>
-                  </a:outerShdw>
-                </a:effectLst>
-              </a:defRPr>
+              <a:defRPr sz="6000"/>
             </a:lvl1pPr>
           </a:lstStyle>
           <a:p>
             <a:r>
-              <a:rPr lang="zh-CN" altLang="en-US" dirty="0"/>
+              <a:rPr lang="en-US" smtClean="0"/>
               <a:t>Click to edit Master title style</a:t>
             </a:r>
-            <a:endParaRPr lang="zh-CN" altLang="en-US" dirty="0"/>
-          </a:p>
-        </p:txBody>
-      </p:sp>
-      <p:sp>
-        <p:nvSpPr>
-          <p:cNvPr id="3" name="文本占位符 2"/>
+            <a:endParaRPr lang="en-US"/>
+          </a:p>
+        </p:txBody>
+      </p:sp>
+      <p:sp>
+        <p:nvSpPr>
+          <p:cNvPr id="3" name="Text Placeholder 2"/>
           <p:cNvSpPr>
             <a:spLocks noGrp="1"/>
           </p:cNvSpPr>
@@ -1309,121 +1941,63 @@
         </p:nvSpPr>
         <p:spPr>
           <a:xfrm>
-            <a:off x="831850" y="4610028"/>
-            <a:ext cx="7321550" cy="647555"/>
+            <a:off x="831851" y="4589463"/>
+            <a:ext cx="10515600" cy="1500187"/>
           </a:xfrm>
         </p:spPr>
         <p:txBody>
-          <a:bodyPr>
-            <a:normAutofit/>
-          </a:bodyPr>
+          <a:bodyPr/>
           <a:lstStyle>
             <a:lvl1pPr marL="0" indent="0">
               <a:buNone/>
-              <a:defRPr sz="1800">
-                <a:solidFill>
-                  <a:schemeClr val="tx1"/>
-                </a:solidFill>
-              </a:defRPr>
+              <a:defRPr sz="2400"/>
             </a:lvl1pPr>
             <a:lvl2pPr marL="457200" indent="0">
               <a:buNone/>
-              <a:defRPr sz="2000">
-                <a:solidFill>
-                  <a:schemeClr val="tx1">
-                    <a:tint val="75000"/>
-                  </a:schemeClr>
-                </a:solidFill>
-              </a:defRPr>
+              <a:defRPr sz="2000"/>
             </a:lvl2pPr>
             <a:lvl3pPr marL="914400" indent="0">
               <a:buNone/>
-              <a:defRPr sz="1800">
-                <a:solidFill>
-                  <a:schemeClr val="tx1">
-                    <a:tint val="75000"/>
-                  </a:schemeClr>
-                </a:solidFill>
-              </a:defRPr>
+              <a:defRPr sz="1800"/>
             </a:lvl3pPr>
             <a:lvl4pPr marL="1371600" indent="0">
               <a:buNone/>
-              <a:defRPr sz="1600">
-                <a:solidFill>
-                  <a:schemeClr val="tx1">
-                    <a:tint val="75000"/>
-                  </a:schemeClr>
-                </a:solidFill>
-              </a:defRPr>
+              <a:defRPr sz="1600"/>
             </a:lvl4pPr>
             <a:lvl5pPr marL="1828800" indent="0">
               <a:buNone/>
-              <a:defRPr sz="1600">
-                <a:solidFill>
-                  <a:schemeClr val="tx1">
-                    <a:tint val="75000"/>
-                  </a:schemeClr>
-                </a:solidFill>
-              </a:defRPr>
+              <a:defRPr sz="1600"/>
             </a:lvl5pPr>
             <a:lvl6pPr marL="2286000" indent="0">
               <a:buNone/>
-              <a:defRPr sz="1600">
-                <a:solidFill>
-                  <a:schemeClr val="tx1">
-                    <a:tint val="75000"/>
-                  </a:schemeClr>
-                </a:solidFill>
-              </a:defRPr>
+              <a:defRPr sz="1600"/>
             </a:lvl6pPr>
             <a:lvl7pPr marL="2743200" indent="0">
               <a:buNone/>
-              <a:defRPr sz="1600">
-                <a:solidFill>
-                  <a:schemeClr val="tx1">
-                    <a:tint val="75000"/>
-                  </a:schemeClr>
-                </a:solidFill>
-              </a:defRPr>
+              <a:defRPr sz="1600"/>
             </a:lvl7pPr>
             <a:lvl8pPr marL="3200400" indent="0">
               <a:buNone/>
-              <a:defRPr sz="1600">
-                <a:solidFill>
-                  <a:schemeClr val="tx1">
-                    <a:tint val="75000"/>
-                  </a:schemeClr>
-                </a:solidFill>
-              </a:defRPr>
+              <a:defRPr sz="1600"/>
             </a:lvl8pPr>
             <a:lvl9pPr marL="3657600" indent="0">
               <a:buNone/>
-              <a:defRPr sz="1600">
-                <a:solidFill>
-                  <a:schemeClr val="tx1">
-                    <a:tint val="75000"/>
-                  </a:schemeClr>
-                </a:solidFill>
-              </a:defRPr>
+              <a:defRPr sz="1600"/>
             </a:lvl9pPr>
           </a:lstStyle>
           <a:p>
             <a:pPr lvl="0"/>
             <a:r>
-              <a:rPr lang="zh-CN" altLang="en-US" dirty="0">
-                <a:sym typeface="+mn-ea"/>
-              </a:rPr>
+              <a:rPr lang="en-US" smtClean="0"/>
               <a:t>Click to edit Master text styles</a:t>
             </a:r>
-            <a:endParaRPr lang="zh-CN" altLang="en-US" dirty="0">
-              <a:sym typeface="+mn-ea"/>
-            </a:endParaRPr>
-          </a:p>
-        </p:txBody>
-      </p:sp>
-      <p:sp>
-        <p:nvSpPr>
-          <p:cNvPr id="4" name="日期占位符 3"/>
+            <a:endParaRPr lang="en-US" smtClean="0"/>
+          </a:p>
+        </p:txBody>
+      </p:sp>
+      <p:sp>
+        <p:nvSpPr>
+          <p:cNvPr id="4" name="Date Placeholder 3"/>
           <p:cNvSpPr>
             <a:spLocks noGrp="1"/>
           </p:cNvSpPr>
@@ -1434,7 +2008,6 @@
         <p:spPr/>
         <p:txBody>
           <a:bodyPr/>
-          <a:lstStyle/>
           <a:p>
             <a:fld id="{760FBDFE-C587-4B4C-A407-44438C67B59E}" type="datetimeFigureOut">
               <a:rPr lang="zh-CN" altLang="en-US" smtClean="0"/>
@@ -1445,7 +2018,7 @@
       </p:sp>
       <p:sp>
         <p:nvSpPr>
-          <p:cNvPr id="5" name="页脚占位符 4"/>
+          <p:cNvPr id="5" name="Footer Placeholder 4"/>
           <p:cNvSpPr>
             <a:spLocks noGrp="1"/>
           </p:cNvSpPr>
@@ -1456,7 +2029,6 @@
         <p:spPr/>
         <p:txBody>
           <a:bodyPr/>
-          <a:lstStyle/>
           <a:p>
             <a:endParaRPr lang="zh-CN" altLang="en-US"/>
           </a:p>
@@ -1464,7 +2036,7 @@
       </p:sp>
       <p:sp>
         <p:nvSpPr>
-          <p:cNvPr id="6" name="灯片编号占位符 5"/>
+          <p:cNvPr id="6" name="Slide Number Placeholder 5"/>
           <p:cNvSpPr>
             <a:spLocks noGrp="1"/>
           </p:cNvSpPr>
@@ -1475,7 +2047,6 @@
         <p:spPr/>
         <p:txBody>
           <a:bodyPr/>
-          <a:lstStyle/>
           <a:p>
             <a:fld id="{49AE70B2-8BF9-45C0-BB95-33D1B9D3A854}" type="slidenum">
               <a:rPr lang="zh-CN" altLang="en-US" smtClean="0"/>
@@ -1489,6 +2060,7 @@
   <p:clrMapOvr>
     <a:masterClrMapping/>
   </p:clrMapOvr>
+  <p:hf sldNum="0" hdr="0" ftr="0" dt="0"/>
 </p:sldLayout>
 </file>
 
@@ -1511,326 +2083,162 @@
       </p:grpSpPr>
       <p:sp>
         <p:nvSpPr>
-          <p:cNvPr id="2" name="标题 1"/>
+          <p:cNvPr id="2" name="Title 1"/>
           <p:cNvSpPr>
             <a:spLocks noGrp="1"/>
           </p:cNvSpPr>
           <p:nvPr>
             <p:ph type="title"/>
+          </p:nvPr>
+        </p:nvSpPr>
+        <p:spPr/>
+        <p:txBody>
+          <a:bodyPr/>
+          <a:lstStyle/>
+          <a:p>
+            <a:r>
+              <a:rPr lang="en-US" smtClean="0"/>
+              <a:t>Click to edit Master title style</a:t>
+            </a:r>
+            <a:endParaRPr lang="en-US"/>
+          </a:p>
+        </p:txBody>
+      </p:sp>
+      <p:sp>
+        <p:nvSpPr>
+          <p:cNvPr id="3" name="Content Placeholder 2"/>
+          <p:cNvSpPr>
+            <a:spLocks noGrp="1"/>
+          </p:cNvSpPr>
+          <p:nvPr>
+            <p:ph sz="half" idx="1"/>
           </p:nvPr>
         </p:nvSpPr>
         <p:spPr>
           <a:xfrm>
-            <a:off x="647700" y="258445"/>
-            <a:ext cx="10515600" cy="1325563"/>
+            <a:off x="609600" y="1174750"/>
+            <a:ext cx="5384800" cy="4953000"/>
           </a:xfrm>
         </p:spPr>
         <p:txBody>
-          <a:bodyPr>
-            <a:normAutofit/>
-          </a:bodyPr>
-          <a:lstStyle>
-            <a:lvl1pPr>
-              <a:defRPr sz="2400" b="1" i="0">
-                <a:effectLst>
-                  <a:outerShdw blurRad="38100" dist="38100" dir="2700000" algn="tl">
-                    <a:srgbClr val="000000">
-                      <a:alpha val="43137"/>
-                    </a:srgbClr>
-                  </a:outerShdw>
-                </a:effectLst>
-              </a:defRPr>
-            </a:lvl1pPr>
-          </a:lstStyle>
-          <a:p>
-            <a:r>
-              <a:rPr lang="zh-CN" altLang="en-US" dirty="0"/>
-              <a:t>Click to edit Master title style</a:t>
-            </a:r>
-            <a:endParaRPr lang="zh-CN" altLang="en-US" dirty="0"/>
-          </a:p>
-        </p:txBody>
-      </p:sp>
-      <p:sp>
-        <p:nvSpPr>
-          <p:cNvPr id="3" name="内容占位符 2"/>
+          <a:bodyPr/>
+          <a:lstStyle/>
+          <a:p>
+            <a:pPr lvl="0"/>
+            <a:r>
+              <a:rPr lang="en-US" smtClean="0"/>
+              <a:t>Click to edit Master text styles</a:t>
+            </a:r>
+            <a:endParaRPr lang="en-US" smtClean="0"/>
+          </a:p>
+          <a:p>
+            <a:pPr lvl="1"/>
+            <a:r>
+              <a:rPr lang="en-US" smtClean="0"/>
+              <a:t>Second level</a:t>
+            </a:r>
+            <a:endParaRPr lang="en-US" smtClean="0"/>
+          </a:p>
+          <a:p>
+            <a:pPr lvl="2"/>
+            <a:r>
+              <a:rPr lang="en-US" smtClean="0"/>
+              <a:t>Third level</a:t>
+            </a:r>
+            <a:endParaRPr lang="en-US" smtClean="0"/>
+          </a:p>
+          <a:p>
+            <a:pPr lvl="3"/>
+            <a:r>
+              <a:rPr lang="en-US" smtClean="0"/>
+              <a:t>Fourth level</a:t>
+            </a:r>
+            <a:endParaRPr lang="en-US" smtClean="0"/>
+          </a:p>
+          <a:p>
+            <a:pPr lvl="4"/>
+            <a:r>
+              <a:rPr lang="en-US" smtClean="0"/>
+              <a:t>Fifth level</a:t>
+            </a:r>
+            <a:endParaRPr lang="en-US"/>
+          </a:p>
+        </p:txBody>
+      </p:sp>
+      <p:sp>
+        <p:nvSpPr>
+          <p:cNvPr id="4" name="Content Placeholder 3"/>
           <p:cNvSpPr>
             <a:spLocks noGrp="1"/>
           </p:cNvSpPr>
           <p:nvPr>
-            <p:ph sz="half" idx="1"/>
+            <p:ph sz="half" idx="2"/>
           </p:nvPr>
         </p:nvSpPr>
         <p:spPr>
           <a:xfrm>
-            <a:off x="647700" y="1825625"/>
-            <a:ext cx="5181600" cy="4351338"/>
+            <a:off x="6197600" y="1174750"/>
+            <a:ext cx="5384800" cy="4953000"/>
           </a:xfrm>
         </p:spPr>
         <p:txBody>
-          <a:bodyPr>
-            <a:normAutofit/>
-          </a:bodyPr>
-          <a:lstStyle>
-            <a:lvl1pPr>
-              <a:lnSpc>
-                <a:spcPct val="150000"/>
-              </a:lnSpc>
-              <a:defRPr sz="2000">
-                <a:solidFill>
-                  <a:schemeClr val="tx1">
-                    <a:lumMod val="75000"/>
-                    <a:lumOff val="25000"/>
-                  </a:schemeClr>
-                </a:solidFill>
-              </a:defRPr>
-            </a:lvl1pPr>
-            <a:lvl2pPr>
-              <a:lnSpc>
-                <a:spcPct val="150000"/>
-              </a:lnSpc>
-              <a:defRPr sz="1800">
-                <a:solidFill>
-                  <a:schemeClr val="tx1">
-                    <a:lumMod val="75000"/>
-                    <a:lumOff val="25000"/>
-                  </a:schemeClr>
-                </a:solidFill>
-              </a:defRPr>
-            </a:lvl2pPr>
-            <a:lvl3pPr>
-              <a:lnSpc>
-                <a:spcPct val="150000"/>
-              </a:lnSpc>
-              <a:defRPr sz="1600">
-                <a:solidFill>
-                  <a:schemeClr val="tx1">
-                    <a:lumMod val="75000"/>
-                    <a:lumOff val="25000"/>
-                  </a:schemeClr>
-                </a:solidFill>
-              </a:defRPr>
-            </a:lvl3pPr>
-            <a:lvl4pPr>
-              <a:lnSpc>
-                <a:spcPct val="150000"/>
-              </a:lnSpc>
-              <a:defRPr sz="1600">
-                <a:solidFill>
-                  <a:schemeClr val="tx1">
-                    <a:lumMod val="75000"/>
-                    <a:lumOff val="25000"/>
-                  </a:schemeClr>
-                </a:solidFill>
-              </a:defRPr>
-            </a:lvl4pPr>
-            <a:lvl5pPr>
-              <a:lnSpc>
-                <a:spcPct val="150000"/>
-              </a:lnSpc>
-              <a:defRPr sz="1600">
-                <a:solidFill>
-                  <a:schemeClr val="tx1">
-                    <a:lumMod val="75000"/>
-                    <a:lumOff val="25000"/>
-                  </a:schemeClr>
-                </a:solidFill>
-              </a:defRPr>
-            </a:lvl5pPr>
-          </a:lstStyle>
-          <a:p>
-            <a:pPr lvl="0"/>
-            <a:r>
-              <a:rPr lang="zh-CN" altLang="en-US" dirty="0">
-                <a:sym typeface="+mn-ea"/>
-              </a:rPr>
-              <a:t>Click to edit Master text styles</a:t>
-            </a:r>
-            <a:endParaRPr lang="zh-CN" altLang="en-US" dirty="0">
-              <a:sym typeface="+mn-ea"/>
-            </a:endParaRPr>
-          </a:p>
-          <a:p>
-            <a:pPr lvl="1"/>
-            <a:r>
-              <a:rPr lang="zh-CN" altLang="en-US" dirty="0"/>
-              <a:t>Second level</a:t>
-            </a:r>
-            <a:endParaRPr lang="zh-CN" altLang="en-US" dirty="0"/>
-          </a:p>
-          <a:p>
-            <a:pPr lvl="2"/>
-            <a:r>
-              <a:rPr lang="zh-CN" altLang="en-US" dirty="0"/>
-              <a:t>Third level</a:t>
-            </a:r>
-            <a:endParaRPr lang="zh-CN" altLang="en-US" dirty="0"/>
-          </a:p>
-          <a:p>
-            <a:pPr lvl="3"/>
-            <a:r>
-              <a:rPr lang="zh-CN" altLang="en-US" dirty="0"/>
-              <a:t>Fourth level</a:t>
-            </a:r>
-            <a:endParaRPr lang="zh-CN" altLang="en-US" dirty="0"/>
-          </a:p>
-          <a:p>
-            <a:pPr lvl="4"/>
-            <a:r>
-              <a:rPr lang="zh-CN" altLang="en-US" dirty="0"/>
-              <a:t>Fifth level</a:t>
-            </a:r>
-            <a:endParaRPr lang="zh-CN" altLang="en-US" dirty="0"/>
-          </a:p>
-        </p:txBody>
-      </p:sp>
-      <p:sp>
-        <p:nvSpPr>
-          <p:cNvPr id="4" name="内容占位符 3"/>
-          <p:cNvSpPr>
-            <a:spLocks noGrp="1"/>
-          </p:cNvSpPr>
-          <p:nvPr>
-            <p:ph sz="half" idx="2"/>
-          </p:nvPr>
-        </p:nvSpPr>
-        <p:spPr>
-          <a:xfrm>
-            <a:off x="5981700" y="1825625"/>
-            <a:ext cx="5181600" cy="4351338"/>
-          </a:xfrm>
-        </p:spPr>
-        <p:txBody>
-          <a:bodyPr>
-            <a:normAutofit/>
-          </a:bodyPr>
-          <a:lstStyle>
-            <a:lvl1pPr>
-              <a:lnSpc>
-                <a:spcPct val="150000"/>
-              </a:lnSpc>
-              <a:defRPr sz="2000">
-                <a:solidFill>
-                  <a:schemeClr val="tx1">
-                    <a:lumMod val="75000"/>
-                    <a:lumOff val="25000"/>
-                  </a:schemeClr>
-                </a:solidFill>
-              </a:defRPr>
-            </a:lvl1pPr>
-            <a:lvl2pPr>
-              <a:lnSpc>
-                <a:spcPct val="150000"/>
-              </a:lnSpc>
-              <a:defRPr sz="1800">
-                <a:solidFill>
-                  <a:schemeClr val="tx1">
-                    <a:lumMod val="75000"/>
-                    <a:lumOff val="25000"/>
-                  </a:schemeClr>
-                </a:solidFill>
-              </a:defRPr>
-            </a:lvl2pPr>
-            <a:lvl3pPr>
-              <a:lnSpc>
-                <a:spcPct val="150000"/>
-              </a:lnSpc>
-              <a:defRPr sz="1600">
-                <a:solidFill>
-                  <a:schemeClr val="tx1">
-                    <a:lumMod val="75000"/>
-                    <a:lumOff val="25000"/>
-                  </a:schemeClr>
-                </a:solidFill>
-              </a:defRPr>
-            </a:lvl3pPr>
-            <a:lvl4pPr>
-              <a:lnSpc>
-                <a:spcPct val="150000"/>
-              </a:lnSpc>
-              <a:defRPr sz="1600">
-                <a:solidFill>
-                  <a:schemeClr val="tx1">
-                    <a:lumMod val="75000"/>
-                    <a:lumOff val="25000"/>
-                  </a:schemeClr>
-                </a:solidFill>
-              </a:defRPr>
-            </a:lvl4pPr>
-            <a:lvl5pPr>
-              <a:lnSpc>
-                <a:spcPct val="150000"/>
-              </a:lnSpc>
-              <a:defRPr sz="1600">
-                <a:solidFill>
-                  <a:schemeClr val="tx1">
-                    <a:lumMod val="75000"/>
-                    <a:lumOff val="25000"/>
-                  </a:schemeClr>
-                </a:solidFill>
-              </a:defRPr>
-            </a:lvl5pPr>
-          </a:lstStyle>
-          <a:p>
-            <a:pPr lvl="0"/>
-            <a:r>
-              <a:rPr lang="zh-CN" altLang="en-US" dirty="0">
-                <a:sym typeface="+mn-ea"/>
-              </a:rPr>
-              <a:t>Click to edit Master text styles</a:t>
-            </a:r>
-            <a:endParaRPr lang="zh-CN" altLang="en-US" dirty="0">
-              <a:sym typeface="+mn-ea"/>
-            </a:endParaRPr>
-          </a:p>
-          <a:p>
-            <a:pPr lvl="1"/>
-            <a:r>
-              <a:rPr lang="zh-CN" altLang="en-US" dirty="0"/>
-              <a:t>Second level</a:t>
-            </a:r>
-            <a:endParaRPr lang="zh-CN" altLang="en-US" dirty="0"/>
-          </a:p>
-          <a:p>
-            <a:pPr lvl="2"/>
-            <a:r>
-              <a:rPr lang="zh-CN" altLang="en-US" dirty="0"/>
-              <a:t>Third level</a:t>
-            </a:r>
-            <a:endParaRPr lang="zh-CN" altLang="en-US" dirty="0"/>
-          </a:p>
-          <a:p>
-            <a:pPr lvl="3"/>
-            <a:r>
-              <a:rPr lang="zh-CN" altLang="en-US" dirty="0"/>
-              <a:t>Fourth level</a:t>
-            </a:r>
-            <a:endParaRPr lang="zh-CN" altLang="en-US" dirty="0"/>
-          </a:p>
-          <a:p>
-            <a:pPr lvl="4"/>
-            <a:r>
-              <a:rPr lang="zh-CN" altLang="en-US" dirty="0"/>
-              <a:t>Fifth level</a:t>
-            </a:r>
-            <a:endParaRPr lang="zh-CN" altLang="en-US" dirty="0"/>
-          </a:p>
-        </p:txBody>
-      </p:sp>
-      <p:sp>
-        <p:nvSpPr>
-          <p:cNvPr id="5" name="日期占位符 4"/>
-          <p:cNvSpPr>
-            <a:spLocks noGrp="1"/>
-          </p:cNvSpPr>
-          <p:nvPr>
-            <p:ph type="dt" sz="half" idx="10"/>
-          </p:nvPr>
-        </p:nvSpPr>
-        <p:spPr/>
-        <p:txBody>
           <a:bodyPr/>
           <a:lstStyle/>
+          <a:p>
+            <a:pPr lvl="0"/>
+            <a:r>
+              <a:rPr lang="en-US" smtClean="0"/>
+              <a:t>Click to edit Master text styles</a:t>
+            </a:r>
+            <a:endParaRPr lang="en-US" smtClean="0"/>
+          </a:p>
+          <a:p>
+            <a:pPr lvl="1"/>
+            <a:r>
+              <a:rPr lang="en-US" smtClean="0"/>
+              <a:t>Second level</a:t>
+            </a:r>
+            <a:endParaRPr lang="en-US" smtClean="0"/>
+          </a:p>
+          <a:p>
+            <a:pPr lvl="2"/>
+            <a:r>
+              <a:rPr lang="en-US" smtClean="0"/>
+              <a:t>Third level</a:t>
+            </a:r>
+            <a:endParaRPr lang="en-US" smtClean="0"/>
+          </a:p>
+          <a:p>
+            <a:pPr lvl="3"/>
+            <a:r>
+              <a:rPr lang="en-US" smtClean="0"/>
+              <a:t>Fourth level</a:t>
+            </a:r>
+            <a:endParaRPr lang="en-US" smtClean="0"/>
+          </a:p>
+          <a:p>
+            <a:pPr lvl="4"/>
+            <a:r>
+              <a:rPr lang="en-US" smtClean="0"/>
+              <a:t>Fifth level</a:t>
+            </a:r>
+            <a:endParaRPr lang="en-US"/>
+          </a:p>
+        </p:txBody>
+      </p:sp>
+      <p:sp>
+        <p:nvSpPr>
+          <p:cNvPr id="5" name="Date Placeholder 4"/>
+          <p:cNvSpPr>
+            <a:spLocks noGrp="1"/>
+          </p:cNvSpPr>
+          <p:nvPr>
+            <p:ph type="dt" sz="half" idx="10"/>
+          </p:nvPr>
+        </p:nvSpPr>
+        <p:spPr/>
+        <p:txBody>
+          <a:bodyPr/>
           <a:p>
             <a:fld id="{760FBDFE-C587-4B4C-A407-44438C67B59E}" type="datetimeFigureOut">
               <a:rPr lang="zh-CN" altLang="en-US" smtClean="0"/>
@@ -1841,7 +2249,7 @@
       </p:sp>
       <p:sp>
         <p:nvSpPr>
-          <p:cNvPr id="6" name="页脚占位符 5"/>
+          <p:cNvPr id="6" name="Footer Placeholder 5"/>
           <p:cNvSpPr>
             <a:spLocks noGrp="1"/>
           </p:cNvSpPr>
@@ -1852,7 +2260,6 @@
         <p:spPr/>
         <p:txBody>
           <a:bodyPr/>
-          <a:lstStyle/>
           <a:p>
             <a:endParaRPr lang="zh-CN" altLang="en-US"/>
           </a:p>
@@ -1860,7 +2267,7 @@
       </p:sp>
       <p:sp>
         <p:nvSpPr>
-          <p:cNvPr id="7" name="灯片编号占位符 6"/>
+          <p:cNvPr id="7" name="Slide Number Placeholder 6"/>
           <p:cNvSpPr>
             <a:spLocks noGrp="1"/>
           </p:cNvSpPr>
@@ -1871,7 +2278,6 @@
         <p:spPr/>
         <p:txBody>
           <a:bodyPr/>
-          <a:lstStyle/>
           <a:p>
             <a:fld id="{49AE70B2-8BF9-45C0-BB95-33D1B9D3A854}" type="slidenum">
               <a:rPr lang="zh-CN" altLang="en-US" smtClean="0"/>
@@ -1885,10 +2291,242 @@
   <p:clrMapOvr>
     <a:masterClrMapping/>
   </p:clrMapOvr>
+  <p:hf sldNum="0" hdr="0" ftr="0" dt="0"/>
 </p:sldLayout>
 </file>
 
 <file path=ppt/slideLayouts/slideLayout5.xml><?xml version="1.0" encoding="utf-8"?>
+<p:sldLayout xmlns:a="http://schemas.openxmlformats.org/drawingml/2006/main" xmlns:r="http://schemas.openxmlformats.org/officeDocument/2006/relationships" xmlns:p="http://schemas.openxmlformats.org/presentationml/2006/main" type="twoObj" preserve="1">
+  <p:cSld name="1_Two Content">
+    <p:spTree>
+      <p:nvGrpSpPr>
+        <p:cNvPr id="1" name=""/>
+        <p:cNvGrpSpPr/>
+        <p:nvPr/>
+      </p:nvGrpSpPr>
+      <p:grpSpPr>
+        <a:xfrm>
+          <a:off x="0" y="0"/>
+          <a:ext cx="0" cy="0"/>
+          <a:chOff x="0" y="0"/>
+          <a:chExt cx="0" cy="0"/>
+        </a:xfrm>
+      </p:grpSpPr>
+      <p:sp>
+        <p:nvSpPr>
+          <p:cNvPr id="2" name="Title 1"/>
+          <p:cNvSpPr>
+            <a:spLocks noGrp="1"/>
+          </p:cNvSpPr>
+          <p:nvPr>
+            <p:ph type="title"/>
+          </p:nvPr>
+        </p:nvSpPr>
+        <p:spPr/>
+        <p:txBody>
+          <a:bodyPr/>
+          <a:lstStyle/>
+          <a:p>
+            <a:r>
+              <a:rPr lang="en-US" smtClean="0"/>
+              <a:t>Click to edit Master title style</a:t>
+            </a:r>
+            <a:endParaRPr lang="en-US"/>
+          </a:p>
+        </p:txBody>
+      </p:sp>
+      <p:sp>
+        <p:nvSpPr>
+          <p:cNvPr id="3" name="Content Placeholder 2"/>
+          <p:cNvSpPr>
+            <a:spLocks noGrp="1"/>
+          </p:cNvSpPr>
+          <p:nvPr>
+            <p:ph sz="half" idx="1"/>
+          </p:nvPr>
+        </p:nvSpPr>
+        <p:spPr>
+          <a:xfrm>
+            <a:off x="609600" y="890270"/>
+            <a:ext cx="5715635" cy="5730875"/>
+          </a:xfrm>
+        </p:spPr>
+        <p:txBody>
+          <a:bodyPr/>
+          <a:lstStyle/>
+          <a:p>
+            <a:pPr lvl="0"/>
+            <a:r>
+              <a:rPr lang="en-US" smtClean="0"/>
+              <a:t>Click to edit Master text styles</a:t>
+            </a:r>
+            <a:endParaRPr lang="en-US" smtClean="0"/>
+          </a:p>
+          <a:p>
+            <a:pPr lvl="1"/>
+            <a:r>
+              <a:rPr lang="en-US" smtClean="0"/>
+              <a:t>Second level</a:t>
+            </a:r>
+            <a:endParaRPr lang="en-US" smtClean="0"/>
+          </a:p>
+          <a:p>
+            <a:pPr lvl="2"/>
+            <a:r>
+              <a:rPr lang="en-US" smtClean="0"/>
+              <a:t>Third level</a:t>
+            </a:r>
+            <a:endParaRPr lang="en-US" smtClean="0"/>
+          </a:p>
+          <a:p>
+            <a:pPr lvl="3"/>
+            <a:r>
+              <a:rPr lang="en-US" smtClean="0"/>
+              <a:t>Fourth level</a:t>
+            </a:r>
+            <a:endParaRPr lang="en-US" smtClean="0"/>
+          </a:p>
+          <a:p>
+            <a:pPr lvl="4"/>
+            <a:r>
+              <a:rPr lang="en-US" smtClean="0"/>
+              <a:t>Fifth level</a:t>
+            </a:r>
+            <a:endParaRPr lang="en-US"/>
+          </a:p>
+        </p:txBody>
+      </p:sp>
+      <p:sp>
+        <p:nvSpPr>
+          <p:cNvPr id="4" name="Content Placeholder 3"/>
+          <p:cNvSpPr>
+            <a:spLocks noGrp="1"/>
+          </p:cNvSpPr>
+          <p:nvPr>
+            <p:ph sz="half" idx="2"/>
+          </p:nvPr>
+        </p:nvSpPr>
+        <p:spPr>
+          <a:xfrm>
+            <a:off x="6448425" y="890270"/>
+            <a:ext cx="5133975" cy="3867150"/>
+          </a:xfrm>
+        </p:spPr>
+        <p:txBody>
+          <a:bodyPr/>
+          <a:lstStyle/>
+          <a:p>
+            <a:pPr lvl="0"/>
+            <a:r>
+              <a:rPr lang="en-US" smtClean="0"/>
+              <a:t>Click to edit Master text styles</a:t>
+            </a:r>
+            <a:endParaRPr lang="en-US" smtClean="0"/>
+          </a:p>
+          <a:p>
+            <a:pPr lvl="1"/>
+            <a:r>
+              <a:rPr lang="en-US" smtClean="0"/>
+              <a:t>Second level</a:t>
+            </a:r>
+            <a:endParaRPr lang="en-US" smtClean="0"/>
+          </a:p>
+          <a:p>
+            <a:pPr lvl="2"/>
+            <a:r>
+              <a:rPr lang="en-US" smtClean="0"/>
+              <a:t>Third level</a:t>
+            </a:r>
+            <a:endParaRPr lang="en-US" smtClean="0"/>
+          </a:p>
+          <a:p>
+            <a:pPr lvl="3"/>
+            <a:r>
+              <a:rPr lang="en-US" smtClean="0"/>
+              <a:t>Fourth level</a:t>
+            </a:r>
+            <a:endParaRPr lang="en-US" smtClean="0"/>
+          </a:p>
+          <a:p>
+            <a:pPr lvl="4"/>
+            <a:r>
+              <a:rPr lang="en-US" smtClean="0"/>
+              <a:t>Fifth level</a:t>
+            </a:r>
+            <a:endParaRPr lang="en-US"/>
+          </a:p>
+        </p:txBody>
+      </p:sp>
+      <p:sp>
+        <p:nvSpPr>
+          <p:cNvPr id="8" name="Content Placeholder 7"/>
+          <p:cNvSpPr>
+            <a:spLocks noGrp="1"/>
+          </p:cNvSpPr>
+          <p:nvPr>
+            <p:ph sz="half" idx="13"/>
+          </p:nvPr>
+        </p:nvSpPr>
+        <p:spPr>
+          <a:xfrm>
+            <a:off x="6448425" y="4874260"/>
+            <a:ext cx="5133975" cy="1746885"/>
+          </a:xfrm>
+        </p:spPr>
+        <p:txBody>
+          <a:bodyPr/>
+          <a:p>
+            <a:pPr lvl="0"/>
+            <a:r>
+              <a:rPr lang="en-US" smtClean="0"/>
+              <a:t>Click to edit Master text styles</a:t>
+            </a:r>
+            <a:endParaRPr lang="en-US" smtClean="0"/>
+          </a:p>
+          <a:p>
+            <a:pPr lvl="1"/>
+            <a:r>
+              <a:rPr lang="en-US" smtClean="0"/>
+              <a:t>Second level</a:t>
+            </a:r>
+            <a:endParaRPr lang="en-US" smtClean="0"/>
+          </a:p>
+          <a:p>
+            <a:pPr lvl="2"/>
+            <a:r>
+              <a:rPr lang="en-US" smtClean="0"/>
+              <a:t>Third level</a:t>
+            </a:r>
+            <a:endParaRPr lang="en-US" smtClean="0"/>
+          </a:p>
+          <a:p>
+            <a:pPr lvl="3"/>
+            <a:r>
+              <a:rPr lang="en-US" smtClean="0"/>
+              <a:t>Fourth level</a:t>
+            </a:r>
+            <a:endParaRPr lang="en-US" smtClean="0"/>
+          </a:p>
+          <a:p>
+            <a:pPr lvl="4"/>
+            <a:r>
+              <a:rPr lang="en-US" smtClean="0"/>
+              <a:t>Fifth level</a:t>
+            </a:r>
+            <a:endParaRPr lang="en-US"/>
+          </a:p>
+        </p:txBody>
+      </p:sp>
+    </p:spTree>
+  </p:cSld>
+  <p:clrMapOvr>
+    <a:masterClrMapping/>
+  </p:clrMapOvr>
+  <p:hf sldNum="0" hdr="0" ftr="0" dt="0"/>
+</p:sldLayout>
+</file>
+
+<file path=ppt/slideLayouts/slideLayout6.xml><?xml version="1.0" encoding="utf-8"?>
 <p:sldLayout xmlns:a="http://schemas.openxmlformats.org/drawingml/2006/main" xmlns:r="http://schemas.openxmlformats.org/officeDocument/2006/relationships" xmlns:p="http://schemas.openxmlformats.org/presentationml/2006/main" type="twoTxTwoObj" preserve="1">
   <p:cSld name="Comparison">
     <p:spTree>
@@ -1907,7 +2545,7 @@
       </p:grpSpPr>
       <p:sp>
         <p:nvSpPr>
-          <p:cNvPr id="2" name="标题 1"/>
+          <p:cNvPr id="2" name="Title 1"/>
           <p:cNvSpPr>
             <a:spLocks noGrp="1"/>
           </p:cNvSpPr>
@@ -1917,7 +2555,7 @@
         </p:nvSpPr>
         <p:spPr>
           <a:xfrm>
-            <a:off x="839788" y="365125"/>
+            <a:off x="840317" y="365125"/>
             <a:ext cx="10515600" cy="1325563"/>
           </a:xfrm>
         </p:spPr>
@@ -1926,16 +2564,16 @@
           <a:lstStyle/>
           <a:p>
             <a:r>
-              <a:rPr lang="zh-CN" altLang="en-US"/>
+              <a:rPr lang="en-US" smtClean="0"/>
               <a:t>Click to edit Master title style</a:t>
             </a:r>
-            <a:endParaRPr lang="zh-CN" altLang="en-US"/>
-          </a:p>
-        </p:txBody>
-      </p:sp>
-      <p:sp>
-        <p:nvSpPr>
-          <p:cNvPr id="3" name="文本占位符 2"/>
+            <a:endParaRPr lang="en-US"/>
+          </a:p>
+        </p:txBody>
+      </p:sp>
+      <p:sp>
+        <p:nvSpPr>
+          <p:cNvPr id="3" name="Text Placeholder 2"/>
           <p:cNvSpPr>
             <a:spLocks noGrp="1"/>
           </p:cNvSpPr>
@@ -1945,8 +2583,8 @@
         </p:nvSpPr>
         <p:spPr>
           <a:xfrm>
-            <a:off x="839788" y="1744961"/>
-            <a:ext cx="5157787" cy="823912"/>
+            <a:off x="840317" y="1681163"/>
+            <a:ext cx="5158316" cy="823912"/>
           </a:xfrm>
         </p:spPr>
         <p:txBody>
@@ -1992,20 +2630,16 @@
           <a:p>
             <a:pPr lvl="0"/>
             <a:r>
-              <a:rPr lang="zh-CN" altLang="en-US" dirty="0">
-                <a:sym typeface="+mn-ea"/>
-              </a:rPr>
+              <a:rPr lang="en-US" smtClean="0"/>
               <a:t>Click to edit Master text styles</a:t>
             </a:r>
-            <a:endParaRPr lang="zh-CN" altLang="en-US" dirty="0">
-              <a:sym typeface="+mn-ea"/>
-            </a:endParaRPr>
-          </a:p>
-        </p:txBody>
-      </p:sp>
-      <p:sp>
-        <p:nvSpPr>
-          <p:cNvPr id="4" name="内容占位符 3"/>
+            <a:endParaRPr lang="en-US" smtClean="0"/>
+          </a:p>
+        </p:txBody>
+      </p:sp>
+      <p:sp>
+        <p:nvSpPr>
+          <p:cNvPr id="4" name="Content Placeholder 3"/>
           <p:cNvSpPr>
             <a:spLocks noGrp="1"/>
           </p:cNvSpPr>
@@ -2015,8 +2649,8 @@
         </p:nvSpPr>
         <p:spPr>
           <a:xfrm>
-            <a:off x="839788" y="2615609"/>
-            <a:ext cx="5157787" cy="3574054"/>
+            <a:off x="840317" y="2505075"/>
+            <a:ext cx="5158316" cy="3684588"/>
           </a:xfrm>
         </p:spPr>
         <p:txBody>
@@ -2025,52 +2659,48 @@
           <a:p>
             <a:pPr lvl="0"/>
             <a:r>
-              <a:rPr lang="zh-CN" altLang="en-US" dirty="0">
-                <a:sym typeface="+mn-ea"/>
-              </a:rPr>
+              <a:rPr lang="en-US" smtClean="0"/>
               <a:t>Click to edit Master text styles</a:t>
             </a:r>
-            <a:endParaRPr lang="zh-CN" altLang="en-US" dirty="0">
-              <a:sym typeface="+mn-ea"/>
-            </a:endParaRPr>
+            <a:endParaRPr lang="en-US" smtClean="0"/>
           </a:p>
           <a:p>
             <a:pPr lvl="1"/>
             <a:r>
-              <a:rPr lang="zh-CN" altLang="en-US" dirty="0"/>
+              <a:rPr lang="en-US" smtClean="0"/>
               <a:t>Second level</a:t>
             </a:r>
-            <a:endParaRPr lang="zh-CN" altLang="en-US" dirty="0"/>
+            <a:endParaRPr lang="en-US" smtClean="0"/>
           </a:p>
           <a:p>
             <a:pPr lvl="2"/>
             <a:r>
-              <a:rPr lang="zh-CN" altLang="en-US" dirty="0"/>
+              <a:rPr lang="en-US" smtClean="0"/>
               <a:t>Third level</a:t>
             </a:r>
-            <a:endParaRPr lang="zh-CN" altLang="en-US" dirty="0"/>
+            <a:endParaRPr lang="en-US" smtClean="0"/>
           </a:p>
           <a:p>
             <a:pPr lvl="3"/>
             <a:r>
-              <a:rPr lang="zh-CN" altLang="en-US" dirty="0"/>
+              <a:rPr lang="en-US" smtClean="0"/>
               <a:t>Fourth level</a:t>
             </a:r>
-            <a:endParaRPr lang="zh-CN" altLang="en-US" dirty="0"/>
+            <a:endParaRPr lang="en-US" smtClean="0"/>
           </a:p>
           <a:p>
             <a:pPr lvl="4"/>
             <a:r>
-              <a:rPr lang="zh-CN" altLang="en-US" dirty="0"/>
+              <a:rPr lang="en-US" smtClean="0"/>
               <a:t>Fifth level</a:t>
             </a:r>
-            <a:endParaRPr lang="zh-CN" altLang="en-US" dirty="0"/>
-          </a:p>
-        </p:txBody>
-      </p:sp>
-      <p:sp>
-        <p:nvSpPr>
-          <p:cNvPr id="5" name="文本占位符 4"/>
+            <a:endParaRPr lang="en-US"/>
+          </a:p>
+        </p:txBody>
+      </p:sp>
+      <p:sp>
+        <p:nvSpPr>
+          <p:cNvPr id="5" name="Text Placeholder 4"/>
           <p:cNvSpPr>
             <a:spLocks noGrp="1"/>
           </p:cNvSpPr>
@@ -2080,8 +2710,8 @@
         </p:nvSpPr>
         <p:spPr>
           <a:xfrm>
-            <a:off x="6172200" y="1744961"/>
-            <a:ext cx="5183188" cy="823912"/>
+            <a:off x="6172200" y="1681163"/>
+            <a:ext cx="5183717" cy="823912"/>
           </a:xfrm>
         </p:spPr>
         <p:txBody>
@@ -2127,20 +2757,16 @@
           <a:p>
             <a:pPr lvl="0"/>
             <a:r>
-              <a:rPr lang="zh-CN" altLang="en-US" dirty="0">
-                <a:sym typeface="+mn-ea"/>
-              </a:rPr>
+              <a:rPr lang="en-US" smtClean="0"/>
               <a:t>Click to edit Master text styles</a:t>
             </a:r>
-            <a:endParaRPr lang="zh-CN" altLang="en-US" dirty="0">
-              <a:sym typeface="+mn-ea"/>
-            </a:endParaRPr>
-          </a:p>
-        </p:txBody>
-      </p:sp>
-      <p:sp>
-        <p:nvSpPr>
-          <p:cNvPr id="6" name="内容占位符 5"/>
+            <a:endParaRPr lang="en-US" smtClean="0"/>
+          </a:p>
+        </p:txBody>
+      </p:sp>
+      <p:sp>
+        <p:nvSpPr>
+          <p:cNvPr id="6" name="Content Placeholder 5"/>
           <p:cNvSpPr>
             <a:spLocks noGrp="1"/>
           </p:cNvSpPr>
@@ -2150,8 +2776,8 @@
         </p:nvSpPr>
         <p:spPr>
           <a:xfrm>
-            <a:off x="6172200" y="2615609"/>
-            <a:ext cx="5183188" cy="3574054"/>
+            <a:off x="6172200" y="2505075"/>
+            <a:ext cx="5183717" cy="3684588"/>
           </a:xfrm>
         </p:spPr>
         <p:txBody>
@@ -2160,52 +2786,48 @@
           <a:p>
             <a:pPr lvl="0"/>
             <a:r>
-              <a:rPr lang="zh-CN" altLang="en-US" dirty="0">
-                <a:sym typeface="+mn-ea"/>
-              </a:rPr>
+              <a:rPr lang="en-US" smtClean="0"/>
               <a:t>Click to edit Master text styles</a:t>
             </a:r>
-            <a:endParaRPr lang="zh-CN" altLang="en-US" dirty="0">
-              <a:sym typeface="+mn-ea"/>
-            </a:endParaRPr>
+            <a:endParaRPr lang="en-US" smtClean="0"/>
           </a:p>
           <a:p>
             <a:pPr lvl="1"/>
             <a:r>
-              <a:rPr lang="zh-CN" altLang="en-US" dirty="0"/>
+              <a:rPr lang="en-US" smtClean="0"/>
               <a:t>Second level</a:t>
             </a:r>
-            <a:endParaRPr lang="zh-CN" altLang="en-US" dirty="0"/>
+            <a:endParaRPr lang="en-US" smtClean="0"/>
           </a:p>
           <a:p>
             <a:pPr lvl="2"/>
             <a:r>
-              <a:rPr lang="zh-CN" altLang="en-US" dirty="0"/>
+              <a:rPr lang="en-US" smtClean="0"/>
               <a:t>Third level</a:t>
             </a:r>
-            <a:endParaRPr lang="zh-CN" altLang="en-US" dirty="0"/>
+            <a:endParaRPr lang="en-US" smtClean="0"/>
           </a:p>
           <a:p>
             <a:pPr lvl="3"/>
             <a:r>
-              <a:rPr lang="zh-CN" altLang="en-US" dirty="0"/>
+              <a:rPr lang="en-US" smtClean="0"/>
               <a:t>Fourth level</a:t>
             </a:r>
-            <a:endParaRPr lang="zh-CN" altLang="en-US" dirty="0"/>
+            <a:endParaRPr lang="en-US" smtClean="0"/>
           </a:p>
           <a:p>
             <a:pPr lvl="4"/>
             <a:r>
-              <a:rPr lang="zh-CN" altLang="en-US" dirty="0"/>
+              <a:rPr lang="en-US" smtClean="0"/>
               <a:t>Fifth level</a:t>
             </a:r>
-            <a:endParaRPr lang="zh-CN" altLang="en-US" dirty="0"/>
-          </a:p>
-        </p:txBody>
-      </p:sp>
-      <p:sp>
-        <p:nvSpPr>
-          <p:cNvPr id="7" name="日期占位符 6"/>
+            <a:endParaRPr lang="en-US"/>
+          </a:p>
+        </p:txBody>
+      </p:sp>
+      <p:sp>
+        <p:nvSpPr>
+          <p:cNvPr id="7" name="Date Placeholder 6"/>
           <p:cNvSpPr>
             <a:spLocks noGrp="1"/>
           </p:cNvSpPr>
@@ -2216,7 +2838,6 @@
         <p:spPr/>
         <p:txBody>
           <a:bodyPr/>
-          <a:lstStyle/>
           <a:p>
             <a:fld id="{760FBDFE-C587-4B4C-A407-44438C67B59E}" type="datetimeFigureOut">
               <a:rPr lang="zh-CN" altLang="en-US" smtClean="0"/>
@@ -2227,7 +2848,7 @@
       </p:sp>
       <p:sp>
         <p:nvSpPr>
-          <p:cNvPr id="8" name="页脚占位符 7"/>
+          <p:cNvPr id="8" name="Footer Placeholder 7"/>
           <p:cNvSpPr>
             <a:spLocks noGrp="1"/>
           </p:cNvSpPr>
@@ -2238,7 +2859,6 @@
         <p:spPr/>
         <p:txBody>
           <a:bodyPr/>
-          <a:lstStyle/>
           <a:p>
             <a:endParaRPr lang="zh-CN" altLang="en-US"/>
           </a:p>
@@ -2246,7 +2866,7 @@
       </p:sp>
       <p:sp>
         <p:nvSpPr>
-          <p:cNvPr id="9" name="灯片编号占位符 8"/>
+          <p:cNvPr id="9" name="Slide Number Placeholder 8"/>
           <p:cNvSpPr>
             <a:spLocks noGrp="1"/>
           </p:cNvSpPr>
@@ -2257,7 +2877,6 @@
         <p:spPr/>
         <p:txBody>
           <a:bodyPr/>
-          <a:lstStyle/>
           <a:p>
             <a:fld id="{49AE70B2-8BF9-45C0-BB95-33D1B9D3A854}" type="slidenum">
               <a:rPr lang="zh-CN" altLang="en-US" smtClean="0"/>
@@ -2271,10 +2890,11 @@
   <p:clrMapOvr>
     <a:masterClrMapping/>
   </p:clrMapOvr>
+  <p:hf sldNum="0" hdr="0" ftr="0" dt="0"/>
 </p:sldLayout>
 </file>
 
-<file path=ppt/slideLayouts/slideLayout6.xml><?xml version="1.0" encoding="utf-8"?>
+<file path=ppt/slideLayouts/slideLayout7.xml><?xml version="1.0" encoding="utf-8"?>
 <p:sldLayout xmlns:a="http://schemas.openxmlformats.org/drawingml/2006/main" xmlns:r="http://schemas.openxmlformats.org/officeDocument/2006/relationships" xmlns:p="http://schemas.openxmlformats.org/presentationml/2006/main" type="titleOnly" preserve="1">
   <p:cSld name="Title Only">
     <p:spTree>
@@ -2293,60 +2913,40 @@
       </p:grpSpPr>
       <p:sp>
         <p:nvSpPr>
-          <p:cNvPr id="2" name="标题 1"/>
+          <p:cNvPr id="2" name="Title 1"/>
           <p:cNvSpPr>
             <a:spLocks noGrp="1"/>
           </p:cNvSpPr>
           <p:nvPr>
             <p:ph type="title"/>
-          </p:nvPr>
-        </p:nvSpPr>
-        <p:spPr>
-          <a:xfrm>
-            <a:off x="838200" y="2766219"/>
-            <a:ext cx="10515600" cy="1325563"/>
-          </a:xfrm>
-        </p:spPr>
-        <p:txBody>
-          <a:bodyPr>
-            <a:normAutofit/>
-          </a:bodyPr>
-          <a:lstStyle>
-            <a:lvl1pPr algn="ctr">
-              <a:defRPr sz="4800" b="0">
-                <a:effectLst>
-                  <a:outerShdw blurRad="38100" dist="38100" dir="2700000" algn="tl">
-                    <a:srgbClr val="000000">
-                      <a:alpha val="43137"/>
-                    </a:srgbClr>
-                  </a:outerShdw>
-                </a:effectLst>
-              </a:defRPr>
-            </a:lvl1pPr>
-          </a:lstStyle>
-          <a:p>
-            <a:r>
-              <a:rPr lang="zh-CN" altLang="en-US" dirty="0"/>
-              <a:t>Click to edit Master title style</a:t>
-            </a:r>
-            <a:endParaRPr lang="zh-CN" altLang="en-US" dirty="0"/>
-          </a:p>
-        </p:txBody>
-      </p:sp>
-      <p:sp>
-        <p:nvSpPr>
-          <p:cNvPr id="3" name="日期占位符 2"/>
-          <p:cNvSpPr>
-            <a:spLocks noGrp="1"/>
-          </p:cNvSpPr>
-          <p:nvPr>
-            <p:ph type="dt" sz="half" idx="10"/>
           </p:nvPr>
         </p:nvSpPr>
         <p:spPr/>
         <p:txBody>
           <a:bodyPr/>
           <a:lstStyle/>
+          <a:p>
+            <a:r>
+              <a:rPr lang="en-US" smtClean="0"/>
+              <a:t>Click to edit Master title style</a:t>
+            </a:r>
+            <a:endParaRPr lang="en-US"/>
+          </a:p>
+        </p:txBody>
+      </p:sp>
+      <p:sp>
+        <p:nvSpPr>
+          <p:cNvPr id="3" name="Date Placeholder 2"/>
+          <p:cNvSpPr>
+            <a:spLocks noGrp="1"/>
+          </p:cNvSpPr>
+          <p:nvPr>
+            <p:ph type="dt" sz="half" idx="10"/>
+          </p:nvPr>
+        </p:nvSpPr>
+        <p:spPr/>
+        <p:txBody>
+          <a:bodyPr/>
           <a:p>
             <a:fld id="{760FBDFE-C587-4B4C-A407-44438C67B59E}" type="datetimeFigureOut">
               <a:rPr lang="zh-CN" altLang="en-US" smtClean="0"/>
@@ -2357,7 +2957,7 @@
       </p:sp>
       <p:sp>
         <p:nvSpPr>
-          <p:cNvPr id="4" name="页脚占位符 3"/>
+          <p:cNvPr id="4" name="Footer Placeholder 3"/>
           <p:cNvSpPr>
             <a:spLocks noGrp="1"/>
           </p:cNvSpPr>
@@ -2368,7 +2968,6 @@
         <p:spPr/>
         <p:txBody>
           <a:bodyPr/>
-          <a:lstStyle/>
           <a:p>
             <a:endParaRPr lang="zh-CN" altLang="en-US"/>
           </a:p>
@@ -2376,7 +2975,7 @@
       </p:sp>
       <p:sp>
         <p:nvSpPr>
-          <p:cNvPr id="5" name="灯片编号占位符 4"/>
+          <p:cNvPr id="5" name="Slide Number Placeholder 4"/>
           <p:cNvSpPr>
             <a:spLocks noGrp="1"/>
           </p:cNvSpPr>
@@ -2387,7 +2986,6 @@
         <p:spPr/>
         <p:txBody>
           <a:bodyPr/>
-          <a:lstStyle/>
           <a:p>
             <a:fld id="{49AE70B2-8BF9-45C0-BB95-33D1B9D3A854}" type="slidenum">
               <a:rPr lang="zh-CN" altLang="en-US" smtClean="0"/>
@@ -2401,10 +2999,11 @@
   <p:clrMapOvr>
     <a:masterClrMapping/>
   </p:clrMapOvr>
+  <p:hf sldNum="0" hdr="0" ftr="0" dt="0"/>
 </p:sldLayout>
 </file>
 
-<file path=ppt/slideLayouts/slideLayout7.xml><?xml version="1.0" encoding="utf-8"?>
+<file path=ppt/slideLayouts/slideLayout8.xml><?xml version="1.0" encoding="utf-8"?>
 <p:sldLayout xmlns:a="http://schemas.openxmlformats.org/drawingml/2006/main" xmlns:r="http://schemas.openxmlformats.org/officeDocument/2006/relationships" xmlns:p="http://schemas.openxmlformats.org/presentationml/2006/main" type="blank" preserve="1">
   <p:cSld name="Blank">
     <p:spTree>
@@ -2423,7 +3022,7 @@
       </p:grpSpPr>
       <p:sp>
         <p:nvSpPr>
-          <p:cNvPr id="2" name="日期占位符 1"/>
+          <p:cNvPr id="2" name="Date Placeholder 1"/>
           <p:cNvSpPr>
             <a:spLocks noGrp="1"/>
           </p:cNvSpPr>
@@ -2434,7 +3033,6 @@
         <p:spPr/>
         <p:txBody>
           <a:bodyPr/>
-          <a:lstStyle/>
           <a:p>
             <a:fld id="{760FBDFE-C587-4B4C-A407-44438C67B59E}" type="datetimeFigureOut">
               <a:rPr lang="zh-CN" altLang="en-US" smtClean="0"/>
@@ -2445,7 +3043,7 @@
       </p:sp>
       <p:sp>
         <p:nvSpPr>
-          <p:cNvPr id="3" name="页脚占位符 2"/>
+          <p:cNvPr id="3" name="Footer Placeholder 2"/>
           <p:cNvSpPr>
             <a:spLocks noGrp="1"/>
           </p:cNvSpPr>
@@ -2456,7 +3054,6 @@
         <p:spPr/>
         <p:txBody>
           <a:bodyPr/>
-          <a:lstStyle/>
           <a:p>
             <a:endParaRPr lang="zh-CN" altLang="en-US"/>
           </a:p>
@@ -2464,7 +3061,7 @@
       </p:sp>
       <p:sp>
         <p:nvSpPr>
-          <p:cNvPr id="4" name="灯片编号占位符 3"/>
+          <p:cNvPr id="4" name="Slide Number Placeholder 3"/>
           <p:cNvSpPr>
             <a:spLocks noGrp="1"/>
           </p:cNvSpPr>
@@ -2475,7 +3072,6 @@
         <p:spPr/>
         <p:txBody>
           <a:bodyPr/>
-          <a:lstStyle/>
           <a:p>
             <a:fld id="{49AE70B2-8BF9-45C0-BB95-33D1B9D3A854}" type="slidenum">
               <a:rPr lang="zh-CN" altLang="en-US" smtClean="0"/>
@@ -2489,12 +3085,13 @@
   <p:clrMapOvr>
     <a:masterClrMapping/>
   </p:clrMapOvr>
+  <p:hf sldNum="0" hdr="0" ftr="0" dt="0"/>
 </p:sldLayout>
 </file>
 
-<file path=ppt/slideLayouts/slideLayout8.xml><?xml version="1.0" encoding="utf-8"?>
-<p:sldLayout xmlns:a="http://schemas.openxmlformats.org/drawingml/2006/main" xmlns:r="http://schemas.openxmlformats.org/officeDocument/2006/relationships" xmlns:p="http://schemas.openxmlformats.org/presentationml/2006/main" type="picTx" preserve="1">
-  <p:cSld name="Picture with Caption">
+<file path=ppt/slideLayouts/slideLayout9.xml><?xml version="1.0" encoding="utf-8"?>
+<p:sldLayout xmlns:a="http://schemas.openxmlformats.org/drawingml/2006/main" xmlns:r="http://schemas.openxmlformats.org/officeDocument/2006/relationships" xmlns:p="http://schemas.openxmlformats.org/presentationml/2006/main" type="objTx" preserve="1">
+  <p:cSld name="Content with Caption">
     <p:spTree>
       <p:nvGrpSpPr>
         <p:cNvPr id="1" name=""/>
@@ -2511,7 +3108,7 @@
       </p:grpSpPr>
       <p:sp>
         <p:nvSpPr>
-          <p:cNvPr id="2" name="标题 1"/>
+          <p:cNvPr id="2" name="Title 1"/>
           <p:cNvSpPr>
             <a:spLocks noGrp="1"/>
           </p:cNvSpPr>
@@ -2521,126 +3118,135 @@
         </p:nvSpPr>
         <p:spPr>
           <a:xfrm>
-            <a:off x="646747" y="127000"/>
-            <a:ext cx="4165200" cy="1600200"/>
+            <a:off x="840317" y="457200"/>
+            <a:ext cx="3932767" cy="1600200"/>
           </a:xfrm>
         </p:spPr>
         <p:txBody>
-          <a:bodyPr anchor="ctr" anchorCtr="0">
-            <a:normAutofit/>
-          </a:bodyPr>
+          <a:bodyPr anchor="b"/>
           <a:lstStyle>
             <a:lvl1pPr>
-              <a:defRPr sz="2400" b="1">
-                <a:effectLst>
-                  <a:outerShdw blurRad="38100" dist="38100" dir="2700000" algn="tl">
-                    <a:srgbClr val="000000">
-                      <a:alpha val="43137"/>
-                    </a:srgbClr>
-                  </a:outerShdw>
-                </a:effectLst>
-              </a:defRPr>
+              <a:defRPr sz="3200"/>
             </a:lvl1pPr>
           </a:lstStyle>
           <a:p>
             <a:r>
-              <a:rPr lang="zh-CN" altLang="en-US" dirty="0">
-                <a:sym typeface="+mn-ea"/>
-              </a:rPr>
+              <a:rPr lang="en-US" smtClean="0"/>
               <a:t>Click to edit Master title style</a:t>
             </a:r>
-            <a:endParaRPr lang="zh-CN" altLang="en-US" dirty="0">
-              <a:sym typeface="+mn-ea"/>
-            </a:endParaRPr>
-          </a:p>
-        </p:txBody>
-      </p:sp>
-      <p:sp>
-        <p:nvSpPr>
-          <p:cNvPr id="3" name="图片占位符 2"/>
-          <p:cNvSpPr>
-            <a:spLocks noGrp="1" noChangeAspect="1"/>
-          </p:cNvSpPr>
-          <p:nvPr>
-            <p:ph type="pic" idx="1"/>
+            <a:endParaRPr lang="en-US"/>
+          </a:p>
+        </p:txBody>
+      </p:sp>
+      <p:sp>
+        <p:nvSpPr>
+          <p:cNvPr id="3" name="Content Placeholder 2"/>
+          <p:cNvSpPr>
+            <a:spLocks noGrp="1"/>
+          </p:cNvSpPr>
+          <p:nvPr>
+            <p:ph idx="1"/>
           </p:nvPr>
         </p:nvSpPr>
         <p:spPr>
           <a:xfrm>
-            <a:off x="5184000" y="766354"/>
-            <a:ext cx="5817375" cy="5094446"/>
+            <a:off x="5183717" y="987425"/>
+            <a:ext cx="6172200" cy="4873625"/>
+          </a:xfrm>
+        </p:spPr>
+        <p:txBody>
+          <a:bodyPr/>
+          <a:lstStyle>
+            <a:lvl1pPr>
+              <a:defRPr sz="3200"/>
+            </a:lvl1pPr>
+            <a:lvl2pPr>
+              <a:defRPr sz="2800"/>
+            </a:lvl2pPr>
+            <a:lvl3pPr>
+              <a:defRPr sz="2400"/>
+            </a:lvl3pPr>
+            <a:lvl4pPr>
+              <a:defRPr sz="2000"/>
+            </a:lvl4pPr>
+            <a:lvl5pPr>
+              <a:defRPr sz="2000"/>
+            </a:lvl5pPr>
+            <a:lvl6pPr>
+              <a:defRPr sz="2000"/>
+            </a:lvl6pPr>
+            <a:lvl7pPr>
+              <a:defRPr sz="2000"/>
+            </a:lvl7pPr>
+            <a:lvl8pPr>
+              <a:defRPr sz="2000"/>
+            </a:lvl8pPr>
+            <a:lvl9pPr>
+              <a:defRPr sz="2000"/>
+            </a:lvl9pPr>
+          </a:lstStyle>
+          <a:p>
+            <a:pPr lvl="0"/>
+            <a:r>
+              <a:rPr lang="en-US" smtClean="0"/>
+              <a:t>Click to edit Master text styles</a:t>
+            </a:r>
+            <a:endParaRPr lang="en-US" smtClean="0"/>
+          </a:p>
+          <a:p>
+            <a:pPr lvl="1"/>
+            <a:r>
+              <a:rPr lang="en-US" smtClean="0"/>
+              <a:t>Second level</a:t>
+            </a:r>
+            <a:endParaRPr lang="en-US" smtClean="0"/>
+          </a:p>
+          <a:p>
+            <a:pPr lvl="2"/>
+            <a:r>
+              <a:rPr lang="en-US" smtClean="0"/>
+              <a:t>Third level</a:t>
+            </a:r>
+            <a:endParaRPr lang="en-US" smtClean="0"/>
+          </a:p>
+          <a:p>
+            <a:pPr lvl="3"/>
+            <a:r>
+              <a:rPr lang="en-US" smtClean="0"/>
+              <a:t>Fourth level</a:t>
+            </a:r>
+            <a:endParaRPr lang="en-US" smtClean="0"/>
+          </a:p>
+          <a:p>
+            <a:pPr lvl="4"/>
+            <a:r>
+              <a:rPr lang="en-US" smtClean="0"/>
+              <a:t>Fifth level</a:t>
+            </a:r>
+            <a:endParaRPr lang="en-US"/>
+          </a:p>
+        </p:txBody>
+      </p:sp>
+      <p:sp>
+        <p:nvSpPr>
+          <p:cNvPr id="4" name="Text Placeholder 3"/>
+          <p:cNvSpPr>
+            <a:spLocks noGrp="1"/>
+          </p:cNvSpPr>
+          <p:nvPr>
+            <p:ph type="body" sz="half" idx="2"/>
+          </p:nvPr>
+        </p:nvSpPr>
+        <p:spPr>
+          <a:xfrm>
+            <a:off x="840317" y="2057400"/>
+            <a:ext cx="3932767" cy="3811588"/>
           </a:xfrm>
         </p:spPr>
         <p:txBody>
           <a:bodyPr/>
           <a:lstStyle>
             <a:lvl1pPr marL="0" indent="0">
-              <a:buNone/>
-              <a:defRPr sz="3200"/>
-            </a:lvl1pPr>
-            <a:lvl2pPr marL="457200" indent="0">
-              <a:buNone/>
-              <a:defRPr sz="2800"/>
-            </a:lvl2pPr>
-            <a:lvl3pPr marL="914400" indent="0">
-              <a:buNone/>
-              <a:defRPr sz="2400"/>
-            </a:lvl3pPr>
-            <a:lvl4pPr marL="1371600" indent="0">
-              <a:buNone/>
-              <a:defRPr sz="2000"/>
-            </a:lvl4pPr>
-            <a:lvl5pPr marL="1828800" indent="0">
-              <a:buNone/>
-              <a:defRPr sz="2000"/>
-            </a:lvl5pPr>
-            <a:lvl6pPr marL="2286000" indent="0">
-              <a:buNone/>
-              <a:defRPr sz="2000"/>
-            </a:lvl6pPr>
-            <a:lvl7pPr marL="2743200" indent="0">
-              <a:buNone/>
-              <a:defRPr sz="2000"/>
-            </a:lvl7pPr>
-            <a:lvl8pPr marL="3200400" indent="0">
-              <a:buNone/>
-              <a:defRPr sz="2000"/>
-            </a:lvl8pPr>
-            <a:lvl9pPr marL="3657600" indent="0">
-              <a:buNone/>
-              <a:defRPr sz="2000"/>
-            </a:lvl9pPr>
-          </a:lstStyle>
-          <a:p>
-            <a:endParaRPr lang="zh-CN" altLang="en-US" dirty="0"/>
-          </a:p>
-        </p:txBody>
-      </p:sp>
-      <p:sp>
-        <p:nvSpPr>
-          <p:cNvPr id="4" name="文本占位符 3"/>
-          <p:cNvSpPr>
-            <a:spLocks noGrp="1"/>
-          </p:cNvSpPr>
-          <p:nvPr>
-            <p:ph type="body" sz="half" idx="2"/>
-          </p:nvPr>
-        </p:nvSpPr>
-        <p:spPr>
-          <a:xfrm>
-            <a:off x="651827" y="2057400"/>
-            <a:ext cx="4165200" cy="3811588"/>
-          </a:xfrm>
-        </p:spPr>
-        <p:txBody>
-          <a:bodyPr>
-            <a:normAutofit/>
-          </a:bodyPr>
-          <a:lstStyle>
-            <a:lvl1pPr marL="0" indent="0">
-              <a:lnSpc>
-                <a:spcPct val="150000"/>
-              </a:lnSpc>
               <a:buNone/>
               <a:defRPr sz="1600"/>
             </a:lvl1pPr>
@@ -2680,16 +3286,16 @@
           <a:p>
             <a:pPr lvl="0"/>
             <a:r>
-              <a:rPr lang="zh-CN" altLang="en-US" dirty="0"/>
+              <a:rPr lang="en-US" smtClean="0"/>
               <a:t>Click to edit Master text styles</a:t>
             </a:r>
-            <a:endParaRPr lang="zh-CN" altLang="en-US" dirty="0"/>
-          </a:p>
-        </p:txBody>
-      </p:sp>
-      <p:sp>
-        <p:nvSpPr>
-          <p:cNvPr id="5" name="日期占位符 4"/>
+            <a:endParaRPr lang="en-US" smtClean="0"/>
+          </a:p>
+        </p:txBody>
+      </p:sp>
+      <p:sp>
+        <p:nvSpPr>
+          <p:cNvPr id="5" name="Date Placeholder 4"/>
           <p:cNvSpPr>
             <a:spLocks noGrp="1"/>
           </p:cNvSpPr>
@@ -2700,278 +3306,156 @@
         <p:spPr/>
         <p:txBody>
           <a:bodyPr/>
-          <a:lstStyle/>
-          <a:p>
-            <a:fld id="{9EFD9D74-47D9-4702-A33C-335B63B48DBF}" type="datetimeFigureOut">
-              <a:rPr lang="zh-CN" altLang="en-US" smtClean="0"/>
+          <a:p>
+            <a:pPr marL="0" marR="0" lvl="0" indent="0" algn="l" defTabSz="914400" rtl="0" eaLnBrk="1" fontAlgn="base" latinLnBrk="0" hangingPunct="1">
+              <a:lnSpc>
+                <a:spcPct val="100000"/>
+              </a:lnSpc>
+              <a:spcBef>
+                <a:spcPct val="0"/>
+              </a:spcBef>
+              <a:spcAft>
+                <a:spcPct val="0"/>
+              </a:spcAft>
+              <a:buClrTx/>
+              <a:buSzTx/>
+              <a:buFontTx/>
+              <a:buNone/>
+              <a:defRPr/>
+            </a:pPr>
+            <a:endParaRPr kumimoji="0" lang="en-US" altLang="zh-CN" sz="1400" b="0" i="0" u="none" strike="noStrike" kern="1200" cap="none" spc="0" normalizeH="0" baseline="0" noProof="0" smtClean="0">
+              <a:ln>
+                <a:noFill/>
+              </a:ln>
+              <a:solidFill>
+                <a:schemeClr val="tx1"/>
+              </a:solidFill>
+              <a:effectLst/>
+              <a:uLnTx/>
+              <a:uFillTx/>
+              <a:latin typeface="Arial" panose="02080604020202020204" pitchFamily="34" charset="0"/>
+              <a:ea typeface="SimSun" pitchFamily="2" charset="-122"/>
+              <a:cs typeface="+mn-cs"/>
+            </a:endParaRPr>
+          </a:p>
+        </p:txBody>
+      </p:sp>
+      <p:sp>
+        <p:nvSpPr>
+          <p:cNvPr id="6" name="Footer Placeholder 5"/>
+          <p:cNvSpPr>
+            <a:spLocks noGrp="1"/>
+          </p:cNvSpPr>
+          <p:nvPr>
+            <p:ph type="ftr" sz="quarter" idx="11"/>
+          </p:nvPr>
+        </p:nvSpPr>
+        <p:spPr/>
+        <p:txBody>
+          <a:bodyPr/>
+          <a:p>
+            <a:pPr marL="0" marR="0" lvl="0" indent="0" algn="ctr" defTabSz="914400" rtl="0" eaLnBrk="1" fontAlgn="base" latinLnBrk="0" hangingPunct="1">
+              <a:lnSpc>
+                <a:spcPct val="100000"/>
+              </a:lnSpc>
+              <a:spcBef>
+                <a:spcPct val="0"/>
+              </a:spcBef>
+              <a:spcAft>
+                <a:spcPct val="0"/>
+              </a:spcAft>
+              <a:buClrTx/>
+              <a:buSzTx/>
+              <a:buFontTx/>
+              <a:buNone/>
+              <a:defRPr/>
+            </a:pPr>
+            <a:endParaRPr kumimoji="0" lang="en-US" altLang="zh-CN" sz="1400" b="0" i="0" u="none" strike="noStrike" kern="1200" cap="none" spc="0" normalizeH="0" baseline="0" noProof="0" smtClean="0">
+              <a:ln>
+                <a:noFill/>
+              </a:ln>
+              <a:solidFill>
+                <a:schemeClr val="tx1"/>
+              </a:solidFill>
+              <a:effectLst/>
+              <a:uLnTx/>
+              <a:uFillTx/>
+              <a:latin typeface="Arial" panose="02080604020202020204" pitchFamily="34" charset="0"/>
+              <a:ea typeface="SimSun" pitchFamily="2" charset="-122"/>
+              <a:cs typeface="+mn-cs"/>
+            </a:endParaRPr>
+          </a:p>
+        </p:txBody>
+      </p:sp>
+      <p:sp>
+        <p:nvSpPr>
+          <p:cNvPr id="7" name="Slide Number Placeholder 6"/>
+          <p:cNvSpPr>
+            <a:spLocks noGrp="1"/>
+          </p:cNvSpPr>
+          <p:nvPr>
+            <p:ph type="sldNum" sz="quarter" idx="12"/>
+          </p:nvPr>
+        </p:nvSpPr>
+        <p:spPr/>
+        <p:txBody>
+          <a:bodyPr/>
+          <a:p>
+            <a:pPr marL="0" marR="0" lvl="0" indent="0" algn="r" defTabSz="914400" rtl="0" eaLnBrk="1" fontAlgn="base" latinLnBrk="0" hangingPunct="1">
+              <a:lnSpc>
+                <a:spcPct val="100000"/>
+              </a:lnSpc>
+              <a:spcBef>
+                <a:spcPct val="0"/>
+              </a:spcBef>
+              <a:spcAft>
+                <a:spcPct val="0"/>
+              </a:spcAft>
+              <a:buClrTx/>
+              <a:buSzTx/>
+              <a:buFontTx/>
+              <a:buNone/>
+              <a:defRPr/>
+            </a:pPr>
+            <a:fld id="{F39722A4-B7DD-4972-B8CF-0A4F6863DCFD}" type="slidenum">
+              <a:rPr kumimoji="0" lang="en-US" altLang="zh-CN" sz="1400" b="0" i="0" u="none" strike="noStrike" kern="1200" cap="none" spc="0" normalizeH="0" baseline="0" noProof="0" smtClean="0">
+                <a:ln>
+                  <a:noFill/>
+                </a:ln>
+                <a:solidFill>
+                  <a:schemeClr val="tx1"/>
+                </a:solidFill>
+                <a:effectLst/>
+                <a:uLnTx/>
+                <a:uFillTx/>
+                <a:latin typeface="Arial" panose="02080604020202020204" pitchFamily="34" charset="0"/>
+                <a:ea typeface="SimSun" pitchFamily="2" charset="-122"/>
+                <a:cs typeface="+mn-cs"/>
+              </a:rPr>
             </a:fld>
-            <a:endParaRPr lang="zh-CN" altLang="en-US" dirty="0"/>
-          </a:p>
-        </p:txBody>
-      </p:sp>
-      <p:sp>
-        <p:nvSpPr>
-          <p:cNvPr id="6" name="页脚占位符 5"/>
-          <p:cNvSpPr>
-            <a:spLocks noGrp="1"/>
-          </p:cNvSpPr>
-          <p:nvPr>
-            <p:ph type="ftr" sz="quarter" idx="11"/>
-          </p:nvPr>
-        </p:nvSpPr>
-        <p:spPr/>
-        <p:txBody>
-          <a:bodyPr/>
-          <a:lstStyle/>
-          <a:p>
-            <a:endParaRPr lang="zh-CN" altLang="en-US" dirty="0"/>
-          </a:p>
-        </p:txBody>
-      </p:sp>
-      <p:sp>
-        <p:nvSpPr>
-          <p:cNvPr id="7" name="灯片编号占位符 6"/>
-          <p:cNvSpPr>
-            <a:spLocks noGrp="1"/>
-          </p:cNvSpPr>
-          <p:nvPr>
-            <p:ph type="sldNum" sz="quarter" idx="12"/>
-          </p:nvPr>
-        </p:nvSpPr>
-        <p:spPr/>
-        <p:txBody>
-          <a:bodyPr/>
-          <a:lstStyle/>
-          <a:p>
-            <a:fld id="{FABC47A4-756D-490B-A52F-7D9E2C9FC05F}" type="slidenum">
-              <a:rPr lang="zh-CN" altLang="en-US" smtClean="0"/>
-            </a:fld>
-            <a:endParaRPr lang="zh-CN" altLang="en-US"/>
-          </a:p>
-        </p:txBody>
-      </p:sp>
-      <p:cxnSp>
-        <p:nvCxnSpPr>
-          <p:cNvPr id="8" name="直接连接符 7" hidden="1"/>
-          <p:cNvCxnSpPr/>
-          <p:nvPr userDrawn="1"/>
-        </p:nvCxnSpPr>
-        <p:spPr>
-          <a:xfrm>
-            <a:off x="742950" y="434340"/>
-            <a:ext cx="0" cy="1391285"/>
-          </a:xfrm>
-          <a:prstGeom prst="line">
-            <a:avLst/>
-          </a:prstGeom>
-        </p:spPr>
-        <p:style>
-          <a:lnRef idx="1">
-            <a:schemeClr val="accent1"/>
-          </a:lnRef>
-          <a:fillRef idx="0">
-            <a:schemeClr val="accent1"/>
-          </a:fillRef>
-          <a:effectRef idx="0">
-            <a:schemeClr val="accent1"/>
-          </a:effectRef>
-          <a:fontRef idx="minor">
-            <a:schemeClr val="tx1"/>
-          </a:fontRef>
-        </p:style>
-      </p:cxnSp>
+            <a:endParaRPr kumimoji="0" lang="en-US" altLang="zh-CN" sz="1400" b="0" i="0" u="none" strike="noStrike" kern="1200" cap="none" spc="0" normalizeH="0" baseline="0" noProof="0" smtClean="0">
+              <a:ln>
+                <a:noFill/>
+              </a:ln>
+              <a:solidFill>
+                <a:schemeClr val="tx1"/>
+              </a:solidFill>
+              <a:effectLst/>
+              <a:uLnTx/>
+              <a:uFillTx/>
+              <a:latin typeface="Arial" panose="02080604020202020204" pitchFamily="34" charset="0"/>
+              <a:ea typeface="SimSun" pitchFamily="2" charset="-122"/>
+              <a:cs typeface="+mn-cs"/>
+            </a:endParaRPr>
+          </a:p>
+        </p:txBody>
+      </p:sp>
     </p:spTree>
   </p:cSld>
   <p:clrMapOvr>
     <a:masterClrMapping/>
   </p:clrMapOvr>
-</p:sldLayout>
-</file>
-
-<file path=ppt/slideLayouts/slideLayout9.xml><?xml version="1.0" encoding="utf-8"?>
-<p:sldLayout xmlns:a="http://schemas.openxmlformats.org/drawingml/2006/main" xmlns:r="http://schemas.openxmlformats.org/officeDocument/2006/relationships" xmlns:p="http://schemas.openxmlformats.org/presentationml/2006/main" type="vertTitleAndTx" preserve="1">
-  <p:cSld name="Vertical Title and Text">
-    <p:spTree>
-      <p:nvGrpSpPr>
-        <p:cNvPr id="1" name=""/>
-        <p:cNvGrpSpPr/>
-        <p:nvPr/>
-      </p:nvGrpSpPr>
-      <p:grpSpPr>
-        <a:xfrm>
-          <a:off x="0" y="0"/>
-          <a:ext cx="0" cy="0"/>
-          <a:chOff x="0" y="0"/>
-          <a:chExt cx="0" cy="0"/>
-        </a:xfrm>
-      </p:grpSpPr>
-      <p:sp>
-        <p:nvSpPr>
-          <p:cNvPr id="2" name="竖排标题 1"/>
-          <p:cNvSpPr>
-            <a:spLocks noGrp="1"/>
-          </p:cNvSpPr>
-          <p:nvPr>
-            <p:ph type="title" orient="vert"/>
-          </p:nvPr>
-        </p:nvSpPr>
-        <p:spPr>
-          <a:xfrm>
-            <a:off x="9824484" y="365125"/>
-            <a:ext cx="1529316" cy="5811838"/>
-          </a:xfrm>
-        </p:spPr>
-        <p:txBody>
-          <a:bodyPr vert="eaVert">
-            <a:normAutofit/>
-          </a:bodyPr>
-          <a:lstStyle>
-            <a:lvl1pPr>
-              <a:defRPr sz="3600"/>
-            </a:lvl1pPr>
-          </a:lstStyle>
-          <a:p>
-            <a:r>
-              <a:rPr lang="zh-CN" altLang="en-US"/>
-              <a:t>Click to edit Master title style</a:t>
-            </a:r>
-            <a:endParaRPr lang="zh-CN" altLang="en-US"/>
-          </a:p>
-        </p:txBody>
-      </p:sp>
-      <p:sp>
-        <p:nvSpPr>
-          <p:cNvPr id="3" name="竖排文字占位符 2"/>
-          <p:cNvSpPr>
-            <a:spLocks noGrp="1"/>
-          </p:cNvSpPr>
-          <p:nvPr>
-            <p:ph type="body" orient="vert" idx="1"/>
-          </p:nvPr>
-        </p:nvSpPr>
-        <p:spPr>
-          <a:xfrm>
-            <a:off x="838200" y="365125"/>
-            <a:ext cx="8879958" cy="5811838"/>
-          </a:xfrm>
-        </p:spPr>
-        <p:txBody>
-          <a:bodyPr vert="eaVert"/>
-          <a:lstStyle/>
-          <a:p>
-            <a:pPr lvl="0"/>
-            <a:r>
-              <a:rPr lang="zh-CN" altLang="en-US" dirty="0">
-                <a:sym typeface="+mn-ea"/>
-              </a:rPr>
-              <a:t>Click to edit Master text styles</a:t>
-            </a:r>
-            <a:endParaRPr lang="zh-CN" altLang="en-US" dirty="0">
-              <a:sym typeface="+mn-ea"/>
-            </a:endParaRPr>
-          </a:p>
-          <a:p>
-            <a:pPr lvl="1"/>
-            <a:r>
-              <a:rPr lang="zh-CN" altLang="en-US" dirty="0"/>
-              <a:t>Second level</a:t>
-            </a:r>
-            <a:endParaRPr lang="zh-CN" altLang="en-US" dirty="0"/>
-          </a:p>
-          <a:p>
-            <a:pPr lvl="2"/>
-            <a:r>
-              <a:rPr lang="zh-CN" altLang="en-US" dirty="0"/>
-              <a:t>Third level</a:t>
-            </a:r>
-            <a:endParaRPr lang="zh-CN" altLang="en-US" dirty="0"/>
-          </a:p>
-          <a:p>
-            <a:pPr lvl="3"/>
-            <a:r>
-              <a:rPr lang="zh-CN" altLang="en-US" dirty="0"/>
-              <a:t>Fourth level</a:t>
-            </a:r>
-            <a:endParaRPr lang="zh-CN" altLang="en-US" dirty="0"/>
-          </a:p>
-          <a:p>
-            <a:pPr lvl="4"/>
-            <a:r>
-              <a:rPr lang="zh-CN" altLang="en-US" dirty="0"/>
-              <a:t>Fifth level</a:t>
-            </a:r>
-            <a:endParaRPr lang="zh-CN" altLang="en-US" dirty="0"/>
-          </a:p>
-        </p:txBody>
-      </p:sp>
-      <p:sp>
-        <p:nvSpPr>
-          <p:cNvPr id="4" name="日期占位符 3"/>
-          <p:cNvSpPr>
-            <a:spLocks noGrp="1"/>
-          </p:cNvSpPr>
-          <p:nvPr>
-            <p:ph type="dt" sz="half" idx="10"/>
-          </p:nvPr>
-        </p:nvSpPr>
-        <p:spPr/>
-        <p:txBody>
-          <a:bodyPr/>
-          <a:lstStyle/>
-          <a:p>
-            <a:fld id="{760FBDFE-C587-4B4C-A407-44438C67B59E}" type="datetimeFigureOut">
-              <a:rPr lang="zh-CN" altLang="en-US" smtClean="0"/>
-            </a:fld>
-            <a:endParaRPr lang="zh-CN" altLang="en-US"/>
-          </a:p>
-        </p:txBody>
-      </p:sp>
-      <p:sp>
-        <p:nvSpPr>
-          <p:cNvPr id="5" name="页脚占位符 4"/>
-          <p:cNvSpPr>
-            <a:spLocks noGrp="1"/>
-          </p:cNvSpPr>
-          <p:nvPr>
-            <p:ph type="ftr" sz="quarter" idx="11"/>
-          </p:nvPr>
-        </p:nvSpPr>
-        <p:spPr/>
-        <p:txBody>
-          <a:bodyPr/>
-          <a:lstStyle/>
-          <a:p>
-            <a:endParaRPr lang="zh-CN" altLang="en-US"/>
-          </a:p>
-        </p:txBody>
-      </p:sp>
-      <p:sp>
-        <p:nvSpPr>
-          <p:cNvPr id="6" name="灯片编号占位符 5"/>
-          <p:cNvSpPr>
-            <a:spLocks noGrp="1"/>
-          </p:cNvSpPr>
-          <p:nvPr>
-            <p:ph type="sldNum" sz="quarter" idx="12"/>
-          </p:nvPr>
-        </p:nvSpPr>
-        <p:spPr/>
-        <p:txBody>
-          <a:bodyPr/>
-          <a:lstStyle/>
-          <a:p>
-            <a:fld id="{49AE70B2-8BF9-45C0-BB95-33D1B9D3A854}" type="slidenum">
-              <a:rPr lang="zh-CN" altLang="en-US" smtClean="0"/>
-            </a:fld>
-            <a:endParaRPr lang="zh-CN" altLang="en-US"/>
-          </a:p>
-        </p:txBody>
-      </p:sp>
-    </p:spTree>
-  </p:cSld>
-  <p:clrMapOvr>
-    <a:masterClrMapping/>
-  </p:clrMapOvr>
+  <p:hf sldNum="0" hdr="0" ftr="0" dt="0"/>
 </p:sldLayout>
 </file>
 
@@ -2992,149 +3476,194 @@
         <p:cNvGrpSpPr/>
         <p:nvPr/>
       </p:nvGrpSpPr>
-      <p:grpSpPr>
-        <a:xfrm>
-          <a:off x="0" y="0"/>
-          <a:ext cx="0" cy="0"/>
-          <a:chOff x="0" y="0"/>
-          <a:chExt cx="0" cy="0"/>
-        </a:xfrm>
-      </p:grpSpPr>
-      <p:sp>
-        <p:nvSpPr>
-          <p:cNvPr id="2" name="标题占位符 1"/>
-          <p:cNvSpPr>
-            <a:spLocks noGrp="1"/>
-          </p:cNvSpPr>
-          <p:nvPr>
-            <p:ph type="title"/>
-          </p:nvPr>
-        </p:nvSpPr>
+      <p:grpSpPr/>
+      <p:pic>
+        <p:nvPicPr>
+          <p:cNvPr id="1026" name="Picture 3"/>
+          <p:cNvPicPr>
+            <a:picLocks noChangeAspect="1"/>
+          </p:cNvPicPr>
+          <p:nvPr/>
+        </p:nvPicPr>
+        <p:blipFill>
+          <a:blip r:embed="rId13"/>
+          <a:stretch>
+            <a:fillRect/>
+          </a:stretch>
+        </p:blipFill>
         <p:spPr>
           <a:xfrm>
-            <a:off x="838200" y="365125"/>
-            <a:ext cx="10515600" cy="1325563"/>
+            <a:off x="-8467" y="0"/>
+            <a:ext cx="12200467" cy="6858000"/>
           </a:xfrm>
           <a:prstGeom prst="rect">
             <a:avLst/>
           </a:prstGeom>
+          <a:noFill/>
+          <a:ln w="9525">
+            <a:noFill/>
+          </a:ln>
         </p:spPr>
-        <p:txBody>
-          <a:bodyPr vert="horz" lIns="91440" tIns="45720" rIns="91440" bIns="45720" rtlCol="0" anchor="ctr">
-            <a:normAutofit/>
-          </a:bodyPr>
-          <a:lstStyle/>
-          <a:p>
-            <a:r>
-              <a:rPr lang="zh-CN" altLang="en-US" dirty="0"/>
-              <a:t>Click to edit Master title style</a:t>
-            </a:r>
-            <a:endParaRPr lang="zh-CN" altLang="en-US" dirty="0"/>
-          </a:p>
-        </p:txBody>
-      </p:sp>
-      <p:sp>
-        <p:nvSpPr>
-          <p:cNvPr id="3" name="文本占位符 2"/>
+      </p:pic>
+      <p:sp>
+        <p:nvSpPr>
+          <p:cNvPr id="1027" name="Rectangle 3"/>
           <p:cNvSpPr>
             <a:spLocks noGrp="1"/>
           </p:cNvSpPr>
           <p:nvPr>
-            <p:ph type="body" idx="1"/>
+            <p:ph type="title"/>
           </p:nvPr>
         </p:nvSpPr>
         <p:spPr>
           <a:xfrm>
-            <a:off x="838200" y="1825625"/>
-            <a:ext cx="10515600" cy="4351338"/>
+            <a:off x="609600" y="190500"/>
+            <a:ext cx="10972800" cy="582613"/>
           </a:xfrm>
           <a:prstGeom prst="rect">
             <a:avLst/>
           </a:prstGeom>
+          <a:noFill/>
+          <a:ln w="9525">
+            <a:noFill/>
+          </a:ln>
         </p:spPr>
         <p:txBody>
-          <a:bodyPr vert="horz" lIns="91440" tIns="45720" rIns="91440" bIns="45720" rtlCol="0">
-            <a:normAutofit/>
-          </a:bodyPr>
-          <a:lstStyle/>
+          <a:bodyPr anchor="ctr" anchorCtr="0"/>
           <a:p>
             <a:pPr lvl="0"/>
             <a:r>
-              <a:rPr lang="zh-CN" altLang="en-US" dirty="0">
-                <a:sym typeface="+mn-ea"/>
-              </a:rPr>
-              <a:t>Click to edit Master text styles</a:t>
-            </a:r>
-            <a:endParaRPr lang="zh-CN" altLang="en-US" dirty="0">
-              <a:sym typeface="+mn-ea"/>
-            </a:endParaRPr>
-          </a:p>
-          <a:p>
-            <a:pPr lvl="1"/>
-            <a:r>
-              <a:rPr lang="zh-CN" altLang="en-US" dirty="0"/>
-              <a:t>Second level</a:t>
-            </a:r>
-            <a:endParaRPr lang="zh-CN" altLang="en-US" dirty="0"/>
-          </a:p>
-          <a:p>
-            <a:pPr lvl="2"/>
-            <a:r>
-              <a:rPr lang="zh-CN" altLang="en-US" dirty="0"/>
-              <a:t>Third level</a:t>
-            </a:r>
-            <a:endParaRPr lang="zh-CN" altLang="en-US" dirty="0"/>
-          </a:p>
-          <a:p>
-            <a:pPr lvl="3"/>
-            <a:r>
-              <a:rPr lang="zh-CN" altLang="en-US" dirty="0"/>
-              <a:t>Fourth level</a:t>
-            </a:r>
-            <a:endParaRPr lang="zh-CN" altLang="en-US" dirty="0"/>
-          </a:p>
-          <a:p>
-            <a:pPr lvl="4"/>
-            <a:r>
-              <a:rPr lang="zh-CN" altLang="en-US" dirty="0"/>
-              <a:t>Fifth level</a:t>
-            </a:r>
-            <a:endParaRPr lang="zh-CN" altLang="en-US" dirty="0"/>
-          </a:p>
-        </p:txBody>
-      </p:sp>
-      <p:sp>
-        <p:nvSpPr>
-          <p:cNvPr id="4" name="日期占位符 3"/>
+              <a:rPr lang="en-US" altLang="zh-CN" dirty="0"/>
+              <a:t>Click to edit Master title style</a:t>
+            </a:r>
+            <a:endParaRPr lang="en-US" altLang="zh-CN" dirty="0"/>
+          </a:p>
+        </p:txBody>
+      </p:sp>
+      <p:sp>
+        <p:nvSpPr>
+          <p:cNvPr id="1028" name="Rectangle 4"/>
           <p:cNvSpPr>
             <a:spLocks noGrp="1"/>
           </p:cNvSpPr>
           <p:nvPr>
-            <p:ph type="dt" sz="half" idx="2"/>
+            <p:ph type="body" idx="1"/>
           </p:nvPr>
         </p:nvSpPr>
         <p:spPr>
           <a:xfrm>
-            <a:off x="838200" y="6356350"/>
-            <a:ext cx="2743200" cy="365125"/>
+            <a:off x="609600" y="1174750"/>
+            <a:ext cx="10972800" cy="4953000"/>
           </a:xfrm>
           <a:prstGeom prst="rect">
             <a:avLst/>
           </a:prstGeom>
+          <a:noFill/>
+          <a:ln w="9525">
+            <a:noFill/>
+          </a:ln>
         </p:spPr>
         <p:txBody>
-          <a:bodyPr vert="horz" lIns="91440" tIns="45720" rIns="91440" bIns="45720" rtlCol="0" anchor="ctr">
-            <a:normAutofit/>
-          </a:bodyPr>
+          <a:bodyPr/>
+          <a:p>
+            <a:pPr lvl="0"/>
+            <a:r>
+              <a:rPr lang="en-US" altLang="zh-CN" dirty="0"/>
+              <a:t>Click to edit Master text styles</a:t>
+            </a:r>
+            <a:endParaRPr lang="en-US" altLang="zh-CN" dirty="0"/>
+          </a:p>
+          <a:p>
+            <a:pPr lvl="1"/>
+            <a:r>
+              <a:rPr lang="en-US" altLang="zh-CN" dirty="0"/>
+              <a:t>Second level</a:t>
+            </a:r>
+            <a:endParaRPr lang="en-US" altLang="zh-CN" dirty="0"/>
+          </a:p>
+          <a:p>
+            <a:pPr lvl="2"/>
+            <a:r>
+              <a:rPr lang="en-US" altLang="zh-CN" dirty="0"/>
+              <a:t>Third level</a:t>
+            </a:r>
+            <a:endParaRPr lang="en-US" altLang="zh-CN" dirty="0"/>
+          </a:p>
+          <a:p>
+            <a:pPr lvl="3"/>
+            <a:r>
+              <a:rPr lang="en-US" altLang="zh-CN" dirty="0"/>
+              <a:t>Fourth level</a:t>
+            </a:r>
+            <a:endParaRPr lang="en-US" altLang="zh-CN" dirty="0"/>
+          </a:p>
+          <a:p>
+            <a:pPr lvl="4"/>
+            <a:r>
+              <a:rPr lang="en-US" altLang="zh-CN" dirty="0"/>
+              <a:t>Fifth level</a:t>
+            </a:r>
+            <a:endParaRPr lang="en-US" altLang="zh-CN" dirty="0"/>
+          </a:p>
+        </p:txBody>
+      </p:sp>
+      <p:sp>
+        <p:nvSpPr>
+          <p:cNvPr id="1029" name="Rectangle 5"/>
+          <p:cNvSpPr>
+            <a:spLocks noGrp="1" noChangeArrowheads="1"/>
+          </p:cNvSpPr>
+          <p:nvPr>
+            <p:ph type="dt" sz="half" idx="2"/>
+          </p:nvPr>
+        </p:nvSpPr>
+        <p:spPr bwMode="auto">
+          <a:xfrm>
+            <a:off x="609600" y="6245225"/>
+            <a:ext cx="2844800" cy="476250"/>
+          </a:xfrm>
+          <a:prstGeom prst="rect">
+            <a:avLst/>
+          </a:prstGeom>
+          <a:noFill/>
+          <a:ln>
+            <a:noFill/>
+          </a:ln>
+          <a:effectLst/>
+          <a:extLst>
+            <a:ext uri="{909E8E84-426E-40DD-AFC4-6F175D3DCCD1}">
+              <a14:hiddenFill xmlns:a14="http://schemas.microsoft.com/office/drawing/2010/main">
+                <a:solidFill>
+                  <a:schemeClr val="accent1"/>
+                </a:solidFill>
+              </a14:hiddenFill>
+            </a:ext>
+            <a:ext uri="{91240B29-F687-4F45-9708-019B960494DF}">
+              <a14:hiddenLine xmlns:a14="http://schemas.microsoft.com/office/drawing/2010/main" w="9525">
+                <a:solidFill>
+                  <a:srgbClr val="000000"/>
+                </a:solidFill>
+                <a:miter lim="800000"/>
+                <a:headEnd/>
+                <a:tailEnd/>
+              </a14:hiddenLine>
+            </a:ext>
+            <a:ext uri="{AF507438-7753-43E0-B8FC-AC1667EBCBE1}">
+              <a14:hiddenEffects xmlns:a14="http://schemas.microsoft.com/office/drawing/2010/main">
+                <a:effectLst>
+                  <a:outerShdw dist="35921" dir="2700000" algn="ctr" rotWithShape="0">
+                    <a:schemeClr val="bg2"/>
+                  </a:outerShdw>
+                </a:effectLst>
+              </a14:hiddenEffects>
+            </a:ext>
+          </a:extLst>
+        </p:spPr>
+        <p:txBody>
+          <a:bodyPr vert="horz" wrap="square" lIns="91440" tIns="45720" rIns="91440" bIns="45720" numCol="1" anchor="t" anchorCtr="0" compatLnSpc="1"/>
           <a:lstStyle>
-            <a:lvl1pPr algn="l">
-              <a:defRPr sz="1200">
-                <a:solidFill>
-                  <a:schemeClr val="tx1">
-                    <a:tint val="75000"/>
-                  </a:schemeClr>
-                </a:solidFill>
-              </a:defRPr>
+            <a:lvl1pPr>
+              <a:defRPr sz="1400"/>
             </a:lvl1pPr>
           </a:lstStyle>
           <a:p>
@@ -3147,36 +3676,61 @@
       </p:sp>
       <p:sp>
         <p:nvSpPr>
-          <p:cNvPr id="5" name="页脚占位符 4"/>
-          <p:cNvSpPr>
-            <a:spLocks noGrp="1"/>
+          <p:cNvPr id="1030" name="Rectangle 6"/>
+          <p:cNvSpPr>
+            <a:spLocks noGrp="1" noChangeArrowheads="1"/>
           </p:cNvSpPr>
           <p:nvPr>
             <p:ph type="ftr" sz="quarter" idx="3"/>
           </p:nvPr>
         </p:nvSpPr>
-        <p:spPr>
+        <p:spPr bwMode="auto">
           <a:xfrm>
-            <a:off x="4038600" y="6356350"/>
-            <a:ext cx="4114800" cy="365125"/>
+            <a:off x="4165600" y="6245225"/>
+            <a:ext cx="3860800" cy="476250"/>
           </a:xfrm>
           <a:prstGeom prst="rect">
             <a:avLst/>
           </a:prstGeom>
+          <a:noFill/>
+          <a:ln>
+            <a:noFill/>
+          </a:ln>
+          <a:effectLst/>
+          <a:extLst>
+            <a:ext uri="{909E8E84-426E-40DD-AFC4-6F175D3DCCD1}">
+              <a14:hiddenFill xmlns:a14="http://schemas.microsoft.com/office/drawing/2010/main">
+                <a:solidFill>
+                  <a:schemeClr val="accent1"/>
+                </a:solidFill>
+              </a14:hiddenFill>
+            </a:ext>
+            <a:ext uri="{91240B29-F687-4F45-9708-019B960494DF}">
+              <a14:hiddenLine xmlns:a14="http://schemas.microsoft.com/office/drawing/2010/main" w="9525">
+                <a:solidFill>
+                  <a:srgbClr val="000000"/>
+                </a:solidFill>
+                <a:miter lim="800000"/>
+                <a:headEnd/>
+                <a:tailEnd/>
+              </a14:hiddenLine>
+            </a:ext>
+            <a:ext uri="{AF507438-7753-43E0-B8FC-AC1667EBCBE1}">
+              <a14:hiddenEffects xmlns:a14="http://schemas.microsoft.com/office/drawing/2010/main">
+                <a:effectLst>
+                  <a:outerShdw dist="35921" dir="2700000" algn="ctr" rotWithShape="0">
+                    <a:schemeClr val="bg2"/>
+                  </a:outerShdw>
+                </a:effectLst>
+              </a14:hiddenEffects>
+            </a:ext>
+          </a:extLst>
         </p:spPr>
         <p:txBody>
-          <a:bodyPr vert="horz" lIns="91440" tIns="45720" rIns="91440" bIns="45720" rtlCol="0" anchor="ctr">
-            <a:normAutofit/>
-          </a:bodyPr>
+          <a:bodyPr vert="horz" wrap="square" lIns="91440" tIns="45720" rIns="91440" bIns="45720" numCol="1" anchor="t" anchorCtr="0" compatLnSpc="1"/>
           <a:lstStyle>
             <a:lvl1pPr algn="ctr">
-              <a:defRPr sz="1200">
-                <a:solidFill>
-                  <a:schemeClr val="tx1">
-                    <a:tint val="75000"/>
-                  </a:schemeClr>
-                </a:solidFill>
-              </a:defRPr>
+              <a:defRPr sz="1400"/>
             </a:lvl1pPr>
           </a:lstStyle>
           <a:p>
@@ -3186,36 +3740,61 @@
       </p:sp>
       <p:sp>
         <p:nvSpPr>
-          <p:cNvPr id="6" name="灯片编号占位符 5"/>
-          <p:cNvSpPr>
-            <a:spLocks noGrp="1"/>
+          <p:cNvPr id="1031" name="Rectangle 7"/>
+          <p:cNvSpPr>
+            <a:spLocks noGrp="1" noChangeArrowheads="1"/>
           </p:cNvSpPr>
           <p:nvPr>
             <p:ph type="sldNum" sz="quarter" idx="4"/>
           </p:nvPr>
         </p:nvSpPr>
-        <p:spPr>
+        <p:spPr bwMode="auto">
           <a:xfrm>
-            <a:off x="8610600" y="6356350"/>
-            <a:ext cx="2743200" cy="365125"/>
+            <a:off x="8737600" y="6245225"/>
+            <a:ext cx="2844800" cy="476250"/>
           </a:xfrm>
           <a:prstGeom prst="rect">
             <a:avLst/>
           </a:prstGeom>
+          <a:noFill/>
+          <a:ln>
+            <a:noFill/>
+          </a:ln>
+          <a:effectLst/>
+          <a:extLst>
+            <a:ext uri="{909E8E84-426E-40DD-AFC4-6F175D3DCCD1}">
+              <a14:hiddenFill xmlns:a14="http://schemas.microsoft.com/office/drawing/2010/main">
+                <a:solidFill>
+                  <a:schemeClr val="accent1"/>
+                </a:solidFill>
+              </a14:hiddenFill>
+            </a:ext>
+            <a:ext uri="{91240B29-F687-4F45-9708-019B960494DF}">
+              <a14:hiddenLine xmlns:a14="http://schemas.microsoft.com/office/drawing/2010/main" w="9525">
+                <a:solidFill>
+                  <a:srgbClr val="000000"/>
+                </a:solidFill>
+                <a:miter lim="800000"/>
+                <a:headEnd/>
+                <a:tailEnd/>
+              </a14:hiddenLine>
+            </a:ext>
+            <a:ext uri="{AF507438-7753-43E0-B8FC-AC1667EBCBE1}">
+              <a14:hiddenEffects xmlns:a14="http://schemas.microsoft.com/office/drawing/2010/main">
+                <a:effectLst>
+                  <a:outerShdw dist="35921" dir="2700000" algn="ctr" rotWithShape="0">
+                    <a:schemeClr val="bg2"/>
+                  </a:outerShdw>
+                </a:effectLst>
+              </a14:hiddenEffects>
+            </a:ext>
+          </a:extLst>
         </p:spPr>
         <p:txBody>
-          <a:bodyPr vert="horz" lIns="91440" tIns="45720" rIns="91440" bIns="45720" rtlCol="0" anchor="ctr">
-            <a:normAutofit/>
-          </a:bodyPr>
+          <a:bodyPr vert="horz" wrap="square" lIns="91440" tIns="45720" rIns="91440" bIns="45720" numCol="1" anchor="t" anchorCtr="0" compatLnSpc="1"/>
           <a:lstStyle>
             <a:lvl1pPr algn="r">
-              <a:defRPr sz="1200">
-                <a:solidFill>
-                  <a:schemeClr val="tx1">
-                    <a:tint val="75000"/>
-                  </a:schemeClr>
-                </a:solidFill>
-              </a:defRPr>
+              <a:defRPr sz="1400"/>
             </a:lvl1pPr>
           </a:lstStyle>
           <a:p>
@@ -3240,18 +3819,20 @@
     <p:sldLayoutId id="2147483656" r:id="rId8"/>
     <p:sldLayoutId id="2147483657" r:id="rId9"/>
     <p:sldLayoutId id="2147483658" r:id="rId10"/>
+    <p:sldLayoutId id="2147483659" r:id="rId11"/>
+    <p:sldLayoutId id="2147483660" r:id="rId12"/>
   </p:sldLayoutIdLst>
+  <p:hf sldNum="0" hdr="0" ftr="0" dt="0"/>
   <p:txStyles>
     <p:titleStyle>
-      <a:lvl1pPr algn="l" defTabSz="914400" rtl="0" eaLnBrk="1" latinLnBrk="0" hangingPunct="1">
-        <a:lnSpc>
-          <a:spcPct val="90000"/>
-        </a:lnSpc>
+      <a:lvl1pPr algn="l" rtl="0" fontAlgn="base">
         <a:spcBef>
           <a:spcPct val="0"/>
         </a:spcBef>
-        <a:buNone/>
-        <a:defRPr sz="4000" kern="1200">
+        <a:spcAft>
+          <a:spcPct val="0"/>
+        </a:spcAft>
+        <a:defRPr sz="3600" kern="1200">
           <a:solidFill>
             <a:schemeClr val="tx1"/>
           </a:solidFill>
@@ -3260,16 +3841,169 @@
           <a:cs typeface="+mj-cs"/>
         </a:defRPr>
       </a:lvl1pPr>
+      <a:lvl2pPr algn="l" rtl="0" fontAlgn="base">
+        <a:spcBef>
+          <a:spcPct val="0"/>
+        </a:spcBef>
+        <a:spcAft>
+          <a:spcPct val="0"/>
+        </a:spcAft>
+        <a:defRPr sz="3600">
+          <a:solidFill>
+            <a:schemeClr val="tx1"/>
+          </a:solidFill>
+          <a:latin typeface="Arial" panose="02080604020202020204" pitchFamily="34" charset="0"/>
+          <a:ea typeface="SimSun" pitchFamily="2" charset="-122"/>
+        </a:defRPr>
+      </a:lvl2pPr>
+      <a:lvl3pPr algn="l" rtl="0" fontAlgn="base">
+        <a:spcBef>
+          <a:spcPct val="0"/>
+        </a:spcBef>
+        <a:spcAft>
+          <a:spcPct val="0"/>
+        </a:spcAft>
+        <a:defRPr sz="3600">
+          <a:solidFill>
+            <a:schemeClr val="tx1"/>
+          </a:solidFill>
+          <a:latin typeface="Arial" panose="02080604020202020204" pitchFamily="34" charset="0"/>
+          <a:ea typeface="SimSun" pitchFamily="2" charset="-122"/>
+        </a:defRPr>
+      </a:lvl3pPr>
+      <a:lvl4pPr algn="l" rtl="0" fontAlgn="base">
+        <a:spcBef>
+          <a:spcPct val="0"/>
+        </a:spcBef>
+        <a:spcAft>
+          <a:spcPct val="0"/>
+        </a:spcAft>
+        <a:defRPr sz="3600">
+          <a:solidFill>
+            <a:schemeClr val="tx1"/>
+          </a:solidFill>
+          <a:latin typeface="Arial" panose="02080604020202020204" pitchFamily="34" charset="0"/>
+          <a:ea typeface="SimSun" pitchFamily="2" charset="-122"/>
+        </a:defRPr>
+      </a:lvl4pPr>
+      <a:lvl5pPr algn="l" rtl="0" fontAlgn="base">
+        <a:spcBef>
+          <a:spcPct val="0"/>
+        </a:spcBef>
+        <a:spcAft>
+          <a:spcPct val="0"/>
+        </a:spcAft>
+        <a:defRPr sz="3600">
+          <a:solidFill>
+            <a:schemeClr val="tx1"/>
+          </a:solidFill>
+          <a:latin typeface="Arial" panose="02080604020202020204" pitchFamily="34" charset="0"/>
+          <a:ea typeface="SimSun" pitchFamily="2" charset="-122"/>
+        </a:defRPr>
+      </a:lvl5pPr>
+      <a:lvl6pPr marL="457200" algn="l" rtl="0" fontAlgn="base">
+        <a:spcBef>
+          <a:spcPct val="0"/>
+        </a:spcBef>
+        <a:spcAft>
+          <a:spcPct val="0"/>
+        </a:spcAft>
+        <a:defRPr sz="3600">
+          <a:solidFill>
+            <a:schemeClr val="tx1"/>
+          </a:solidFill>
+          <a:latin typeface="Arial" panose="02080604020202020204" pitchFamily="34" charset="0"/>
+          <a:ea typeface="SimSun" pitchFamily="2" charset="-122"/>
+        </a:defRPr>
+      </a:lvl6pPr>
+      <a:lvl7pPr marL="914400" algn="l" rtl="0" fontAlgn="base">
+        <a:spcBef>
+          <a:spcPct val="0"/>
+        </a:spcBef>
+        <a:spcAft>
+          <a:spcPct val="0"/>
+        </a:spcAft>
+        <a:defRPr sz="3600">
+          <a:solidFill>
+            <a:schemeClr val="tx1"/>
+          </a:solidFill>
+          <a:latin typeface="Arial" panose="02080604020202020204" pitchFamily="34" charset="0"/>
+          <a:ea typeface="SimSun" pitchFamily="2" charset="-122"/>
+        </a:defRPr>
+      </a:lvl7pPr>
+      <a:lvl8pPr marL="1371600" algn="l" rtl="0" fontAlgn="base">
+        <a:spcBef>
+          <a:spcPct val="0"/>
+        </a:spcBef>
+        <a:spcAft>
+          <a:spcPct val="0"/>
+        </a:spcAft>
+        <a:defRPr sz="3600">
+          <a:solidFill>
+            <a:schemeClr val="tx1"/>
+          </a:solidFill>
+          <a:latin typeface="Arial" panose="02080604020202020204" pitchFamily="34" charset="0"/>
+          <a:ea typeface="SimSun" pitchFamily="2" charset="-122"/>
+        </a:defRPr>
+      </a:lvl8pPr>
+      <a:lvl9pPr marL="1828800" algn="l" rtl="0" fontAlgn="base">
+        <a:spcBef>
+          <a:spcPct val="0"/>
+        </a:spcBef>
+        <a:spcAft>
+          <a:spcPct val="0"/>
+        </a:spcAft>
+        <a:defRPr sz="3600">
+          <a:solidFill>
+            <a:schemeClr val="tx1"/>
+          </a:solidFill>
+          <a:latin typeface="Arial" panose="02080604020202020204" pitchFamily="34" charset="0"/>
+          <a:ea typeface="SimSun" pitchFamily="2" charset="-122"/>
+        </a:defRPr>
+      </a:lvl9pPr>
     </p:titleStyle>
     <p:bodyStyle>
-      <a:lvl1pPr marL="228600" indent="-228600" algn="l" defTabSz="914400" rtl="0" eaLnBrk="1" latinLnBrk="0" hangingPunct="1">
-        <a:lnSpc>
-          <a:spcPct val="90000"/>
-        </a:lnSpc>
+      <a:lvl1pPr marL="342900" indent="-342900" algn="l" rtl="0" fontAlgn="base">
         <a:spcBef>
-          <a:spcPts val="1000"/>
+          <a:spcPct val="20000"/>
         </a:spcBef>
-        <a:buFont typeface="Arial" panose="02080604020202020204" pitchFamily="34" charset="0"/>
+        <a:spcAft>
+          <a:spcPct val="0"/>
+        </a:spcAft>
+        <a:buChar char="•"/>
+        <a:defRPr sz="3200" kern="1200">
+          <a:solidFill>
+            <a:schemeClr val="tx1"/>
+          </a:solidFill>
+          <a:latin typeface="+mn-lt"/>
+          <a:ea typeface="+mn-ea"/>
+          <a:cs typeface="+mn-cs"/>
+        </a:defRPr>
+      </a:lvl1pPr>
+      <a:lvl2pPr marL="742950" indent="-285750" algn="l" rtl="0" fontAlgn="base">
+        <a:spcBef>
+          <a:spcPct val="20000"/>
+        </a:spcBef>
+        <a:spcAft>
+          <a:spcPct val="0"/>
+        </a:spcAft>
+        <a:buChar char="–"/>
+        <a:defRPr sz="2800" kern="1200">
+          <a:solidFill>
+            <a:schemeClr val="tx1"/>
+          </a:solidFill>
+          <a:latin typeface="+mn-lt"/>
+          <a:ea typeface="+mn-ea"/>
+          <a:cs typeface="+mn-cs"/>
+        </a:defRPr>
+      </a:lvl2pPr>
+      <a:lvl3pPr marL="1143000" indent="-228600" algn="l" rtl="0" fontAlgn="base">
+        <a:spcBef>
+          <a:spcPct val="20000"/>
+        </a:spcBef>
+        <a:spcAft>
+          <a:spcPct val="0"/>
+        </a:spcAft>
         <a:buChar char="•"/>
         <a:defRPr sz="2400" kern="1200">
           <a:solidFill>
@@ -3279,16 +4013,15 @@
           <a:ea typeface="+mn-ea"/>
           <a:cs typeface="+mn-cs"/>
         </a:defRPr>
-      </a:lvl1pPr>
-      <a:lvl2pPr marL="685800" indent="-228600" algn="l" defTabSz="914400" rtl="0" eaLnBrk="1" latinLnBrk="0" hangingPunct="1">
-        <a:lnSpc>
-          <a:spcPct val="90000"/>
-        </a:lnSpc>
+      </a:lvl3pPr>
+      <a:lvl4pPr marL="1600200" indent="-228600" algn="l" rtl="0" fontAlgn="base">
         <a:spcBef>
-          <a:spcPts val="500"/>
+          <a:spcPct val="20000"/>
         </a:spcBef>
-        <a:buFont typeface="Arial" panose="02080604020202020204" pitchFamily="34" charset="0"/>
-        <a:buChar char="•"/>
+        <a:spcAft>
+          <a:spcPct val="0"/>
+        </a:spcAft>
+        <a:buChar char="–"/>
         <a:defRPr sz="2000" kern="1200">
           <a:solidFill>
             <a:schemeClr val="tx1"/>
@@ -3297,53 +4030,16 @@
           <a:ea typeface="+mn-ea"/>
           <a:cs typeface="+mn-cs"/>
         </a:defRPr>
-      </a:lvl2pPr>
-      <a:lvl3pPr marL="1143000" indent="-228600" algn="l" defTabSz="914400" rtl="0" eaLnBrk="1" latinLnBrk="0" hangingPunct="1">
-        <a:lnSpc>
-          <a:spcPct val="90000"/>
-        </a:lnSpc>
+      </a:lvl4pPr>
+      <a:lvl5pPr marL="2057400" indent="-228600" algn="l" rtl="0" fontAlgn="base">
         <a:spcBef>
-          <a:spcPts val="500"/>
+          <a:spcPct val="20000"/>
         </a:spcBef>
-        <a:buFont typeface="Arial" panose="02080604020202020204" pitchFamily="34" charset="0"/>
-        <a:buChar char="•"/>
-        <a:defRPr sz="1800" kern="1200">
-          <a:solidFill>
-            <a:schemeClr val="tx1"/>
-          </a:solidFill>
-          <a:latin typeface="+mn-lt"/>
-          <a:ea typeface="+mn-ea"/>
-          <a:cs typeface="+mn-cs"/>
-        </a:defRPr>
-      </a:lvl3pPr>
-      <a:lvl4pPr marL="1600200" indent="-228600" algn="l" defTabSz="914400" rtl="0" eaLnBrk="1" latinLnBrk="0" hangingPunct="1">
-        <a:lnSpc>
-          <a:spcPct val="90000"/>
-        </a:lnSpc>
-        <a:spcBef>
-          <a:spcPts val="500"/>
-        </a:spcBef>
-        <a:buFont typeface="Arial" panose="02080604020202020204" pitchFamily="34" charset="0"/>
-        <a:buChar char="•"/>
-        <a:defRPr sz="1800" kern="1200">
-          <a:solidFill>
-            <a:schemeClr val="tx1"/>
-          </a:solidFill>
-          <a:latin typeface="+mn-lt"/>
-          <a:ea typeface="+mn-ea"/>
-          <a:cs typeface="+mn-cs"/>
-        </a:defRPr>
-      </a:lvl4pPr>
-      <a:lvl5pPr marL="2057400" indent="-228600" algn="l" defTabSz="914400" rtl="0" eaLnBrk="1" latinLnBrk="0" hangingPunct="1">
-        <a:lnSpc>
-          <a:spcPct val="90000"/>
-        </a:lnSpc>
-        <a:spcBef>
-          <a:spcPts val="500"/>
-        </a:spcBef>
-        <a:buFont typeface="Arial" panose="02080604020202020204" pitchFamily="34" charset="0"/>
-        <a:buChar char="•"/>
-        <a:defRPr sz="1800" kern="1200">
+        <a:spcAft>
+          <a:spcPct val="0"/>
+        </a:spcAft>
+        <a:buChar char="»"/>
+        <a:defRPr sz="2000" kern="1200">
           <a:solidFill>
             <a:schemeClr val="tx1"/>
           </a:solidFill>
@@ -3427,7 +4123,7 @@
     </p:bodyStyle>
     <p:otherStyle>
       <a:defPPr>
-        <a:defRPr lang="zh-CN"/>
+        <a:defRPr lang="en-US"/>
       </a:defPPr>
       <a:lvl1pPr marL="0" algn="l" defTabSz="914400" rtl="0" eaLnBrk="1" latinLnBrk="0" hangingPunct="1">
         <a:defRPr sz="1800" kern="1200">
@@ -3548,24 +4244,528 @@
         <p:txBody>
           <a:bodyPr/>
           <a:p>
+            <a:r>
+              <a:rPr lang="en-US"/>
+              <a:t>C++ </a:t>
+            </a:r>
+            <a:r>
+              <a:rPr lang="zh-CN" altLang="en-US"/>
+              <a:t>标准库系列课程之</a:t>
+            </a:r>
+            <a:r>
+              <a:rPr lang="en-US" altLang="zh-CN"/>
+              <a:t> </a:t>
+            </a:r>
+            <a:r>
+              <a:rPr lang="en-US"/>
+              <a:t>set </a:t>
+            </a:r>
+            <a:r>
+              <a:rPr lang="zh-CN" altLang="en-US"/>
+              <a:t>和</a:t>
+            </a:r>
+            <a:r>
+              <a:rPr lang="en-US" altLang="zh-CN"/>
+              <a:t> map </a:t>
+            </a:r>
+            <a:r>
+              <a:rPr lang="zh-CN" altLang="en-US"/>
+              <a:t>知多少</a:t>
+            </a:r>
+            <a:endParaRPr lang="zh-CN" altLang="en-US"/>
+          </a:p>
+        </p:txBody>
+      </p:sp>
+      <p:sp>
+        <p:nvSpPr>
+          <p:cNvPr id="3" name="Subtitle 2"/>
+          <p:cNvSpPr>
+            <a:spLocks noGrp="1"/>
+          </p:cNvSpPr>
+          <p:nvPr>
+            <p:ph type="subTitle" idx="1"/>
+          </p:nvPr>
+        </p:nvSpPr>
+        <p:spPr/>
+        <p:txBody>
+          <a:bodyPr/>
+          <a:p>
+            <a:pPr algn="ctr"/>
+            <a:r>
+              <a:rPr lang="en-US"/>
+              <a:t>by </a:t>
+            </a:r>
+            <a:r>
+              <a:rPr lang="zh-CN" altLang="en-US"/>
+              <a:t>小彭老师（</a:t>
+            </a:r>
+            <a:r>
+              <a:rPr lang="en-US" altLang="zh-CN"/>
+              <a:t>@archibate</a:t>
+            </a:r>
+            <a:r>
+              <a:rPr lang="zh-CN" altLang="en-US"/>
+              <a:t>）</a:t>
+            </a:r>
+            <a:endParaRPr lang="en-US" altLang="zh-CN"/>
+          </a:p>
+          <a:p>
+            <a:pPr algn="ctr"/>
+            <a:r>
+              <a:rPr lang="zh-CN" altLang="en-US"/>
+              <a:t>课件：</a:t>
+            </a:r>
+            <a:r>
+              <a:rPr lang="en-US" altLang="zh-CN"/>
+              <a:t>https://github.com/parallel101/course</a:t>
+            </a:r>
+            <a:endParaRPr lang="en-US" altLang="zh-CN"/>
+          </a:p>
+          <a:p>
+            <a:pPr algn="ctr"/>
+            <a:r>
+              <a:rPr lang="zh-CN" altLang="en-US"/>
+              <a:t>上一期：https://www.bilibili.com/video/BV1qF411T7sd</a:t>
+            </a:r>
+            <a:endParaRPr lang="zh-CN" altLang="en-US"/>
+          </a:p>
+        </p:txBody>
+      </p:sp>
+    </p:spTree>
+  </p:cSld>
+  <p:clrMapOvr>
+    <a:masterClrMapping/>
+  </p:clrMapOvr>
+</p:sld>
+</file>
+
+<file path=ppt/slides/slide10.xml><?xml version="1.0" encoding="utf-8"?>
+<p:sld xmlns:a="http://schemas.openxmlformats.org/drawingml/2006/main" xmlns:r="http://schemas.openxmlformats.org/officeDocument/2006/relationships" xmlns:p="http://schemas.openxmlformats.org/presentationml/2006/main">
+  <p:cSld>
+    <p:spTree>
+      <p:nvGrpSpPr>
+        <p:cNvPr id="1" name=""/>
+        <p:cNvGrpSpPr/>
+        <p:nvPr/>
+      </p:nvGrpSpPr>
+      <p:grpSpPr/>
+      <p:sp>
+        <p:nvSpPr>
+          <p:cNvPr id="2" name="Title 1"/>
+          <p:cNvSpPr>
+            <a:spLocks noGrp="1"/>
+          </p:cNvSpPr>
+          <p:nvPr>
+            <p:ph type="title"/>
+          </p:nvPr>
+        </p:nvSpPr>
+        <p:spPr/>
+        <p:txBody>
+          <a:bodyPr/>
+          <a:p>
+            <a:r>
+              <a:rPr lang="en-US"/>
+              <a:t>algorithm</a:t>
+            </a:r>
             <a:endParaRPr lang="en-US"/>
           </a:p>
         </p:txBody>
       </p:sp>
       <p:sp>
         <p:nvSpPr>
-          <p:cNvPr id="3" name="Subtitle 2"/>
+          <p:cNvPr id="3" name="Content Placeholder 2"/>
           <p:cNvSpPr>
             <a:spLocks noGrp="1"/>
           </p:cNvSpPr>
           <p:nvPr>
-            <p:ph type="subTitle" idx="1"/>
+            <p:ph sz="half" idx="1"/>
           </p:nvPr>
         </p:nvSpPr>
         <p:spPr/>
         <p:txBody>
+          <a:bodyPr>
+            <a:normAutofit/>
+          </a:bodyPr>
+          <a:p>
+            <a:r>
+              <a:rPr lang="en-US">
+                <a:sym typeface="+mn-ea"/>
+              </a:rPr>
+              <a:t>next_permutation, prev</a:t>
+            </a:r>
+            <a:r>
+              <a:rPr lang="en-US">
+                <a:sym typeface="+mn-ea"/>
+              </a:rPr>
+              <a:t>_permutation</a:t>
+            </a:r>
+            <a:endParaRPr lang="en-US"/>
+          </a:p>
+          <a:p>
+            <a:r>
+              <a:rPr lang="en-US">
+                <a:sym typeface="+mn-ea"/>
+              </a:rPr>
+              <a:t>is_permutation</a:t>
+            </a:r>
+            <a:endParaRPr lang="en-US">
+              <a:sym typeface="+mn-ea"/>
+            </a:endParaRPr>
+          </a:p>
+          <a:p>
+            <a:r>
+              <a:rPr lang="en-US">
+                <a:sym typeface="+mn-ea"/>
+              </a:rPr>
+              <a:t>merge, inplace_merge</a:t>
+            </a:r>
+            <a:endParaRPr lang="en-US">
+              <a:sym typeface="+mn-ea"/>
+            </a:endParaRPr>
+          </a:p>
+          <a:p>
+            <a:r>
+              <a:rPr lang="en-US">
+                <a:sym typeface="+mn-ea"/>
+              </a:rPr>
+              <a:t>set_difference, set_symmetric_difference</a:t>
+            </a:r>
+            <a:endParaRPr lang="en-US"/>
+          </a:p>
+          <a:p>
+            <a:r>
+              <a:rPr lang="en-US">
+                <a:sym typeface="+mn-ea"/>
+              </a:rPr>
+              <a:t>set_union, set_intersection</a:t>
+            </a:r>
+            <a:endParaRPr lang="en-US">
+              <a:sym typeface="+mn-ea"/>
+            </a:endParaRPr>
+          </a:p>
+          <a:p>
+            <a:r>
+              <a:rPr lang="en-US">
+                <a:sym typeface="+mn-ea"/>
+              </a:rPr>
+              <a:t>includes</a:t>
+            </a:r>
+            <a:endParaRPr lang="en-US">
+              <a:sym typeface="+mn-ea"/>
+            </a:endParaRPr>
+          </a:p>
+          <a:p>
+            <a:r>
+              <a:rPr lang="en-US">
+                <a:sym typeface="+mn-ea"/>
+              </a:rPr>
+              <a:t>unique, unique_copy</a:t>
+            </a:r>
+            <a:endParaRPr lang="en-US"/>
+          </a:p>
+          <a:p>
+            <a:endParaRPr lang="en-US"/>
+          </a:p>
+        </p:txBody>
+      </p:sp>
+      <p:sp>
+        <p:nvSpPr>
+          <p:cNvPr id="4" name="Content Placeholder 3"/>
+          <p:cNvSpPr>
+            <a:spLocks noGrp="1"/>
+          </p:cNvSpPr>
+          <p:nvPr>
+            <p:ph sz="half" idx="2"/>
+          </p:nvPr>
+        </p:nvSpPr>
+        <p:spPr>
+          <a:xfrm>
+            <a:off x="5981700" y="1825625"/>
+            <a:ext cx="5363210" cy="4351655"/>
+          </a:xfrm>
+        </p:spPr>
+        <p:txBody>
+          <a:bodyPr>
+            <a:normAutofit lnSpcReduction="20000"/>
+          </a:bodyPr>
+          <a:p>
+            <a:r>
+              <a:rPr lang="en-US">
+                <a:sym typeface="+mn-ea"/>
+              </a:rPr>
+              <a:t>transform, transform_n</a:t>
+            </a:r>
+            <a:endParaRPr lang="en-US"/>
+          </a:p>
+          <a:p>
+            <a:r>
+              <a:rPr lang="en-US">
+                <a:sym typeface="+mn-ea"/>
+              </a:rPr>
+              <a:t>generate, generate_n</a:t>
+            </a:r>
+            <a:endParaRPr lang="en-US">
+              <a:sym typeface="+mn-ea"/>
+            </a:endParaRPr>
+          </a:p>
+          <a:p>
+            <a:r>
+              <a:rPr lang="en-US">
+                <a:sym typeface="+mn-ea"/>
+              </a:rPr>
+              <a:t>iota</a:t>
+            </a:r>
+            <a:endParaRPr lang="en-US">
+              <a:sym typeface="+mn-ea"/>
+            </a:endParaRPr>
+          </a:p>
+          <a:p>
+            <a:r>
+              <a:rPr lang="en-US">
+                <a:sym typeface="+mn-ea"/>
+              </a:rPr>
+              <a:t>accumate, </a:t>
+            </a:r>
+            <a:r>
+              <a:rPr lang="en-US">
+                <a:sym typeface="+mn-ea"/>
+              </a:rPr>
+              <a:t>reduce, </a:t>
+            </a:r>
+            <a:r>
+              <a:rPr lang="en-US"/>
+              <a:t>transform_reduce</a:t>
+            </a:r>
+            <a:endParaRPr lang="en-US"/>
+          </a:p>
+          <a:p>
+            <a:r>
+              <a:rPr lang="en-US"/>
+              <a:t>inner_product</a:t>
+            </a:r>
+            <a:endParaRPr lang="en-US"/>
+          </a:p>
+          <a:p>
+            <a:r>
+              <a:rPr lang="en-US"/>
+              <a:t>exclusive_scan, transform_exclusive_scan</a:t>
+            </a:r>
+            <a:endParaRPr lang="en-US"/>
+          </a:p>
+          <a:p>
+            <a:r>
+              <a:rPr lang="en-US"/>
+              <a:t>inclusive_scan, transform_inclusive_scan</a:t>
+            </a:r>
+            <a:endParaRPr lang="en-US"/>
+          </a:p>
+          <a:p>
+            <a:r>
+              <a:rPr lang="en-US">
+                <a:sym typeface="+mn-ea"/>
+              </a:rPr>
+              <a:t>partial_sum</a:t>
+            </a:r>
+            <a:endParaRPr lang="en-US"/>
+          </a:p>
+          <a:p>
+            <a:endParaRPr lang="en-US"/>
+          </a:p>
+          <a:p>
+            <a:endParaRPr lang="en-US"/>
+          </a:p>
+        </p:txBody>
+      </p:sp>
+    </p:spTree>
+  </p:cSld>
+  <p:clrMapOvr>
+    <a:masterClrMapping/>
+  </p:clrMapOvr>
+</p:sld>
+</file>
+
+<file path=ppt/slides/slide11.xml><?xml version="1.0" encoding="utf-8"?>
+<p:sld xmlns:a="http://schemas.openxmlformats.org/drawingml/2006/main" xmlns:r="http://schemas.openxmlformats.org/officeDocument/2006/relationships" xmlns:p="http://schemas.openxmlformats.org/presentationml/2006/main">
+  <p:cSld>
+    <p:spTree>
+      <p:nvGrpSpPr>
+        <p:cNvPr id="1" name=""/>
+        <p:cNvGrpSpPr/>
+        <p:nvPr/>
+      </p:nvGrpSpPr>
+      <p:grpSpPr/>
+      <p:sp>
+        <p:nvSpPr>
+          <p:cNvPr id="2" name="Title 1"/>
+          <p:cNvSpPr>
+            <a:spLocks noGrp="1"/>
+          </p:cNvSpPr>
+          <p:nvPr>
+            <p:ph type="title"/>
+          </p:nvPr>
+        </p:nvSpPr>
+        <p:spPr/>
+        <p:txBody>
           <a:bodyPr/>
           <a:p>
+            <a:r>
+              <a:rPr lang="en-US"/>
+              <a:t>algorithm</a:t>
+            </a:r>
+            <a:endParaRPr lang="en-US"/>
+          </a:p>
+        </p:txBody>
+      </p:sp>
+      <p:sp>
+        <p:nvSpPr>
+          <p:cNvPr id="3" name="Content Placeholder 2"/>
+          <p:cNvSpPr>
+            <a:spLocks noGrp="1"/>
+          </p:cNvSpPr>
+          <p:nvPr>
+            <p:ph sz="half" idx="1"/>
+          </p:nvPr>
+        </p:nvSpPr>
+        <p:spPr/>
+        <p:txBody>
+          <a:bodyPr>
+            <a:normAutofit/>
+          </a:bodyPr>
+          <a:p>
+            <a:r>
+              <a:rPr lang="en-US">
+                <a:sym typeface="+mn-ea"/>
+              </a:rPr>
+              <a:t>binary_search</a:t>
+            </a:r>
+            <a:endParaRPr lang="en-US">
+              <a:sym typeface="+mn-ea"/>
+            </a:endParaRPr>
+          </a:p>
+          <a:p>
+            <a:r>
+              <a:rPr lang="en-US">
+                <a:sym typeface="+mn-ea"/>
+              </a:rPr>
+              <a:t>lower_bound, upper_bound, equal_range</a:t>
+            </a:r>
+            <a:endParaRPr lang="en-US">
+              <a:sym typeface="+mn-ea"/>
+            </a:endParaRPr>
+          </a:p>
+          <a:p>
+            <a:r>
+              <a:rPr lang="en-US">
+                <a:sym typeface="+mn-ea"/>
+              </a:rPr>
+              <a:t>nth_element, partition_point</a:t>
+            </a:r>
+            <a:endParaRPr lang="en-US"/>
+          </a:p>
+          <a:p>
+            <a:r>
+              <a:rPr lang="en-US">
+                <a:sym typeface="+mn-ea"/>
+              </a:rPr>
+              <a:t>partition, stable_partition, partition_copy</a:t>
+            </a:r>
+            <a:endParaRPr lang="en-US"/>
+          </a:p>
+          <a:p>
+            <a:r>
+              <a:rPr lang="en-US">
+                <a:sym typeface="+mn-ea"/>
+              </a:rPr>
+              <a:t>partial_sort, partial_sort_copy</a:t>
+            </a:r>
+            <a:endParaRPr lang="en-US"/>
+          </a:p>
+          <a:p>
+            <a:r>
+              <a:rPr lang="en-US">
+                <a:sym typeface="+mn-ea"/>
+              </a:rPr>
+              <a:t>sort, stable_sort</a:t>
+            </a:r>
+            <a:endParaRPr lang="en-US">
+              <a:sym typeface="+mn-ea"/>
+            </a:endParaRPr>
+          </a:p>
+          <a:p>
+            <a:r>
+              <a:rPr lang="en-US"/>
+              <a:t>is_sorted, is_sorted_until</a:t>
+            </a:r>
+            <a:endParaRPr lang="en-US"/>
+          </a:p>
+        </p:txBody>
+      </p:sp>
+      <p:sp>
+        <p:nvSpPr>
+          <p:cNvPr id="4" name="Content Placeholder 3"/>
+          <p:cNvSpPr>
+            <a:spLocks noGrp="1"/>
+          </p:cNvSpPr>
+          <p:nvPr>
+            <p:ph sz="half" idx="2"/>
+          </p:nvPr>
+        </p:nvSpPr>
+        <p:spPr/>
+        <p:txBody>
+          <a:bodyPr/>
+          <a:p>
+            <a:r>
+              <a:rPr lang="en-US"/>
+              <a:t>adjacent_difference</a:t>
+            </a:r>
+            <a:endParaRPr lang="en-US"/>
+          </a:p>
+          <a:p>
+            <a:r>
+              <a:rPr lang="en-US"/>
+              <a:t>adjacent_find</a:t>
+            </a:r>
+            <a:endParaRPr lang="en-US"/>
+          </a:p>
+          <a:p>
+            <a:r>
+              <a:rPr lang="en-US">
+                <a:sym typeface="+mn-ea"/>
+              </a:rPr>
+              <a:t>swap_ranges</a:t>
+            </a:r>
+            <a:endParaRPr lang="en-US">
+              <a:sym typeface="+mn-ea"/>
+            </a:endParaRPr>
+          </a:p>
+          <a:p>
+            <a:r>
+              <a:rPr lang="en-US">
+                <a:sym typeface="+mn-ea"/>
+              </a:rPr>
+              <a:t>shuffle, sample</a:t>
+            </a:r>
+            <a:endParaRPr lang="en-US"/>
+          </a:p>
+          <a:p>
+            <a:r>
+              <a:rPr lang="en-US"/>
+              <a:t>shift_left, shift_right</a:t>
+            </a:r>
+            <a:endParaRPr lang="en-US"/>
+          </a:p>
+          <a:p>
+            <a:r>
+              <a:rPr lang="en-US"/>
+              <a:t>rotate, rotate_copy</a:t>
+            </a:r>
+            <a:endParaRPr lang="en-US"/>
+          </a:p>
+          <a:p>
+            <a:r>
+              <a:rPr lang="en-US"/>
+              <a:t>reverse, reverse_copy</a:t>
+            </a:r>
             <a:endParaRPr lang="en-US"/>
           </a:p>
         </p:txBody>
@@ -3579,6 +4779,2705 @@
 </file>
 
 <file path=ppt/slides/slide2.xml><?xml version="1.0" encoding="utf-8"?>
+<p:sld xmlns:a="http://schemas.openxmlformats.org/drawingml/2006/main" xmlns:r="http://schemas.openxmlformats.org/officeDocument/2006/relationships" xmlns:p="http://schemas.openxmlformats.org/presentationml/2006/main">
+  <p:cSld>
+    <p:spTree>
+      <p:nvGrpSpPr>
+        <p:cNvPr id="1" name=""/>
+        <p:cNvGrpSpPr/>
+        <p:nvPr/>
+      </p:nvGrpSpPr>
+      <p:grpSpPr/>
+      <p:sp>
+        <p:nvSpPr>
+          <p:cNvPr id="2" name="Title 1"/>
+          <p:cNvSpPr>
+            <a:spLocks noGrp="1"/>
+          </p:cNvSpPr>
+          <p:nvPr>
+            <p:ph type="title"/>
+          </p:nvPr>
+        </p:nvSpPr>
+        <p:spPr/>
+        <p:txBody>
+          <a:bodyPr/>
+          <a:p>
+            <a:r>
+              <a:rPr lang="en-US" altLang="zh-CN"/>
+              <a:t>set </a:t>
+            </a:r>
+            <a:r>
+              <a:rPr lang="zh-CN" altLang="en-US"/>
+              <a:t>和</a:t>
+            </a:r>
+            <a:r>
+              <a:rPr lang="en-US" altLang="zh-CN"/>
+              <a:t> vector </a:t>
+            </a:r>
+            <a:r>
+              <a:rPr lang="zh-CN" altLang="en-US"/>
+              <a:t>的区别</a:t>
+            </a:r>
+            <a:endParaRPr lang="zh-CN" altLang="en-US"/>
+          </a:p>
+        </p:txBody>
+      </p:sp>
+      <p:sp>
+        <p:nvSpPr>
+          <p:cNvPr id="4" name="Content Placeholder 3"/>
+          <p:cNvSpPr>
+            <a:spLocks noGrp="1"/>
+          </p:cNvSpPr>
+          <p:nvPr>
+            <p:ph sz="half" idx="1"/>
+          </p:nvPr>
+        </p:nvSpPr>
+        <p:spPr/>
+        <p:txBody>
+          <a:bodyPr/>
+          <a:p>
+            <a:r>
+              <a:rPr lang="zh-CN"/>
+              <a:t>都是能存储一连串数据的容器，有什么区别呢？</a:t>
+            </a:r>
+            <a:endParaRPr lang="zh-CN"/>
+          </a:p>
+          <a:p>
+            <a:r>
+              <a:rPr lang="zh-CN"/>
+              <a:t>区别</a:t>
+            </a:r>
+            <a:r>
+              <a:rPr lang="en-US" altLang="zh-CN"/>
+              <a:t>1</a:t>
+            </a:r>
+            <a:r>
+              <a:rPr lang="zh-CN" altLang="en-US"/>
+              <a:t>：</a:t>
+            </a:r>
+            <a:r>
+              <a:rPr lang="en-US" altLang="zh-CN"/>
+              <a:t>set</a:t>
+            </a:r>
+            <a:r>
+              <a:rPr lang="zh-CN" altLang="en-US"/>
+              <a:t>会</a:t>
+            </a:r>
+            <a:r>
+              <a:rPr lang="zh-CN" altLang="en-US">
+                <a:sym typeface="+mn-ea"/>
+              </a:rPr>
+              <a:t>自动</a:t>
+            </a:r>
+            <a:r>
+              <a:rPr lang="zh-CN" altLang="en-US"/>
+              <a:t>给其中的元素</a:t>
+            </a:r>
+            <a:r>
+              <a:rPr lang="zh-CN" altLang="en-US" b="1"/>
+              <a:t>从小到大排序</a:t>
+            </a:r>
+            <a:r>
+              <a:rPr lang="zh-CN" altLang="en-US"/>
+              <a:t>，而</a:t>
+            </a:r>
+            <a:r>
+              <a:rPr lang="en-US" altLang="zh-CN"/>
+              <a:t>vector</a:t>
+            </a:r>
+            <a:r>
+              <a:rPr lang="zh-CN" altLang="en-US"/>
+              <a:t>会保持插入时的顺序。</a:t>
+            </a:r>
+            <a:endParaRPr lang="zh-CN" altLang="en-US"/>
+          </a:p>
+          <a:p>
+            <a:r>
+              <a:rPr lang="zh-CN" altLang="en-US"/>
+              <a:t>区别</a:t>
+            </a:r>
+            <a:r>
+              <a:rPr lang="en-US" altLang="zh-CN"/>
+              <a:t>2</a:t>
+            </a:r>
+            <a:r>
+              <a:rPr lang="zh-CN" altLang="en-US"/>
+              <a:t>：</a:t>
+            </a:r>
+            <a:r>
+              <a:rPr lang="en-US" altLang="zh-CN"/>
+              <a:t>set</a:t>
+            </a:r>
+            <a:r>
+              <a:rPr lang="zh-CN" altLang="en-US"/>
+              <a:t>会把重复的元素去除，只保留一个，即</a:t>
+            </a:r>
+            <a:r>
+              <a:rPr lang="zh-CN" altLang="en-US" b="1"/>
+              <a:t>去重</a:t>
+            </a:r>
+            <a:r>
+              <a:rPr lang="zh-CN" altLang="en-US"/>
+              <a:t>。</a:t>
+            </a:r>
+            <a:endParaRPr lang="zh-CN" altLang="en-US"/>
+          </a:p>
+          <a:p>
+            <a:r>
+              <a:rPr lang="zh-CN" altLang="en-US"/>
+              <a:t>区别</a:t>
+            </a:r>
+            <a:r>
+              <a:rPr lang="en-US" altLang="zh-CN"/>
+              <a:t>3</a:t>
+            </a:r>
+            <a:r>
+              <a:rPr lang="zh-CN" altLang="en-US"/>
+              <a:t>：</a:t>
+            </a:r>
+            <a:r>
+              <a:rPr lang="en-US" altLang="zh-CN"/>
+              <a:t>vector</a:t>
+            </a:r>
+            <a:r>
+              <a:rPr lang="zh-CN" altLang="en-US"/>
+              <a:t>中的元素在内存中是连续的，可以</a:t>
+            </a:r>
+            <a:r>
+              <a:rPr lang="zh-CN" altLang="en-US" b="1"/>
+              <a:t>高效地随机访问</a:t>
+            </a:r>
+            <a:r>
+              <a:rPr lang="zh-CN" altLang="en-US"/>
+              <a:t>，</a:t>
+            </a:r>
+            <a:r>
+              <a:rPr lang="en-US" altLang="zh-CN"/>
+              <a:t>set</a:t>
+            </a:r>
+            <a:r>
+              <a:rPr lang="zh-CN" altLang="en-US"/>
+              <a:t>则不行。</a:t>
+            </a:r>
+            <a:endParaRPr lang="zh-CN" altLang="en-US"/>
+          </a:p>
+        </p:txBody>
+      </p:sp>
+      <p:pic>
+        <p:nvPicPr>
+          <p:cNvPr id="25" name="Content Placeholder 9"/>
+          <p:cNvPicPr>
+            <a:picLocks noChangeAspect="1"/>
+          </p:cNvPicPr>
+          <p:nvPr>
+            <p:ph sz="half" idx="13"/>
+          </p:nvPr>
+        </p:nvPicPr>
+        <p:blipFill>
+          <a:blip r:embed="rId1"/>
+          <a:stretch>
+            <a:fillRect/>
+          </a:stretch>
+        </p:blipFill>
+        <p:spPr>
+          <a:xfrm>
+            <a:off x="7319645" y="5332730"/>
+            <a:ext cx="3390900" cy="828675"/>
+          </a:xfrm>
+          <a:prstGeom prst="rect">
+            <a:avLst/>
+          </a:prstGeom>
+          <a:noFill/>
+          <a:ln w="9525">
+            <a:noFill/>
+          </a:ln>
+        </p:spPr>
+      </p:pic>
+      <p:pic>
+        <p:nvPicPr>
+          <p:cNvPr id="27" name="Content Placeholder 6"/>
+          <p:cNvPicPr>
+            <a:picLocks noChangeAspect="1"/>
+          </p:cNvPicPr>
+          <p:nvPr>
+            <p:ph sz="half" idx="2"/>
+          </p:nvPr>
+        </p:nvPicPr>
+        <p:blipFill>
+          <a:blip r:embed="rId2"/>
+          <a:stretch>
+            <a:fillRect/>
+          </a:stretch>
+        </p:blipFill>
+        <p:spPr>
+          <a:xfrm>
+            <a:off x="6448425" y="996315"/>
+            <a:ext cx="5133975" cy="3653790"/>
+          </a:xfrm>
+          <a:prstGeom prst="rect">
+            <a:avLst/>
+          </a:prstGeom>
+          <a:noFill/>
+          <a:ln w="9525">
+            <a:noFill/>
+          </a:ln>
+        </p:spPr>
+      </p:pic>
+    </p:spTree>
+  </p:cSld>
+  <p:clrMapOvr>
+    <a:masterClrMapping/>
+  </p:clrMapOvr>
+</p:sld>
+</file>
+
+<file path=ppt/slides/slide3.xml><?xml version="1.0" encoding="utf-8"?>
+<p:sld xmlns:a="http://schemas.openxmlformats.org/drawingml/2006/main" xmlns:r="http://schemas.openxmlformats.org/officeDocument/2006/relationships" xmlns:p="http://schemas.openxmlformats.org/presentationml/2006/main">
+  <p:cSld>
+    <p:spTree>
+      <p:nvGrpSpPr>
+        <p:cNvPr id="1" name=""/>
+        <p:cNvGrpSpPr/>
+        <p:nvPr/>
+      </p:nvGrpSpPr>
+      <p:grpSpPr/>
+      <p:sp>
+        <p:nvSpPr>
+          <p:cNvPr id="2" name="Title 1"/>
+          <p:cNvSpPr>
+            <a:spLocks noGrp="1"/>
+          </p:cNvSpPr>
+          <p:nvPr>
+            <p:ph type="title"/>
+          </p:nvPr>
+        </p:nvSpPr>
+        <p:spPr/>
+        <p:txBody>
+          <a:bodyPr/>
+          <a:p>
+            <a:r>
+              <a:rPr lang="en-US" altLang="zh-CN">
+                <a:sym typeface="+mn-ea"/>
+              </a:rPr>
+              <a:t>set </a:t>
+            </a:r>
+            <a:r>
+              <a:rPr lang="zh-CN" altLang="en-US">
+                <a:sym typeface="+mn-ea"/>
+              </a:rPr>
+              <a:t>和</a:t>
+            </a:r>
+            <a:r>
+              <a:rPr lang="en-US" altLang="zh-CN">
+                <a:sym typeface="+mn-ea"/>
+              </a:rPr>
+              <a:t> vector </a:t>
+            </a:r>
+            <a:r>
+              <a:rPr lang="zh-CN" altLang="en-US">
+                <a:sym typeface="+mn-ea"/>
+              </a:rPr>
+              <a:t>迭代器</a:t>
+            </a:r>
+            <a:r>
+              <a:rPr lang="zh-CN" altLang="en-US">
+                <a:sym typeface="+mn-ea"/>
+              </a:rPr>
+              <a:t>区别</a:t>
+            </a:r>
+            <a:endParaRPr lang="en-US"/>
+          </a:p>
+        </p:txBody>
+      </p:sp>
+      <p:sp>
+        <p:nvSpPr>
+          <p:cNvPr id="4" name="Content Placeholder 3"/>
+          <p:cNvSpPr>
+            <a:spLocks noGrp="1"/>
+          </p:cNvSpPr>
+          <p:nvPr>
+            <p:ph sz="half" idx="1"/>
+          </p:nvPr>
+        </p:nvSpPr>
+        <p:spPr>
+          <a:xfrm>
+            <a:off x="180340" y="890270"/>
+            <a:ext cx="6094730" cy="5730875"/>
+          </a:xfrm>
+        </p:spPr>
+        <p:txBody>
+          <a:bodyPr/>
+          <a:p>
+            <a:r>
+              <a:rPr lang="zh-CN" altLang="en-US"/>
+              <a:t>上节课讲了迭代器：</a:t>
+            </a:r>
+            <a:r>
+              <a:rPr lang="en-US" altLang="zh-CN"/>
+              <a:t>vector </a:t>
+            </a:r>
+            <a:r>
+              <a:rPr lang="zh-CN" altLang="en-US"/>
+              <a:t>具有</a:t>
+            </a:r>
+            <a:r>
+              <a:rPr lang="en-US" altLang="zh-CN"/>
+              <a:t> </a:t>
+            </a:r>
+            <a:r>
+              <a:rPr lang="en-US" altLang="zh-CN" b="1">
+                <a:solidFill>
+                  <a:srgbClr val="00B050"/>
+                </a:solidFill>
+              </a:rPr>
+              <a:t>begin()</a:t>
+            </a:r>
+            <a:r>
+              <a:rPr lang="en-US" altLang="zh-CN"/>
+              <a:t> </a:t>
+            </a:r>
+            <a:r>
+              <a:rPr lang="zh-CN" altLang="en-US"/>
+              <a:t>和</a:t>
+            </a:r>
+            <a:r>
+              <a:rPr lang="en-US" altLang="zh-CN" b="1"/>
+              <a:t> </a:t>
+            </a:r>
+            <a:r>
+              <a:rPr lang="en-US" altLang="zh-CN" b="1">
+                <a:solidFill>
+                  <a:srgbClr val="0070C0"/>
+                </a:solidFill>
+              </a:rPr>
+              <a:t>end()</a:t>
+            </a:r>
+            <a:r>
+              <a:rPr lang="en-US" altLang="zh-CN"/>
+              <a:t> </a:t>
+            </a:r>
+            <a:r>
+              <a:rPr lang="zh-CN" altLang="en-US"/>
+              <a:t>两个成员函数，他们分别返回指向数组</a:t>
+            </a:r>
+            <a:r>
+              <a:rPr lang="zh-CN" altLang="en-US" b="1">
+                <a:solidFill>
+                  <a:srgbClr val="00B050"/>
+                </a:solidFill>
+              </a:rPr>
+              <a:t>头部元素</a:t>
+            </a:r>
+            <a:r>
+              <a:rPr lang="zh-CN" altLang="en-US"/>
+              <a:t>和</a:t>
+            </a:r>
+            <a:r>
+              <a:rPr lang="zh-CN" altLang="en-US" b="1">
+                <a:solidFill>
+                  <a:srgbClr val="0070C0"/>
+                </a:solidFill>
+              </a:rPr>
+              <a:t>尾部再之后一格元素</a:t>
+            </a:r>
+            <a:r>
+              <a:rPr lang="zh-CN" altLang="en-US"/>
+              <a:t>的迭代器对象。</a:t>
+            </a:r>
+            <a:endParaRPr lang="zh-CN" altLang="en-US"/>
+          </a:p>
+          <a:p>
+            <a:r>
+              <a:rPr lang="en-US" altLang="zh-CN"/>
+              <a:t>vector </a:t>
+            </a:r>
+            <a:r>
+              <a:rPr lang="zh-CN" altLang="en-US"/>
+              <a:t>作为连续数组，他的迭代器基本等效于指针。</a:t>
+            </a:r>
+            <a:endParaRPr lang="zh-CN" altLang="en-US"/>
+          </a:p>
+          <a:p>
+            <a:r>
+              <a:rPr lang="en-US" altLang="zh-CN"/>
+              <a:t>set </a:t>
+            </a:r>
+            <a:r>
+              <a:rPr lang="zh-CN" altLang="en-US"/>
+              <a:t>也有</a:t>
+            </a:r>
+            <a:r>
+              <a:rPr lang="en-US" altLang="zh-CN"/>
+              <a:t> </a:t>
+            </a:r>
+            <a:r>
+              <a:rPr lang="en-US" altLang="zh-CN" b="1">
+                <a:solidFill>
+                  <a:srgbClr val="00B050"/>
+                </a:solidFill>
+              </a:rPr>
+              <a:t>begin()</a:t>
+            </a:r>
+            <a:r>
+              <a:rPr lang="en-US" altLang="zh-CN"/>
+              <a:t> </a:t>
+            </a:r>
+            <a:r>
+              <a:rPr lang="zh-CN" altLang="en-US"/>
+              <a:t>和</a:t>
+            </a:r>
+            <a:r>
+              <a:rPr lang="en-US" altLang="zh-CN"/>
+              <a:t> </a:t>
+            </a:r>
+            <a:r>
+              <a:rPr lang="en-US" altLang="zh-CN" b="1">
+                <a:solidFill>
+                  <a:srgbClr val="0070C0"/>
+                </a:solidFill>
+              </a:rPr>
+              <a:t>end()</a:t>
+            </a:r>
+            <a:r>
+              <a:rPr lang="en-US" altLang="zh-CN"/>
+              <a:t> </a:t>
+            </a:r>
+            <a:r>
+              <a:rPr lang="zh-CN" altLang="en-US"/>
+              <a:t>函数，他返回的迭代器对象重载了</a:t>
+            </a:r>
+            <a:r>
+              <a:rPr lang="en-US" altLang="zh-CN"/>
+              <a:t> </a:t>
+            </a:r>
+            <a:r>
+              <a:rPr lang="en-US" altLang="zh-CN" b="1"/>
+              <a:t>*</a:t>
+            </a:r>
+            <a:r>
+              <a:rPr lang="en-US" altLang="zh-CN"/>
+              <a:t> </a:t>
+            </a:r>
+            <a:r>
+              <a:rPr lang="zh-CN" altLang="en-US"/>
+              <a:t>来访问指向的地址。</a:t>
+            </a:r>
+            <a:endParaRPr lang="en-US" altLang="zh-CN"/>
+          </a:p>
+        </p:txBody>
+      </p:sp>
+      <p:pic>
+        <p:nvPicPr>
+          <p:cNvPr id="12" name="Content Placeholder 11"/>
+          <p:cNvPicPr>
+            <a:picLocks noChangeAspect="1"/>
+          </p:cNvPicPr>
+          <p:nvPr>
+            <p:ph sz="half" idx="13"/>
+          </p:nvPr>
+        </p:nvPicPr>
+        <p:blipFill>
+          <a:blip r:embed="rId1"/>
+          <a:stretch>
+            <a:fillRect/>
+          </a:stretch>
+        </p:blipFill>
+        <p:spPr>
+          <a:xfrm>
+            <a:off x="3164205" y="6007100"/>
+            <a:ext cx="9027795" cy="850900"/>
+          </a:xfrm>
+          <a:prstGeom prst="rect">
+            <a:avLst/>
+          </a:prstGeom>
+        </p:spPr>
+      </p:pic>
+      <p:pic>
+        <p:nvPicPr>
+          <p:cNvPr id="14" name="Content Placeholder 13"/>
+          <p:cNvPicPr>
+            <a:picLocks noChangeAspect="1"/>
+          </p:cNvPicPr>
+          <p:nvPr>
+            <p:ph sz="half" idx="2"/>
+          </p:nvPr>
+        </p:nvPicPr>
+        <p:blipFill>
+          <a:blip r:embed="rId2"/>
+          <a:stretch>
+            <a:fillRect/>
+          </a:stretch>
+        </p:blipFill>
+        <p:spPr>
+          <a:xfrm>
+            <a:off x="6125210" y="1551305"/>
+            <a:ext cx="6066790" cy="3319780"/>
+          </a:xfrm>
+          <a:prstGeom prst="rect">
+            <a:avLst/>
+          </a:prstGeom>
+        </p:spPr>
+      </p:pic>
+    </p:spTree>
+  </p:cSld>
+  <p:clrMapOvr>
+    <a:masterClrMapping/>
+  </p:clrMapOvr>
+</p:sld>
+</file>
+
+<file path=ppt/slides/slide4.xml><?xml version="1.0" encoding="utf-8"?>
+<p:sld xmlns:a="http://schemas.openxmlformats.org/drawingml/2006/main" xmlns:r="http://schemas.openxmlformats.org/officeDocument/2006/relationships" xmlns:p="http://schemas.openxmlformats.org/presentationml/2006/main">
+  <p:cSld>
+    <p:spTree>
+      <p:nvGrpSpPr>
+        <p:cNvPr id="1" name=""/>
+        <p:cNvGrpSpPr/>
+        <p:nvPr/>
+      </p:nvGrpSpPr>
+      <p:grpSpPr/>
+      <p:sp>
+        <p:nvSpPr>
+          <p:cNvPr id="2" name="Title 1"/>
+          <p:cNvSpPr>
+            <a:spLocks noGrp="1"/>
+          </p:cNvSpPr>
+          <p:nvPr>
+            <p:ph type="title"/>
+          </p:nvPr>
+        </p:nvSpPr>
+        <p:spPr/>
+        <p:txBody>
+          <a:bodyPr/>
+          <a:p>
+            <a:r>
+              <a:rPr lang="en-US" altLang="zh-CN">
+                <a:sym typeface="+mn-ea"/>
+              </a:rPr>
+              <a:t>set </a:t>
+            </a:r>
+            <a:r>
+              <a:rPr lang="zh-CN" altLang="en-US">
+                <a:sym typeface="+mn-ea"/>
+              </a:rPr>
+              <a:t>和</a:t>
+            </a:r>
+            <a:r>
+              <a:rPr lang="en-US" altLang="zh-CN">
+                <a:sym typeface="+mn-ea"/>
+              </a:rPr>
+              <a:t> vector </a:t>
+            </a:r>
+            <a:r>
+              <a:rPr lang="zh-CN" altLang="en-US">
+                <a:sym typeface="+mn-ea"/>
+              </a:rPr>
+              <a:t>迭代器</a:t>
+            </a:r>
+            <a:r>
+              <a:rPr lang="zh-CN" altLang="en-US">
+                <a:sym typeface="+mn-ea"/>
+              </a:rPr>
+              <a:t>区别</a:t>
+            </a:r>
+            <a:endParaRPr lang="en-US"/>
+          </a:p>
+        </p:txBody>
+      </p:sp>
+      <p:sp>
+        <p:nvSpPr>
+          <p:cNvPr id="4" name="Content Placeholder 3"/>
+          <p:cNvSpPr>
+            <a:spLocks noGrp="1"/>
+          </p:cNvSpPr>
+          <p:nvPr>
+            <p:ph sz="half" idx="1"/>
+          </p:nvPr>
+        </p:nvSpPr>
+        <p:spPr>
+          <a:xfrm>
+            <a:off x="354965" y="890270"/>
+            <a:ext cx="5970270" cy="5730875"/>
+          </a:xfrm>
+        </p:spPr>
+        <p:txBody>
+          <a:bodyPr/>
+          <a:p>
+            <a:r>
+              <a:rPr lang="en-US" altLang="zh-CN"/>
+              <a:t>set </a:t>
+            </a:r>
+            <a:r>
+              <a:rPr lang="zh-CN" altLang="en-US"/>
+              <a:t>的迭代器对象也重载了</a:t>
+            </a:r>
+            <a:r>
+              <a:rPr lang="en-US" altLang="zh-CN"/>
+              <a:t> </a:t>
+            </a:r>
+            <a:r>
+              <a:rPr lang="en-US" altLang="zh-CN" b="1"/>
+              <a:t>++</a:t>
+            </a:r>
+            <a:r>
+              <a:rPr lang="en-US" altLang="zh-CN"/>
+              <a:t> </a:t>
+            </a:r>
+            <a:r>
+              <a:rPr lang="zh-CN" altLang="en-US"/>
+              <a:t>为红黑树的遍历。</a:t>
+            </a:r>
+            <a:endParaRPr lang="zh-CN" altLang="en-US"/>
+          </a:p>
+          <a:p>
+            <a:r>
+              <a:rPr lang="en-US" altLang="zh-CN">
+                <a:sym typeface="+mn-ea"/>
+              </a:rPr>
+              <a:t>vector </a:t>
+            </a:r>
+            <a:r>
+              <a:rPr lang="zh-CN" altLang="en-US">
+                <a:sym typeface="+mn-ea"/>
+              </a:rPr>
+              <a:t>提供了</a:t>
+            </a:r>
+            <a:r>
+              <a:rPr lang="en-US" altLang="zh-CN">
+                <a:sym typeface="+mn-ea"/>
+              </a:rPr>
+              <a:t> </a:t>
+            </a:r>
+            <a:r>
+              <a:rPr lang="en-US" altLang="zh-CN" b="1">
+                <a:sym typeface="+mn-ea"/>
+              </a:rPr>
+              <a:t>+</a:t>
+            </a:r>
+            <a:r>
+              <a:rPr lang="en-US" altLang="zh-CN">
+                <a:sym typeface="+mn-ea"/>
+              </a:rPr>
+              <a:t> </a:t>
+            </a:r>
+            <a:r>
+              <a:rPr lang="zh-CN" altLang="en-US">
+                <a:sym typeface="+mn-ea"/>
+              </a:rPr>
+              <a:t>和</a:t>
+            </a:r>
+            <a:r>
+              <a:rPr lang="en-US" altLang="zh-CN">
+                <a:sym typeface="+mn-ea"/>
+              </a:rPr>
+              <a:t> </a:t>
+            </a:r>
+            <a:r>
+              <a:rPr lang="en-US" altLang="zh-CN" b="1">
+                <a:sym typeface="+mn-ea"/>
+              </a:rPr>
+              <a:t>+=</a:t>
+            </a:r>
+            <a:r>
+              <a:rPr lang="en-US" altLang="zh-CN">
+                <a:sym typeface="+mn-ea"/>
+              </a:rPr>
+              <a:t> </a:t>
+            </a:r>
+            <a:r>
+              <a:rPr lang="zh-CN" altLang="en-US">
+                <a:sym typeface="+mn-ea"/>
+              </a:rPr>
+              <a:t>的重载，而</a:t>
+            </a:r>
+            <a:r>
+              <a:rPr lang="en-US" altLang="zh-CN"/>
+              <a:t> set </a:t>
+            </a:r>
+            <a:r>
+              <a:rPr lang="zh-CN" altLang="en-US"/>
+              <a:t>没有。这是因为</a:t>
+            </a:r>
+            <a:r>
+              <a:rPr lang="en-US" altLang="zh-CN"/>
+              <a:t> vector </a:t>
+            </a:r>
+            <a:r>
+              <a:rPr lang="zh-CN" altLang="en-US"/>
+              <a:t>中的元素在内存中是连续的，可以</a:t>
+            </a:r>
+            <a:r>
+              <a:rPr lang="zh-CN" altLang="en-US" b="1"/>
+              <a:t>随机访问</a:t>
+            </a:r>
+            <a:r>
+              <a:rPr lang="zh-CN" altLang="en-US"/>
+              <a:t>。而</a:t>
+            </a:r>
+            <a:r>
+              <a:rPr lang="en-US" altLang="zh-CN"/>
+              <a:t> set </a:t>
+            </a:r>
+            <a:r>
+              <a:rPr lang="zh-CN" altLang="en-US"/>
+              <a:t>是不连续的，所以不能随机访问，只能</a:t>
+            </a:r>
+            <a:r>
+              <a:rPr lang="zh-CN" altLang="en-US" b="1"/>
+              <a:t>顺序访问</a:t>
+            </a:r>
+            <a:r>
+              <a:rPr lang="zh-CN" altLang="en-US"/>
+              <a:t>。</a:t>
+            </a:r>
+            <a:endParaRPr lang="zh-CN" altLang="en-US"/>
+          </a:p>
+        </p:txBody>
+      </p:sp>
+      <p:pic>
+        <p:nvPicPr>
+          <p:cNvPr id="10" name="Content Placeholder 9"/>
+          <p:cNvPicPr>
+            <a:picLocks noChangeAspect="1"/>
+          </p:cNvPicPr>
+          <p:nvPr>
+            <p:ph sz="half" idx="2"/>
+          </p:nvPr>
+        </p:nvPicPr>
+        <p:blipFill>
+          <a:blip r:embed="rId1"/>
+          <a:stretch>
+            <a:fillRect/>
+          </a:stretch>
+        </p:blipFill>
+        <p:spPr>
+          <a:xfrm>
+            <a:off x="6301740" y="1975485"/>
+            <a:ext cx="5821045" cy="2841625"/>
+          </a:xfrm>
+          <a:prstGeom prst="rect">
+            <a:avLst/>
+          </a:prstGeom>
+        </p:spPr>
+      </p:pic>
+      <p:pic>
+        <p:nvPicPr>
+          <p:cNvPr id="12" name="Content Placeholder 11"/>
+          <p:cNvPicPr>
+            <a:picLocks noChangeAspect="1"/>
+          </p:cNvPicPr>
+          <p:nvPr>
+            <p:ph sz="half" idx="13"/>
+          </p:nvPr>
+        </p:nvPicPr>
+        <p:blipFill>
+          <a:blip r:embed="rId2"/>
+          <a:stretch>
+            <a:fillRect/>
+          </a:stretch>
+        </p:blipFill>
+        <p:spPr>
+          <a:xfrm>
+            <a:off x="3164205" y="6007100"/>
+            <a:ext cx="9027795" cy="850900"/>
+          </a:xfrm>
+          <a:prstGeom prst="rect">
+            <a:avLst/>
+          </a:prstGeom>
+        </p:spPr>
+      </p:pic>
+    </p:spTree>
+  </p:cSld>
+  <p:clrMapOvr>
+    <a:masterClrMapping/>
+  </p:clrMapOvr>
+</p:sld>
+</file>
+
+<file path=ppt/slides/slide5.xml><?xml version="1.0" encoding="utf-8"?>
+<p:sld xmlns:a="http://schemas.openxmlformats.org/drawingml/2006/main" xmlns:r="http://schemas.openxmlformats.org/officeDocument/2006/relationships" xmlns:p="http://schemas.openxmlformats.org/presentationml/2006/main">
+  <p:cSld>
+    <p:spTree>
+      <p:nvGrpSpPr>
+        <p:cNvPr id="1" name=""/>
+        <p:cNvGrpSpPr/>
+        <p:nvPr/>
+      </p:nvGrpSpPr>
+      <p:grpSpPr/>
+      <p:sp>
+        <p:nvSpPr>
+          <p:cNvPr id="2" name="Title 1"/>
+          <p:cNvSpPr>
+            <a:spLocks noGrp="1"/>
+          </p:cNvSpPr>
+          <p:nvPr>
+            <p:ph type="title"/>
+          </p:nvPr>
+        </p:nvSpPr>
+        <p:spPr/>
+        <p:txBody>
+          <a:bodyPr/>
+          <a:p>
+            <a:r>
+              <a:rPr lang="zh-CN" altLang="en-US"/>
+              <a:t>迭代器的五大分类</a:t>
+            </a:r>
+            <a:endParaRPr lang="zh-CN" altLang="en-US"/>
+          </a:p>
+        </p:txBody>
+      </p:sp>
+      <p:graphicFrame>
+        <p:nvGraphicFramePr>
+          <p:cNvPr id="3" name="Content Placeholder 2"/>
+          <p:cNvGraphicFramePr/>
+          <p:nvPr>
+            <p:ph idx="1"/>
+          </p:nvPr>
+        </p:nvGraphicFramePr>
+        <p:xfrm>
+          <a:off x="568325" y="1195070"/>
+          <a:ext cx="11055350" cy="2645410"/>
+        </p:xfrm>
+        <a:graphic>
+          <a:graphicData uri="http://schemas.openxmlformats.org/drawingml/2006/table">
+            <a:tbl>
+              <a:tblPr firstRow="1" bandRow="1">
+                <a:tableStyleId>{5C22544A-7EE6-4342-B048-85BDC9FD1C3A}</a:tableStyleId>
+              </a:tblPr>
+              <a:tblGrid>
+                <a:gridCol w="1806575"/>
+                <a:gridCol w="4102735"/>
+                <a:gridCol w="2504440"/>
+                <a:gridCol w="2641600"/>
+              </a:tblGrid>
+              <a:tr h="369570">
+                <a:tc>
+                  <a:txBody>
+                    <a:bodyPr/>
+                    <a:p>
+                      <a:pPr>
+                        <a:buNone/>
+                      </a:pPr>
+                      <a:endParaRPr lang="en-US"/>
+                    </a:p>
+                  </a:txBody>
+                  <a:tcPr/>
+                </a:tc>
+                <a:tc>
+                  <a:txBody>
+                    <a:bodyPr/>
+                    <a:p>
+                      <a:pPr>
+                        <a:buNone/>
+                      </a:pPr>
+                      <a:r>
+                        <a:rPr lang="zh-CN" altLang="en-US"/>
+                        <a:t>提供的运算符重载</a:t>
+                      </a:r>
+                      <a:endParaRPr lang="zh-CN" altLang="en-US"/>
+                    </a:p>
+                  </a:txBody>
+                  <a:tcPr/>
+                </a:tc>
+                <a:tc>
+                  <a:txBody>
+                    <a:bodyPr/>
+                    <a:p>
+                      <a:pPr>
+                        <a:buNone/>
+                      </a:pPr>
+                      <a:r>
+                        <a:rPr lang="zh-CN" altLang="en-US"/>
+                        <a:t>具有此迭代器的容器</a:t>
+                      </a:r>
+                      <a:endParaRPr lang="zh-CN" altLang="en-US"/>
+                    </a:p>
+                  </a:txBody>
+                  <a:tcPr/>
+                </a:tc>
+                <a:tc>
+                  <a:txBody>
+                    <a:bodyPr/>
+                    <a:p>
+                      <a:pPr>
+                        <a:buNone/>
+                      </a:pPr>
+                      <a:r>
+                        <a:rPr lang="zh-CN" altLang="en-US"/>
+                        <a:t>相应的</a:t>
+                      </a:r>
+                      <a:r>
+                        <a:rPr lang="en-US" altLang="zh-CN"/>
+                        <a:t> C++20 concept</a:t>
+                      </a:r>
+                      <a:endParaRPr lang="en-US" altLang="zh-CN"/>
+                    </a:p>
+                  </a:txBody>
+                  <a:tcPr/>
+                </a:tc>
+              </a:tr>
+              <a:tr h="370205">
+                <a:tc>
+                  <a:txBody>
+                    <a:bodyPr/>
+                    <a:p>
+                      <a:pPr>
+                        <a:buNone/>
+                      </a:pPr>
+                      <a:r>
+                        <a:rPr lang="zh-CN" altLang="en-US"/>
+                        <a:t>输入迭代器</a:t>
+                      </a:r>
+                      <a:endParaRPr lang="zh-CN" altLang="en-US"/>
+                    </a:p>
+                  </a:txBody>
+                  <a:tcPr/>
+                </a:tc>
+                <a:tc>
+                  <a:txBody>
+                    <a:bodyPr/>
+                    <a:p>
+                      <a:pPr>
+                        <a:buNone/>
+                      </a:pPr>
+                      <a:r>
+                        <a:rPr lang="en-US" altLang="zh-CN"/>
+                        <a:t>*</a:t>
+                      </a:r>
+                      <a:r>
+                        <a:rPr lang="zh-CN" altLang="en-US" sz="1800">
+                          <a:sym typeface="+mn-ea"/>
+                        </a:rPr>
+                        <a:t>（可读取）</a:t>
+                      </a:r>
+                      <a:r>
+                        <a:rPr lang="zh-CN" altLang="en-US"/>
+                        <a:t>，</a:t>
+                      </a:r>
+                      <a:r>
+                        <a:rPr lang="en-US" altLang="zh-CN"/>
+                        <a:t>!=</a:t>
+                      </a:r>
+                      <a:r>
+                        <a:rPr lang="zh-CN" altLang="en-US"/>
+                        <a:t>，</a:t>
+                      </a:r>
+                      <a:r>
+                        <a:rPr lang="en-US" altLang="zh-CN"/>
+                        <a:t>==</a:t>
+                      </a:r>
+                      <a:r>
+                        <a:rPr lang="zh-CN" altLang="en-US"/>
+                        <a:t>，</a:t>
+                      </a:r>
+                      <a:r>
+                        <a:rPr lang="en-US" altLang="zh-CN"/>
+                        <a:t>++</a:t>
+                      </a:r>
+                      <a:r>
+                        <a:rPr lang="zh-CN" altLang="en-US"/>
+                        <a:t>（一次性）</a:t>
+                      </a:r>
+                      <a:endParaRPr lang="zh-CN" altLang="en-US"/>
+                    </a:p>
+                  </a:txBody>
+                  <a:tcPr/>
+                </a:tc>
+                <a:tc>
+                  <a:txBody>
+                    <a:bodyPr/>
+                    <a:p>
+                      <a:pPr>
+                        <a:buNone/>
+                      </a:pPr>
+                      <a:r>
+                        <a:rPr lang="en-US"/>
+                        <a:t>istream_iterator</a:t>
+                      </a:r>
+                      <a:endParaRPr lang="en-US"/>
+                    </a:p>
+                  </a:txBody>
+                  <a:tcPr/>
+                </a:tc>
+                <a:tc>
+                  <a:txBody>
+                    <a:bodyPr/>
+                    <a:p>
+                      <a:pPr>
+                        <a:buNone/>
+                      </a:pPr>
+                      <a:r>
+                        <a:rPr lang="en-US"/>
+                        <a:t>input_iterator</a:t>
+                      </a:r>
+                      <a:endParaRPr lang="en-US"/>
+                    </a:p>
+                  </a:txBody>
+                  <a:tcPr/>
+                </a:tc>
+              </a:tr>
+              <a:tr h="369570">
+                <a:tc>
+                  <a:txBody>
+                    <a:bodyPr/>
+                    <a:p>
+                      <a:pPr>
+                        <a:buNone/>
+                      </a:pPr>
+                      <a:r>
+                        <a:rPr lang="zh-CN" sz="1800">
+                          <a:sym typeface="+mn-ea"/>
+                        </a:rPr>
+                        <a:t>前向迭代器</a:t>
+                      </a:r>
+                      <a:endParaRPr lang="en-US"/>
+                    </a:p>
+                  </a:txBody>
+                  <a:tcPr/>
+                </a:tc>
+                <a:tc>
+                  <a:txBody>
+                    <a:bodyPr/>
+                    <a:p>
+                      <a:pPr>
+                        <a:buNone/>
+                      </a:pPr>
+                      <a:r>
+                        <a:rPr lang="en-US"/>
+                        <a:t>*</a:t>
+                      </a:r>
+                      <a:r>
+                        <a:rPr lang="zh-CN" altLang="en-US"/>
+                        <a:t>，</a:t>
+                      </a:r>
+                      <a:r>
+                        <a:rPr lang="en-US" altLang="zh-CN"/>
+                        <a:t>!=</a:t>
+                      </a:r>
+                      <a:r>
+                        <a:rPr lang="zh-CN" altLang="en-US"/>
+                        <a:t>，</a:t>
+                      </a:r>
+                      <a:r>
+                        <a:rPr lang="en-US" altLang="zh-CN"/>
+                        <a:t>==</a:t>
+                      </a:r>
+                      <a:r>
+                        <a:rPr lang="zh-CN" altLang="en-US"/>
+                        <a:t>，</a:t>
+                      </a:r>
+                      <a:r>
+                        <a:rPr lang="en-US"/>
+                        <a:t>++</a:t>
+                      </a:r>
+                      <a:endParaRPr lang="zh-CN" altLang="en-US"/>
+                    </a:p>
+                  </a:txBody>
+                  <a:tcPr/>
+                </a:tc>
+                <a:tc>
+                  <a:txBody>
+                    <a:bodyPr/>
+                    <a:p>
+                      <a:pPr>
+                        <a:buNone/>
+                      </a:pPr>
+                      <a:r>
+                        <a:rPr lang="en-US"/>
+                        <a:t>forward_list</a:t>
+                      </a:r>
+                      <a:endParaRPr lang="en-US"/>
+                    </a:p>
+                  </a:txBody>
+                  <a:tcPr/>
+                </a:tc>
+                <a:tc>
+                  <a:txBody>
+                    <a:bodyPr/>
+                    <a:p>
+                      <a:pPr>
+                        <a:buNone/>
+                      </a:pPr>
+                      <a:r>
+                        <a:rPr lang="en-US"/>
+                        <a:t>forward_iterator</a:t>
+                      </a:r>
+                      <a:endParaRPr lang="en-US"/>
+                    </a:p>
+                  </a:txBody>
+                  <a:tcPr/>
+                </a:tc>
+              </a:tr>
+              <a:tr h="370205">
+                <a:tc>
+                  <a:txBody>
+                    <a:bodyPr/>
+                    <a:p>
+                      <a:pPr>
+                        <a:buNone/>
+                      </a:pPr>
+                      <a:r>
+                        <a:rPr lang="zh-CN" altLang="en-US"/>
+                        <a:t>双向迭代器</a:t>
+                      </a:r>
+                      <a:endParaRPr lang="zh-CN" altLang="en-US"/>
+                    </a:p>
+                  </a:txBody>
+                  <a:tcPr/>
+                </a:tc>
+                <a:tc>
+                  <a:txBody>
+                    <a:bodyPr/>
+                    <a:p>
+                      <a:pPr>
+                        <a:buNone/>
+                      </a:pPr>
+                      <a:r>
+                        <a:rPr lang="en-US"/>
+                        <a:t>*</a:t>
+                      </a:r>
+                      <a:r>
+                        <a:rPr lang="zh-CN" altLang="en-US"/>
+                        <a:t>，</a:t>
+                      </a:r>
+                      <a:r>
+                        <a:rPr lang="en-US" altLang="zh-CN"/>
+                        <a:t>!=</a:t>
+                      </a:r>
+                      <a:r>
+                        <a:rPr lang="zh-CN" altLang="en-US"/>
+                        <a:t>，</a:t>
+                      </a:r>
+                      <a:r>
+                        <a:rPr lang="en-US" altLang="zh-CN"/>
+                        <a:t>==</a:t>
+                      </a:r>
+                      <a:r>
+                        <a:rPr lang="zh-CN" altLang="en-US"/>
+                        <a:t>，</a:t>
+                      </a:r>
+                      <a:r>
+                        <a:rPr lang="en-US" altLang="zh-CN"/>
+                        <a:t>++</a:t>
+                      </a:r>
+                      <a:r>
+                        <a:rPr lang="zh-CN" altLang="en-US"/>
+                        <a:t>，</a:t>
+                      </a:r>
+                      <a:r>
+                        <a:rPr lang="en-US" altLang="zh-CN"/>
+                        <a:t>--</a:t>
+                      </a:r>
+                      <a:endParaRPr lang="zh-CN" altLang="en-US"/>
+                    </a:p>
+                  </a:txBody>
+                  <a:tcPr/>
+                </a:tc>
+                <a:tc>
+                  <a:txBody>
+                    <a:bodyPr/>
+                    <a:p>
+                      <a:pPr>
+                        <a:buNone/>
+                      </a:pPr>
+                      <a:r>
+                        <a:rPr lang="en-US"/>
+                        <a:t>set</a:t>
+                      </a:r>
+                      <a:r>
+                        <a:rPr lang="zh-CN" altLang="en-US"/>
+                        <a:t>，</a:t>
+                      </a:r>
+                      <a:r>
+                        <a:rPr lang="en-US" altLang="zh-CN"/>
+                        <a:t>map</a:t>
+                      </a:r>
+                      <a:r>
+                        <a:rPr lang="zh-CN" altLang="en-US"/>
+                        <a:t>，</a:t>
+                      </a:r>
+                      <a:r>
+                        <a:rPr lang="en-US"/>
+                        <a:t>list</a:t>
+                      </a:r>
+                      <a:endParaRPr lang="en-US"/>
+                    </a:p>
+                  </a:txBody>
+                  <a:tcPr/>
+                </a:tc>
+                <a:tc>
+                  <a:txBody>
+                    <a:bodyPr/>
+                    <a:p>
+                      <a:pPr>
+                        <a:buNone/>
+                      </a:pPr>
+                      <a:r>
+                        <a:rPr lang="en-US"/>
+                        <a:t>bidirectional_iterator</a:t>
+                      </a:r>
+                      <a:endParaRPr lang="en-US"/>
+                    </a:p>
+                  </a:txBody>
+                  <a:tcPr/>
+                </a:tc>
+              </a:tr>
+              <a:tr h="425450">
+                <a:tc>
+                  <a:txBody>
+                    <a:bodyPr/>
+                    <a:p>
+                      <a:pPr>
+                        <a:buNone/>
+                      </a:pPr>
+                      <a:r>
+                        <a:rPr lang="zh-CN" altLang="en-US"/>
+                        <a:t>随机访问迭代器</a:t>
+                      </a:r>
+                      <a:endParaRPr lang="zh-CN" altLang="en-US"/>
+                    </a:p>
+                  </a:txBody>
+                  <a:tcPr/>
+                </a:tc>
+                <a:tc>
+                  <a:txBody>
+                    <a:bodyPr/>
+                    <a:p>
+                      <a:pPr>
+                        <a:buNone/>
+                      </a:pPr>
+                      <a:r>
+                        <a:rPr lang="en-US" sz="1800">
+                          <a:sym typeface="+mn-ea"/>
+                        </a:rPr>
+                        <a:t>*</a:t>
+                      </a:r>
+                      <a:r>
+                        <a:rPr lang="zh-CN" altLang="en-US" sz="1800">
+                          <a:sym typeface="+mn-ea"/>
+                        </a:rPr>
+                        <a:t>，</a:t>
+                      </a:r>
+                      <a:r>
+                        <a:rPr lang="en-US" altLang="zh-CN" sz="1800">
+                          <a:sym typeface="+mn-ea"/>
+                        </a:rPr>
+                        <a:t>!=</a:t>
+                      </a:r>
+                      <a:r>
+                        <a:rPr lang="zh-CN" altLang="en-US" sz="1800">
+                          <a:sym typeface="+mn-ea"/>
+                        </a:rPr>
+                        <a:t>，</a:t>
+                      </a:r>
+                      <a:r>
+                        <a:rPr lang="en-US" altLang="zh-CN" sz="1800">
+                          <a:sym typeface="+mn-ea"/>
+                        </a:rPr>
+                        <a:t>==</a:t>
+                      </a:r>
+                      <a:r>
+                        <a:rPr lang="zh-CN" altLang="en-US" sz="1800">
+                          <a:sym typeface="+mn-ea"/>
+                        </a:rPr>
+                        <a:t>，</a:t>
+                      </a:r>
+                      <a:r>
+                        <a:rPr lang="en-US" altLang="zh-CN" sz="1800">
+                          <a:sym typeface="+mn-ea"/>
+                        </a:rPr>
+                        <a:t>++</a:t>
+                      </a:r>
+                      <a:r>
+                        <a:rPr lang="zh-CN" altLang="en-US" sz="1800">
+                          <a:sym typeface="+mn-ea"/>
+                        </a:rPr>
+                        <a:t>，</a:t>
+                      </a:r>
+                      <a:r>
+                        <a:rPr lang="en-US" altLang="zh-CN" sz="1800">
+                          <a:sym typeface="+mn-ea"/>
+                        </a:rPr>
+                        <a:t>--</a:t>
+                      </a:r>
+                      <a:r>
+                        <a:rPr lang="zh-CN" altLang="en-US" sz="1800">
+                          <a:sym typeface="+mn-ea"/>
+                        </a:rPr>
+                        <a:t>，</a:t>
+                      </a:r>
+                      <a:r>
+                        <a:rPr lang="en-US" altLang="zh-CN"/>
+                        <a:t>+</a:t>
+                      </a:r>
+                      <a:r>
+                        <a:rPr lang="zh-CN" altLang="en-US"/>
+                        <a:t>，</a:t>
+                      </a:r>
+                      <a:r>
+                        <a:rPr lang="en-US" altLang="zh-CN"/>
+                        <a:t>-</a:t>
+                      </a:r>
+                      <a:r>
+                        <a:rPr lang="zh-CN" altLang="en-US"/>
+                        <a:t>，</a:t>
+                      </a:r>
+                      <a:r>
+                        <a:rPr lang="en-US" altLang="zh-CN"/>
+                        <a:t>+=</a:t>
+                      </a:r>
+                      <a:r>
+                        <a:rPr lang="zh-CN" altLang="en-US"/>
+                        <a:t>，</a:t>
+                      </a:r>
+                      <a:r>
+                        <a:rPr lang="en-US" altLang="zh-CN"/>
+                        <a:t>-=</a:t>
+                      </a:r>
+                      <a:r>
+                        <a:rPr lang="zh-CN" altLang="en-US"/>
+                        <a:t>，</a:t>
+                      </a:r>
+                      <a:r>
+                        <a:rPr lang="en-US" altLang="zh-CN"/>
+                        <a:t>[]</a:t>
+                      </a:r>
+                      <a:endParaRPr lang="en-US" altLang="zh-CN"/>
+                    </a:p>
+                  </a:txBody>
+                  <a:tcPr/>
+                </a:tc>
+                <a:tc>
+                  <a:txBody>
+                    <a:bodyPr/>
+                    <a:p>
+                      <a:pPr>
+                        <a:buNone/>
+                      </a:pPr>
+                      <a:r>
+                        <a:rPr lang="en-US"/>
+                        <a:t>vector</a:t>
+                      </a:r>
+                      <a:r>
+                        <a:rPr lang="zh-CN" altLang="en-US"/>
+                        <a:t>，</a:t>
+                      </a:r>
+                      <a:r>
+                        <a:rPr lang="en-US" altLang="zh-CN"/>
+                        <a:t>array</a:t>
+                      </a:r>
+                      <a:r>
+                        <a:rPr lang="zh-CN" altLang="en-US"/>
+                        <a:t>，</a:t>
+                      </a:r>
+                      <a:r>
+                        <a:rPr lang="en-US" altLang="zh-CN"/>
+                        <a:t>deque</a:t>
+                      </a:r>
+                      <a:endParaRPr lang="en-US" altLang="zh-CN"/>
+                    </a:p>
+                  </a:txBody>
+                  <a:tcPr/>
+                </a:tc>
+                <a:tc>
+                  <a:txBody>
+                    <a:bodyPr/>
+                    <a:p>
+                      <a:pPr>
+                        <a:buNone/>
+                      </a:pPr>
+                      <a:r>
+                        <a:rPr lang="en-US"/>
+                        <a:t>random_access_iterator</a:t>
+                      </a:r>
+                      <a:endParaRPr lang="en-US"/>
+                    </a:p>
+                  </a:txBody>
+                  <a:tcPr/>
+                </a:tc>
+              </a:tr>
+              <a:tr h="370205">
+                <a:tc>
+                  <a:txBody>
+                    <a:bodyPr/>
+                    <a:p>
+                      <a:pPr>
+                        <a:buNone/>
+                      </a:pPr>
+                      <a:r>
+                        <a:rPr lang="zh-CN" altLang="en-US" sz="1800">
+                          <a:sym typeface="+mn-ea"/>
+                        </a:rPr>
+                        <a:t>输出迭代器</a:t>
+                      </a:r>
+                      <a:endParaRPr lang="en-US"/>
+                    </a:p>
+                  </a:txBody>
+                  <a:tcPr/>
+                </a:tc>
+                <a:tc>
+                  <a:txBody>
+                    <a:bodyPr/>
+                    <a:p>
+                      <a:pPr>
+                        <a:buNone/>
+                      </a:pPr>
+                      <a:r>
+                        <a:rPr lang="en-US" altLang="zh-CN" sz="1800">
+                          <a:sym typeface="+mn-ea"/>
+                        </a:rPr>
+                        <a:t>*</a:t>
+                      </a:r>
+                      <a:r>
+                        <a:rPr lang="zh-CN" altLang="en-US" sz="1800">
+                          <a:sym typeface="+mn-ea"/>
+                        </a:rPr>
+                        <a:t>（可写入）</a:t>
+                      </a:r>
+                      <a:r>
+                        <a:rPr lang="zh-CN" altLang="en-US" sz="1800">
+                          <a:sym typeface="+mn-ea"/>
+                        </a:rPr>
+                        <a:t>，</a:t>
+                      </a:r>
+                      <a:r>
+                        <a:rPr lang="en-US" altLang="zh-CN" sz="1800">
+                          <a:sym typeface="+mn-ea"/>
+                        </a:rPr>
+                        <a:t>++</a:t>
+                      </a:r>
+                      <a:r>
+                        <a:rPr lang="zh-CN" altLang="en-US" sz="1800">
+                          <a:sym typeface="+mn-ea"/>
+                        </a:rPr>
+                        <a:t>（一次性）</a:t>
+                      </a:r>
+                      <a:endParaRPr lang="en-US"/>
+                    </a:p>
+                  </a:txBody>
+                  <a:tcPr/>
+                </a:tc>
+                <a:tc>
+                  <a:txBody>
+                    <a:bodyPr/>
+                    <a:p>
+                      <a:pPr>
+                        <a:buNone/>
+                      </a:pPr>
+                      <a:r>
+                        <a:rPr lang="en-US"/>
+                        <a:t>back_insert_iterator</a:t>
+                      </a:r>
+                      <a:endParaRPr lang="en-US"/>
+                    </a:p>
+                  </a:txBody>
+                  <a:tcPr/>
+                </a:tc>
+                <a:tc>
+                  <a:txBody>
+                    <a:bodyPr/>
+                    <a:p>
+                      <a:pPr>
+                        <a:buNone/>
+                      </a:pPr>
+                      <a:r>
+                        <a:rPr lang="en-US"/>
+                        <a:t>output_iterator</a:t>
+                      </a:r>
+                      <a:endParaRPr lang="en-US"/>
+                    </a:p>
+                  </a:txBody>
+                  <a:tcPr/>
+                </a:tc>
+              </a:tr>
+              <a:tr h="370205">
+                <a:tc>
+                  <a:txBody>
+                    <a:bodyPr/>
+                    <a:p>
+                      <a:pPr>
+                        <a:buNone/>
+                      </a:pPr>
+                      <a:r>
+                        <a:rPr lang="zh-CN" altLang="en-US"/>
+                        <a:t>迭代器外包装</a:t>
+                      </a:r>
+                      <a:endParaRPr lang="zh-CN" altLang="en-US"/>
+                    </a:p>
+                  </a:txBody>
+                  <a:tcPr/>
+                </a:tc>
+                <a:tc>
+                  <a:txBody>
+                    <a:bodyPr/>
+                    <a:p>
+                      <a:pPr>
+                        <a:buNone/>
+                      </a:pPr>
+                      <a:r>
+                        <a:rPr lang="zh-CN" altLang="en-US"/>
+                        <a:t>和他所包装的迭代器保持一致</a:t>
+                      </a:r>
+                      <a:endParaRPr lang="zh-CN" altLang="en-US"/>
+                    </a:p>
+                  </a:txBody>
+                  <a:tcPr/>
+                </a:tc>
+                <a:tc>
+                  <a:txBody>
+                    <a:bodyPr/>
+                    <a:p>
+                      <a:pPr>
+                        <a:buNone/>
+                      </a:pPr>
+                      <a:r>
+                        <a:rPr lang="en-US"/>
+                        <a:t>reverse_iterator</a:t>
+                      </a:r>
+                      <a:endParaRPr lang="en-US"/>
+                    </a:p>
+                  </a:txBody>
+                  <a:tcPr/>
+                </a:tc>
+                <a:tc>
+                  <a:txBody>
+                    <a:bodyPr/>
+                    <a:p>
+                      <a:pPr>
+                        <a:buNone/>
+                      </a:pPr>
+                      <a:r>
+                        <a:rPr lang="zh-CN" altLang="en-US"/>
+                        <a:t>和所包装的迭代器一致</a:t>
+                      </a:r>
+                      <a:endParaRPr lang="zh-CN" altLang="en-US"/>
+                    </a:p>
+                  </a:txBody>
+                  <a:tcPr/>
+                </a:tc>
+              </a:tr>
+            </a:tbl>
+          </a:graphicData>
+        </a:graphic>
+      </p:graphicFrame>
+      <p:sp>
+        <p:nvSpPr>
+          <p:cNvPr id="5" name="Text Box 4"/>
+          <p:cNvSpPr txBox="1"/>
+          <p:nvPr/>
+        </p:nvSpPr>
+        <p:spPr>
+          <a:xfrm>
+            <a:off x="601980" y="6381115"/>
+            <a:ext cx="10980420" cy="368300"/>
+          </a:xfrm>
+          <a:prstGeom prst="rect">
+            <a:avLst/>
+          </a:prstGeom>
+          <a:noFill/>
+        </p:spPr>
+        <p:txBody>
+          <a:bodyPr wrap="square" rtlCol="0" anchor="t">
+            <a:spAutoFit/>
+          </a:bodyPr>
+          <a:p>
+            <a:r>
+              <a:rPr lang="en-US"/>
+              <a:t>https://en.cppreference.com/w/cpp/iterator/random_access_iterator</a:t>
+            </a:r>
+            <a:endParaRPr lang="en-US"/>
+          </a:p>
+        </p:txBody>
+      </p:sp>
+      <p:sp>
+        <p:nvSpPr>
+          <p:cNvPr id="6" name="Text Box 5"/>
+          <p:cNvSpPr txBox="1"/>
+          <p:nvPr/>
+        </p:nvSpPr>
+        <p:spPr>
+          <a:xfrm>
+            <a:off x="609600" y="6012815"/>
+            <a:ext cx="10817860" cy="368300"/>
+          </a:xfrm>
+          <a:prstGeom prst="rect">
+            <a:avLst/>
+          </a:prstGeom>
+          <a:noFill/>
+        </p:spPr>
+        <p:txBody>
+          <a:bodyPr wrap="square" rtlCol="0" anchor="t">
+            <a:spAutoFit/>
+          </a:bodyPr>
+          <a:p>
+            <a:r>
+              <a:rPr lang="en-US"/>
+              <a:t>https://www.cplusplus.com/reference/iterator/istream_iterator</a:t>
+            </a:r>
+            <a:endParaRPr lang="en-US"/>
+          </a:p>
+        </p:txBody>
+      </p:sp>
+      <p:sp>
+        <p:nvSpPr>
+          <p:cNvPr id="7" name="Text Box 6"/>
+          <p:cNvSpPr txBox="1"/>
+          <p:nvPr/>
+        </p:nvSpPr>
+        <p:spPr>
+          <a:xfrm>
+            <a:off x="1707515" y="4557395"/>
+            <a:ext cx="9392920" cy="1198880"/>
+          </a:xfrm>
+          <a:prstGeom prst="rect">
+            <a:avLst/>
+          </a:prstGeom>
+          <a:noFill/>
+        </p:spPr>
+        <p:txBody>
+          <a:bodyPr wrap="square" rtlCol="0">
+            <a:spAutoFit/>
+          </a:bodyPr>
+          <a:p>
+            <a:r>
+              <a:rPr lang="zh-CN" altLang="en-US"/>
+              <a:t>包含关系：前向迭代器＜双向迭代器＜随机访问迭代器</a:t>
+            </a:r>
+            <a:endParaRPr lang="zh-CN" altLang="en-US"/>
+          </a:p>
+          <a:p>
+            <a:r>
+              <a:rPr lang="zh-CN" altLang="en-US"/>
+              <a:t>这意味着如果一个</a:t>
+            </a:r>
+            <a:r>
+              <a:rPr lang="en-US" altLang="zh-CN"/>
+              <a:t>STL</a:t>
+            </a:r>
+            <a:r>
+              <a:rPr lang="zh-CN" altLang="en-US"/>
+              <a:t>模板函数（比如</a:t>
+            </a:r>
+            <a:r>
+              <a:rPr lang="en-US" altLang="zh-CN"/>
+              <a:t>std::find</a:t>
+            </a:r>
+            <a:r>
+              <a:rPr lang="zh-CN" altLang="en-US"/>
+              <a:t>）要求迭代器是</a:t>
+            </a:r>
+            <a:r>
+              <a:rPr lang="zh-CN" altLang="en-US" b="1"/>
+              <a:t>前向迭代器</a:t>
+            </a:r>
+            <a:r>
+              <a:rPr lang="zh-CN" altLang="en-US"/>
+              <a:t>即可，那么也可以给他随机访问迭代器，因为</a:t>
+            </a:r>
+            <a:r>
+              <a:rPr lang="zh-CN" altLang="en-US" b="1"/>
+              <a:t>前向迭代器</a:t>
+            </a:r>
+            <a:r>
+              <a:rPr lang="zh-CN" altLang="en-US"/>
+              <a:t>是</a:t>
+            </a:r>
+            <a:r>
+              <a:rPr lang="zh-CN" altLang="en-US" b="1"/>
+              <a:t>随机访问迭代器</a:t>
+            </a:r>
+            <a:r>
+              <a:rPr lang="zh-CN" altLang="en-US"/>
+              <a:t>的子集。</a:t>
+            </a:r>
+            <a:endParaRPr lang="zh-CN" altLang="en-US"/>
+          </a:p>
+          <a:p>
+            <a:r>
+              <a:rPr lang="zh-CN" altLang="en-US"/>
+              <a:t>例如，</a:t>
+            </a:r>
+            <a:r>
+              <a:rPr lang="en-US" altLang="zh-CN"/>
+              <a:t>vector </a:t>
+            </a:r>
+            <a:r>
+              <a:rPr lang="zh-CN" altLang="en-US"/>
+              <a:t>和</a:t>
+            </a:r>
+            <a:r>
+              <a:rPr lang="en-US" altLang="zh-CN"/>
+              <a:t> list </a:t>
+            </a:r>
+            <a:r>
+              <a:rPr lang="zh-CN" altLang="en-US"/>
+              <a:t>都可以调用</a:t>
+            </a:r>
+            <a:r>
+              <a:rPr lang="en-US" altLang="zh-CN"/>
+              <a:t> std::find</a:t>
+            </a:r>
+            <a:r>
+              <a:rPr lang="zh-CN" altLang="en-US"/>
+              <a:t>（</a:t>
+            </a:r>
+            <a:r>
+              <a:rPr lang="en-US" altLang="zh-CN"/>
+              <a:t>set </a:t>
+            </a:r>
+            <a:r>
+              <a:rPr lang="zh-CN" altLang="en-US"/>
+              <a:t>则是提供了</a:t>
+            </a:r>
+            <a:r>
+              <a:rPr lang="en-US" altLang="zh-CN"/>
+              <a:t> find </a:t>
+            </a:r>
+            <a:r>
+              <a:rPr lang="zh-CN" altLang="en-US"/>
+              <a:t>作为成员函数，稍后讨论）</a:t>
+            </a:r>
+            <a:endParaRPr lang="zh-CN" altLang="en-US"/>
+          </a:p>
+        </p:txBody>
+      </p:sp>
+    </p:spTree>
+  </p:cSld>
+  <p:clrMapOvr>
+    <a:masterClrMapping/>
+  </p:clrMapOvr>
+</p:sld>
+</file>
+
+<file path=ppt/slides/slide6.xml><?xml version="1.0" encoding="utf-8"?>
+<p:sld xmlns:a="http://schemas.openxmlformats.org/drawingml/2006/main" xmlns:r="http://schemas.openxmlformats.org/officeDocument/2006/relationships" xmlns:p="http://schemas.openxmlformats.org/presentationml/2006/main">
+  <p:cSld>
+    <p:spTree>
+      <p:nvGrpSpPr>
+        <p:cNvPr id="1" name=""/>
+        <p:cNvGrpSpPr/>
+        <p:nvPr/>
+      </p:nvGrpSpPr>
+      <p:grpSpPr/>
+      <p:sp>
+        <p:nvSpPr>
+          <p:cNvPr id="5" name="Title 4"/>
+          <p:cNvSpPr>
+            <a:spLocks noGrp="1"/>
+          </p:cNvSpPr>
+          <p:nvPr>
+            <p:ph type="title"/>
+          </p:nvPr>
+        </p:nvSpPr>
+        <p:spPr/>
+        <p:txBody>
+          <a:bodyPr/>
+          <a:p>
+            <a:r>
+              <a:rPr lang="zh-CN" altLang="en-US"/>
+              <a:t>不同版本的</a:t>
+            </a:r>
+            <a:r>
+              <a:rPr lang="en-US" altLang="zh-CN"/>
+              <a:t> set </a:t>
+            </a:r>
+            <a:r>
+              <a:rPr lang="zh-CN" altLang="en-US"/>
+              <a:t>容器比较</a:t>
+            </a:r>
+            <a:endParaRPr lang="zh-CN" altLang="en-US"/>
+          </a:p>
+        </p:txBody>
+      </p:sp>
+      <p:graphicFrame>
+        <p:nvGraphicFramePr>
+          <p:cNvPr id="8" name="Content Placeholder 7"/>
+          <p:cNvGraphicFramePr/>
+          <p:nvPr>
+            <p:ph idx="1"/>
+          </p:nvPr>
+        </p:nvGraphicFramePr>
+        <p:xfrm>
+          <a:off x="609600" y="1174750"/>
+          <a:ext cx="10972800" cy="2286000"/>
+        </p:xfrm>
+        <a:graphic>
+          <a:graphicData uri="http://schemas.openxmlformats.org/drawingml/2006/table">
+            <a:tbl>
+              <a:tblPr firstRow="1" bandRow="1">
+                <a:tableStyleId>{5C22544A-7EE6-4342-B048-85BDC9FD1C3A}</a:tableStyleId>
+              </a:tblPr>
+              <a:tblGrid>
+                <a:gridCol w="2194560"/>
+                <a:gridCol w="2194560"/>
+                <a:gridCol w="2194560"/>
+                <a:gridCol w="2194560"/>
+                <a:gridCol w="2194560"/>
+              </a:tblGrid>
+              <a:tr h="381000">
+                <a:tc>
+                  <a:txBody>
+                    <a:bodyPr/>
+                    <a:p>
+                      <a:pPr>
+                        <a:buNone/>
+                      </a:pPr>
+                      <a:r>
+                        <a:rPr lang="zh-CN" altLang="en-US"/>
+                        <a:t>类型</a:t>
+                      </a:r>
+                      <a:endParaRPr lang="zh-CN" altLang="en-US"/>
+                    </a:p>
+                  </a:txBody>
+                  <a:tcPr/>
+                </a:tc>
+                <a:tc>
+                  <a:txBody>
+                    <a:bodyPr/>
+                    <a:p>
+                      <a:pPr>
+                        <a:buNone/>
+                      </a:pPr>
+                      <a:r>
+                        <a:rPr lang="zh-CN" altLang="en-US"/>
+                        <a:t>去重</a:t>
+                      </a:r>
+                      <a:endParaRPr lang="zh-CN" altLang="en-US"/>
+                    </a:p>
+                  </a:txBody>
+                  <a:tcPr/>
+                </a:tc>
+                <a:tc>
+                  <a:txBody>
+                    <a:bodyPr/>
+                    <a:p>
+                      <a:pPr>
+                        <a:buNone/>
+                      </a:pPr>
+                      <a:r>
+                        <a:rPr lang="zh-CN" altLang="en-US"/>
+                        <a:t>排序</a:t>
+                      </a:r>
+                      <a:endParaRPr lang="zh-CN" altLang="en-US"/>
+                    </a:p>
+                  </a:txBody>
+                  <a:tcPr/>
+                </a:tc>
+                <a:tc>
+                  <a:txBody>
+                    <a:bodyPr/>
+                    <a:p>
+                      <a:pPr>
+                        <a:buNone/>
+                      </a:pPr>
+                      <a:r>
+                        <a:rPr lang="zh-CN" altLang="en-US"/>
+                        <a:t>查找</a:t>
+                      </a:r>
+                      <a:endParaRPr lang="zh-CN" altLang="en-US"/>
+                    </a:p>
+                  </a:txBody>
+                  <a:tcPr/>
+                </a:tc>
+                <a:tc>
+                  <a:txBody>
+                    <a:bodyPr/>
+                    <a:p>
+                      <a:pPr>
+                        <a:buNone/>
+                      </a:pPr>
+                      <a:r>
+                        <a:rPr lang="zh-CN" altLang="en-US"/>
+                        <a:t>插入</a:t>
+                      </a:r>
+                      <a:endParaRPr lang="zh-CN" altLang="en-US"/>
+                    </a:p>
+                  </a:txBody>
+                  <a:tcPr/>
+                </a:tc>
+              </a:tr>
+              <a:tr h="381000">
+                <a:tc>
+                  <a:txBody>
+                    <a:bodyPr/>
+                    <a:p>
+                      <a:pPr>
+                        <a:buNone/>
+                      </a:pPr>
+                      <a:r>
+                        <a:rPr lang="en-US"/>
+                        <a:t>vector</a:t>
+                      </a:r>
+                      <a:endParaRPr lang="en-US"/>
+                    </a:p>
+                  </a:txBody>
+                  <a:tcPr/>
+                </a:tc>
+                <a:tc>
+                  <a:txBody>
+                    <a:bodyPr/>
+                    <a:p>
+                      <a:pPr>
+                        <a:buNone/>
+                      </a:pPr>
+                      <a:r>
+                        <a:rPr lang="zh-CN" altLang="en-US">
+                          <a:solidFill>
+                            <a:srgbClr val="FF0000"/>
+                          </a:solidFill>
+                        </a:rPr>
+                        <a:t>×</a:t>
+                      </a:r>
+                      <a:r>
+                        <a:rPr lang="en-US" altLang="zh-CN">
+                          <a:solidFill>
+                            <a:srgbClr val="FF0000"/>
+                          </a:solidFill>
+                        </a:rPr>
+                        <a:t> </a:t>
+                      </a:r>
+                      <a:r>
+                        <a:rPr lang="zh-CN" altLang="en-US"/>
+                        <a:t>元素可是任意值</a:t>
+                      </a:r>
+                      <a:endParaRPr lang="zh-CN" altLang="en-US"/>
+                    </a:p>
+                  </a:txBody>
+                  <a:tcPr/>
+                </a:tc>
+                <a:tc>
+                  <a:txBody>
+                    <a:bodyPr/>
+                    <a:p>
+                      <a:pPr>
+                        <a:buNone/>
+                      </a:pPr>
+                      <a:r>
+                        <a:rPr lang="zh-CN" altLang="en-US">
+                          <a:solidFill>
+                            <a:srgbClr val="FF0000"/>
+                          </a:solidFill>
+                        </a:rPr>
+                        <a:t>×</a:t>
+                      </a:r>
+                      <a:r>
+                        <a:rPr lang="en-US" altLang="zh-CN"/>
+                        <a:t> </a:t>
+                      </a:r>
+                      <a:r>
+                        <a:rPr lang="zh-CN" altLang="en-US"/>
+                        <a:t>维持</a:t>
+                      </a:r>
+                      <a:r>
+                        <a:rPr lang="zh-CN" altLang="en-US"/>
+                        <a:t>插入时顺序</a:t>
+                      </a:r>
+                      <a:endParaRPr lang="zh-CN" altLang="en-US"/>
+                    </a:p>
+                  </a:txBody>
+                  <a:tcPr/>
+                </a:tc>
+                <a:tc>
+                  <a:txBody>
+                    <a:bodyPr/>
+                    <a:p>
+                      <a:pPr>
+                        <a:buNone/>
+                      </a:pPr>
+                      <a:r>
+                        <a:rPr lang="en-US">
+                          <a:solidFill>
+                            <a:srgbClr val="FF0000"/>
+                          </a:solidFill>
+                        </a:rPr>
+                        <a:t>O(n)</a:t>
+                      </a:r>
+                      <a:r>
+                        <a:rPr lang="zh-CN" altLang="en-US"/>
+                        <a:t>，</a:t>
+                      </a:r>
+                      <a:r>
+                        <a:rPr lang="zh-CN" altLang="en-US">
+                          <a:solidFill>
+                            <a:srgbClr val="FF0000"/>
+                          </a:solidFill>
+                        </a:rPr>
+                        <a:t>需要遍历</a:t>
+                      </a:r>
+                      <a:endParaRPr lang="zh-CN" altLang="en-US">
+                        <a:solidFill>
+                          <a:srgbClr val="FF0000"/>
+                        </a:solidFill>
+                      </a:endParaRPr>
+                    </a:p>
+                  </a:txBody>
+                  <a:tcPr/>
+                </a:tc>
+                <a:tc>
+                  <a:txBody>
+                    <a:bodyPr/>
+                    <a:p>
+                      <a:pPr>
+                        <a:buNone/>
+                      </a:pPr>
+                      <a:r>
+                        <a:rPr lang="zh-CN" altLang="en-US"/>
+                        <a:t>尾部</a:t>
+                      </a:r>
+                      <a:r>
+                        <a:rPr lang="en-US">
+                          <a:solidFill>
+                            <a:srgbClr val="00B050"/>
+                          </a:solidFill>
+                        </a:rPr>
+                        <a:t>O(1)</a:t>
+                      </a:r>
+                      <a:r>
+                        <a:rPr lang="en-US"/>
+                        <a:t> </a:t>
+                      </a:r>
+                      <a:r>
+                        <a:rPr lang="zh-CN" altLang="en-US"/>
+                        <a:t>头部</a:t>
+                      </a:r>
+                      <a:r>
+                        <a:rPr lang="en-US" altLang="zh-CN">
+                          <a:solidFill>
+                            <a:srgbClr val="FF0000"/>
+                          </a:solidFill>
+                        </a:rPr>
+                        <a:t>O(n)</a:t>
+                      </a:r>
+                      <a:endParaRPr lang="en-US" altLang="zh-CN">
+                        <a:solidFill>
+                          <a:srgbClr val="FF0000"/>
+                        </a:solidFill>
+                      </a:endParaRPr>
+                    </a:p>
+                  </a:txBody>
+                  <a:tcPr/>
+                </a:tc>
+              </a:tr>
+              <a:tr h="381000">
+                <a:tc>
+                  <a:txBody>
+                    <a:bodyPr/>
+                    <a:p>
+                      <a:pPr>
+                        <a:buNone/>
+                      </a:pPr>
+                      <a:r>
+                        <a:rPr lang="en-US"/>
+                        <a:t>set</a:t>
+                      </a:r>
+                      <a:endParaRPr lang="en-US"/>
+                    </a:p>
+                  </a:txBody>
+                  <a:tcPr/>
+                </a:tc>
+                <a:tc>
+                  <a:txBody>
+                    <a:bodyPr/>
+                    <a:p>
+                      <a:pPr>
+                        <a:buNone/>
+                      </a:pPr>
+                      <a:r>
+                        <a:rPr lang="en-US">
+                          <a:solidFill>
+                            <a:srgbClr val="00B050"/>
+                          </a:solidFill>
+                        </a:rPr>
+                        <a:t>√ </a:t>
+                      </a:r>
+                      <a:r>
+                        <a:rPr lang="zh-CN" altLang="en-US"/>
+                        <a:t>不会有重复元素</a:t>
+                      </a:r>
+                      <a:endParaRPr lang="zh-CN" altLang="en-US"/>
+                    </a:p>
+                  </a:txBody>
+                  <a:tcPr/>
+                </a:tc>
+                <a:tc>
+                  <a:txBody>
+                    <a:bodyPr/>
+                    <a:p>
+                      <a:pPr>
+                        <a:buNone/>
+                      </a:pPr>
+                      <a:r>
+                        <a:rPr lang="en-US">
+                          <a:solidFill>
+                            <a:srgbClr val="00B050"/>
+                          </a:solidFill>
+                        </a:rPr>
+                        <a:t>√ </a:t>
+                      </a:r>
+                      <a:r>
+                        <a:rPr lang="zh-CN" altLang="en-US"/>
+                        <a:t>从小到大排序</a:t>
+                      </a:r>
+                      <a:endParaRPr lang="zh-CN" altLang="en-US"/>
+                    </a:p>
+                  </a:txBody>
+                  <a:tcPr/>
+                </a:tc>
+                <a:tc>
+                  <a:txBody>
+                    <a:bodyPr/>
+                    <a:p>
+                      <a:pPr>
+                        <a:buNone/>
+                      </a:pPr>
+                      <a:r>
+                        <a:rPr lang="en-US"/>
+                        <a:t>O(logn)</a:t>
+                      </a:r>
+                      <a:r>
+                        <a:rPr lang="zh-CN" altLang="en-US"/>
+                        <a:t>，</a:t>
+                      </a:r>
+                      <a:r>
+                        <a:rPr lang="zh-CN" altLang="en-US">
+                          <a:solidFill>
+                            <a:srgbClr val="00B050"/>
+                          </a:solidFill>
+                        </a:rPr>
+                        <a:t>稳定</a:t>
+                      </a:r>
+                      <a:endParaRPr lang="zh-CN" altLang="en-US">
+                        <a:solidFill>
+                          <a:srgbClr val="00B050"/>
+                        </a:solidFill>
+                      </a:endParaRPr>
+                    </a:p>
+                  </a:txBody>
+                  <a:tcPr/>
+                </a:tc>
+                <a:tc>
+                  <a:txBody>
+                    <a:bodyPr/>
+                    <a:p>
+                      <a:pPr>
+                        <a:buNone/>
+                      </a:pPr>
+                      <a:r>
+                        <a:rPr lang="en-US" sz="1800">
+                          <a:sym typeface="+mn-ea"/>
+                        </a:rPr>
+                        <a:t>O(logn)</a:t>
+                      </a:r>
+                      <a:r>
+                        <a:rPr lang="zh-CN" altLang="en-US" sz="1800">
+                          <a:sym typeface="+mn-ea"/>
+                        </a:rPr>
+                        <a:t>，</a:t>
+                      </a:r>
+                      <a:r>
+                        <a:rPr lang="zh-CN" altLang="en-US" sz="1800">
+                          <a:solidFill>
+                            <a:srgbClr val="00B050"/>
+                          </a:solidFill>
+                          <a:sym typeface="+mn-ea"/>
+                        </a:rPr>
+                        <a:t>稳定</a:t>
+                      </a:r>
+                      <a:endParaRPr lang="zh-CN" altLang="en-US" sz="1800">
+                        <a:solidFill>
+                          <a:srgbClr val="00B050"/>
+                        </a:solidFill>
+                        <a:sym typeface="+mn-ea"/>
+                      </a:endParaRPr>
+                    </a:p>
+                  </a:txBody>
+                  <a:tcPr/>
+                </a:tc>
+              </a:tr>
+              <a:tr h="381000">
+                <a:tc>
+                  <a:txBody>
+                    <a:bodyPr/>
+                    <a:p>
+                      <a:pPr>
+                        <a:buNone/>
+                      </a:pPr>
+                      <a:r>
+                        <a:rPr lang="en-US"/>
+                        <a:t>multiset</a:t>
+                      </a:r>
+                      <a:endParaRPr lang="en-US"/>
+                    </a:p>
+                  </a:txBody>
+                  <a:tcPr/>
+                </a:tc>
+                <a:tc>
+                  <a:txBody>
+                    <a:bodyPr/>
+                    <a:p>
+                      <a:pPr>
+                        <a:buNone/>
+                      </a:pPr>
+                      <a:r>
+                        <a:rPr lang="zh-CN" altLang="en-US" sz="1800">
+                          <a:solidFill>
+                            <a:srgbClr val="FF0000"/>
+                          </a:solidFill>
+                          <a:sym typeface="+mn-ea"/>
+                        </a:rPr>
+                        <a:t>×</a:t>
+                      </a:r>
+                      <a:r>
+                        <a:rPr lang="en-US" altLang="zh-CN" sz="1800">
+                          <a:sym typeface="+mn-ea"/>
+                        </a:rPr>
+                        <a:t> </a:t>
+                      </a:r>
+                      <a:r>
+                        <a:rPr lang="zh-CN" altLang="en-US" sz="1800">
+                          <a:sym typeface="+mn-ea"/>
+                        </a:rPr>
+                        <a:t>重复元素紧挨着</a:t>
+                      </a:r>
+                      <a:endParaRPr lang="zh-CN" altLang="en-US" sz="1800">
+                        <a:sym typeface="+mn-ea"/>
+                      </a:endParaRPr>
+                    </a:p>
+                  </a:txBody>
+                  <a:tcPr/>
+                </a:tc>
+                <a:tc>
+                  <a:txBody>
+                    <a:bodyPr/>
+                    <a:p>
+                      <a:pPr>
+                        <a:buNone/>
+                      </a:pPr>
+                      <a:r>
+                        <a:rPr lang="en-US" sz="1800">
+                          <a:solidFill>
+                            <a:srgbClr val="00B050"/>
+                          </a:solidFill>
+                          <a:sym typeface="+mn-ea"/>
+                        </a:rPr>
+                        <a:t>√ </a:t>
+                      </a:r>
+                      <a:r>
+                        <a:rPr lang="zh-CN" altLang="en-US" sz="1800">
+                          <a:sym typeface="+mn-ea"/>
+                        </a:rPr>
+                        <a:t>从小到大排序</a:t>
+                      </a:r>
+                      <a:endParaRPr lang="en-US"/>
+                    </a:p>
+                  </a:txBody>
+                  <a:tcPr/>
+                </a:tc>
+                <a:tc>
+                  <a:txBody>
+                    <a:bodyPr/>
+                    <a:p>
+                      <a:pPr>
+                        <a:buNone/>
+                      </a:pPr>
+                      <a:r>
+                        <a:rPr lang="en-US" sz="1800">
+                          <a:sym typeface="+mn-ea"/>
+                        </a:rPr>
+                        <a:t>O(logn)</a:t>
+                      </a:r>
+                      <a:r>
+                        <a:rPr lang="zh-CN" altLang="en-US" sz="1800">
+                          <a:sym typeface="+mn-ea"/>
+                        </a:rPr>
+                        <a:t>，</a:t>
+                      </a:r>
+                      <a:r>
+                        <a:rPr lang="zh-CN" altLang="en-US" sz="1800">
+                          <a:solidFill>
+                            <a:srgbClr val="00B050"/>
+                          </a:solidFill>
+                          <a:sym typeface="+mn-ea"/>
+                        </a:rPr>
+                        <a:t>稳定</a:t>
+                      </a:r>
+                      <a:endParaRPr lang="zh-CN" altLang="en-US" sz="1800">
+                        <a:solidFill>
+                          <a:srgbClr val="00B050"/>
+                        </a:solidFill>
+                        <a:sym typeface="+mn-ea"/>
+                      </a:endParaRPr>
+                    </a:p>
+                  </a:txBody>
+                  <a:tcPr/>
+                </a:tc>
+                <a:tc>
+                  <a:txBody>
+                    <a:bodyPr/>
+                    <a:p>
+                      <a:pPr>
+                        <a:buNone/>
+                      </a:pPr>
+                      <a:r>
+                        <a:rPr lang="en-US" sz="1800">
+                          <a:sym typeface="+mn-ea"/>
+                        </a:rPr>
+                        <a:t>O(logn)</a:t>
+                      </a:r>
+                      <a:r>
+                        <a:rPr lang="zh-CN" altLang="en-US" sz="1800">
+                          <a:sym typeface="+mn-ea"/>
+                        </a:rPr>
+                        <a:t>，</a:t>
+                      </a:r>
+                      <a:r>
+                        <a:rPr lang="zh-CN" altLang="en-US" sz="1800">
+                          <a:solidFill>
+                            <a:srgbClr val="00B050"/>
+                          </a:solidFill>
+                          <a:sym typeface="+mn-ea"/>
+                        </a:rPr>
+                        <a:t>稳定</a:t>
+                      </a:r>
+                      <a:endParaRPr lang="zh-CN" altLang="en-US" sz="1800">
+                        <a:solidFill>
+                          <a:srgbClr val="00B050"/>
+                        </a:solidFill>
+                        <a:sym typeface="+mn-ea"/>
+                      </a:endParaRPr>
+                    </a:p>
+                  </a:txBody>
+                  <a:tcPr/>
+                </a:tc>
+              </a:tr>
+              <a:tr h="381000">
+                <a:tc>
+                  <a:txBody>
+                    <a:bodyPr/>
+                    <a:p>
+                      <a:pPr>
+                        <a:buNone/>
+                      </a:pPr>
+                      <a:r>
+                        <a:rPr lang="en-US"/>
+                        <a:t>unordered_set</a:t>
+                      </a:r>
+                      <a:endParaRPr lang="en-US"/>
+                    </a:p>
+                  </a:txBody>
+                  <a:tcPr/>
+                </a:tc>
+                <a:tc>
+                  <a:txBody>
+                    <a:bodyPr/>
+                    <a:p>
+                      <a:pPr>
+                        <a:buNone/>
+                      </a:pPr>
+                      <a:r>
+                        <a:rPr lang="en-US" sz="1800">
+                          <a:solidFill>
+                            <a:srgbClr val="00B050"/>
+                          </a:solidFill>
+                          <a:sym typeface="+mn-ea"/>
+                        </a:rPr>
+                        <a:t>√ </a:t>
+                      </a:r>
+                      <a:r>
+                        <a:rPr lang="zh-CN" altLang="en-US" sz="1800">
+                          <a:sym typeface="+mn-ea"/>
+                        </a:rPr>
+                        <a:t>不会有重复元素</a:t>
+                      </a:r>
+                      <a:endParaRPr lang="en-US"/>
+                    </a:p>
+                  </a:txBody>
+                  <a:tcPr/>
+                </a:tc>
+                <a:tc>
+                  <a:txBody>
+                    <a:bodyPr/>
+                    <a:p>
+                      <a:pPr>
+                        <a:buNone/>
+                      </a:pPr>
+                      <a:r>
+                        <a:rPr lang="zh-CN" altLang="en-US">
+                          <a:solidFill>
+                            <a:srgbClr val="FF0000"/>
+                          </a:solidFill>
+                        </a:rPr>
+                        <a:t>×</a:t>
+                      </a:r>
+                      <a:r>
+                        <a:rPr lang="en-US" altLang="zh-CN"/>
+                        <a:t> </a:t>
+                      </a:r>
+                      <a:r>
+                        <a:rPr lang="zh-CN" altLang="en-US"/>
+                        <a:t>随机打乱顺序</a:t>
+                      </a:r>
+                      <a:endParaRPr lang="zh-CN" altLang="en-US"/>
+                    </a:p>
+                  </a:txBody>
+                  <a:tcPr/>
+                </a:tc>
+                <a:tc>
+                  <a:txBody>
+                    <a:bodyPr/>
+                    <a:p>
+                      <a:pPr>
+                        <a:buNone/>
+                      </a:pPr>
+                      <a:r>
+                        <a:rPr lang="en-US" sz="1800">
+                          <a:solidFill>
+                            <a:srgbClr val="00B050"/>
+                          </a:solidFill>
+                          <a:sym typeface="+mn-ea"/>
+                        </a:rPr>
+                        <a:t>O(1)</a:t>
+                      </a:r>
+                      <a:r>
+                        <a:rPr lang="zh-CN" altLang="en-US" sz="1800">
+                          <a:sym typeface="+mn-ea"/>
+                        </a:rPr>
+                        <a:t>，</a:t>
+                      </a:r>
+                      <a:r>
+                        <a:rPr lang="zh-CN" altLang="en-US" sz="1800">
+                          <a:solidFill>
+                            <a:srgbClr val="FF0000"/>
+                          </a:solidFill>
+                          <a:sym typeface="+mn-ea"/>
+                        </a:rPr>
+                        <a:t>时快时慢</a:t>
+                      </a:r>
+                      <a:endParaRPr lang="zh-CN" altLang="en-US" sz="1800">
+                        <a:solidFill>
+                          <a:srgbClr val="FF0000"/>
+                        </a:solidFill>
+                        <a:sym typeface="+mn-ea"/>
+                      </a:endParaRPr>
+                    </a:p>
+                  </a:txBody>
+                  <a:tcPr/>
+                </a:tc>
+                <a:tc>
+                  <a:txBody>
+                    <a:bodyPr/>
+                    <a:p>
+                      <a:pPr>
+                        <a:buNone/>
+                      </a:pPr>
+                      <a:r>
+                        <a:rPr lang="en-US" sz="1800">
+                          <a:sym typeface="+mn-ea"/>
+                        </a:rPr>
+                        <a:t>O(logn)</a:t>
+                      </a:r>
+                      <a:r>
+                        <a:rPr lang="zh-CN" altLang="en-US" sz="1800">
+                          <a:sym typeface="+mn-ea"/>
+                        </a:rPr>
+                        <a:t>，</a:t>
+                      </a:r>
+                      <a:r>
+                        <a:rPr lang="zh-CN" altLang="en-US" sz="1800">
+                          <a:solidFill>
+                            <a:srgbClr val="FF0000"/>
+                          </a:solidFill>
+                          <a:sym typeface="+mn-ea"/>
+                        </a:rPr>
+                        <a:t>时快时慢</a:t>
+                      </a:r>
+                      <a:endParaRPr lang="zh-CN" altLang="en-US" sz="1800">
+                        <a:solidFill>
+                          <a:srgbClr val="FF0000"/>
+                        </a:solidFill>
+                        <a:sym typeface="+mn-ea"/>
+                      </a:endParaRPr>
+                    </a:p>
+                  </a:txBody>
+                  <a:tcPr/>
+                </a:tc>
+              </a:tr>
+              <a:tr h="381000">
+                <a:tc>
+                  <a:txBody>
+                    <a:bodyPr/>
+                    <a:p>
+                      <a:pPr>
+                        <a:buNone/>
+                      </a:pPr>
+                      <a:r>
+                        <a:rPr lang="en-US"/>
+                        <a:t>unordered_multiset</a:t>
+                      </a:r>
+                      <a:endParaRPr lang="en-US"/>
+                    </a:p>
+                  </a:txBody>
+                  <a:tcPr/>
+                </a:tc>
+                <a:tc>
+                  <a:txBody>
+                    <a:bodyPr/>
+                    <a:p>
+                      <a:pPr>
+                        <a:buNone/>
+                      </a:pPr>
+                      <a:r>
+                        <a:rPr lang="zh-CN" altLang="en-US" sz="1800">
+                          <a:solidFill>
+                            <a:srgbClr val="FF0000"/>
+                          </a:solidFill>
+                          <a:sym typeface="+mn-ea"/>
+                        </a:rPr>
+                        <a:t>×</a:t>
+                      </a:r>
+                      <a:r>
+                        <a:rPr lang="en-US" altLang="zh-CN" sz="1800">
+                          <a:sym typeface="+mn-ea"/>
+                        </a:rPr>
+                        <a:t> </a:t>
+                      </a:r>
+                      <a:r>
+                        <a:rPr lang="zh-CN" altLang="en-US" sz="1800">
+                          <a:sym typeface="+mn-ea"/>
+                        </a:rPr>
+                        <a:t>重复元素紧挨着</a:t>
+                      </a:r>
+                      <a:endParaRPr lang="en-US"/>
+                    </a:p>
+                  </a:txBody>
+                  <a:tcPr/>
+                </a:tc>
+                <a:tc>
+                  <a:txBody>
+                    <a:bodyPr/>
+                    <a:p>
+                      <a:pPr>
+                        <a:buNone/>
+                      </a:pPr>
+                      <a:r>
+                        <a:rPr lang="zh-CN" altLang="en-US" sz="1800">
+                          <a:solidFill>
+                            <a:srgbClr val="FF0000"/>
+                          </a:solidFill>
+                          <a:sym typeface="+mn-ea"/>
+                        </a:rPr>
+                        <a:t>×</a:t>
+                      </a:r>
+                      <a:r>
+                        <a:rPr lang="en-US" altLang="zh-CN" sz="1800">
+                          <a:sym typeface="+mn-ea"/>
+                        </a:rPr>
+                        <a:t> </a:t>
+                      </a:r>
+                      <a:r>
+                        <a:rPr lang="zh-CN" altLang="en-US" sz="1800">
+                          <a:sym typeface="+mn-ea"/>
+                        </a:rPr>
+                        <a:t>随机打乱顺序</a:t>
+                      </a:r>
+                      <a:endParaRPr lang="en-US"/>
+                    </a:p>
+                  </a:txBody>
+                  <a:tcPr/>
+                </a:tc>
+                <a:tc>
+                  <a:txBody>
+                    <a:bodyPr/>
+                    <a:p>
+                      <a:pPr>
+                        <a:buNone/>
+                      </a:pPr>
+                      <a:r>
+                        <a:rPr lang="en-US" sz="1800">
+                          <a:solidFill>
+                            <a:srgbClr val="00B050"/>
+                          </a:solidFill>
+                          <a:sym typeface="+mn-ea"/>
+                        </a:rPr>
+                        <a:t>O(1)</a:t>
+                      </a:r>
+                      <a:r>
+                        <a:rPr lang="zh-CN" altLang="en-US" sz="1800">
+                          <a:sym typeface="+mn-ea"/>
+                        </a:rPr>
+                        <a:t>，</a:t>
+                      </a:r>
+                      <a:r>
+                        <a:rPr lang="zh-CN" altLang="en-US" sz="1800">
+                          <a:solidFill>
+                            <a:srgbClr val="FF0000"/>
+                          </a:solidFill>
+                          <a:sym typeface="+mn-ea"/>
+                        </a:rPr>
+                        <a:t>时快时慢</a:t>
+                      </a:r>
+                      <a:endParaRPr lang="zh-CN" altLang="en-US" sz="1800">
+                        <a:solidFill>
+                          <a:srgbClr val="FF0000"/>
+                        </a:solidFill>
+                        <a:sym typeface="+mn-ea"/>
+                      </a:endParaRPr>
+                    </a:p>
+                  </a:txBody>
+                  <a:tcPr/>
+                </a:tc>
+                <a:tc>
+                  <a:txBody>
+                    <a:bodyPr/>
+                    <a:p>
+                      <a:pPr>
+                        <a:buNone/>
+                      </a:pPr>
+                      <a:r>
+                        <a:rPr lang="en-US" sz="1800">
+                          <a:sym typeface="+mn-ea"/>
+                        </a:rPr>
+                        <a:t>O(logn)</a:t>
+                      </a:r>
+                      <a:r>
+                        <a:rPr lang="zh-CN" altLang="en-US" sz="1800">
+                          <a:sym typeface="+mn-ea"/>
+                        </a:rPr>
+                        <a:t>，</a:t>
+                      </a:r>
+                      <a:r>
+                        <a:rPr lang="zh-CN" altLang="en-US" sz="1800">
+                          <a:solidFill>
+                            <a:srgbClr val="FF0000"/>
+                          </a:solidFill>
+                          <a:sym typeface="+mn-ea"/>
+                        </a:rPr>
+                        <a:t>时快时慢</a:t>
+                      </a:r>
+                      <a:endParaRPr lang="zh-CN" altLang="en-US" sz="1800">
+                        <a:solidFill>
+                          <a:srgbClr val="FF0000"/>
+                        </a:solidFill>
+                        <a:sym typeface="+mn-ea"/>
+                      </a:endParaRPr>
+                    </a:p>
+                  </a:txBody>
+                  <a:tcPr/>
+                </a:tc>
+              </a:tr>
+            </a:tbl>
+          </a:graphicData>
+        </a:graphic>
+      </p:graphicFrame>
+    </p:spTree>
+  </p:cSld>
+  <p:clrMapOvr>
+    <a:masterClrMapping/>
+  </p:clrMapOvr>
+</p:sld>
+</file>
+
+<file path=ppt/slides/slide7.xml><?xml version="1.0" encoding="utf-8"?>
 <p:sld xmlns:a="http://schemas.openxmlformats.org/drawingml/2006/main" xmlns:r="http://schemas.openxmlformats.org/officeDocument/2006/relationships" xmlns:p="http://schemas.openxmlformats.org/presentationml/2006/main">
   <p:cSld>
     <p:spTree>
@@ -3644,7 +7543,7 @@
 </p:sld>
 </file>
 
-<file path=ppt/slides/slide3.xml><?xml version="1.0" encoding="utf-8"?>
+<file path=ppt/slides/slide8.xml><?xml version="1.0" encoding="utf-8"?>
 <p:sld xmlns:a="http://schemas.openxmlformats.org/drawingml/2006/main" xmlns:r="http://schemas.openxmlformats.org/officeDocument/2006/relationships" xmlns:p="http://schemas.openxmlformats.org/presentationml/2006/main">
   <p:cSld>
     <p:spTree>
@@ -3829,7 +7728,7 @@
 </p:sld>
 </file>
 
-<file path=ppt/slides/slide4.xml><?xml version="1.0" encoding="utf-8"?>
+<file path=ppt/slides/slide9.xml><?xml version="1.0" encoding="utf-8"?>
 <p:sld xmlns:a="http://schemas.openxmlformats.org/drawingml/2006/main" xmlns:r="http://schemas.openxmlformats.org/officeDocument/2006/relationships" xmlns:p="http://schemas.openxmlformats.org/presentationml/2006/main">
   <p:cSld>
     <p:spTree>
@@ -4018,556 +7917,57 @@
 </p:sld>
 </file>
 
-<file path=ppt/slides/slide5.xml><?xml version="1.0" encoding="utf-8"?>
-<p:sld xmlns:a="http://schemas.openxmlformats.org/drawingml/2006/main" xmlns:r="http://schemas.openxmlformats.org/officeDocument/2006/relationships" xmlns:p="http://schemas.openxmlformats.org/presentationml/2006/main">
-  <p:cSld>
-    <p:spTree>
-      <p:nvGrpSpPr>
-        <p:cNvPr id="1" name=""/>
-        <p:cNvGrpSpPr/>
-        <p:nvPr/>
-      </p:nvGrpSpPr>
-      <p:grpSpPr/>
-      <p:sp>
-        <p:nvSpPr>
-          <p:cNvPr id="2" name="Title 1"/>
-          <p:cNvSpPr>
-            <a:spLocks noGrp="1"/>
-          </p:cNvSpPr>
-          <p:nvPr>
-            <p:ph type="title"/>
-          </p:nvPr>
-        </p:nvSpPr>
-        <p:spPr/>
-        <p:txBody>
-          <a:bodyPr/>
-          <a:p>
-            <a:r>
-              <a:rPr lang="en-US"/>
-              <a:t>algorithm</a:t>
-            </a:r>
-            <a:endParaRPr lang="en-US"/>
-          </a:p>
-        </p:txBody>
-      </p:sp>
-      <p:sp>
-        <p:nvSpPr>
-          <p:cNvPr id="3" name="Content Placeholder 2"/>
-          <p:cNvSpPr>
-            <a:spLocks noGrp="1"/>
-          </p:cNvSpPr>
-          <p:nvPr>
-            <p:ph sz="half" idx="1"/>
-          </p:nvPr>
-        </p:nvSpPr>
-        <p:spPr/>
-        <p:txBody>
-          <a:bodyPr>
-            <a:normAutofit/>
-          </a:bodyPr>
-          <a:p>
-            <a:r>
-              <a:rPr lang="en-US">
-                <a:sym typeface="+mn-ea"/>
-              </a:rPr>
-              <a:t>next_permutation, prev</a:t>
-            </a:r>
-            <a:r>
-              <a:rPr lang="en-US">
-                <a:sym typeface="+mn-ea"/>
-              </a:rPr>
-              <a:t>_permutation</a:t>
-            </a:r>
-            <a:endParaRPr lang="en-US"/>
-          </a:p>
-          <a:p>
-            <a:r>
-              <a:rPr lang="en-US">
-                <a:sym typeface="+mn-ea"/>
-              </a:rPr>
-              <a:t>is_permutation</a:t>
-            </a:r>
-            <a:endParaRPr lang="en-US">
-              <a:sym typeface="+mn-ea"/>
-            </a:endParaRPr>
-          </a:p>
-          <a:p>
-            <a:r>
-              <a:rPr lang="en-US">
-                <a:sym typeface="+mn-ea"/>
-              </a:rPr>
-              <a:t>merge, inplace_merge</a:t>
-            </a:r>
-            <a:endParaRPr lang="en-US">
-              <a:sym typeface="+mn-ea"/>
-            </a:endParaRPr>
-          </a:p>
-          <a:p>
-            <a:r>
-              <a:rPr lang="en-US">
-                <a:sym typeface="+mn-ea"/>
-              </a:rPr>
-              <a:t>set_difference, set_symmetric_difference</a:t>
-            </a:r>
-            <a:endParaRPr lang="en-US"/>
-          </a:p>
-          <a:p>
-            <a:r>
-              <a:rPr lang="en-US">
-                <a:sym typeface="+mn-ea"/>
-              </a:rPr>
-              <a:t>set_union, set_intersection</a:t>
-            </a:r>
-            <a:endParaRPr lang="en-US">
-              <a:sym typeface="+mn-ea"/>
-            </a:endParaRPr>
-          </a:p>
-          <a:p>
-            <a:r>
-              <a:rPr lang="en-US">
-                <a:sym typeface="+mn-ea"/>
-              </a:rPr>
-              <a:t>includes</a:t>
-            </a:r>
-            <a:endParaRPr lang="en-US">
-              <a:sym typeface="+mn-ea"/>
-            </a:endParaRPr>
-          </a:p>
-          <a:p>
-            <a:r>
-              <a:rPr lang="en-US">
-                <a:sym typeface="+mn-ea"/>
-              </a:rPr>
-              <a:t>unique, unique_copy</a:t>
-            </a:r>
-            <a:endParaRPr lang="en-US"/>
-          </a:p>
-          <a:p>
-            <a:endParaRPr lang="en-US"/>
-          </a:p>
-        </p:txBody>
-      </p:sp>
-      <p:sp>
-        <p:nvSpPr>
-          <p:cNvPr id="4" name="Content Placeholder 3"/>
-          <p:cNvSpPr>
-            <a:spLocks noGrp="1"/>
-          </p:cNvSpPr>
-          <p:nvPr>
-            <p:ph sz="half" idx="2"/>
-          </p:nvPr>
-        </p:nvSpPr>
-        <p:spPr>
-          <a:xfrm>
-            <a:off x="5981700" y="1825625"/>
-            <a:ext cx="5363210" cy="4351655"/>
-          </a:xfrm>
-        </p:spPr>
-        <p:txBody>
-          <a:bodyPr>
-            <a:normAutofit lnSpcReduction="20000"/>
-          </a:bodyPr>
-          <a:p>
-            <a:r>
-              <a:rPr lang="en-US">
-                <a:sym typeface="+mn-ea"/>
-              </a:rPr>
-              <a:t>transform, transform_n</a:t>
-            </a:r>
-            <a:endParaRPr lang="en-US"/>
-          </a:p>
-          <a:p>
-            <a:r>
-              <a:rPr lang="en-US">
-                <a:sym typeface="+mn-ea"/>
-              </a:rPr>
-              <a:t>generate, generate_n</a:t>
-            </a:r>
-            <a:endParaRPr lang="en-US">
-              <a:sym typeface="+mn-ea"/>
-            </a:endParaRPr>
-          </a:p>
-          <a:p>
-            <a:r>
-              <a:rPr lang="en-US">
-                <a:sym typeface="+mn-ea"/>
-              </a:rPr>
-              <a:t>iota</a:t>
-            </a:r>
-            <a:endParaRPr lang="en-US">
-              <a:sym typeface="+mn-ea"/>
-            </a:endParaRPr>
-          </a:p>
-          <a:p>
-            <a:r>
-              <a:rPr lang="en-US">
-                <a:sym typeface="+mn-ea"/>
-              </a:rPr>
-              <a:t>accumate, </a:t>
-            </a:r>
-            <a:r>
-              <a:rPr lang="en-US">
-                <a:sym typeface="+mn-ea"/>
-              </a:rPr>
-              <a:t>reduce, </a:t>
-            </a:r>
-            <a:r>
-              <a:rPr lang="en-US"/>
-              <a:t>transform_reduce</a:t>
-            </a:r>
-            <a:endParaRPr lang="en-US"/>
-          </a:p>
-          <a:p>
-            <a:r>
-              <a:rPr lang="en-US"/>
-              <a:t>inner_product</a:t>
-            </a:r>
-            <a:endParaRPr lang="en-US"/>
-          </a:p>
-          <a:p>
-            <a:r>
-              <a:rPr lang="en-US"/>
-              <a:t>exclusive_scan, transform_exclusive_scan</a:t>
-            </a:r>
-            <a:endParaRPr lang="en-US"/>
-          </a:p>
-          <a:p>
-            <a:r>
-              <a:rPr lang="en-US"/>
-              <a:t>inclusive_scan, transform_inclusive_scan</a:t>
-            </a:r>
-            <a:endParaRPr lang="en-US"/>
-          </a:p>
-          <a:p>
-            <a:r>
-              <a:rPr lang="en-US">
-                <a:sym typeface="+mn-ea"/>
-              </a:rPr>
-              <a:t>partial_sum</a:t>
-            </a:r>
-            <a:endParaRPr lang="en-US"/>
-          </a:p>
-          <a:p>
-            <a:endParaRPr lang="en-US"/>
-          </a:p>
-          <a:p>
-            <a:endParaRPr lang="en-US"/>
-          </a:p>
-        </p:txBody>
-      </p:sp>
-    </p:spTree>
-  </p:cSld>
-  <p:clrMapOvr>
-    <a:masterClrMapping/>
-  </p:clrMapOvr>
-</p:sld>
-</file>
-
-<file path=ppt/slides/slide6.xml><?xml version="1.0" encoding="utf-8"?>
-<p:sld xmlns:a="http://schemas.openxmlformats.org/drawingml/2006/main" xmlns:r="http://schemas.openxmlformats.org/officeDocument/2006/relationships" xmlns:p="http://schemas.openxmlformats.org/presentationml/2006/main">
-  <p:cSld>
-    <p:spTree>
-      <p:nvGrpSpPr>
-        <p:cNvPr id="1" name=""/>
-        <p:cNvGrpSpPr/>
-        <p:nvPr/>
-      </p:nvGrpSpPr>
-      <p:grpSpPr/>
-      <p:sp>
-        <p:nvSpPr>
-          <p:cNvPr id="2" name="Title 1"/>
-          <p:cNvSpPr>
-            <a:spLocks noGrp="1"/>
-          </p:cNvSpPr>
-          <p:nvPr>
-            <p:ph type="title"/>
-          </p:nvPr>
-        </p:nvSpPr>
-        <p:spPr/>
-        <p:txBody>
-          <a:bodyPr/>
-          <a:p>
-            <a:r>
-              <a:rPr lang="en-US"/>
-              <a:t>algorithm</a:t>
-            </a:r>
-            <a:endParaRPr lang="en-US"/>
-          </a:p>
-        </p:txBody>
-      </p:sp>
-      <p:sp>
-        <p:nvSpPr>
-          <p:cNvPr id="3" name="Content Placeholder 2"/>
-          <p:cNvSpPr>
-            <a:spLocks noGrp="1"/>
-          </p:cNvSpPr>
-          <p:nvPr>
-            <p:ph sz="half" idx="1"/>
-          </p:nvPr>
-        </p:nvSpPr>
-        <p:spPr/>
-        <p:txBody>
-          <a:bodyPr>
-            <a:normAutofit/>
-          </a:bodyPr>
-          <a:p>
-            <a:r>
-              <a:rPr lang="en-US">
-                <a:sym typeface="+mn-ea"/>
-              </a:rPr>
-              <a:t>binary_search</a:t>
-            </a:r>
-            <a:endParaRPr lang="en-US">
-              <a:sym typeface="+mn-ea"/>
-            </a:endParaRPr>
-          </a:p>
-          <a:p>
-            <a:r>
-              <a:rPr lang="en-US">
-                <a:sym typeface="+mn-ea"/>
-              </a:rPr>
-              <a:t>lower_bound, upper_bound, equal_range</a:t>
-            </a:r>
-            <a:endParaRPr lang="en-US">
-              <a:sym typeface="+mn-ea"/>
-            </a:endParaRPr>
-          </a:p>
-          <a:p>
-            <a:r>
-              <a:rPr lang="en-US">
-                <a:sym typeface="+mn-ea"/>
-              </a:rPr>
-              <a:t>nth_element, partition_point</a:t>
-            </a:r>
-            <a:endParaRPr lang="en-US"/>
-          </a:p>
-          <a:p>
-            <a:r>
-              <a:rPr lang="en-US">
-                <a:sym typeface="+mn-ea"/>
-              </a:rPr>
-              <a:t>partition, stable_partition, partition_copy</a:t>
-            </a:r>
-            <a:endParaRPr lang="en-US"/>
-          </a:p>
-          <a:p>
-            <a:r>
-              <a:rPr lang="en-US">
-                <a:sym typeface="+mn-ea"/>
-              </a:rPr>
-              <a:t>partial_sort, partial_sort_copy</a:t>
-            </a:r>
-            <a:endParaRPr lang="en-US"/>
-          </a:p>
-          <a:p>
-            <a:r>
-              <a:rPr lang="en-US">
-                <a:sym typeface="+mn-ea"/>
-              </a:rPr>
-              <a:t>sort, stable_sort</a:t>
-            </a:r>
-            <a:endParaRPr lang="en-US">
-              <a:sym typeface="+mn-ea"/>
-            </a:endParaRPr>
-          </a:p>
-          <a:p>
-            <a:r>
-              <a:rPr lang="en-US"/>
-              <a:t>is_sorted, is_sorted_until</a:t>
-            </a:r>
-            <a:endParaRPr lang="en-US"/>
-          </a:p>
-        </p:txBody>
-      </p:sp>
-      <p:sp>
-        <p:nvSpPr>
-          <p:cNvPr id="4" name="Content Placeholder 3"/>
-          <p:cNvSpPr>
-            <a:spLocks noGrp="1"/>
-          </p:cNvSpPr>
-          <p:nvPr>
-            <p:ph sz="half" idx="2"/>
-          </p:nvPr>
-        </p:nvSpPr>
-        <p:spPr/>
-        <p:txBody>
-          <a:bodyPr/>
-          <a:p>
-            <a:r>
-              <a:rPr lang="en-US"/>
-              <a:t>adjacent_difference</a:t>
-            </a:r>
-            <a:endParaRPr lang="en-US"/>
-          </a:p>
-          <a:p>
-            <a:r>
-              <a:rPr lang="en-US"/>
-              <a:t>adjacent_find</a:t>
-            </a:r>
-            <a:endParaRPr lang="en-US"/>
-          </a:p>
-          <a:p>
-            <a:r>
-              <a:rPr lang="en-US">
-                <a:sym typeface="+mn-ea"/>
-              </a:rPr>
-              <a:t>swap_ranges</a:t>
-            </a:r>
-            <a:endParaRPr lang="en-US">
-              <a:sym typeface="+mn-ea"/>
-            </a:endParaRPr>
-          </a:p>
-          <a:p>
-            <a:r>
-              <a:rPr lang="en-US">
-                <a:sym typeface="+mn-ea"/>
-              </a:rPr>
-              <a:t>shuffle, sample</a:t>
-            </a:r>
-            <a:endParaRPr lang="en-US"/>
-          </a:p>
-          <a:p>
-            <a:r>
-              <a:rPr lang="en-US"/>
-              <a:t>shift_left, shift_right</a:t>
-            </a:r>
-            <a:endParaRPr lang="en-US"/>
-          </a:p>
-          <a:p>
-            <a:r>
-              <a:rPr lang="en-US"/>
-              <a:t>rotate, rotate_copy</a:t>
-            </a:r>
-            <a:endParaRPr lang="en-US"/>
-          </a:p>
-          <a:p>
-            <a:r>
-              <a:rPr lang="en-US"/>
-              <a:t>reverse, reverse_copy</a:t>
-            </a:r>
-            <a:endParaRPr lang="en-US"/>
-          </a:p>
-        </p:txBody>
-      </p:sp>
-    </p:spTree>
-  </p:cSld>
-  <p:clrMapOvr>
-    <a:masterClrMapping/>
-  </p:clrMapOvr>
-</p:sld>
-</file>
-
 <file path=ppt/theme/theme1.xml><?xml version="1.0" encoding="utf-8"?>
-<a:theme xmlns:a="http://schemas.openxmlformats.org/drawingml/2006/main" name="Office Theme">
+<a:theme xmlns:a="http://schemas.openxmlformats.org/drawingml/2006/main" name="Gear Drives">
   <a:themeElements>
-    <a:clrScheme name="Office">
+    <a:clrScheme name="Gear Drives 13">
       <a:dk1>
-        <a:sysClr val="windowText" lastClr="000000"/>
+        <a:srgbClr val="000000"/>
       </a:dk1>
       <a:lt1>
-        <a:sysClr val="window" lastClr="FFFFFF"/>
+        <a:srgbClr val="FFFFFF"/>
       </a:lt1>
       <a:dk2>
-        <a:srgbClr val="44546A"/>
+        <a:srgbClr val="000000"/>
       </a:dk2>
       <a:lt2>
-        <a:srgbClr val="E7E6E6"/>
+        <a:srgbClr val="969696"/>
       </a:lt2>
       <a:accent1>
-        <a:srgbClr val="5B9BD5"/>
+        <a:srgbClr val="5F5F5F"/>
       </a:accent1>
       <a:accent2>
-        <a:srgbClr val="ED7D31"/>
+        <a:srgbClr val="969696"/>
       </a:accent2>
       <a:accent3>
-        <a:srgbClr val="A5A5A5"/>
+        <a:srgbClr val="FFFFFF"/>
       </a:accent3>
       <a:accent4>
-        <a:srgbClr val="FFC000"/>
+        <a:srgbClr val="000000"/>
       </a:accent4>
       <a:accent5>
-        <a:srgbClr val="4472C4"/>
+        <a:srgbClr val="B6B6B6"/>
       </a:accent5>
       <a:accent6>
-        <a:srgbClr val="70AD47"/>
+        <a:srgbClr val="878787"/>
       </a:accent6>
       <a:hlink>
-        <a:srgbClr val="0563C1"/>
+        <a:srgbClr val="CC3300"/>
       </a:hlink>
       <a:folHlink>
-        <a:srgbClr val="954F72"/>
+        <a:srgbClr val="996600"/>
       </a:folHlink>
     </a:clrScheme>
-    <a:fontScheme name="Arial Black-Arial">
+    <a:fontScheme name="Gear Drives">
       <a:majorFont>
-        <a:latin typeface="Arial Black"/>
-        <a:ea typeface=""/>
+        <a:latin typeface="Arial"/>
+        <a:ea typeface="SimSun"/>
         <a:cs typeface=""/>
-        <a:font script="Jpan" typeface="ＭＳ ゴシック"/>
-        <a:font script="Hang" typeface="굴림"/>
-        <a:font script="Hans" typeface="宋体"/>
-        <a:font script="Hant" typeface="新細明體"/>
-        <a:font script="Arab" typeface="Tahoma"/>
-        <a:font script="Hebr" typeface="Tahoma"/>
-        <a:font script="Thai" typeface="FreesiaUPC"/>
-        <a:font script="Ethi" typeface="Nyala"/>
-        <a:font script="Beng" typeface="Vrinda"/>
-        <a:font script="Gujr" typeface="Shruti"/>
-        <a:font script="Khmr" typeface="DaunPenh"/>
-        <a:font script="Knda" typeface="Tunga"/>
-        <a:font script="Guru" typeface="Raavi"/>
-        <a:font script="Cans" typeface="Euphemia"/>
-        <a:font script="Cher" typeface="Plantagenet Cherokee"/>
-        <a:font script="Yiii" typeface="Microsoft Yi Baiti"/>
-        <a:font script="Tibt" typeface="Microsoft Himalaya"/>
-        <a:font script="Thaa" typeface="MV Boli"/>
-        <a:font script="Deva" typeface="Mangal"/>
-        <a:font script="Telu" typeface="Gautami"/>
-        <a:font script="Taml" typeface="Latha"/>
-        <a:font script="Syrc" typeface="Estrangelo Edessa"/>
-        <a:font script="Orya" typeface="Kalinga"/>
-        <a:font script="Mlym" typeface="Kartika"/>
-        <a:font script="Laoo" typeface="DokChampa"/>
-        <a:font script="Sinh" typeface="Iskoola Pota"/>
-        <a:font script="Mong" typeface="Mongolian Baiti"/>
-        <a:font script="Viet" typeface="Verdana"/>
-        <a:font script="Uigh" typeface="Microsoft Uighur"/>
-        <a:font script="Geor" typeface="Sylfaen"/>
       </a:majorFont>
       <a:minorFont>
         <a:latin typeface="Arial"/>
-        <a:ea typeface=""/>
+        <a:ea typeface="SimSun"/>
         <a:cs typeface=""/>
-        <a:font script="Jpan" typeface="ＭＳ Ｐゴシック"/>
-        <a:font script="Hang" typeface="굴림"/>
-        <a:font script="Hans" typeface="宋体"/>
-        <a:font script="Hant" typeface="新細明體"/>
-        <a:font script="Arab" typeface="Arial"/>
-        <a:font script="Hebr" typeface="Arial"/>
-        <a:font script="Thai" typeface="Cordia New"/>
-        <a:font script="Ethi" typeface="Nyala"/>
-        <a:font script="Beng" typeface="Vrinda"/>
-        <a:font script="Gujr" typeface="Shruti"/>
-        <a:font script="Khmr" typeface="DaunPenh"/>
-        <a:font script="Knda" typeface="Tunga"/>
-        <a:font script="Guru" typeface="Raavi"/>
-        <a:font script="Cans" typeface="Euphemia"/>
-        <a:font script="Cher" typeface="Plantagenet Cherokee"/>
-        <a:font script="Yiii" typeface="Microsoft Yi Baiti"/>
-        <a:font script="Tibt" typeface="Microsoft Himalaya"/>
-        <a:font script="Thaa" typeface="MV Boli"/>
-        <a:font script="Deva" typeface="Mangal"/>
-        <a:font script="Telu" typeface="Gautami"/>
-        <a:font script="Taml" typeface="Latha"/>
-        <a:font script="Syrc" typeface="Estrangelo Edessa"/>
-        <a:font script="Orya" typeface="Kalinga"/>
-        <a:font script="Mlym" typeface="Kartika"/>
-        <a:font script="Laoo" typeface="DokChampa"/>
-        <a:font script="Sinh" typeface="Iskoola Pota"/>
-        <a:font script="Mong" typeface="Mongolian Baiti"/>
-        <a:font script="Viet" typeface="Arial"/>
-        <a:font script="Uigh" typeface="Microsoft Uighur"/>
-        <a:font script="Geor" typeface="Sylfaen"/>
       </a:minorFont>
     </a:fontScheme>
     <a:fmtScheme name="Office">
@@ -4708,6 +8108,673 @@
       </a:bgFillStyleLst>
     </a:fmtScheme>
   </a:themeElements>
+  <a:objectDefaults>
+    <a:spDef>
+      <a:spPr bwMode="auto">
+        <a:xfrm>
+          <a:off x="0" y="0"/>
+          <a:ext cx="1" cy="1"/>
+        </a:xfrm>
+        <a:custGeom>
+          <a:avLst/>
+          <a:gdLst/>
+          <a:ahLst/>
+          <a:cxnLst/>
+          <a:rect l="0" t="0" r="0" b="0"/>
+          <a:pathLst/>
+        </a:custGeom>
+        <a:gradFill rotWithShape="0">
+          <a:gsLst>
+            <a:gs pos="0">
+              <a:schemeClr val="accent1"/>
+            </a:gs>
+            <a:gs pos="100000">
+              <a:schemeClr val="accent2"/>
+            </a:gs>
+          </a:gsLst>
+          <a:lin ang="5400000" scaled="1"/>
+        </a:gradFill>
+        <a:ln w="9525" cap="flat" cmpd="sng" algn="ctr">
+          <a:solidFill>
+            <a:schemeClr val="accent1"/>
+          </a:solidFill>
+          <a:prstDash val="solid"/>
+          <a:round/>
+          <a:headEnd type="none" w="med" len="med"/>
+          <a:tailEnd type="none" w="med" len="med"/>
+        </a:ln>
+      </a:spPr>
+      <a:bodyPr vert="horz" wrap="none" lIns="91440" tIns="45720" rIns="91440" bIns="45720" numCol="1" anchor="ctr" anchorCtr="0" compatLnSpc="1"/>
+      <a:lstStyle>
+        <a:defPPr marL="0" marR="0" indent="0" algn="l" defTabSz="914400" rtl="0" eaLnBrk="1" fontAlgn="base" latinLnBrk="0" hangingPunct="1">
+          <a:lnSpc>
+            <a:spcPct val="100000"/>
+          </a:lnSpc>
+          <a:spcBef>
+            <a:spcPct val="0"/>
+          </a:spcBef>
+          <a:spcAft>
+            <a:spcPct val="0"/>
+          </a:spcAft>
+          <a:buClrTx/>
+          <a:buSzTx/>
+          <a:buFontTx/>
+          <a:buNone/>
+          <a:defRPr kumimoji="0" lang="zh-CN" altLang="en-US" sz="1800" b="0" i="0" u="none" strike="noStrike" cap="none" normalizeH="0" baseline="0" smtClean="0">
+            <a:ln>
+              <a:noFill/>
+            </a:ln>
+            <a:solidFill>
+              <a:schemeClr val="tx1"/>
+            </a:solidFill>
+            <a:effectLst/>
+            <a:latin typeface="Arial" panose="02080604020202020204" pitchFamily="34" charset="0"/>
+            <a:ea typeface="SimSun" pitchFamily="2" charset="-122"/>
+          </a:defRPr>
+        </a:defPPr>
+      </a:lstStyle>
+    </a:spDef>
+    <a:lnDef>
+      <a:spPr bwMode="auto">
+        <a:xfrm>
+          <a:off x="0" y="0"/>
+          <a:ext cx="1" cy="1"/>
+        </a:xfrm>
+        <a:custGeom>
+          <a:avLst/>
+          <a:gdLst/>
+          <a:ahLst/>
+          <a:cxnLst/>
+          <a:rect l="0" t="0" r="0" b="0"/>
+          <a:pathLst/>
+        </a:custGeom>
+        <a:gradFill rotWithShape="0">
+          <a:gsLst>
+            <a:gs pos="0">
+              <a:schemeClr val="accent1"/>
+            </a:gs>
+            <a:gs pos="100000">
+              <a:schemeClr val="accent2"/>
+            </a:gs>
+          </a:gsLst>
+          <a:lin ang="5400000" scaled="1"/>
+        </a:gradFill>
+        <a:ln w="9525" cap="flat" cmpd="sng" algn="ctr">
+          <a:solidFill>
+            <a:schemeClr val="accent1"/>
+          </a:solidFill>
+          <a:prstDash val="solid"/>
+          <a:round/>
+          <a:headEnd type="none" w="med" len="med"/>
+          <a:tailEnd type="none" w="med" len="med"/>
+        </a:ln>
+      </a:spPr>
+      <a:bodyPr vert="horz" wrap="none" lIns="91440" tIns="45720" rIns="91440" bIns="45720" numCol="1" anchor="ctr" anchorCtr="0" compatLnSpc="1"/>
+      <a:lstStyle>
+        <a:defPPr marL="0" marR="0" indent="0" algn="l" defTabSz="914400" rtl="0" eaLnBrk="1" fontAlgn="base" latinLnBrk="0" hangingPunct="1">
+          <a:lnSpc>
+            <a:spcPct val="100000"/>
+          </a:lnSpc>
+          <a:spcBef>
+            <a:spcPct val="0"/>
+          </a:spcBef>
+          <a:spcAft>
+            <a:spcPct val="0"/>
+          </a:spcAft>
+          <a:buClrTx/>
+          <a:buSzTx/>
+          <a:buFontTx/>
+          <a:buNone/>
+          <a:defRPr kumimoji="0" lang="zh-CN" altLang="en-US" sz="1800" b="0" i="0" u="none" strike="noStrike" cap="none" normalizeH="0" baseline="0" smtClean="0">
+            <a:ln>
+              <a:noFill/>
+            </a:ln>
+            <a:solidFill>
+              <a:schemeClr val="tx1"/>
+            </a:solidFill>
+            <a:effectLst/>
+            <a:latin typeface="Arial" panose="02080604020202020204" pitchFamily="34" charset="0"/>
+            <a:ea typeface="SimSun" pitchFamily="2" charset="-122"/>
+          </a:defRPr>
+        </a:defPPr>
+      </a:lstStyle>
+    </a:lnDef>
+  </a:objectDefaults>
+  <a:extraClrSchemeLst>
+    <a:extraClrScheme>
+      <a:clrScheme name="Gear Drives 1">
+        <a:dk1>
+          <a:srgbClr val="000000"/>
+        </a:dk1>
+        <a:lt1>
+          <a:srgbClr val="FFFFFF"/>
+        </a:lt1>
+        <a:dk2>
+          <a:srgbClr val="000000"/>
+        </a:dk2>
+        <a:lt2>
+          <a:srgbClr val="808080"/>
+        </a:lt2>
+        <a:accent1>
+          <a:srgbClr val="BBE0E3"/>
+        </a:accent1>
+        <a:accent2>
+          <a:srgbClr val="333399"/>
+        </a:accent2>
+        <a:accent3>
+          <a:srgbClr val="FFFFFF"/>
+        </a:accent3>
+        <a:accent4>
+          <a:srgbClr val="000000"/>
+        </a:accent4>
+        <a:accent5>
+          <a:srgbClr val="DAEDEF"/>
+        </a:accent5>
+        <a:accent6>
+          <a:srgbClr val="2D2D8A"/>
+        </a:accent6>
+        <a:hlink>
+          <a:srgbClr val="009999"/>
+        </a:hlink>
+        <a:folHlink>
+          <a:srgbClr val="99CC00"/>
+        </a:folHlink>
+      </a:clrScheme>
+      <a:clrMap bg1="lt1" tx1="dk1" bg2="lt2" tx2="dk2" accent1="accent1" accent2="accent2" accent3="accent3" accent4="accent4" accent5="accent5" accent6="accent6" hlink="hlink" folHlink="folHlink"/>
+    </a:extraClrScheme>
+    <a:extraClrScheme>
+      <a:clrScheme name="Gear Drives 2">
+        <a:dk1>
+          <a:srgbClr val="000000"/>
+        </a:dk1>
+        <a:lt1>
+          <a:srgbClr val="FFFFFF"/>
+        </a:lt1>
+        <a:dk2>
+          <a:srgbClr val="000000"/>
+        </a:dk2>
+        <a:lt2>
+          <a:srgbClr val="969696"/>
+        </a:lt2>
+        <a:accent1>
+          <a:srgbClr val="FBDF53"/>
+        </a:accent1>
+        <a:accent2>
+          <a:srgbClr val="FF9966"/>
+        </a:accent2>
+        <a:accent3>
+          <a:srgbClr val="FFFFFF"/>
+        </a:accent3>
+        <a:accent4>
+          <a:srgbClr val="000000"/>
+        </a:accent4>
+        <a:accent5>
+          <a:srgbClr val="FDECB3"/>
+        </a:accent5>
+        <a:accent6>
+          <a:srgbClr val="E78A5C"/>
+        </a:accent6>
+        <a:hlink>
+          <a:srgbClr val="CC3300"/>
+        </a:hlink>
+        <a:folHlink>
+          <a:srgbClr val="996600"/>
+        </a:folHlink>
+      </a:clrScheme>
+      <a:clrMap bg1="lt1" tx1="dk1" bg2="lt2" tx2="dk2" accent1="accent1" accent2="accent2" accent3="accent3" accent4="accent4" accent5="accent5" accent6="accent6" hlink="hlink" folHlink="folHlink"/>
+    </a:extraClrScheme>
+    <a:extraClrScheme>
+      <a:clrScheme name="Gear Drives 3">
+        <a:dk1>
+          <a:srgbClr val="000000"/>
+        </a:dk1>
+        <a:lt1>
+          <a:srgbClr val="FFFFFF"/>
+        </a:lt1>
+        <a:dk2>
+          <a:srgbClr val="000000"/>
+        </a:dk2>
+        <a:lt2>
+          <a:srgbClr val="808080"/>
+        </a:lt2>
+        <a:accent1>
+          <a:srgbClr val="99CCFF"/>
+        </a:accent1>
+        <a:accent2>
+          <a:srgbClr val="CCCCFF"/>
+        </a:accent2>
+        <a:accent3>
+          <a:srgbClr val="FFFFFF"/>
+        </a:accent3>
+        <a:accent4>
+          <a:srgbClr val="000000"/>
+        </a:accent4>
+        <a:accent5>
+          <a:srgbClr val="CAE2FF"/>
+        </a:accent5>
+        <a:accent6>
+          <a:srgbClr val="B9B9E7"/>
+        </a:accent6>
+        <a:hlink>
+          <a:srgbClr val="3333CC"/>
+        </a:hlink>
+        <a:folHlink>
+          <a:srgbClr val="AF67FF"/>
+        </a:folHlink>
+      </a:clrScheme>
+      <a:clrMap bg1="lt1" tx1="dk1" bg2="lt2" tx2="dk2" accent1="accent1" accent2="accent2" accent3="accent3" accent4="accent4" accent5="accent5" accent6="accent6" hlink="hlink" folHlink="folHlink"/>
+    </a:extraClrScheme>
+    <a:extraClrScheme>
+      <a:clrScheme name="Gear Drives 4">
+        <a:dk1>
+          <a:srgbClr val="000000"/>
+        </a:dk1>
+        <a:lt1>
+          <a:srgbClr val="DEF6F1"/>
+        </a:lt1>
+        <a:dk2>
+          <a:srgbClr val="000000"/>
+        </a:dk2>
+        <a:lt2>
+          <a:srgbClr val="969696"/>
+        </a:lt2>
+        <a:accent1>
+          <a:srgbClr val="FFFFFF"/>
+        </a:accent1>
+        <a:accent2>
+          <a:srgbClr val="8DC6FF"/>
+        </a:accent2>
+        <a:accent3>
+          <a:srgbClr val="ECFAF7"/>
+        </a:accent3>
+        <a:accent4>
+          <a:srgbClr val="000000"/>
+        </a:accent4>
+        <a:accent5>
+          <a:srgbClr val="FFFFFF"/>
+        </a:accent5>
+        <a:accent6>
+          <a:srgbClr val="7FB3E7"/>
+        </a:accent6>
+        <a:hlink>
+          <a:srgbClr val="0066CC"/>
+        </a:hlink>
+        <a:folHlink>
+          <a:srgbClr val="00A800"/>
+        </a:folHlink>
+      </a:clrScheme>
+      <a:clrMap bg1="lt1" tx1="dk1" bg2="lt2" tx2="dk2" accent1="accent1" accent2="accent2" accent3="accent3" accent4="accent4" accent5="accent5" accent6="accent6" hlink="hlink" folHlink="folHlink"/>
+    </a:extraClrScheme>
+    <a:extraClrScheme>
+      <a:clrScheme name="Gear Drives 5">
+        <a:dk1>
+          <a:srgbClr val="000000"/>
+        </a:dk1>
+        <a:lt1>
+          <a:srgbClr val="FFFFD9"/>
+        </a:lt1>
+        <a:dk2>
+          <a:srgbClr val="000000"/>
+        </a:dk2>
+        <a:lt2>
+          <a:srgbClr val="777777"/>
+        </a:lt2>
+        <a:accent1>
+          <a:srgbClr val="FFFFF7"/>
+        </a:accent1>
+        <a:accent2>
+          <a:srgbClr val="33CCCC"/>
+        </a:accent2>
+        <a:accent3>
+          <a:srgbClr val="FFFFE9"/>
+        </a:accent3>
+        <a:accent4>
+          <a:srgbClr val="000000"/>
+        </a:accent4>
+        <a:accent5>
+          <a:srgbClr val="FFFFFA"/>
+        </a:accent5>
+        <a:accent6>
+          <a:srgbClr val="2DB9B9"/>
+        </a:accent6>
+        <a:hlink>
+          <a:srgbClr val="FF5050"/>
+        </a:hlink>
+        <a:folHlink>
+          <a:srgbClr val="FF9900"/>
+        </a:folHlink>
+      </a:clrScheme>
+      <a:clrMap bg1="lt1" tx1="dk1" bg2="lt2" tx2="dk2" accent1="accent1" accent2="accent2" accent3="accent3" accent4="accent4" accent5="accent5" accent6="accent6" hlink="hlink" folHlink="folHlink"/>
+    </a:extraClrScheme>
+    <a:extraClrScheme>
+      <a:clrScheme name="Gear Drives 6">
+        <a:dk1>
+          <a:srgbClr val="005A58"/>
+        </a:dk1>
+        <a:lt1>
+          <a:srgbClr val="FFFFFF"/>
+        </a:lt1>
+        <a:dk2>
+          <a:srgbClr val="008080"/>
+        </a:dk2>
+        <a:lt2>
+          <a:srgbClr val="FFFF99"/>
+        </a:lt2>
+        <a:accent1>
+          <a:srgbClr val="006462"/>
+        </a:accent1>
+        <a:accent2>
+          <a:srgbClr val="6D6FC7"/>
+        </a:accent2>
+        <a:accent3>
+          <a:srgbClr val="AAC0C0"/>
+        </a:accent3>
+        <a:accent4>
+          <a:srgbClr val="DADADA"/>
+        </a:accent4>
+        <a:accent5>
+          <a:srgbClr val="AAB8B7"/>
+        </a:accent5>
+        <a:accent6>
+          <a:srgbClr val="6264B4"/>
+        </a:accent6>
+        <a:hlink>
+          <a:srgbClr val="00FFFF"/>
+        </a:hlink>
+        <a:folHlink>
+          <a:srgbClr val="00FF00"/>
+        </a:folHlink>
+      </a:clrScheme>
+      <a:clrMap bg1="dk2" tx1="lt1" bg2="dk1" tx2="lt2" accent1="accent1" accent2="accent2" accent3="accent3" accent4="accent4" accent5="accent5" accent6="accent6" hlink="hlink" folHlink="folHlink"/>
+    </a:extraClrScheme>
+    <a:extraClrScheme>
+      <a:clrScheme name="Gear Drives 7">
+        <a:dk1>
+          <a:srgbClr val="5C1F00"/>
+        </a:dk1>
+        <a:lt1>
+          <a:srgbClr val="FFFFFF"/>
+        </a:lt1>
+        <a:dk2>
+          <a:srgbClr val="800000"/>
+        </a:dk2>
+        <a:lt2>
+          <a:srgbClr val="DFD293"/>
+        </a:lt2>
+        <a:accent1>
+          <a:srgbClr val="CC3300"/>
+        </a:accent1>
+        <a:accent2>
+          <a:srgbClr val="BE7960"/>
+        </a:accent2>
+        <a:accent3>
+          <a:srgbClr val="C0AAAA"/>
+        </a:accent3>
+        <a:accent4>
+          <a:srgbClr val="DADADA"/>
+        </a:accent4>
+        <a:accent5>
+          <a:srgbClr val="E2ADAA"/>
+        </a:accent5>
+        <a:accent6>
+          <a:srgbClr val="AC6D56"/>
+        </a:accent6>
+        <a:hlink>
+          <a:srgbClr val="FFFF99"/>
+        </a:hlink>
+        <a:folHlink>
+          <a:srgbClr val="D3A219"/>
+        </a:folHlink>
+      </a:clrScheme>
+      <a:clrMap bg1="dk2" tx1="lt1" bg2="dk1" tx2="lt2" accent1="accent1" accent2="accent2" accent3="accent3" accent4="accent4" accent5="accent5" accent6="accent6" hlink="hlink" folHlink="folHlink"/>
+    </a:extraClrScheme>
+    <a:extraClrScheme>
+      <a:clrScheme name="Gear Drives 8">
+        <a:dk1>
+          <a:srgbClr val="003366"/>
+        </a:dk1>
+        <a:lt1>
+          <a:srgbClr val="FFFFFF"/>
+        </a:lt1>
+        <a:dk2>
+          <a:srgbClr val="000099"/>
+        </a:dk2>
+        <a:lt2>
+          <a:srgbClr val="CCFFFF"/>
+        </a:lt2>
+        <a:accent1>
+          <a:srgbClr val="3366CC"/>
+        </a:accent1>
+        <a:accent2>
+          <a:srgbClr val="00B000"/>
+        </a:accent2>
+        <a:accent3>
+          <a:srgbClr val="AAAACA"/>
+        </a:accent3>
+        <a:accent4>
+          <a:srgbClr val="DADADA"/>
+        </a:accent4>
+        <a:accent5>
+          <a:srgbClr val="ADB8E2"/>
+        </a:accent5>
+        <a:accent6>
+          <a:srgbClr val="009F00"/>
+        </a:accent6>
+        <a:hlink>
+          <a:srgbClr val="66CCFF"/>
+        </a:hlink>
+        <a:folHlink>
+          <a:srgbClr val="FFE701"/>
+        </a:folHlink>
+      </a:clrScheme>
+      <a:clrMap bg1="dk2" tx1="lt1" bg2="dk1" tx2="lt2" accent1="accent1" accent2="accent2" accent3="accent3" accent4="accent4" accent5="accent5" accent6="accent6" hlink="hlink" folHlink="folHlink"/>
+    </a:extraClrScheme>
+    <a:extraClrScheme>
+      <a:clrScheme name="Gear Drives 9">
+        <a:dk1>
+          <a:srgbClr val="336699"/>
+        </a:dk1>
+        <a:lt1>
+          <a:srgbClr val="FFFFFF"/>
+        </a:lt1>
+        <a:dk2>
+          <a:srgbClr val="000000"/>
+        </a:dk2>
+        <a:lt2>
+          <a:srgbClr val="E3EBF1"/>
+        </a:lt2>
+        <a:accent1>
+          <a:srgbClr val="003399"/>
+        </a:accent1>
+        <a:accent2>
+          <a:srgbClr val="468A4B"/>
+        </a:accent2>
+        <a:accent3>
+          <a:srgbClr val="AAAAAA"/>
+        </a:accent3>
+        <a:accent4>
+          <a:srgbClr val="DADADA"/>
+        </a:accent4>
+        <a:accent5>
+          <a:srgbClr val="AAADCA"/>
+        </a:accent5>
+        <a:accent6>
+          <a:srgbClr val="3F7D43"/>
+        </a:accent6>
+        <a:hlink>
+          <a:srgbClr val="66CCFF"/>
+        </a:hlink>
+        <a:folHlink>
+          <a:srgbClr val="F0E500"/>
+        </a:folHlink>
+      </a:clrScheme>
+      <a:clrMap bg1="dk2" tx1="lt1" bg2="dk1" tx2="lt2" accent1="accent1" accent2="accent2" accent3="accent3" accent4="accent4" accent5="accent5" accent6="accent6" hlink="hlink" folHlink="folHlink"/>
+    </a:extraClrScheme>
+    <a:extraClrScheme>
+      <a:clrScheme name="Gear Drives 10">
+        <a:dk1>
+          <a:srgbClr val="777777"/>
+        </a:dk1>
+        <a:lt1>
+          <a:srgbClr val="FFFFFF"/>
+        </a:lt1>
+        <a:dk2>
+          <a:srgbClr val="686B5D"/>
+        </a:dk2>
+        <a:lt2>
+          <a:srgbClr val="D1D1CB"/>
+        </a:lt2>
+        <a:accent1>
+          <a:srgbClr val="909082"/>
+        </a:accent1>
+        <a:accent2>
+          <a:srgbClr val="809EA8"/>
+        </a:accent2>
+        <a:accent3>
+          <a:srgbClr val="B9BAB6"/>
+        </a:accent3>
+        <a:accent4>
+          <a:srgbClr val="DADADA"/>
+        </a:accent4>
+        <a:accent5>
+          <a:srgbClr val="C6C6C1"/>
+        </a:accent5>
+        <a:accent6>
+          <a:srgbClr val="738F98"/>
+        </a:accent6>
+        <a:hlink>
+          <a:srgbClr val="FFCC66"/>
+        </a:hlink>
+        <a:folHlink>
+          <a:srgbClr val="E9DCB9"/>
+        </a:folHlink>
+      </a:clrScheme>
+      <a:clrMap bg1="dk2" tx1="lt1" bg2="dk1" tx2="lt2" accent1="accent1" accent2="accent2" accent3="accent3" accent4="accent4" accent5="accent5" accent6="accent6" hlink="hlink" folHlink="folHlink"/>
+    </a:extraClrScheme>
+    <a:extraClrScheme>
+      <a:clrScheme name="Gear Drives 11">
+        <a:dk1>
+          <a:srgbClr val="3E3E5C"/>
+        </a:dk1>
+        <a:lt1>
+          <a:srgbClr val="FFFFFF"/>
+        </a:lt1>
+        <a:dk2>
+          <a:srgbClr val="666699"/>
+        </a:dk2>
+        <a:lt2>
+          <a:srgbClr val="FFFFFF"/>
+        </a:lt2>
+        <a:accent1>
+          <a:srgbClr val="60597B"/>
+        </a:accent1>
+        <a:accent2>
+          <a:srgbClr val="6666FF"/>
+        </a:accent2>
+        <a:accent3>
+          <a:srgbClr val="B8B8CA"/>
+        </a:accent3>
+        <a:accent4>
+          <a:srgbClr val="DADADA"/>
+        </a:accent4>
+        <a:accent5>
+          <a:srgbClr val="B6B5BF"/>
+        </a:accent5>
+        <a:accent6>
+          <a:srgbClr val="5C5CE7"/>
+        </a:accent6>
+        <a:hlink>
+          <a:srgbClr val="99CCFF"/>
+        </a:hlink>
+        <a:folHlink>
+          <a:srgbClr val="FFFF99"/>
+        </a:folHlink>
+      </a:clrScheme>
+      <a:clrMap bg1="dk2" tx1="lt1" bg2="dk1" tx2="lt2" accent1="accent1" accent2="accent2" accent3="accent3" accent4="accent4" accent5="accent5" accent6="accent6" hlink="hlink" folHlink="folHlink"/>
+    </a:extraClrScheme>
+    <a:extraClrScheme>
+      <a:clrScheme name="Gear Drives 12">
+        <a:dk1>
+          <a:srgbClr val="2D2015"/>
+        </a:dk1>
+        <a:lt1>
+          <a:srgbClr val="FFFFFF"/>
+        </a:lt1>
+        <a:dk2>
+          <a:srgbClr val="523E26"/>
+        </a:dk2>
+        <a:lt2>
+          <a:srgbClr val="DFC08D"/>
+        </a:lt2>
+        <a:accent1>
+          <a:srgbClr val="8C7B70"/>
+        </a:accent1>
+        <a:accent2>
+          <a:srgbClr val="8F5F2F"/>
+        </a:accent2>
+        <a:accent3>
+          <a:srgbClr val="B3AFAC"/>
+        </a:accent3>
+        <a:accent4>
+          <a:srgbClr val="DADADA"/>
+        </a:accent4>
+        <a:accent5>
+          <a:srgbClr val="C5BFBB"/>
+        </a:accent5>
+        <a:accent6>
+          <a:srgbClr val="81552A"/>
+        </a:accent6>
+        <a:hlink>
+          <a:srgbClr val="CCB400"/>
+        </a:hlink>
+        <a:folHlink>
+          <a:srgbClr val="8C9EA0"/>
+        </a:folHlink>
+      </a:clrScheme>
+      <a:clrMap bg1="dk2" tx1="lt1" bg2="dk1" tx2="lt2" accent1="accent1" accent2="accent2" accent3="accent3" accent4="accent4" accent5="accent5" accent6="accent6" hlink="hlink" folHlink="folHlink"/>
+    </a:extraClrScheme>
+    <a:extraClrScheme>
+      <a:clrScheme name="Gear Drives 13">
+        <a:dk1>
+          <a:srgbClr val="000000"/>
+        </a:dk1>
+        <a:lt1>
+          <a:srgbClr val="FFFFFF"/>
+        </a:lt1>
+        <a:dk2>
+          <a:srgbClr val="000000"/>
+        </a:dk2>
+        <a:lt2>
+          <a:srgbClr val="969696"/>
+        </a:lt2>
+        <a:accent1>
+          <a:srgbClr val="5F5F5F"/>
+        </a:accent1>
+        <a:accent2>
+          <a:srgbClr val="969696"/>
+        </a:accent2>
+        <a:accent3>
+          <a:srgbClr val="FFFFFF"/>
+        </a:accent3>
+        <a:accent4>
+          <a:srgbClr val="000000"/>
+        </a:accent4>
+        <a:accent5>
+          <a:srgbClr val="B6B6B6"/>
+        </a:accent5>
+        <a:accent6>
+          <a:srgbClr val="878787"/>
+        </a:accent6>
+        <a:hlink>
+          <a:srgbClr val="CC3300"/>
+        </a:hlink>
+        <a:folHlink>
+          <a:srgbClr val="996600"/>
+        </a:folHlink>
+      </a:clrScheme>
+      <a:clrMap bg1="lt1" tx1="dk1" bg2="lt2" tx2="dk2" accent1="accent1" accent2="accent2" accent3="accent3" accent4="accent4" accent5="accent5" accent6="accent6" hlink="hlink" folHlink="folHlink"/>
+    </a:extraClrScheme>
+  </a:extraClrSchemeLst>
   <a:extLst>
     <a:ext uri="{05A4C25C-085E-4340-85A3-A5531E510DB2}">
       <thm15:themeFamily xmlns:thm15="http://schemas.microsoft.com/office/thememl/2012/main" name="Office Theme" id="{62F939B6-93AF-4DB8-9C6B-D6C7DFDC589F}" vid="{4A3C46E8-61CC-4603-A589-7422A47A8E4A}"/>

--- a/14/slides.pptx
+++ b/14/slides.pptx
@@ -5,23 +5,36 @@
     <p:sldMasterId id="2147483648" r:id="rId1"/>
   </p:sldMasterIdLst>
   <p:notesMasterIdLst>
-    <p:notesMasterId r:id="rId14"/>
+    <p:notesMasterId r:id="rId10"/>
   </p:notesMasterIdLst>
   <p:handoutMasterIdLst>
-    <p:handoutMasterId r:id="rId15"/>
+    <p:handoutMasterId r:id="rId28"/>
   </p:handoutMasterIdLst>
   <p:sldIdLst>
     <p:sldId id="256" r:id="rId3"/>
     <p:sldId id="267" r:id="rId4"/>
     <p:sldId id="269" r:id="rId5"/>
-    <p:sldId id="272" r:id="rId6"/>
-    <p:sldId id="273" r:id="rId7"/>
-    <p:sldId id="268" r:id="rId8"/>
-    <p:sldId id="262" r:id="rId9"/>
-    <p:sldId id="257" r:id="rId10"/>
-    <p:sldId id="258" r:id="rId11"/>
-    <p:sldId id="259" r:id="rId12"/>
-    <p:sldId id="261" r:id="rId13"/>
+    <p:sldId id="273" r:id="rId6"/>
+    <p:sldId id="272" r:id="rId7"/>
+    <p:sldId id="283" r:id="rId8"/>
+    <p:sldId id="284" r:id="rId9"/>
+    <p:sldId id="285" r:id="rId11"/>
+    <p:sldId id="310" r:id="rId12"/>
+    <p:sldId id="309" r:id="rId13"/>
+    <p:sldId id="282" r:id="rId14"/>
+    <p:sldId id="295" r:id="rId15"/>
+    <p:sldId id="296" r:id="rId16"/>
+    <p:sldId id="297" r:id="rId17"/>
+    <p:sldId id="298" r:id="rId18"/>
+    <p:sldId id="299" r:id="rId19"/>
+    <p:sldId id="280" r:id="rId20"/>
+    <p:sldId id="281" r:id="rId21"/>
+    <p:sldId id="268" r:id="rId22"/>
+    <p:sldId id="262" r:id="rId23"/>
+    <p:sldId id="257" r:id="rId24"/>
+    <p:sldId id="258" r:id="rId25"/>
+    <p:sldId id="259" r:id="rId26"/>
+    <p:sldId id="261" r:id="rId27"/>
   </p:sldIdLst>
   <p:sldSz cx="12192000" cy="6858000"/>
   <p:notesSz cx="7103745" cy="10234295"/>
@@ -626,6 +639,94 @@
     </a:lvl9pPr>
   </p:notesStyle>
 </p:notesMaster>
+</file>
+
+<file path=ppt/notesSlides/notesSlide1.xml><?xml version="1.0" encoding="utf-8"?>
+<p:notes xmlns:a="http://schemas.openxmlformats.org/drawingml/2006/main" xmlns:r="http://schemas.openxmlformats.org/officeDocument/2006/relationships" xmlns:p="http://schemas.openxmlformats.org/presentationml/2006/main">
+  <p:cSld>
+    <p:spTree>
+      <p:nvGrpSpPr>
+        <p:cNvPr id="1" name=""/>
+        <p:cNvGrpSpPr/>
+        <p:nvPr/>
+      </p:nvGrpSpPr>
+      <p:grpSpPr/>
+      <p:sp>
+        <p:nvSpPr>
+          <p:cNvPr id="2" name="Slide Image Placeholder 1"/>
+          <p:cNvSpPr/>
+          <p:nvPr>
+            <p:ph type="sldImg" idx="2"/>
+          </p:nvPr>
+        </p:nvSpPr>
+        <p:spPr/>
+      </p:sp>
+      <p:sp>
+        <p:nvSpPr>
+          <p:cNvPr id="3" name="Text Placeholder 2"/>
+          <p:cNvSpPr/>
+          <p:nvPr>
+            <p:ph type="body" idx="3"/>
+          </p:nvPr>
+        </p:nvSpPr>
+        <p:spPr/>
+        <p:txBody>
+          <a:bodyPr/>
+          <a:p>
+            <a:endParaRPr lang="en-US"/>
+          </a:p>
+        </p:txBody>
+      </p:sp>
+    </p:spTree>
+  </p:cSld>
+  <p:clrMapOvr>
+    <a:masterClrMapping/>
+  </p:clrMapOvr>
+</p:notes>
+</file>
+
+<file path=ppt/notesSlides/notesSlide2.xml><?xml version="1.0" encoding="utf-8"?>
+<p:notes xmlns:a="http://schemas.openxmlformats.org/drawingml/2006/main" xmlns:r="http://schemas.openxmlformats.org/officeDocument/2006/relationships" xmlns:p="http://schemas.openxmlformats.org/presentationml/2006/main">
+  <p:cSld>
+    <p:spTree>
+      <p:nvGrpSpPr>
+        <p:cNvPr id="1" name=""/>
+        <p:cNvGrpSpPr/>
+        <p:nvPr/>
+      </p:nvGrpSpPr>
+      <p:grpSpPr/>
+      <p:sp>
+        <p:nvSpPr>
+          <p:cNvPr id="2" name="Slide Image Placeholder 1"/>
+          <p:cNvSpPr/>
+          <p:nvPr>
+            <p:ph type="sldImg" idx="2"/>
+          </p:nvPr>
+        </p:nvSpPr>
+        <p:spPr/>
+      </p:sp>
+      <p:sp>
+        <p:nvSpPr>
+          <p:cNvPr id="3" name="Text Placeholder 2"/>
+          <p:cNvSpPr/>
+          <p:nvPr>
+            <p:ph type="body" idx="3"/>
+          </p:nvPr>
+        </p:nvSpPr>
+        <p:spPr/>
+        <p:txBody>
+          <a:bodyPr/>
+          <a:p>
+            <a:endParaRPr lang="en-US"/>
+          </a:p>
+        </p:txBody>
+      </p:sp>
+    </p:spTree>
+  </p:cSld>
+  <p:clrMapOvr>
+    <a:masterClrMapping/>
+  </p:clrMapOvr>
+</p:notes>
 </file>
 
 <file path=ppt/slideLayouts/slideLayout1.xml><?xml version="1.0" encoding="utf-8"?>
@@ -4364,214 +4465,336 @@
           <a:bodyPr/>
           <a:p>
             <a:r>
-              <a:rPr lang="en-US"/>
-              <a:t>algorithm</a:t>
-            </a:r>
-            <a:endParaRPr lang="en-US"/>
-          </a:p>
-        </p:txBody>
-      </p:sp>
-      <p:sp>
-        <p:nvSpPr>
-          <p:cNvPr id="3" name="Content Placeholder 2"/>
-          <p:cNvSpPr>
-            <a:spLocks noGrp="1"/>
-          </p:cNvSpPr>
-          <p:nvPr>
-            <p:ph sz="half" idx="1"/>
-          </p:nvPr>
-        </p:nvSpPr>
-        <p:spPr/>
-        <p:txBody>
-          <a:bodyPr>
-            <a:normAutofit/>
-          </a:bodyPr>
-          <a:p>
-            <a:r>
-              <a:rPr lang="en-US">
-                <a:sym typeface="+mn-ea"/>
-              </a:rPr>
-              <a:t>next_permutation, prev</a:t>
-            </a:r>
-            <a:r>
-              <a:rPr lang="en-US">
-                <a:sym typeface="+mn-ea"/>
-              </a:rPr>
-              <a:t>_permutation</a:t>
-            </a:r>
-            <a:endParaRPr lang="en-US"/>
-          </a:p>
-          <a:p>
-            <a:r>
-              <a:rPr lang="en-US">
-                <a:sym typeface="+mn-ea"/>
-              </a:rPr>
-              <a:t>is_permutation</a:t>
-            </a:r>
-            <a:endParaRPr lang="en-US">
-              <a:sym typeface="+mn-ea"/>
-            </a:endParaRPr>
-          </a:p>
-          <a:p>
-            <a:r>
-              <a:rPr lang="en-US">
-                <a:sym typeface="+mn-ea"/>
-              </a:rPr>
-              <a:t>merge, inplace_merge</a:t>
-            </a:r>
-            <a:endParaRPr lang="en-US">
-              <a:sym typeface="+mn-ea"/>
-            </a:endParaRPr>
-          </a:p>
-          <a:p>
-            <a:r>
-              <a:rPr lang="en-US">
-                <a:sym typeface="+mn-ea"/>
-              </a:rPr>
-              <a:t>set_difference, set_symmetric_difference</a:t>
-            </a:r>
-            <a:endParaRPr lang="en-US"/>
-          </a:p>
-          <a:p>
-            <a:r>
-              <a:rPr lang="en-US">
-                <a:sym typeface="+mn-ea"/>
-              </a:rPr>
-              <a:t>set_union, set_intersection</a:t>
-            </a:r>
-            <a:endParaRPr lang="en-US">
-              <a:sym typeface="+mn-ea"/>
-            </a:endParaRPr>
-          </a:p>
-          <a:p>
-            <a:r>
-              <a:rPr lang="en-US">
-                <a:sym typeface="+mn-ea"/>
-              </a:rPr>
-              <a:t>includes</a:t>
-            </a:r>
-            <a:endParaRPr lang="en-US">
-              <a:sym typeface="+mn-ea"/>
-            </a:endParaRPr>
-          </a:p>
-          <a:p>
-            <a:r>
-              <a:rPr lang="en-US">
-                <a:sym typeface="+mn-ea"/>
-              </a:rPr>
-              <a:t>unique, unique_copy</a:t>
-            </a:r>
-            <a:endParaRPr lang="en-US"/>
-          </a:p>
-          <a:p>
-            <a:endParaRPr lang="en-US"/>
-          </a:p>
-        </p:txBody>
-      </p:sp>
-      <p:sp>
-        <p:nvSpPr>
-          <p:cNvPr id="4" name="Content Placeholder 3"/>
-          <p:cNvSpPr>
-            <a:spLocks noGrp="1"/>
-          </p:cNvSpPr>
-          <p:nvPr>
-            <p:ph sz="half" idx="2"/>
-          </p:nvPr>
+              <a:rPr lang="zh-CN" altLang="en-US"/>
+              <a:t>迭代器系列帮手函数一览</a:t>
+            </a:r>
+            <a:endParaRPr lang="zh-CN" altLang="en-US"/>
+          </a:p>
+        </p:txBody>
+      </p:sp>
+      <p:graphicFrame>
+        <p:nvGraphicFramePr>
+          <p:cNvPr id="5" name="Content Placeholder 4"/>
+          <p:cNvGraphicFramePr/>
+          <p:nvPr>
+            <p:ph idx="1"/>
+          </p:nvPr>
+        </p:nvGraphicFramePr>
+        <p:xfrm>
+          <a:off x="3293110" y="1995805"/>
+          <a:ext cx="5486400" cy="3048000"/>
+        </p:xfrm>
+        <a:graphic>
+          <a:graphicData uri="http://schemas.openxmlformats.org/drawingml/2006/table">
+            <a:tbl>
+              <a:tblPr firstRow="1" bandRow="1">
+                <a:tableStyleId>{5C22544A-7EE6-4342-B048-85BDC9FD1C3A}</a:tableStyleId>
+              </a:tblPr>
+              <a:tblGrid>
+                <a:gridCol w="2743200"/>
+                <a:gridCol w="2743200"/>
+              </a:tblGrid>
+              <a:tr h="381000">
+                <a:tc>
+                  <a:txBody>
+                    <a:bodyPr/>
+                    <a:p>
+                      <a:pPr>
+                        <a:buNone/>
+                      </a:pPr>
+                      <a:r>
+                        <a:rPr lang="zh-CN" altLang="en-US"/>
+                        <a:t>帮手函数</a:t>
+                      </a:r>
+                      <a:endParaRPr lang="zh-CN" altLang="en-US"/>
+                    </a:p>
+                  </a:txBody>
+                  <a:tcPr/>
+                </a:tc>
+                <a:tc>
+                  <a:txBody>
+                    <a:bodyPr/>
+                    <a:p>
+                      <a:pPr>
+                        <a:buNone/>
+                      </a:pPr>
+                      <a:r>
+                        <a:rPr lang="zh-CN" altLang="en-US"/>
+                        <a:t>等价于</a:t>
+                      </a:r>
+                      <a:endParaRPr lang="zh-CN" altLang="en-US"/>
+                    </a:p>
+                  </a:txBody>
+                  <a:tcPr/>
+                </a:tc>
+              </a:tr>
+              <a:tr h="381000">
+                <a:tc>
+                  <a:txBody>
+                    <a:bodyPr/>
+                    <a:p>
+                      <a:pPr>
+                        <a:buNone/>
+                      </a:pPr>
+                      <a:r>
+                        <a:rPr lang="en-US"/>
+                        <a:t>it2 = std::next(it1, n)</a:t>
+                      </a:r>
+                      <a:endParaRPr lang="en-US"/>
+                    </a:p>
+                  </a:txBody>
+                  <a:tcPr/>
+                </a:tc>
+                <a:tc>
+                  <a:txBody>
+                    <a:bodyPr/>
+                    <a:p>
+                      <a:pPr>
+                        <a:buNone/>
+                      </a:pPr>
+                      <a:r>
+                        <a:rPr lang="en-US"/>
+                        <a:t>it2 = it1 + n</a:t>
+                      </a:r>
+                      <a:endParaRPr lang="en-US"/>
+                    </a:p>
+                  </a:txBody>
+                  <a:tcPr/>
+                </a:tc>
+              </a:tr>
+              <a:tr h="381000">
+                <a:tc>
+                  <a:txBody>
+                    <a:bodyPr/>
+                    <a:p>
+                      <a:pPr>
+                        <a:buNone/>
+                      </a:pPr>
+                      <a:r>
+                        <a:rPr lang="en-US"/>
+                        <a:t>it2 = std::prev(it1, n)</a:t>
+                      </a:r>
+                      <a:endParaRPr lang="en-US"/>
+                    </a:p>
+                  </a:txBody>
+                  <a:tcPr/>
+                </a:tc>
+                <a:tc>
+                  <a:txBody>
+                    <a:bodyPr/>
+                    <a:p>
+                      <a:pPr>
+                        <a:buNone/>
+                      </a:pPr>
+                      <a:r>
+                        <a:rPr lang="en-US"/>
+                        <a:t>it2 = it1 - n</a:t>
+                      </a:r>
+                      <a:endParaRPr lang="en-US"/>
+                    </a:p>
+                  </a:txBody>
+                  <a:tcPr/>
+                </a:tc>
+              </a:tr>
+              <a:tr h="381000">
+                <a:tc>
+                  <a:txBody>
+                    <a:bodyPr/>
+                    <a:p>
+                      <a:pPr>
+                        <a:buNone/>
+                      </a:pPr>
+                      <a:r>
+                        <a:rPr lang="en-US"/>
+                        <a:t>it2 = std::next(it1)</a:t>
+                      </a:r>
+                      <a:endParaRPr lang="en-US"/>
+                    </a:p>
+                  </a:txBody>
+                  <a:tcPr/>
+                </a:tc>
+                <a:tc>
+                  <a:txBody>
+                    <a:bodyPr/>
+                    <a:p>
+                      <a:pPr>
+                        <a:buNone/>
+                      </a:pPr>
+                      <a:r>
+                        <a:rPr lang="en-US"/>
+                        <a:t>it2 = it1 + 1</a:t>
+                      </a:r>
+                      <a:endParaRPr lang="en-US"/>
+                    </a:p>
+                  </a:txBody>
+                  <a:tcPr/>
+                </a:tc>
+              </a:tr>
+              <a:tr h="381000">
+                <a:tc>
+                  <a:txBody>
+                    <a:bodyPr/>
+                    <a:p>
+                      <a:pPr>
+                        <a:buNone/>
+                      </a:pPr>
+                      <a:r>
+                        <a:rPr lang="en-US"/>
+                        <a:t>it2 = std::prev(it1)</a:t>
+                      </a:r>
+                      <a:endParaRPr lang="en-US"/>
+                    </a:p>
+                  </a:txBody>
+                  <a:tcPr/>
+                </a:tc>
+                <a:tc>
+                  <a:txBody>
+                    <a:bodyPr/>
+                    <a:p>
+                      <a:pPr>
+                        <a:buNone/>
+                      </a:pPr>
+                      <a:r>
+                        <a:rPr lang="en-US"/>
+                        <a:t>it2 = it1 - 1</a:t>
+                      </a:r>
+                      <a:endParaRPr lang="en-US"/>
+                    </a:p>
+                  </a:txBody>
+                  <a:tcPr/>
+                </a:tc>
+              </a:tr>
+              <a:tr h="381000">
+                <a:tc>
+                  <a:txBody>
+                    <a:bodyPr/>
+                    <a:p>
+                      <a:pPr>
+                        <a:buNone/>
+                      </a:pPr>
+                      <a:r>
+                        <a:rPr lang="en-US"/>
+                        <a:t>std::advance(it1, n)</a:t>
+                      </a:r>
+                      <a:endParaRPr lang="en-US"/>
+                    </a:p>
+                  </a:txBody>
+                  <a:tcPr/>
+                </a:tc>
+                <a:tc>
+                  <a:txBody>
+                    <a:bodyPr/>
+                    <a:p>
+                      <a:pPr>
+                        <a:buNone/>
+                      </a:pPr>
+                      <a:r>
+                        <a:rPr lang="en-US"/>
+                        <a:t>it1 += n</a:t>
+                      </a:r>
+                      <a:endParaRPr lang="en-US"/>
+                    </a:p>
+                  </a:txBody>
+                  <a:tcPr/>
+                </a:tc>
+              </a:tr>
+              <a:tr h="381000">
+                <a:tc>
+                  <a:txBody>
+                    <a:bodyPr/>
+                    <a:p>
+                      <a:pPr>
+                        <a:buNone/>
+                      </a:pPr>
+                      <a:r>
+                        <a:rPr lang="en-US"/>
+                        <a:t>std::advance(it1, -n)</a:t>
+                      </a:r>
+                      <a:endParaRPr lang="en-US"/>
+                    </a:p>
+                  </a:txBody>
+                  <a:tcPr/>
+                </a:tc>
+                <a:tc>
+                  <a:txBody>
+                    <a:bodyPr/>
+                    <a:p>
+                      <a:pPr>
+                        <a:buNone/>
+                      </a:pPr>
+                      <a:r>
+                        <a:rPr lang="en-US"/>
+                        <a:t>it1 -= n</a:t>
+                      </a:r>
+                      <a:endParaRPr lang="en-US"/>
+                    </a:p>
+                  </a:txBody>
+                  <a:tcPr/>
+                </a:tc>
+              </a:tr>
+              <a:tr h="381000">
+                <a:tc>
+                  <a:txBody>
+                    <a:bodyPr/>
+                    <a:p>
+                      <a:pPr>
+                        <a:buNone/>
+                      </a:pPr>
+                      <a:r>
+                        <a:rPr lang="en-US"/>
+                        <a:t>n = std::distance(it1, it2)</a:t>
+                      </a:r>
+                      <a:endParaRPr lang="en-US"/>
+                    </a:p>
+                  </a:txBody>
+                  <a:tcPr/>
+                </a:tc>
+                <a:tc>
+                  <a:txBody>
+                    <a:bodyPr/>
+                    <a:p>
+                      <a:pPr>
+                        <a:buNone/>
+                      </a:pPr>
+                      <a:r>
+                        <a:rPr lang="en-US"/>
+                        <a:t>n = it2 - it1</a:t>
+                      </a:r>
+                      <a:endParaRPr lang="en-US"/>
+                    </a:p>
+                  </a:txBody>
+                  <a:tcPr/>
+                </a:tc>
+              </a:tr>
+            </a:tbl>
+          </a:graphicData>
+        </a:graphic>
+      </p:graphicFrame>
+      <p:sp>
+        <p:nvSpPr>
+          <p:cNvPr id="6" name="Text Box 5"/>
+          <p:cNvSpPr txBox="1"/>
+          <p:nvPr/>
         </p:nvSpPr>
         <p:spPr>
           <a:xfrm>
-            <a:off x="5981700" y="1825625"/>
-            <a:ext cx="5363210" cy="4351655"/>
+            <a:off x="3293110" y="6489700"/>
+            <a:ext cx="5605780" cy="368300"/>
           </a:xfrm>
+          <a:prstGeom prst="rect">
+            <a:avLst/>
+          </a:prstGeom>
+          <a:noFill/>
         </p:spPr>
         <p:txBody>
-          <a:bodyPr>
-            <a:normAutofit lnSpcReduction="20000"/>
+          <a:bodyPr wrap="square" rtlCol="0" anchor="t">
+            <a:spAutoFit/>
           </a:bodyPr>
           <a:p>
             <a:r>
-              <a:rPr lang="en-US">
-                <a:sym typeface="+mn-ea"/>
-              </a:rPr>
-              <a:t>transform, transform_n</a:t>
-            </a:r>
-            <a:endParaRPr lang="en-US"/>
-          </a:p>
-          <a:p>
-            <a:r>
-              <a:rPr lang="en-US">
-                <a:sym typeface="+mn-ea"/>
-              </a:rPr>
-              <a:t>generate, generate_n</a:t>
-            </a:r>
-            <a:endParaRPr lang="en-US">
-              <a:sym typeface="+mn-ea"/>
-            </a:endParaRPr>
-          </a:p>
-          <a:p>
-            <a:r>
-              <a:rPr lang="en-US">
-                <a:sym typeface="+mn-ea"/>
-              </a:rPr>
-              <a:t>iota</a:t>
-            </a:r>
-            <a:endParaRPr lang="en-US">
-              <a:sym typeface="+mn-ea"/>
-            </a:endParaRPr>
-          </a:p>
-          <a:p>
-            <a:r>
-              <a:rPr lang="en-US">
-                <a:sym typeface="+mn-ea"/>
-              </a:rPr>
-              <a:t>accumate, </a:t>
-            </a:r>
-            <a:r>
-              <a:rPr lang="en-US">
-                <a:sym typeface="+mn-ea"/>
-              </a:rPr>
-              <a:t>reduce, </a:t>
-            </a:r>
-            <a:r>
               <a:rPr lang="en-US"/>
-              <a:t>transform_reduce</a:t>
-            </a:r>
-            <a:endParaRPr lang="en-US"/>
-          </a:p>
-          <a:p>
-            <a:r>
-              <a:rPr lang="en-US"/>
-              <a:t>inner_product</a:t>
-            </a:r>
-            <a:endParaRPr lang="en-US"/>
-          </a:p>
-          <a:p>
-            <a:r>
-              <a:rPr lang="en-US"/>
-              <a:t>exclusive_scan, transform_exclusive_scan</a:t>
-            </a:r>
-            <a:endParaRPr lang="en-US"/>
-          </a:p>
-          <a:p>
-            <a:r>
-              <a:rPr lang="en-US"/>
-              <a:t>inclusive_scan, transform_inclusive_scan</a:t>
-            </a:r>
-            <a:endParaRPr lang="en-US"/>
-          </a:p>
-          <a:p>
-            <a:r>
-              <a:rPr lang="en-US">
-                <a:sym typeface="+mn-ea"/>
-              </a:rPr>
-              <a:t>partial_sum</a:t>
-            </a:r>
-            <a:endParaRPr lang="en-US"/>
-          </a:p>
-          <a:p>
-            <a:endParaRPr lang="en-US"/>
-          </a:p>
-          <a:p>
+              <a:t>https://en.cppreference.com/w/cpp/iterator/distance</a:t>
+            </a:r>
             <a:endParaRPr lang="en-US"/>
           </a:p>
         </p:txBody>
@@ -4609,10 +4832,1466 @@
           <a:bodyPr/>
           <a:p>
             <a:r>
+              <a:rPr lang="zh-CN" altLang="en-US"/>
+              <a:t>向</a:t>
+            </a:r>
+            <a:r>
+              <a:rPr lang="en-US" altLang="zh-CN"/>
+              <a:t> </a:t>
+            </a:r>
+            <a:r>
               <a:rPr lang="en-US"/>
-              <a:t>algorithm</a:t>
+              <a:t>set </a:t>
+            </a:r>
+            <a:r>
+              <a:rPr lang="zh-CN" altLang="en-US"/>
+              <a:t>中插入元素</a:t>
+            </a:r>
+            <a:endParaRPr lang="zh-CN" altLang="en-US"/>
+          </a:p>
+        </p:txBody>
+      </p:sp>
+      <p:sp>
+        <p:nvSpPr>
+          <p:cNvPr id="5" name="Content Placeholder 4"/>
+          <p:cNvSpPr>
+            <a:spLocks noGrp="1"/>
+          </p:cNvSpPr>
+          <p:nvPr>
+            <p:ph sz="half" idx="1"/>
+          </p:nvPr>
+        </p:nvSpPr>
+        <p:spPr>
+          <a:xfrm>
+            <a:off x="425450" y="930910"/>
+            <a:ext cx="5715635" cy="5730875"/>
+          </a:xfrm>
+        </p:spPr>
+        <p:txBody>
+          <a:bodyPr/>
+          <a:p>
+            <a:r>
+              <a:rPr lang="zh-CN" altLang="en-US"/>
+              <a:t>可以通过调用</a:t>
+            </a:r>
+            <a:r>
+              <a:rPr lang="en-US" altLang="zh-CN"/>
+              <a:t> insert </a:t>
+            </a:r>
+            <a:r>
+              <a:rPr lang="zh-CN" altLang="en-US"/>
+              <a:t>往</a:t>
+            </a:r>
+            <a:r>
+              <a:rPr lang="en-US" altLang="zh-CN"/>
+              <a:t> set </a:t>
+            </a:r>
+            <a:r>
+              <a:rPr lang="zh-CN" altLang="en-US"/>
+              <a:t>中添加一个元素。</a:t>
+            </a:r>
+            <a:endParaRPr lang="zh-CN" altLang="en-US"/>
+          </a:p>
+          <a:p>
+            <a:r>
+              <a:rPr lang="zh-CN" altLang="en-US"/>
+              <a:t>用户无需关心插入的位置，例如插入元素</a:t>
+            </a:r>
+            <a:r>
+              <a:rPr lang="en-US" altLang="zh-CN"/>
+              <a:t> 3 </a:t>
+            </a:r>
+            <a:r>
+              <a:rPr lang="zh-CN" altLang="en-US"/>
+              <a:t>时，</a:t>
+            </a:r>
+            <a:r>
+              <a:rPr lang="en-US" altLang="zh-CN"/>
+              <a:t>set </a:t>
+            </a:r>
+            <a:r>
+              <a:rPr lang="zh-CN" altLang="en-US"/>
+              <a:t>会自动插入到</a:t>
+            </a:r>
+            <a:r>
+              <a:rPr lang="en-US" altLang="zh-CN"/>
+              <a:t> 2 </a:t>
+            </a:r>
+            <a:r>
+              <a:rPr lang="zh-CN" altLang="en-US"/>
+              <a:t>和</a:t>
+            </a:r>
+            <a:r>
+              <a:rPr lang="en-US" altLang="zh-CN"/>
+              <a:t> 4 </a:t>
+            </a:r>
+            <a:r>
+              <a:rPr lang="zh-CN" altLang="en-US"/>
+              <a:t>之间，从而使元素总是从小到大排列。</a:t>
             </a:r>
             <a:endParaRPr lang="en-US"/>
+          </a:p>
+          <a:p>
+            <a:endParaRPr lang="en-US"/>
+          </a:p>
+          <a:p>
+            <a:endParaRPr lang="en-US"/>
+          </a:p>
+          <a:p>
+            <a:r>
+              <a:rPr lang="en-US" sz="2400">
+                <a:solidFill>
+                  <a:schemeClr val="accent6">
+                    <a:lumMod val="75000"/>
+                  </a:schemeClr>
+                </a:solidFill>
+              </a:rPr>
+              <a:t>pair&lt;iterator, bool&gt; insert(int val);</a:t>
+            </a:r>
+            <a:endParaRPr lang="en-US" sz="2400">
+              <a:solidFill>
+                <a:schemeClr val="accent6">
+                  <a:lumMod val="75000"/>
+                </a:schemeClr>
+              </a:solidFill>
+            </a:endParaRPr>
+          </a:p>
+        </p:txBody>
+      </p:sp>
+      <p:pic>
+        <p:nvPicPr>
+          <p:cNvPr id="9" name="Content Placeholder 8"/>
+          <p:cNvPicPr>
+            <a:picLocks noChangeAspect="1"/>
+          </p:cNvPicPr>
+          <p:nvPr>
+            <p:ph sz="half" idx="2"/>
+          </p:nvPr>
+        </p:nvPicPr>
+        <p:blipFill>
+          <a:blip r:embed="rId1"/>
+          <a:stretch>
+            <a:fillRect/>
+          </a:stretch>
+        </p:blipFill>
+        <p:spPr>
+          <a:xfrm>
+            <a:off x="6028055" y="2243455"/>
+            <a:ext cx="5974080" cy="1588770"/>
+          </a:xfrm>
+          <a:prstGeom prst="rect">
+            <a:avLst/>
+          </a:prstGeom>
+        </p:spPr>
+      </p:pic>
+      <p:pic>
+        <p:nvPicPr>
+          <p:cNvPr id="10" name="Content Placeholder 9"/>
+          <p:cNvPicPr>
+            <a:picLocks noChangeAspect="1"/>
+          </p:cNvPicPr>
+          <p:nvPr>
+            <p:ph sz="half" idx="13"/>
+          </p:nvPr>
+        </p:nvPicPr>
+        <p:blipFill>
+          <a:blip r:embed="rId2"/>
+          <a:stretch>
+            <a:fillRect/>
+          </a:stretch>
+        </p:blipFill>
+        <p:spPr>
+          <a:xfrm>
+            <a:off x="6692900" y="5191760"/>
+            <a:ext cx="4644390" cy="1111250"/>
+          </a:xfrm>
+          <a:prstGeom prst="rect">
+            <a:avLst/>
+          </a:prstGeom>
+        </p:spPr>
+      </p:pic>
+    </p:spTree>
+  </p:cSld>
+  <p:clrMapOvr>
+    <a:masterClrMapping/>
+  </p:clrMapOvr>
+</p:sld>
+</file>
+
+<file path=ppt/slides/slide12.xml><?xml version="1.0" encoding="utf-8"?>
+<p:sld xmlns:a="http://schemas.openxmlformats.org/drawingml/2006/main" xmlns:r="http://schemas.openxmlformats.org/officeDocument/2006/relationships" xmlns:p="http://schemas.openxmlformats.org/presentationml/2006/main">
+  <p:cSld>
+    <p:spTree>
+      <p:nvGrpSpPr>
+        <p:cNvPr id="1" name=""/>
+        <p:cNvGrpSpPr/>
+        <p:nvPr/>
+      </p:nvGrpSpPr>
+      <p:grpSpPr/>
+      <p:sp>
+        <p:nvSpPr>
+          <p:cNvPr id="2" name="Title 1"/>
+          <p:cNvSpPr>
+            <a:spLocks noGrp="1"/>
+          </p:cNvSpPr>
+          <p:nvPr>
+            <p:ph type="title"/>
+          </p:nvPr>
+        </p:nvSpPr>
+        <p:spPr/>
+        <p:txBody>
+          <a:bodyPr/>
+          <a:p>
+            <a:r>
+              <a:rPr lang="zh-CN" altLang="en-US"/>
+              <a:t>向</a:t>
+            </a:r>
+            <a:r>
+              <a:rPr lang="en-US" altLang="zh-CN"/>
+              <a:t> </a:t>
+            </a:r>
+            <a:r>
+              <a:rPr lang="en-US"/>
+              <a:t>set </a:t>
+            </a:r>
+            <a:r>
+              <a:rPr lang="zh-CN" altLang="en-US"/>
+              <a:t>中插入元素</a:t>
+            </a:r>
+            <a:endParaRPr lang="zh-CN" altLang="en-US"/>
+          </a:p>
+        </p:txBody>
+      </p:sp>
+      <p:sp>
+        <p:nvSpPr>
+          <p:cNvPr id="5" name="Content Placeholder 4"/>
+          <p:cNvSpPr>
+            <a:spLocks noGrp="1"/>
+          </p:cNvSpPr>
+          <p:nvPr>
+            <p:ph sz="half" idx="1"/>
+          </p:nvPr>
+        </p:nvSpPr>
+        <p:spPr>
+          <a:xfrm>
+            <a:off x="425450" y="930910"/>
+            <a:ext cx="5715635" cy="5730875"/>
+          </a:xfrm>
+        </p:spPr>
+        <p:txBody>
+          <a:bodyPr/>
+          <a:p>
+            <a:r>
+              <a:rPr lang="zh-CN"/>
+              <a:t>刚刚说过</a:t>
+            </a:r>
+            <a:r>
+              <a:rPr lang="en-US" altLang="zh-CN"/>
+              <a:t> set </a:t>
+            </a:r>
+            <a:r>
+              <a:rPr lang="zh-CN" altLang="en-US"/>
+              <a:t>具有</a:t>
+            </a:r>
+            <a:r>
+              <a:rPr lang="zh-CN" altLang="en-US" b="1"/>
+              <a:t>自动去重</a:t>
+            </a:r>
+            <a:r>
+              <a:rPr lang="zh-CN" altLang="en-US"/>
+              <a:t>的功能，</a:t>
+            </a:r>
+            <a:r>
+              <a:rPr lang="zh-CN"/>
+              <a:t>如果插入的元素已经在</a:t>
+            </a:r>
+            <a:r>
+              <a:rPr lang="en-US" altLang="zh-CN"/>
+              <a:t> set </a:t>
+            </a:r>
+            <a:r>
+              <a:rPr lang="zh-CN" altLang="en-US"/>
+              <a:t>中存在，则不会完成插入。</a:t>
+            </a:r>
+            <a:endParaRPr lang="zh-CN" altLang="en-US"/>
+          </a:p>
+          <a:p>
+            <a:r>
+              <a:rPr lang="zh-CN" altLang="en-US"/>
+              <a:t>例如往集合</a:t>
+            </a:r>
+            <a:r>
+              <a:rPr lang="en-US" altLang="zh-CN"/>
+              <a:t> {1,2,4} </a:t>
+            </a:r>
+            <a:r>
+              <a:rPr lang="zh-CN" altLang="en-US"/>
+              <a:t>中插入</a:t>
+            </a:r>
+            <a:r>
+              <a:rPr lang="en-US" altLang="zh-CN"/>
+              <a:t> 4 </a:t>
+            </a:r>
+            <a:r>
+              <a:rPr lang="zh-CN" altLang="en-US"/>
+              <a:t>则什么也不会发生，因为</a:t>
+            </a:r>
+            <a:r>
+              <a:rPr lang="en-US" altLang="zh-CN"/>
+              <a:t> 4 </a:t>
+            </a:r>
+            <a:r>
+              <a:rPr lang="zh-CN" altLang="en-US"/>
+              <a:t>已经在集合中了。</a:t>
+            </a:r>
+            <a:endParaRPr lang="en-US" sz="2400">
+              <a:solidFill>
+                <a:schemeClr val="accent6">
+                  <a:lumMod val="75000"/>
+                </a:schemeClr>
+              </a:solidFill>
+            </a:endParaRPr>
+          </a:p>
+          <a:p>
+            <a:endParaRPr lang="en-US" sz="2400">
+              <a:solidFill>
+                <a:schemeClr val="accent6">
+                  <a:lumMod val="75000"/>
+                </a:schemeClr>
+              </a:solidFill>
+            </a:endParaRPr>
+          </a:p>
+          <a:p>
+            <a:endParaRPr lang="en-US" sz="2400">
+              <a:solidFill>
+                <a:schemeClr val="accent6">
+                  <a:lumMod val="75000"/>
+                </a:schemeClr>
+              </a:solidFill>
+            </a:endParaRPr>
+          </a:p>
+          <a:p>
+            <a:r>
+              <a:rPr lang="en-US" sz="2400">
+                <a:solidFill>
+                  <a:schemeClr val="accent6">
+                    <a:lumMod val="75000"/>
+                  </a:schemeClr>
+                </a:solidFill>
+              </a:rPr>
+              <a:t>pair&lt;iterator, bool&gt; insert(int val);</a:t>
+            </a:r>
+            <a:endParaRPr lang="en-US" sz="2400">
+              <a:solidFill>
+                <a:schemeClr val="accent6">
+                  <a:lumMod val="75000"/>
+                </a:schemeClr>
+              </a:solidFill>
+            </a:endParaRPr>
+          </a:p>
+        </p:txBody>
+      </p:sp>
+      <p:pic>
+        <p:nvPicPr>
+          <p:cNvPr id="4" name="Content Placeholder 3"/>
+          <p:cNvPicPr>
+            <a:picLocks noChangeAspect="1"/>
+          </p:cNvPicPr>
+          <p:nvPr>
+            <p:ph sz="half" idx="2"/>
+          </p:nvPr>
+        </p:nvPicPr>
+        <p:blipFill>
+          <a:blip r:embed="rId1"/>
+          <a:stretch>
+            <a:fillRect/>
+          </a:stretch>
+        </p:blipFill>
+        <p:spPr>
+          <a:xfrm>
+            <a:off x="6279515" y="2337435"/>
+            <a:ext cx="5594985" cy="1463040"/>
+          </a:xfrm>
+          <a:prstGeom prst="rect">
+            <a:avLst/>
+          </a:prstGeom>
+        </p:spPr>
+      </p:pic>
+      <p:pic>
+        <p:nvPicPr>
+          <p:cNvPr id="7" name="Content Placeholder 6"/>
+          <p:cNvPicPr>
+            <a:picLocks noChangeAspect="1"/>
+          </p:cNvPicPr>
+          <p:nvPr>
+            <p:ph sz="half" idx="13"/>
+          </p:nvPr>
+        </p:nvPicPr>
+        <p:blipFill>
+          <a:blip r:embed="rId2"/>
+          <a:stretch>
+            <a:fillRect/>
+          </a:stretch>
+        </p:blipFill>
+        <p:spPr>
+          <a:xfrm>
+            <a:off x="7064375" y="5193665"/>
+            <a:ext cx="3902075" cy="1107440"/>
+          </a:xfrm>
+          <a:prstGeom prst="rect">
+            <a:avLst/>
+          </a:prstGeom>
+        </p:spPr>
+      </p:pic>
+    </p:spTree>
+  </p:cSld>
+  <p:clrMapOvr>
+    <a:masterClrMapping/>
+  </p:clrMapOvr>
+</p:sld>
+</file>
+
+<file path=ppt/slides/slide13.xml><?xml version="1.0" encoding="utf-8"?>
+<p:sld xmlns:a="http://schemas.openxmlformats.org/drawingml/2006/main" xmlns:r="http://schemas.openxmlformats.org/officeDocument/2006/relationships" xmlns:p="http://schemas.openxmlformats.org/presentationml/2006/main">
+  <p:cSld>
+    <p:spTree>
+      <p:nvGrpSpPr>
+        <p:cNvPr id="1" name=""/>
+        <p:cNvGrpSpPr/>
+        <p:nvPr/>
+      </p:nvGrpSpPr>
+      <p:grpSpPr/>
+      <p:sp>
+        <p:nvSpPr>
+          <p:cNvPr id="2" name="Title 1"/>
+          <p:cNvSpPr>
+            <a:spLocks noGrp="1"/>
+          </p:cNvSpPr>
+          <p:nvPr>
+            <p:ph type="title"/>
+          </p:nvPr>
+        </p:nvSpPr>
+        <p:spPr/>
+        <p:txBody>
+          <a:bodyPr/>
+          <a:p>
+            <a:r>
+              <a:rPr lang="en-US"/>
+              <a:t>insert </a:t>
+            </a:r>
+            <a:r>
+              <a:rPr lang="zh-CN" altLang="en-US"/>
+              <a:t>的第二个返回值：表示插入是否成功</a:t>
+            </a:r>
+            <a:endParaRPr lang="zh-CN" altLang="en-US"/>
+          </a:p>
+        </p:txBody>
+      </p:sp>
+      <p:sp>
+        <p:nvSpPr>
+          <p:cNvPr id="5" name="Content Placeholder 4"/>
+          <p:cNvSpPr>
+            <a:spLocks noGrp="1"/>
+          </p:cNvSpPr>
+          <p:nvPr>
+            <p:ph sz="half" idx="1"/>
+          </p:nvPr>
+        </p:nvSpPr>
+        <p:spPr>
+          <a:xfrm>
+            <a:off x="425450" y="930910"/>
+            <a:ext cx="5715635" cy="5730875"/>
+          </a:xfrm>
+        </p:spPr>
+        <p:txBody>
+          <a:bodyPr/>
+          <a:p>
+            <a:r>
+              <a:rPr lang="en-US"/>
+              <a:t>insert </a:t>
+            </a:r>
+            <a:r>
+              <a:rPr lang="zh-CN" altLang="en-US"/>
+              <a:t>函数的返回值是一个</a:t>
+            </a:r>
+            <a:r>
+              <a:rPr lang="en-US" altLang="zh-CN"/>
+              <a:t> pair </a:t>
+            </a:r>
+            <a:r>
+              <a:rPr lang="zh-CN" altLang="en-US"/>
+              <a:t>类型，也就是说他同时返回了两个值。其中</a:t>
+            </a:r>
+            <a:r>
+              <a:rPr lang="zh-CN" altLang="en-US" b="1"/>
+              <a:t>第二个返回值是</a:t>
+            </a:r>
+            <a:r>
+              <a:rPr lang="en-US" altLang="zh-CN" b="1"/>
+              <a:t> bool </a:t>
+            </a:r>
+            <a:r>
+              <a:rPr lang="zh-CN" altLang="en-US" b="1"/>
+              <a:t>类型，指示了插入是否成功</a:t>
+            </a:r>
+            <a:r>
+              <a:rPr lang="zh-CN" altLang="en-US"/>
+              <a:t>。</a:t>
+            </a:r>
+            <a:endParaRPr lang="zh-CN" altLang="en-US"/>
+          </a:p>
+          <a:p>
+            <a:r>
+              <a:rPr lang="zh-CN" altLang="en-US"/>
+              <a:t>若元素在</a:t>
+            </a:r>
+            <a:r>
+              <a:rPr lang="en-US" altLang="zh-CN"/>
+              <a:t> set </a:t>
+            </a:r>
+            <a:r>
+              <a:rPr lang="zh-CN" altLang="en-US"/>
+              <a:t>容器中已存有相同的元素，则插入失败，这个</a:t>
+            </a:r>
+            <a:r>
+              <a:rPr lang="en-US" altLang="zh-CN"/>
+              <a:t> bool </a:t>
+            </a:r>
+            <a:r>
+              <a:rPr lang="zh-CN" altLang="en-US"/>
+              <a:t>值为</a:t>
+            </a:r>
+            <a:r>
+              <a:rPr lang="en-US" altLang="zh-CN"/>
+              <a:t> false</a:t>
+            </a:r>
+            <a:r>
+              <a:rPr lang="zh-CN" altLang="en-US"/>
+              <a:t>；如果元素在</a:t>
+            </a:r>
+            <a:r>
+              <a:rPr lang="en-US" altLang="zh-CN"/>
+              <a:t> set </a:t>
+            </a:r>
+            <a:r>
+              <a:rPr lang="zh-CN" altLang="en-US"/>
+              <a:t>中不存在，则插入成功，这个</a:t>
+            </a:r>
+            <a:r>
+              <a:rPr lang="en-US" altLang="zh-CN"/>
+              <a:t> bool </a:t>
+            </a:r>
+            <a:r>
+              <a:rPr lang="zh-CN" altLang="en-US"/>
+              <a:t>值为</a:t>
+            </a:r>
+            <a:r>
+              <a:rPr lang="en-US" altLang="zh-CN"/>
+              <a:t> true</a:t>
+            </a:r>
+            <a:r>
+              <a:rPr lang="zh-CN" altLang="en-US"/>
+              <a:t>。</a:t>
+            </a:r>
+            <a:endParaRPr lang="en-US" sz="2400">
+              <a:solidFill>
+                <a:schemeClr val="accent6">
+                  <a:lumMod val="75000"/>
+                </a:schemeClr>
+              </a:solidFill>
+            </a:endParaRPr>
+          </a:p>
+          <a:p>
+            <a:endParaRPr lang="en-US" sz="2400">
+              <a:solidFill>
+                <a:schemeClr val="accent6">
+                  <a:lumMod val="75000"/>
+                </a:schemeClr>
+              </a:solidFill>
+            </a:endParaRPr>
+          </a:p>
+          <a:p>
+            <a:r>
+              <a:rPr lang="en-US" sz="2400">
+                <a:solidFill>
+                  <a:schemeClr val="accent6">
+                    <a:lumMod val="75000"/>
+                  </a:schemeClr>
+                </a:solidFill>
+              </a:rPr>
+              <a:t>pair&lt;iterator, bool&gt; insert(int val);</a:t>
+            </a:r>
+            <a:endParaRPr lang="en-US" sz="2400">
+              <a:solidFill>
+                <a:schemeClr val="accent6">
+                  <a:lumMod val="75000"/>
+                </a:schemeClr>
+              </a:solidFill>
+            </a:endParaRPr>
+          </a:p>
+        </p:txBody>
+      </p:sp>
+      <p:pic>
+        <p:nvPicPr>
+          <p:cNvPr id="6" name="Content Placeholder 5"/>
+          <p:cNvPicPr>
+            <a:picLocks noChangeAspect="1"/>
+          </p:cNvPicPr>
+          <p:nvPr>
+            <p:ph sz="half" idx="2"/>
+          </p:nvPr>
+        </p:nvPicPr>
+        <p:blipFill>
+          <a:blip r:embed="rId1"/>
+          <a:stretch>
+            <a:fillRect/>
+          </a:stretch>
+        </p:blipFill>
+        <p:spPr>
+          <a:xfrm>
+            <a:off x="5964555" y="2813050"/>
+            <a:ext cx="6227445" cy="1513205"/>
+          </a:xfrm>
+          <a:prstGeom prst="rect">
+            <a:avLst/>
+          </a:prstGeom>
+        </p:spPr>
+      </p:pic>
+      <p:pic>
+        <p:nvPicPr>
+          <p:cNvPr id="9" name="Content Placeholder 8"/>
+          <p:cNvPicPr>
+            <a:picLocks noChangeAspect="1"/>
+          </p:cNvPicPr>
+          <p:nvPr>
+            <p:ph sz="half" idx="13"/>
+          </p:nvPr>
+        </p:nvPicPr>
+        <p:blipFill>
+          <a:blip r:embed="rId2"/>
+          <a:stretch>
+            <a:fillRect/>
+          </a:stretch>
+        </p:blipFill>
+        <p:spPr>
+          <a:xfrm>
+            <a:off x="7776210" y="5289550"/>
+            <a:ext cx="2477770" cy="915670"/>
+          </a:xfrm>
+          <a:prstGeom prst="rect">
+            <a:avLst/>
+          </a:prstGeom>
+        </p:spPr>
+      </p:pic>
+    </p:spTree>
+  </p:cSld>
+  <p:clrMapOvr>
+    <a:masterClrMapping/>
+  </p:clrMapOvr>
+</p:sld>
+</file>
+
+<file path=ppt/slides/slide14.xml><?xml version="1.0" encoding="utf-8"?>
+<p:sld xmlns:a="http://schemas.openxmlformats.org/drawingml/2006/main" xmlns:r="http://schemas.openxmlformats.org/officeDocument/2006/relationships" xmlns:p="http://schemas.openxmlformats.org/presentationml/2006/main">
+  <p:cSld>
+    <p:spTree>
+      <p:nvGrpSpPr>
+        <p:cNvPr id="1" name=""/>
+        <p:cNvGrpSpPr/>
+        <p:nvPr/>
+      </p:nvGrpSpPr>
+      <p:grpSpPr/>
+      <p:sp>
+        <p:nvSpPr>
+          <p:cNvPr id="2" name="Title 1"/>
+          <p:cNvSpPr>
+            <a:spLocks noGrp="1"/>
+          </p:cNvSpPr>
+          <p:nvPr>
+            <p:ph type="title"/>
+          </p:nvPr>
+        </p:nvSpPr>
+        <p:spPr/>
+        <p:txBody>
+          <a:bodyPr/>
+          <a:p>
+            <a:r>
+              <a:rPr lang="en-US"/>
+              <a:t>insert </a:t>
+            </a:r>
+            <a:r>
+              <a:rPr lang="zh-CN" altLang="en-US"/>
+              <a:t>的第一个返回值：指向插入</a:t>
+            </a:r>
+            <a:r>
+              <a:rPr lang="en-US" altLang="zh-CN"/>
+              <a:t>/</a:t>
+            </a:r>
+            <a:r>
+              <a:rPr lang="zh-CN" altLang="en-US"/>
+              <a:t>现有元素的迭代器</a:t>
+            </a:r>
+            <a:endParaRPr lang="zh-CN" altLang="en-US"/>
+          </a:p>
+        </p:txBody>
+      </p:sp>
+      <p:sp>
+        <p:nvSpPr>
+          <p:cNvPr id="5" name="Content Placeholder 4"/>
+          <p:cNvSpPr>
+            <a:spLocks noGrp="1"/>
+          </p:cNvSpPr>
+          <p:nvPr>
+            <p:ph sz="half" idx="1"/>
+          </p:nvPr>
+        </p:nvSpPr>
+        <p:spPr>
+          <a:xfrm>
+            <a:off x="252730" y="773430"/>
+            <a:ext cx="5715635" cy="5888355"/>
+          </a:xfrm>
+        </p:spPr>
+        <p:txBody>
+          <a:bodyPr/>
+          <a:p>
+            <a:r>
+              <a:rPr lang="zh-CN" altLang="en-US"/>
+              <a:t>其中</a:t>
+            </a:r>
+            <a:r>
+              <a:rPr lang="zh-CN" altLang="en-US" b="1"/>
+              <a:t>第一个返回值是一个迭代器</a:t>
+            </a:r>
+            <a:r>
+              <a:rPr lang="zh-CN" altLang="en-US"/>
+              <a:t>，分两种情况讨论。</a:t>
+            </a:r>
+            <a:endParaRPr lang="zh-CN" altLang="en-US"/>
+          </a:p>
+          <a:p>
+            <a:r>
+              <a:rPr lang="zh-CN"/>
+              <a:t>当向 set 容器添加元素成功时，该迭代器指向 set 容器新添加的元素，bool 类型的值为 true；</a:t>
+            </a:r>
+            <a:endParaRPr lang="zh-CN"/>
+          </a:p>
+          <a:p>
+            <a:r>
+              <a:rPr lang="zh-CN"/>
+              <a:t>如果添加失败，即证明原 set 容器中已存有相同的元素，此时返回的迭代器就指向容器中相同的此元素，同时 bool 类型的值为 false。</a:t>
+            </a:r>
+            <a:endParaRPr lang="zh-CN"/>
+          </a:p>
+          <a:p>
+            <a:r>
+              <a:rPr lang="en-US" sz="2400">
+                <a:solidFill>
+                  <a:schemeClr val="accent6">
+                    <a:lumMod val="75000"/>
+                  </a:schemeClr>
+                </a:solidFill>
+              </a:rPr>
+              <a:t>pair&lt;iterator, bool&gt; insert(int val);</a:t>
+            </a:r>
+            <a:endParaRPr lang="en-US" sz="2400">
+              <a:solidFill>
+                <a:schemeClr val="accent6">
+                  <a:lumMod val="75000"/>
+                </a:schemeClr>
+              </a:solidFill>
+            </a:endParaRPr>
+          </a:p>
+        </p:txBody>
+      </p:sp>
+      <p:sp>
+        <p:nvSpPr>
+          <p:cNvPr id="10" name="Text Box 9"/>
+          <p:cNvSpPr txBox="1"/>
+          <p:nvPr/>
+        </p:nvSpPr>
+        <p:spPr>
+          <a:xfrm>
+            <a:off x="7764145" y="6489700"/>
+            <a:ext cx="4419600" cy="368300"/>
+          </a:xfrm>
+          <a:prstGeom prst="rect">
+            <a:avLst/>
+          </a:prstGeom>
+          <a:noFill/>
+        </p:spPr>
+        <p:txBody>
+          <a:bodyPr wrap="square" rtlCol="0" anchor="t">
+            <a:spAutoFit/>
+          </a:bodyPr>
+          <a:p>
+            <a:r>
+              <a:rPr lang="en-US"/>
+              <a:t>http://c.biancheng.net/view/7196.html</a:t>
+            </a:r>
+            <a:endParaRPr lang="en-US"/>
+          </a:p>
+        </p:txBody>
+      </p:sp>
+      <p:pic>
+        <p:nvPicPr>
+          <p:cNvPr id="13" name="Content Placeholder 12"/>
+          <p:cNvPicPr>
+            <a:picLocks noChangeAspect="1"/>
+          </p:cNvPicPr>
+          <p:nvPr>
+            <p:ph sz="half" idx="2"/>
+          </p:nvPr>
+        </p:nvPicPr>
+        <p:blipFill>
+          <a:blip r:embed="rId1"/>
+          <a:stretch>
+            <a:fillRect/>
+          </a:stretch>
+        </p:blipFill>
+        <p:spPr>
+          <a:xfrm>
+            <a:off x="5822315" y="2231390"/>
+            <a:ext cx="6369685" cy="1881505"/>
+          </a:xfrm>
+          <a:prstGeom prst="rect">
+            <a:avLst/>
+          </a:prstGeom>
+        </p:spPr>
+      </p:pic>
+      <p:pic>
+        <p:nvPicPr>
+          <p:cNvPr id="16" name="Content Placeholder 15"/>
+          <p:cNvPicPr>
+            <a:picLocks noChangeAspect="1"/>
+          </p:cNvPicPr>
+          <p:nvPr>
+            <p:ph sz="half" idx="13"/>
+          </p:nvPr>
+        </p:nvPicPr>
+        <p:blipFill>
+          <a:blip r:embed="rId2"/>
+          <a:stretch>
+            <a:fillRect/>
+          </a:stretch>
+        </p:blipFill>
+        <p:spPr>
+          <a:xfrm>
+            <a:off x="7430135" y="4497705"/>
+            <a:ext cx="3153410" cy="1743075"/>
+          </a:xfrm>
+          <a:prstGeom prst="rect">
+            <a:avLst/>
+          </a:prstGeom>
+        </p:spPr>
+      </p:pic>
+    </p:spTree>
+  </p:cSld>
+  <p:clrMapOvr>
+    <a:masterClrMapping/>
+  </p:clrMapOvr>
+</p:sld>
+</file>
+
+<file path=ppt/slides/slide15.xml><?xml version="1.0" encoding="utf-8"?>
+<p:sld xmlns:a="http://schemas.openxmlformats.org/drawingml/2006/main" xmlns:r="http://schemas.openxmlformats.org/officeDocument/2006/relationships" xmlns:p="http://schemas.openxmlformats.org/presentationml/2006/main">
+  <p:cSld>
+    <p:spTree>
+      <p:nvGrpSpPr>
+        <p:cNvPr id="1" name=""/>
+        <p:cNvGrpSpPr/>
+        <p:nvPr/>
+      </p:nvGrpSpPr>
+      <p:grpSpPr/>
+      <p:sp>
+        <p:nvSpPr>
+          <p:cNvPr id="6" name="Title 5"/>
+          <p:cNvSpPr>
+            <a:spLocks noGrp="1"/>
+          </p:cNvSpPr>
+          <p:nvPr>
+            <p:ph type="title"/>
+          </p:nvPr>
+        </p:nvSpPr>
+        <p:spPr/>
+        <p:txBody>
+          <a:bodyPr/>
+          <a:p>
+            <a:r>
+              <a:rPr lang="en-US"/>
+              <a:t>glibc </a:t>
+            </a:r>
+            <a:r>
+              <a:rPr lang="zh-CN" altLang="en-US"/>
+              <a:t>中</a:t>
+            </a:r>
+            <a:r>
+              <a:rPr lang="en-US" altLang="zh-CN"/>
+              <a:t> </a:t>
+            </a:r>
+            <a:r>
+              <a:rPr lang="en-US"/>
+              <a:t>pair </a:t>
+            </a:r>
+            <a:r>
+              <a:rPr lang="zh-CN" altLang="en-US"/>
+              <a:t>的定义</a:t>
+            </a:r>
+            <a:endParaRPr lang="zh-CN" altLang="en-US"/>
+          </a:p>
+        </p:txBody>
+      </p:sp>
+      <p:pic>
+        <p:nvPicPr>
+          <p:cNvPr id="5" name="Content Placeholder 4"/>
+          <p:cNvPicPr>
+            <a:picLocks noChangeAspect="1"/>
+          </p:cNvPicPr>
+          <p:nvPr>
+            <p:ph sz="half" idx="1"/>
+          </p:nvPr>
+        </p:nvPicPr>
+        <p:blipFill>
+          <a:blip r:embed="rId1"/>
+          <a:stretch>
+            <a:fillRect/>
+          </a:stretch>
+        </p:blipFill>
+        <p:spPr>
+          <a:xfrm>
+            <a:off x="1773555" y="4276090"/>
+            <a:ext cx="8827770" cy="2581910"/>
+          </a:xfrm>
+          <a:prstGeom prst="rect">
+            <a:avLst/>
+          </a:prstGeom>
+        </p:spPr>
+      </p:pic>
+      <p:sp>
+        <p:nvSpPr>
+          <p:cNvPr id="8" name="Content Placeholder 7"/>
+          <p:cNvSpPr>
+            <a:spLocks noGrp="1"/>
+          </p:cNvSpPr>
+          <p:nvPr>
+            <p:ph sz="half" idx="2"/>
+          </p:nvPr>
+        </p:nvSpPr>
+        <p:spPr>
+          <a:xfrm>
+            <a:off x="792480" y="1174750"/>
+            <a:ext cx="10789920" cy="4953000"/>
+          </a:xfrm>
+        </p:spPr>
+        <p:txBody>
+          <a:bodyPr/>
+          <a:p>
+            <a:r>
+              <a:rPr lang="en-US" altLang="zh-CN" sz="2400"/>
+              <a:t>pair </a:t>
+            </a:r>
+            <a:r>
+              <a:rPr lang="zh-CN" altLang="en-US" sz="2400"/>
+              <a:t>类似于</a:t>
+            </a:r>
+            <a:r>
+              <a:rPr lang="en-US" altLang="zh-CN" sz="2400"/>
+              <a:t> python </a:t>
+            </a:r>
+            <a:r>
+              <a:rPr lang="zh-CN" altLang="en-US" sz="2400"/>
+              <a:t>里的元组，不过固定只能有两个元素，自从</a:t>
+            </a:r>
+            <a:r>
+              <a:rPr lang="en-US" altLang="zh-CN" sz="2400"/>
+              <a:t> C++11 </a:t>
+            </a:r>
+            <a:r>
+              <a:rPr lang="zh-CN" altLang="en-US" sz="2400"/>
+              <a:t>引入了能支持任意多元素的</a:t>
+            </a:r>
+            <a:r>
+              <a:rPr lang="en-US" altLang="zh-CN" sz="2400"/>
+              <a:t> tuple </a:t>
+            </a:r>
+            <a:r>
+              <a:rPr lang="zh-CN" altLang="en-US" sz="2400"/>
+              <a:t>以来，就没</a:t>
+            </a:r>
+            <a:r>
+              <a:rPr lang="en-US" altLang="zh-CN" sz="2400"/>
+              <a:t> pair </a:t>
+            </a:r>
+            <a:r>
+              <a:rPr lang="zh-CN" altLang="en-US" sz="2400"/>
+              <a:t>什么事了</a:t>
+            </a:r>
+            <a:r>
+              <a:rPr lang="en-US" altLang="zh-CN" sz="2400"/>
+              <a:t>……</a:t>
+            </a:r>
+            <a:r>
+              <a:rPr lang="zh-CN" altLang="en-US" sz="2400"/>
+              <a:t>但是为了兼容</a:t>
+            </a:r>
+            <a:r>
+              <a:rPr lang="en-US" altLang="zh-CN" sz="2400"/>
+              <a:t> pair </a:t>
+            </a:r>
+            <a:r>
+              <a:rPr lang="zh-CN" altLang="en-US" sz="2400"/>
+              <a:t>还是继续存在着。</a:t>
+            </a:r>
+            <a:r>
+              <a:rPr lang="en-US" altLang="zh-CN" sz="2400"/>
+              <a:t>pair </a:t>
+            </a:r>
+            <a:r>
+              <a:rPr lang="zh-CN" altLang="en-US" sz="2400"/>
+              <a:t>是个模板类，根据尖括号里你给定的类型来替换这里的</a:t>
+            </a:r>
+            <a:r>
+              <a:rPr lang="en-US" altLang="zh-CN" sz="2400"/>
+              <a:t> _T1 </a:t>
+            </a:r>
+            <a:r>
+              <a:rPr lang="zh-CN" altLang="en-US" sz="2400"/>
+              <a:t>和</a:t>
+            </a:r>
+            <a:r>
+              <a:rPr lang="en-US" altLang="zh-CN" sz="2400"/>
+              <a:t> _T2</a:t>
+            </a:r>
+            <a:r>
+              <a:rPr lang="zh-CN" altLang="en-US" sz="2400"/>
+              <a:t>。例如</a:t>
+            </a:r>
+            <a:r>
+              <a:rPr lang="en-US" altLang="zh-CN" sz="2400"/>
+              <a:t> pair&lt;iterator, bool&gt; </a:t>
+            </a:r>
+            <a:r>
+              <a:rPr lang="zh-CN" altLang="en-US" sz="2400"/>
+              <a:t>就会变成：</a:t>
+            </a:r>
+            <a:endParaRPr lang="zh-CN" altLang="en-US"/>
+          </a:p>
+          <a:p>
+            <a:r>
+              <a:rPr lang="en-US" altLang="zh-CN" sz="2400">
+                <a:solidFill>
+                  <a:srgbClr val="0070C0"/>
+                </a:solidFill>
+              </a:rPr>
+              <a:t>struct </a:t>
+            </a:r>
+            <a:r>
+              <a:rPr lang="en-US" altLang="zh-CN" sz="2400">
+                <a:solidFill>
+                  <a:srgbClr val="00B050"/>
+                </a:solidFill>
+              </a:rPr>
+              <a:t>pair </a:t>
+            </a:r>
+            <a:r>
+              <a:rPr lang="en-US" altLang="zh-CN" sz="2400">
+                <a:solidFill>
+                  <a:srgbClr val="0070C0"/>
+                </a:solidFill>
+              </a:rPr>
+              <a:t>{</a:t>
+            </a:r>
+            <a:endParaRPr lang="en-US" altLang="zh-CN" sz="2400">
+              <a:solidFill>
+                <a:srgbClr val="0070C0"/>
+              </a:solidFill>
+            </a:endParaRPr>
+          </a:p>
+          <a:p>
+            <a:r>
+              <a:rPr lang="en-US" altLang="zh-CN" sz="2400">
+                <a:solidFill>
+                  <a:srgbClr val="0070C0"/>
+                </a:solidFill>
+              </a:rPr>
+              <a:t>  </a:t>
+            </a:r>
+            <a:r>
+              <a:rPr lang="en-US" altLang="zh-CN" sz="2400">
+                <a:solidFill>
+                  <a:srgbClr val="00B050"/>
+                </a:solidFill>
+              </a:rPr>
+              <a:t>iterator </a:t>
+            </a:r>
+            <a:r>
+              <a:rPr lang="en-US" altLang="zh-CN" sz="2400">
+                <a:solidFill>
+                  <a:srgbClr val="0070C0"/>
+                </a:solidFill>
+              </a:rPr>
+              <a:t>first;</a:t>
+            </a:r>
+            <a:endParaRPr lang="en-US" altLang="zh-CN" sz="2400">
+              <a:solidFill>
+                <a:srgbClr val="0070C0"/>
+              </a:solidFill>
+            </a:endParaRPr>
+          </a:p>
+          <a:p>
+            <a:r>
+              <a:rPr lang="en-US" altLang="zh-CN" sz="2400">
+                <a:solidFill>
+                  <a:srgbClr val="0070C0"/>
+                </a:solidFill>
+              </a:rPr>
+              <a:t>  </a:t>
+            </a:r>
+            <a:r>
+              <a:rPr lang="en-US" altLang="zh-CN" sz="2400">
+                <a:solidFill>
+                  <a:srgbClr val="00B050"/>
+                </a:solidFill>
+              </a:rPr>
+              <a:t>bool </a:t>
+            </a:r>
+            <a:r>
+              <a:rPr lang="en-US" altLang="zh-CN" sz="2400">
+                <a:solidFill>
+                  <a:srgbClr val="0070C0"/>
+                </a:solidFill>
+              </a:rPr>
+              <a:t>second;</a:t>
+            </a:r>
+            <a:endParaRPr lang="en-US" altLang="zh-CN" sz="2400">
+              <a:solidFill>
+                <a:srgbClr val="0070C0"/>
+              </a:solidFill>
+            </a:endParaRPr>
+          </a:p>
+          <a:p>
+            <a:r>
+              <a:rPr lang="en-US" altLang="zh-CN" sz="2400">
+                <a:solidFill>
+                  <a:srgbClr val="0070C0"/>
+                </a:solidFill>
+              </a:rPr>
+              <a:t>};</a:t>
+            </a:r>
+            <a:endParaRPr lang="en-US" altLang="zh-CN" sz="2400">
+              <a:solidFill>
+                <a:srgbClr val="0070C0"/>
+              </a:solidFill>
+            </a:endParaRPr>
+          </a:p>
+        </p:txBody>
+      </p:sp>
+    </p:spTree>
+  </p:cSld>
+  <p:clrMapOvr>
+    <a:masterClrMapping/>
+  </p:clrMapOvr>
+</p:sld>
+</file>
+
+<file path=ppt/slides/slide16.xml><?xml version="1.0" encoding="utf-8"?>
+<p:sld xmlns:a="http://schemas.openxmlformats.org/drawingml/2006/main" xmlns:r="http://schemas.openxmlformats.org/officeDocument/2006/relationships" xmlns:p="http://schemas.openxmlformats.org/presentationml/2006/main">
+  <p:cSld>
+    <p:spTree>
+      <p:nvGrpSpPr>
+        <p:cNvPr id="1" name=""/>
+        <p:cNvGrpSpPr/>
+        <p:nvPr/>
+      </p:nvGrpSpPr>
+      <p:grpSpPr/>
+      <p:sp>
+        <p:nvSpPr>
+          <p:cNvPr id="2" name="Title 1"/>
+          <p:cNvSpPr>
+            <a:spLocks noGrp="1"/>
+          </p:cNvSpPr>
+          <p:nvPr>
+            <p:ph type="title"/>
+          </p:nvPr>
+        </p:nvSpPr>
+        <p:spPr/>
+        <p:txBody>
+          <a:bodyPr/>
+          <a:p>
+            <a:r>
+              <a:rPr lang="zh-CN" altLang="en-US"/>
+              <a:t>使用</a:t>
+            </a:r>
+            <a:r>
+              <a:rPr lang="en-US" altLang="zh-CN"/>
+              <a:t> C++17 </a:t>
+            </a:r>
+            <a:r>
+              <a:rPr lang="zh-CN" altLang="en-US"/>
+              <a:t>的结构化绑定来拆解</a:t>
+            </a:r>
+            <a:r>
+              <a:rPr lang="en-US" altLang="zh-CN"/>
+              <a:t> </a:t>
+            </a:r>
+            <a:r>
+              <a:rPr lang="en-US"/>
+              <a:t>pair</a:t>
+            </a:r>
+            <a:endParaRPr lang="en-US"/>
+          </a:p>
+        </p:txBody>
+      </p:sp>
+      <p:sp>
+        <p:nvSpPr>
+          <p:cNvPr id="5" name="Content Placeholder 4"/>
+          <p:cNvSpPr>
+            <a:spLocks noGrp="1"/>
+          </p:cNvSpPr>
+          <p:nvPr>
+            <p:ph sz="half" idx="1"/>
+          </p:nvPr>
+        </p:nvSpPr>
+        <p:spPr/>
+        <p:txBody>
+          <a:bodyPr/>
+          <a:p>
+            <a:r>
+              <a:rPr lang="en-US"/>
+              <a:t>C++17 </a:t>
+            </a:r>
+            <a:r>
+              <a:rPr lang="zh-CN" altLang="en-US"/>
+              <a:t>提供了结构化绑定</a:t>
+            </a:r>
+            <a:r>
+              <a:rPr lang="en-US" altLang="zh-CN"/>
+              <a:t>(structual binding)</a:t>
+            </a:r>
+            <a:r>
+              <a:rPr lang="zh-CN" altLang="en-US"/>
+              <a:t>的语法，可以取出一个</a:t>
+            </a:r>
+            <a:r>
+              <a:rPr lang="en-US" altLang="zh-CN"/>
+              <a:t> POD </a:t>
+            </a:r>
+            <a:r>
+              <a:rPr lang="zh-CN" altLang="en-US"/>
+              <a:t>结构体的所有成员，</a:t>
+            </a:r>
+            <a:r>
+              <a:rPr lang="en-US" altLang="zh-CN"/>
+              <a:t>pair </a:t>
+            </a:r>
+            <a:r>
+              <a:rPr lang="zh-CN" altLang="en-US"/>
+              <a:t>也不例外。</a:t>
+            </a:r>
+            <a:endParaRPr lang="zh-CN" altLang="en-US"/>
+          </a:p>
+          <a:p>
+            <a:r>
+              <a:rPr lang="en-US" altLang="zh-CN" sz="2800">
+                <a:solidFill>
+                  <a:srgbClr val="0070C0"/>
+                </a:solidFill>
+              </a:rPr>
+              <a:t>auto [ok, it] = </a:t>
+            </a:r>
+            <a:r>
+              <a:rPr lang="en-US" altLang="zh-CN" sz="2800">
+                <a:solidFill>
+                  <a:srgbClr val="0070C0"/>
+                </a:solidFill>
+                <a:sym typeface="+mn-ea"/>
+              </a:rPr>
+              <a:t>b.insert(3)</a:t>
+            </a:r>
+            <a:r>
+              <a:rPr lang="en-US" altLang="zh-CN" sz="2800">
+                <a:solidFill>
+                  <a:srgbClr val="0070C0"/>
+                </a:solidFill>
+              </a:rPr>
+              <a:t>;</a:t>
+            </a:r>
+            <a:endParaRPr lang="en-US" altLang="zh-CN" sz="2800">
+              <a:solidFill>
+                <a:srgbClr val="0070C0"/>
+              </a:solidFill>
+            </a:endParaRPr>
+          </a:p>
+          <a:p>
+            <a:r>
+              <a:rPr lang="zh-CN" altLang="en-US" sz="2800">
+                <a:solidFill>
+                  <a:srgbClr val="0070C0"/>
+                </a:solidFill>
+              </a:rPr>
+              <a:t>等价于</a:t>
+            </a:r>
+            <a:endParaRPr lang="zh-CN" altLang="en-US" sz="2800">
+              <a:solidFill>
+                <a:srgbClr val="0070C0"/>
+              </a:solidFill>
+            </a:endParaRPr>
+          </a:p>
+          <a:p>
+            <a:r>
+              <a:rPr lang="en-US" altLang="zh-CN" sz="2800">
+                <a:solidFill>
+                  <a:srgbClr val="0070C0"/>
+                </a:solidFill>
+              </a:rPr>
+              <a:t>auto tmp = b.insert(3);</a:t>
+            </a:r>
+            <a:endParaRPr lang="en-US" altLang="zh-CN" sz="2800">
+              <a:solidFill>
+                <a:srgbClr val="0070C0"/>
+              </a:solidFill>
+            </a:endParaRPr>
+          </a:p>
+          <a:p>
+            <a:r>
+              <a:rPr lang="en-US" altLang="zh-CN" sz="2800">
+                <a:solidFill>
+                  <a:srgbClr val="0070C0"/>
+                </a:solidFill>
+              </a:rPr>
+              <a:t>auto ok = tmp.first;</a:t>
+            </a:r>
+            <a:endParaRPr lang="en-US" altLang="zh-CN" sz="2800">
+              <a:solidFill>
+                <a:srgbClr val="0070C0"/>
+              </a:solidFill>
+            </a:endParaRPr>
+          </a:p>
+          <a:p>
+            <a:r>
+              <a:rPr lang="en-US" altLang="zh-CN" sz="2800">
+                <a:solidFill>
+                  <a:srgbClr val="0070C0"/>
+                </a:solidFill>
+              </a:rPr>
+              <a:t>auto it = tmp.second;</a:t>
+            </a:r>
+            <a:endParaRPr lang="en-US" altLang="zh-CN" sz="2800">
+              <a:solidFill>
+                <a:srgbClr val="0070C0"/>
+              </a:solidFill>
+            </a:endParaRPr>
+          </a:p>
+        </p:txBody>
+      </p:sp>
+      <p:pic>
+        <p:nvPicPr>
+          <p:cNvPr id="8" name="Content Placeholder 7"/>
+          <p:cNvPicPr>
+            <a:picLocks noChangeAspect="1"/>
+          </p:cNvPicPr>
+          <p:nvPr>
+            <p:ph sz="half" idx="2"/>
+          </p:nvPr>
+        </p:nvPicPr>
+        <p:blipFill>
+          <a:blip r:embed="rId1"/>
+          <a:stretch>
+            <a:fillRect/>
+          </a:stretch>
+        </p:blipFill>
+        <p:spPr>
+          <a:xfrm>
+            <a:off x="6132830" y="2233295"/>
+            <a:ext cx="6059170" cy="2140585"/>
+          </a:xfrm>
+          <a:prstGeom prst="rect">
+            <a:avLst/>
+          </a:prstGeom>
+        </p:spPr>
+      </p:pic>
+      <p:pic>
+        <p:nvPicPr>
+          <p:cNvPr id="16" name="Content Placeholder 15"/>
+          <p:cNvPicPr>
+            <a:picLocks noChangeAspect="1"/>
+          </p:cNvPicPr>
+          <p:nvPr>
+            <p:ph sz="half" idx="13"/>
+          </p:nvPr>
+        </p:nvPicPr>
+        <p:blipFill>
+          <a:blip r:embed="rId2"/>
+          <a:stretch>
+            <a:fillRect/>
+          </a:stretch>
+        </p:blipFill>
+        <p:spPr>
+          <a:xfrm>
+            <a:off x="7600950" y="4786630"/>
+            <a:ext cx="2807970" cy="1552575"/>
+          </a:xfrm>
+          <a:prstGeom prst="rect">
+            <a:avLst/>
+          </a:prstGeom>
+          <a:noFill/>
+          <a:ln w="9525">
+            <a:noFill/>
+          </a:ln>
+        </p:spPr>
+      </p:pic>
+    </p:spTree>
+  </p:cSld>
+  <p:clrMapOvr>
+    <a:masterClrMapping/>
+  </p:clrMapOvr>
+</p:sld>
+</file>
+
+<file path=ppt/slides/slide17.xml><?xml version="1.0" encoding="utf-8"?>
+<p:sld xmlns:a="http://schemas.openxmlformats.org/drawingml/2006/main" xmlns:r="http://schemas.openxmlformats.org/officeDocument/2006/relationships" xmlns:p="http://schemas.openxmlformats.org/presentationml/2006/main">
+  <p:cSld>
+    <p:spTree>
+      <p:nvGrpSpPr>
+        <p:cNvPr id="1" name=""/>
+        <p:cNvGrpSpPr/>
+        <p:nvPr/>
+      </p:nvGrpSpPr>
+      <p:grpSpPr/>
+      <p:sp>
+        <p:nvSpPr>
+          <p:cNvPr id="2" name="Title 1"/>
+          <p:cNvSpPr>
+            <a:spLocks noGrp="1"/>
+          </p:cNvSpPr>
+          <p:nvPr>
+            <p:ph type="title"/>
+          </p:nvPr>
+        </p:nvSpPr>
+        <p:spPr/>
+        <p:txBody>
+          <a:bodyPr/>
+          <a:p>
+            <a:r>
+              <a:rPr lang="zh-CN" altLang="en-US"/>
+              <a:t>从</a:t>
+            </a:r>
+            <a:r>
+              <a:rPr lang="en-US" altLang="zh-CN"/>
+              <a:t> set </a:t>
+            </a:r>
+            <a:r>
+              <a:rPr lang="zh-CN" altLang="en-US"/>
+              <a:t>到</a:t>
+            </a:r>
+            <a:r>
+              <a:rPr lang="en-US" altLang="zh-CN"/>
+              <a:t> map</a:t>
+            </a:r>
+            <a:r>
+              <a:rPr lang="zh-CN" altLang="en-US"/>
+              <a:t>：有什么不同？</a:t>
+            </a:r>
+            <a:endParaRPr lang="zh-CN" altLang="en-US"/>
           </a:p>
         </p:txBody>
       </p:sp>
@@ -4623,153 +6302,999 @@
             <a:spLocks noGrp="1"/>
           </p:cNvSpPr>
           <p:nvPr>
-            <p:ph sz="half" idx="1"/>
+            <p:ph idx="1"/>
           </p:nvPr>
         </p:nvSpPr>
         <p:spPr/>
         <p:txBody>
-          <a:bodyPr>
-            <a:normAutofit/>
-          </a:bodyPr>
-          <a:p>
-            <a:r>
-              <a:rPr lang="en-US">
-                <a:sym typeface="+mn-ea"/>
-              </a:rPr>
-              <a:t>binary_search</a:t>
-            </a:r>
-            <a:endParaRPr lang="en-US">
-              <a:sym typeface="+mn-ea"/>
-            </a:endParaRPr>
-          </a:p>
-          <a:p>
-            <a:r>
-              <a:rPr lang="en-US">
-                <a:sym typeface="+mn-ea"/>
-              </a:rPr>
-              <a:t>lower_bound, upper_bound, equal_range</a:t>
-            </a:r>
-            <a:endParaRPr lang="en-US">
-              <a:sym typeface="+mn-ea"/>
-            </a:endParaRPr>
-          </a:p>
-          <a:p>
-            <a:r>
-              <a:rPr lang="en-US">
-                <a:sym typeface="+mn-ea"/>
-              </a:rPr>
-              <a:t>nth_element, partition_point</a:t>
-            </a:r>
-            <a:endParaRPr lang="en-US"/>
-          </a:p>
-          <a:p>
-            <a:r>
-              <a:rPr lang="en-US">
-                <a:sym typeface="+mn-ea"/>
-              </a:rPr>
-              <a:t>partition, stable_partition, partition_copy</a:t>
-            </a:r>
-            <a:endParaRPr lang="en-US"/>
-          </a:p>
-          <a:p>
-            <a:r>
-              <a:rPr lang="en-US">
-                <a:sym typeface="+mn-ea"/>
-              </a:rPr>
-              <a:t>partial_sort, partial_sort_copy</a:t>
-            </a:r>
-            <a:endParaRPr lang="en-US"/>
-          </a:p>
-          <a:p>
-            <a:r>
-              <a:rPr lang="en-US">
-                <a:sym typeface="+mn-ea"/>
-              </a:rPr>
-              <a:t>sort, stable_sort</a:t>
-            </a:r>
-            <a:endParaRPr lang="en-US">
-              <a:sym typeface="+mn-ea"/>
-            </a:endParaRPr>
-          </a:p>
-          <a:p>
-            <a:r>
-              <a:rPr lang="en-US"/>
-              <a:t>is_sorted, is_sorted_until</a:t>
-            </a:r>
-            <a:endParaRPr lang="en-US"/>
-          </a:p>
-        </p:txBody>
-      </p:sp>
-      <p:sp>
-        <p:nvSpPr>
-          <p:cNvPr id="4" name="Content Placeholder 3"/>
+          <a:bodyPr/>
+          <a:p>
+            <a:endParaRPr lang="en-US" altLang="zh-CN"/>
+          </a:p>
+        </p:txBody>
+      </p:sp>
+    </p:spTree>
+  </p:cSld>
+  <p:clrMapOvr>
+    <a:masterClrMapping/>
+  </p:clrMapOvr>
+</p:sld>
+</file>
+
+<file path=ppt/slides/slide18.xml><?xml version="1.0" encoding="utf-8"?>
+<p:sld xmlns:a="http://schemas.openxmlformats.org/drawingml/2006/main" xmlns:r="http://schemas.openxmlformats.org/officeDocument/2006/relationships" xmlns:p="http://schemas.openxmlformats.org/presentationml/2006/main">
+  <p:cSld>
+    <p:spTree>
+      <p:nvGrpSpPr>
+        <p:cNvPr id="1" name=""/>
+        <p:cNvGrpSpPr/>
+        <p:nvPr/>
+      </p:nvGrpSpPr>
+      <p:grpSpPr/>
+      <p:sp>
+        <p:nvSpPr>
+          <p:cNvPr id="2" name="Title 1"/>
           <p:cNvSpPr>
             <a:spLocks noGrp="1"/>
           </p:cNvSpPr>
           <p:nvPr>
-            <p:ph sz="half" idx="2"/>
+            <p:ph type="title"/>
           </p:nvPr>
         </p:nvSpPr>
         <p:spPr/>
         <p:txBody>
           <a:bodyPr/>
           <a:p>
-            <a:r>
-              <a:rPr lang="en-US"/>
-              <a:t>adjacent_difference</a:t>
-            </a:r>
             <a:endParaRPr lang="en-US"/>
           </a:p>
-          <a:p>
-            <a:r>
-              <a:rPr lang="en-US"/>
-              <a:t>adjacent_find</a:t>
-            </a:r>
+        </p:txBody>
+      </p:sp>
+      <p:sp>
+        <p:nvSpPr>
+          <p:cNvPr id="3" name="Content Placeholder 2"/>
+          <p:cNvSpPr>
+            <a:spLocks noGrp="1"/>
+          </p:cNvSpPr>
+          <p:nvPr>
+            <p:ph idx="1"/>
+          </p:nvPr>
+        </p:nvSpPr>
+        <p:spPr/>
+        <p:txBody>
+          <a:bodyPr/>
+          <a:p>
             <a:endParaRPr lang="en-US"/>
           </a:p>
-          <a:p>
-            <a:r>
-              <a:rPr lang="en-US">
-                <a:sym typeface="+mn-ea"/>
-              </a:rPr>
-              <a:t>swap_ranges</a:t>
-            </a:r>
-            <a:endParaRPr lang="en-US">
-              <a:sym typeface="+mn-ea"/>
-            </a:endParaRPr>
-          </a:p>
-          <a:p>
-            <a:r>
-              <a:rPr lang="en-US">
-                <a:sym typeface="+mn-ea"/>
-              </a:rPr>
-              <a:t>shuffle, sample</a:t>
-            </a:r>
-            <a:endParaRPr lang="en-US"/>
-          </a:p>
-          <a:p>
-            <a:r>
-              <a:rPr lang="en-US"/>
-              <a:t>shift_left, shift_right</a:t>
-            </a:r>
-            <a:endParaRPr lang="en-US"/>
-          </a:p>
-          <a:p>
-            <a:r>
-              <a:rPr lang="en-US"/>
-              <a:t>rotate, rotate_copy</a:t>
-            </a:r>
-            <a:endParaRPr lang="en-US"/>
-          </a:p>
-          <a:p>
-            <a:r>
-              <a:rPr lang="en-US"/>
-              <a:t>reverse, reverse_copy</a:t>
-            </a:r>
-            <a:endParaRPr lang="en-US"/>
-          </a:p>
-        </p:txBody>
-      </p:sp>
+        </p:txBody>
+      </p:sp>
+    </p:spTree>
+  </p:cSld>
+  <p:clrMapOvr>
+    <a:masterClrMapping/>
+  </p:clrMapOvr>
+</p:sld>
+</file>
+
+<file path=ppt/slides/slide19.xml><?xml version="1.0" encoding="utf-8"?>
+<p:sld xmlns:a="http://schemas.openxmlformats.org/drawingml/2006/main" xmlns:r="http://schemas.openxmlformats.org/officeDocument/2006/relationships" xmlns:p="http://schemas.openxmlformats.org/presentationml/2006/main">
+  <p:cSld>
+    <p:spTree>
+      <p:nvGrpSpPr>
+        <p:cNvPr id="1" name=""/>
+        <p:cNvGrpSpPr/>
+        <p:nvPr/>
+      </p:nvGrpSpPr>
+      <p:grpSpPr/>
+      <p:sp>
+        <p:nvSpPr>
+          <p:cNvPr id="5" name="Title 4"/>
+          <p:cNvSpPr>
+            <a:spLocks noGrp="1"/>
+          </p:cNvSpPr>
+          <p:nvPr>
+            <p:ph type="title"/>
+          </p:nvPr>
+        </p:nvSpPr>
+        <p:spPr/>
+        <p:txBody>
+          <a:bodyPr/>
+          <a:p>
+            <a:r>
+              <a:rPr lang="zh-CN" altLang="en-US"/>
+              <a:t>不同版本的</a:t>
+            </a:r>
+            <a:r>
+              <a:rPr lang="en-US" altLang="zh-CN"/>
+              <a:t> set </a:t>
+            </a:r>
+            <a:r>
+              <a:rPr lang="zh-CN" altLang="en-US"/>
+              <a:t>容器比较</a:t>
+            </a:r>
+            <a:endParaRPr lang="zh-CN" altLang="en-US"/>
+          </a:p>
+        </p:txBody>
+      </p:sp>
+      <p:graphicFrame>
+        <p:nvGraphicFramePr>
+          <p:cNvPr id="8" name="Content Placeholder 7"/>
+          <p:cNvGraphicFramePr/>
+          <p:nvPr>
+            <p:ph idx="1"/>
+          </p:nvPr>
+        </p:nvGraphicFramePr>
+        <p:xfrm>
+          <a:off x="609600" y="1174750"/>
+          <a:ext cx="10972800" cy="2286000"/>
+        </p:xfrm>
+        <a:graphic>
+          <a:graphicData uri="http://schemas.openxmlformats.org/drawingml/2006/table">
+            <a:tbl>
+              <a:tblPr firstRow="1" bandRow="1">
+                <a:tableStyleId>{5C22544A-7EE6-4342-B048-85BDC9FD1C3A}</a:tableStyleId>
+              </a:tblPr>
+              <a:tblGrid>
+                <a:gridCol w="2194560"/>
+                <a:gridCol w="2194560"/>
+                <a:gridCol w="2194560"/>
+                <a:gridCol w="2194560"/>
+                <a:gridCol w="2194560"/>
+              </a:tblGrid>
+              <a:tr h="381000">
+                <a:tc>
+                  <a:txBody>
+                    <a:bodyPr/>
+                    <a:p>
+                      <a:pPr>
+                        <a:buNone/>
+                      </a:pPr>
+                      <a:r>
+                        <a:rPr lang="zh-CN" altLang="en-US"/>
+                        <a:t>类型</a:t>
+                      </a:r>
+                      <a:endParaRPr lang="zh-CN" altLang="en-US"/>
+                    </a:p>
+                  </a:txBody>
+                  <a:tcPr/>
+                </a:tc>
+                <a:tc>
+                  <a:txBody>
+                    <a:bodyPr/>
+                    <a:p>
+                      <a:pPr>
+                        <a:buNone/>
+                      </a:pPr>
+                      <a:r>
+                        <a:rPr lang="zh-CN" altLang="en-US"/>
+                        <a:t>去重</a:t>
+                      </a:r>
+                      <a:endParaRPr lang="zh-CN" altLang="en-US"/>
+                    </a:p>
+                  </a:txBody>
+                  <a:tcPr/>
+                </a:tc>
+                <a:tc>
+                  <a:txBody>
+                    <a:bodyPr/>
+                    <a:p>
+                      <a:pPr>
+                        <a:buNone/>
+                      </a:pPr>
+                      <a:r>
+                        <a:rPr lang="zh-CN" altLang="en-US"/>
+                        <a:t>排序</a:t>
+                      </a:r>
+                      <a:endParaRPr lang="zh-CN" altLang="en-US"/>
+                    </a:p>
+                  </a:txBody>
+                  <a:tcPr/>
+                </a:tc>
+                <a:tc>
+                  <a:txBody>
+                    <a:bodyPr/>
+                    <a:p>
+                      <a:pPr>
+                        <a:buNone/>
+                      </a:pPr>
+                      <a:r>
+                        <a:rPr lang="zh-CN" altLang="en-US"/>
+                        <a:t>查找</a:t>
+                      </a:r>
+                      <a:endParaRPr lang="zh-CN" altLang="en-US"/>
+                    </a:p>
+                  </a:txBody>
+                  <a:tcPr/>
+                </a:tc>
+                <a:tc>
+                  <a:txBody>
+                    <a:bodyPr/>
+                    <a:p>
+                      <a:pPr>
+                        <a:buNone/>
+                      </a:pPr>
+                      <a:r>
+                        <a:rPr lang="zh-CN" altLang="en-US"/>
+                        <a:t>插入</a:t>
+                      </a:r>
+                      <a:endParaRPr lang="zh-CN" altLang="en-US"/>
+                    </a:p>
+                  </a:txBody>
+                  <a:tcPr/>
+                </a:tc>
+              </a:tr>
+              <a:tr h="381000">
+                <a:tc>
+                  <a:txBody>
+                    <a:bodyPr/>
+                    <a:p>
+                      <a:pPr>
+                        <a:buNone/>
+                      </a:pPr>
+                      <a:r>
+                        <a:rPr lang="en-US"/>
+                        <a:t>vector</a:t>
+                      </a:r>
+                      <a:endParaRPr lang="en-US"/>
+                    </a:p>
+                  </a:txBody>
+                  <a:tcPr/>
+                </a:tc>
+                <a:tc>
+                  <a:txBody>
+                    <a:bodyPr/>
+                    <a:p>
+                      <a:pPr>
+                        <a:buNone/>
+                      </a:pPr>
+                      <a:r>
+                        <a:rPr lang="zh-CN" altLang="en-US">
+                          <a:solidFill>
+                            <a:srgbClr val="FF0000"/>
+                          </a:solidFill>
+                        </a:rPr>
+                        <a:t>×</a:t>
+                      </a:r>
+                      <a:r>
+                        <a:rPr lang="en-US" altLang="zh-CN">
+                          <a:solidFill>
+                            <a:srgbClr val="FF0000"/>
+                          </a:solidFill>
+                        </a:rPr>
+                        <a:t> </a:t>
+                      </a:r>
+                      <a:r>
+                        <a:rPr lang="zh-CN" altLang="en-US"/>
+                        <a:t>元素可是任意值</a:t>
+                      </a:r>
+                      <a:endParaRPr lang="zh-CN" altLang="en-US"/>
+                    </a:p>
+                  </a:txBody>
+                  <a:tcPr/>
+                </a:tc>
+                <a:tc>
+                  <a:txBody>
+                    <a:bodyPr/>
+                    <a:p>
+                      <a:pPr>
+                        <a:buNone/>
+                      </a:pPr>
+                      <a:r>
+                        <a:rPr lang="zh-CN" altLang="en-US">
+                          <a:solidFill>
+                            <a:srgbClr val="FF0000"/>
+                          </a:solidFill>
+                        </a:rPr>
+                        <a:t>×</a:t>
+                      </a:r>
+                      <a:r>
+                        <a:rPr lang="en-US" altLang="zh-CN"/>
+                        <a:t> </a:t>
+                      </a:r>
+                      <a:r>
+                        <a:rPr lang="zh-CN" altLang="en-US"/>
+                        <a:t>维持</a:t>
+                      </a:r>
+                      <a:r>
+                        <a:rPr lang="zh-CN" altLang="en-US"/>
+                        <a:t>插入时顺序</a:t>
+                      </a:r>
+                      <a:endParaRPr lang="zh-CN" altLang="en-US"/>
+                    </a:p>
+                  </a:txBody>
+                  <a:tcPr/>
+                </a:tc>
+                <a:tc>
+                  <a:txBody>
+                    <a:bodyPr/>
+                    <a:p>
+                      <a:pPr>
+                        <a:buNone/>
+                      </a:pPr>
+                      <a:r>
+                        <a:rPr lang="en-US">
+                          <a:solidFill>
+                            <a:srgbClr val="FF0000"/>
+                          </a:solidFill>
+                        </a:rPr>
+                        <a:t>O(n)</a:t>
+                      </a:r>
+                      <a:r>
+                        <a:rPr lang="zh-CN" altLang="en-US"/>
+                        <a:t>，</a:t>
+                      </a:r>
+                      <a:r>
+                        <a:rPr lang="zh-CN" altLang="en-US">
+                          <a:solidFill>
+                            <a:srgbClr val="FF0000"/>
+                          </a:solidFill>
+                        </a:rPr>
+                        <a:t>需要遍历</a:t>
+                      </a:r>
+                      <a:endParaRPr lang="zh-CN" altLang="en-US">
+                        <a:solidFill>
+                          <a:srgbClr val="FF0000"/>
+                        </a:solidFill>
+                      </a:endParaRPr>
+                    </a:p>
+                  </a:txBody>
+                  <a:tcPr/>
+                </a:tc>
+                <a:tc>
+                  <a:txBody>
+                    <a:bodyPr/>
+                    <a:p>
+                      <a:pPr>
+                        <a:buNone/>
+                      </a:pPr>
+                      <a:r>
+                        <a:rPr lang="zh-CN" altLang="en-US"/>
+                        <a:t>尾部</a:t>
+                      </a:r>
+                      <a:r>
+                        <a:rPr lang="en-US">
+                          <a:solidFill>
+                            <a:srgbClr val="00B050"/>
+                          </a:solidFill>
+                        </a:rPr>
+                        <a:t>O(1)</a:t>
+                      </a:r>
+                      <a:r>
+                        <a:rPr lang="en-US"/>
+                        <a:t> </a:t>
+                      </a:r>
+                      <a:r>
+                        <a:rPr lang="zh-CN" altLang="en-US"/>
+                        <a:t>头部</a:t>
+                      </a:r>
+                      <a:r>
+                        <a:rPr lang="en-US" altLang="zh-CN">
+                          <a:solidFill>
+                            <a:srgbClr val="FF0000"/>
+                          </a:solidFill>
+                        </a:rPr>
+                        <a:t>O(n)</a:t>
+                      </a:r>
+                      <a:endParaRPr lang="en-US" altLang="zh-CN">
+                        <a:solidFill>
+                          <a:srgbClr val="FF0000"/>
+                        </a:solidFill>
+                      </a:endParaRPr>
+                    </a:p>
+                  </a:txBody>
+                  <a:tcPr/>
+                </a:tc>
+              </a:tr>
+              <a:tr h="381000">
+                <a:tc>
+                  <a:txBody>
+                    <a:bodyPr/>
+                    <a:p>
+                      <a:pPr>
+                        <a:buNone/>
+                      </a:pPr>
+                      <a:r>
+                        <a:rPr lang="en-US"/>
+                        <a:t>set</a:t>
+                      </a:r>
+                      <a:endParaRPr lang="en-US"/>
+                    </a:p>
+                  </a:txBody>
+                  <a:tcPr/>
+                </a:tc>
+                <a:tc>
+                  <a:txBody>
+                    <a:bodyPr/>
+                    <a:p>
+                      <a:pPr>
+                        <a:buNone/>
+                      </a:pPr>
+                      <a:r>
+                        <a:rPr lang="en-US">
+                          <a:solidFill>
+                            <a:srgbClr val="00B050"/>
+                          </a:solidFill>
+                        </a:rPr>
+                        <a:t>√ </a:t>
+                      </a:r>
+                      <a:r>
+                        <a:rPr lang="zh-CN" altLang="en-US"/>
+                        <a:t>不会有重复元素</a:t>
+                      </a:r>
+                      <a:endParaRPr lang="zh-CN" altLang="en-US"/>
+                    </a:p>
+                  </a:txBody>
+                  <a:tcPr/>
+                </a:tc>
+                <a:tc>
+                  <a:txBody>
+                    <a:bodyPr/>
+                    <a:p>
+                      <a:pPr>
+                        <a:buNone/>
+                      </a:pPr>
+                      <a:r>
+                        <a:rPr lang="en-US">
+                          <a:solidFill>
+                            <a:srgbClr val="00B050"/>
+                          </a:solidFill>
+                        </a:rPr>
+                        <a:t>√ </a:t>
+                      </a:r>
+                      <a:r>
+                        <a:rPr lang="zh-CN" altLang="en-US"/>
+                        <a:t>从小到大排序</a:t>
+                      </a:r>
+                      <a:endParaRPr lang="zh-CN" altLang="en-US"/>
+                    </a:p>
+                  </a:txBody>
+                  <a:tcPr/>
+                </a:tc>
+                <a:tc>
+                  <a:txBody>
+                    <a:bodyPr/>
+                    <a:p>
+                      <a:pPr>
+                        <a:buNone/>
+                      </a:pPr>
+                      <a:r>
+                        <a:rPr lang="en-US"/>
+                        <a:t>O(logn)</a:t>
+                      </a:r>
+                      <a:r>
+                        <a:rPr lang="zh-CN" altLang="en-US"/>
+                        <a:t>，</a:t>
+                      </a:r>
+                      <a:r>
+                        <a:rPr lang="zh-CN" altLang="en-US">
+                          <a:solidFill>
+                            <a:srgbClr val="00B050"/>
+                          </a:solidFill>
+                        </a:rPr>
+                        <a:t>稳定</a:t>
+                      </a:r>
+                      <a:endParaRPr lang="zh-CN" altLang="en-US">
+                        <a:solidFill>
+                          <a:srgbClr val="00B050"/>
+                        </a:solidFill>
+                      </a:endParaRPr>
+                    </a:p>
+                  </a:txBody>
+                  <a:tcPr/>
+                </a:tc>
+                <a:tc>
+                  <a:txBody>
+                    <a:bodyPr/>
+                    <a:p>
+                      <a:pPr>
+                        <a:buNone/>
+                      </a:pPr>
+                      <a:r>
+                        <a:rPr lang="en-US" sz="1800">
+                          <a:sym typeface="+mn-ea"/>
+                        </a:rPr>
+                        <a:t>O(logn)</a:t>
+                      </a:r>
+                      <a:r>
+                        <a:rPr lang="zh-CN" altLang="en-US" sz="1800">
+                          <a:sym typeface="+mn-ea"/>
+                        </a:rPr>
+                        <a:t>，</a:t>
+                      </a:r>
+                      <a:r>
+                        <a:rPr lang="zh-CN" altLang="en-US" sz="1800">
+                          <a:solidFill>
+                            <a:srgbClr val="00B050"/>
+                          </a:solidFill>
+                          <a:sym typeface="+mn-ea"/>
+                        </a:rPr>
+                        <a:t>稳定</a:t>
+                      </a:r>
+                      <a:endParaRPr lang="zh-CN" altLang="en-US" sz="1800">
+                        <a:solidFill>
+                          <a:srgbClr val="00B050"/>
+                        </a:solidFill>
+                        <a:sym typeface="+mn-ea"/>
+                      </a:endParaRPr>
+                    </a:p>
+                  </a:txBody>
+                  <a:tcPr/>
+                </a:tc>
+              </a:tr>
+              <a:tr h="381000">
+                <a:tc>
+                  <a:txBody>
+                    <a:bodyPr/>
+                    <a:p>
+                      <a:pPr>
+                        <a:buNone/>
+                      </a:pPr>
+                      <a:r>
+                        <a:rPr lang="en-US"/>
+                        <a:t>multiset</a:t>
+                      </a:r>
+                      <a:endParaRPr lang="en-US"/>
+                    </a:p>
+                  </a:txBody>
+                  <a:tcPr/>
+                </a:tc>
+                <a:tc>
+                  <a:txBody>
+                    <a:bodyPr/>
+                    <a:p>
+                      <a:pPr>
+                        <a:buNone/>
+                      </a:pPr>
+                      <a:r>
+                        <a:rPr lang="zh-CN" altLang="en-US" sz="1800">
+                          <a:solidFill>
+                            <a:srgbClr val="FF0000"/>
+                          </a:solidFill>
+                          <a:sym typeface="+mn-ea"/>
+                        </a:rPr>
+                        <a:t>×</a:t>
+                      </a:r>
+                      <a:r>
+                        <a:rPr lang="en-US" altLang="zh-CN" sz="1800">
+                          <a:sym typeface="+mn-ea"/>
+                        </a:rPr>
+                        <a:t> </a:t>
+                      </a:r>
+                      <a:r>
+                        <a:rPr lang="zh-CN" altLang="en-US" sz="1800">
+                          <a:sym typeface="+mn-ea"/>
+                        </a:rPr>
+                        <a:t>重复元素紧挨着</a:t>
+                      </a:r>
+                      <a:endParaRPr lang="zh-CN" altLang="en-US" sz="1800">
+                        <a:sym typeface="+mn-ea"/>
+                      </a:endParaRPr>
+                    </a:p>
+                  </a:txBody>
+                  <a:tcPr/>
+                </a:tc>
+                <a:tc>
+                  <a:txBody>
+                    <a:bodyPr/>
+                    <a:p>
+                      <a:pPr>
+                        <a:buNone/>
+                      </a:pPr>
+                      <a:r>
+                        <a:rPr lang="en-US" sz="1800">
+                          <a:solidFill>
+                            <a:srgbClr val="00B050"/>
+                          </a:solidFill>
+                          <a:sym typeface="+mn-ea"/>
+                        </a:rPr>
+                        <a:t>√ </a:t>
+                      </a:r>
+                      <a:r>
+                        <a:rPr lang="zh-CN" altLang="en-US" sz="1800">
+                          <a:sym typeface="+mn-ea"/>
+                        </a:rPr>
+                        <a:t>从小到大排序</a:t>
+                      </a:r>
+                      <a:endParaRPr lang="en-US"/>
+                    </a:p>
+                  </a:txBody>
+                  <a:tcPr/>
+                </a:tc>
+                <a:tc>
+                  <a:txBody>
+                    <a:bodyPr/>
+                    <a:p>
+                      <a:pPr>
+                        <a:buNone/>
+                      </a:pPr>
+                      <a:r>
+                        <a:rPr lang="en-US" sz="1800">
+                          <a:sym typeface="+mn-ea"/>
+                        </a:rPr>
+                        <a:t>O(logn)</a:t>
+                      </a:r>
+                      <a:r>
+                        <a:rPr lang="zh-CN" altLang="en-US" sz="1800">
+                          <a:sym typeface="+mn-ea"/>
+                        </a:rPr>
+                        <a:t>，</a:t>
+                      </a:r>
+                      <a:r>
+                        <a:rPr lang="zh-CN" altLang="en-US" sz="1800">
+                          <a:solidFill>
+                            <a:srgbClr val="00B050"/>
+                          </a:solidFill>
+                          <a:sym typeface="+mn-ea"/>
+                        </a:rPr>
+                        <a:t>稳定</a:t>
+                      </a:r>
+                      <a:endParaRPr lang="zh-CN" altLang="en-US" sz="1800">
+                        <a:solidFill>
+                          <a:srgbClr val="00B050"/>
+                        </a:solidFill>
+                        <a:sym typeface="+mn-ea"/>
+                      </a:endParaRPr>
+                    </a:p>
+                  </a:txBody>
+                  <a:tcPr/>
+                </a:tc>
+                <a:tc>
+                  <a:txBody>
+                    <a:bodyPr/>
+                    <a:p>
+                      <a:pPr>
+                        <a:buNone/>
+                      </a:pPr>
+                      <a:r>
+                        <a:rPr lang="en-US" sz="1800">
+                          <a:sym typeface="+mn-ea"/>
+                        </a:rPr>
+                        <a:t>O(logn)</a:t>
+                      </a:r>
+                      <a:r>
+                        <a:rPr lang="zh-CN" altLang="en-US" sz="1800">
+                          <a:sym typeface="+mn-ea"/>
+                        </a:rPr>
+                        <a:t>，</a:t>
+                      </a:r>
+                      <a:r>
+                        <a:rPr lang="zh-CN" altLang="en-US" sz="1800">
+                          <a:solidFill>
+                            <a:srgbClr val="00B050"/>
+                          </a:solidFill>
+                          <a:sym typeface="+mn-ea"/>
+                        </a:rPr>
+                        <a:t>稳定</a:t>
+                      </a:r>
+                      <a:endParaRPr lang="zh-CN" altLang="en-US" sz="1800">
+                        <a:solidFill>
+                          <a:srgbClr val="00B050"/>
+                        </a:solidFill>
+                        <a:sym typeface="+mn-ea"/>
+                      </a:endParaRPr>
+                    </a:p>
+                  </a:txBody>
+                  <a:tcPr/>
+                </a:tc>
+              </a:tr>
+              <a:tr h="381000">
+                <a:tc>
+                  <a:txBody>
+                    <a:bodyPr/>
+                    <a:p>
+                      <a:pPr>
+                        <a:buNone/>
+                      </a:pPr>
+                      <a:r>
+                        <a:rPr lang="en-US"/>
+                        <a:t>unordered_set</a:t>
+                      </a:r>
+                      <a:endParaRPr lang="en-US"/>
+                    </a:p>
+                  </a:txBody>
+                  <a:tcPr/>
+                </a:tc>
+                <a:tc>
+                  <a:txBody>
+                    <a:bodyPr/>
+                    <a:p>
+                      <a:pPr>
+                        <a:buNone/>
+                      </a:pPr>
+                      <a:r>
+                        <a:rPr lang="en-US" sz="1800">
+                          <a:solidFill>
+                            <a:srgbClr val="00B050"/>
+                          </a:solidFill>
+                          <a:sym typeface="+mn-ea"/>
+                        </a:rPr>
+                        <a:t>√ </a:t>
+                      </a:r>
+                      <a:r>
+                        <a:rPr lang="zh-CN" altLang="en-US" sz="1800">
+                          <a:sym typeface="+mn-ea"/>
+                        </a:rPr>
+                        <a:t>不会有重复元素</a:t>
+                      </a:r>
+                      <a:endParaRPr lang="en-US"/>
+                    </a:p>
+                  </a:txBody>
+                  <a:tcPr/>
+                </a:tc>
+                <a:tc>
+                  <a:txBody>
+                    <a:bodyPr/>
+                    <a:p>
+                      <a:pPr>
+                        <a:buNone/>
+                      </a:pPr>
+                      <a:r>
+                        <a:rPr lang="zh-CN" altLang="en-US">
+                          <a:solidFill>
+                            <a:srgbClr val="FF0000"/>
+                          </a:solidFill>
+                        </a:rPr>
+                        <a:t>×</a:t>
+                      </a:r>
+                      <a:r>
+                        <a:rPr lang="en-US" altLang="zh-CN"/>
+                        <a:t> </a:t>
+                      </a:r>
+                      <a:r>
+                        <a:rPr lang="zh-CN" altLang="en-US"/>
+                        <a:t>随机打乱顺序</a:t>
+                      </a:r>
+                      <a:endParaRPr lang="zh-CN" altLang="en-US"/>
+                    </a:p>
+                  </a:txBody>
+                  <a:tcPr/>
+                </a:tc>
+                <a:tc>
+                  <a:txBody>
+                    <a:bodyPr/>
+                    <a:p>
+                      <a:pPr>
+                        <a:buNone/>
+                      </a:pPr>
+                      <a:r>
+                        <a:rPr lang="en-US" sz="1800">
+                          <a:solidFill>
+                            <a:srgbClr val="00B050"/>
+                          </a:solidFill>
+                          <a:sym typeface="+mn-ea"/>
+                        </a:rPr>
+                        <a:t>O(1)</a:t>
+                      </a:r>
+                      <a:r>
+                        <a:rPr lang="zh-CN" altLang="en-US" sz="1800">
+                          <a:sym typeface="+mn-ea"/>
+                        </a:rPr>
+                        <a:t>，</a:t>
+                      </a:r>
+                      <a:r>
+                        <a:rPr lang="zh-CN" altLang="en-US" sz="1800">
+                          <a:solidFill>
+                            <a:srgbClr val="FF0000"/>
+                          </a:solidFill>
+                          <a:sym typeface="+mn-ea"/>
+                        </a:rPr>
+                        <a:t>时快时慢</a:t>
+                      </a:r>
+                      <a:endParaRPr lang="zh-CN" altLang="en-US" sz="1800">
+                        <a:solidFill>
+                          <a:srgbClr val="FF0000"/>
+                        </a:solidFill>
+                        <a:sym typeface="+mn-ea"/>
+                      </a:endParaRPr>
+                    </a:p>
+                  </a:txBody>
+                  <a:tcPr/>
+                </a:tc>
+                <a:tc>
+                  <a:txBody>
+                    <a:bodyPr/>
+                    <a:p>
+                      <a:pPr>
+                        <a:buNone/>
+                      </a:pPr>
+                      <a:r>
+                        <a:rPr lang="en-US" sz="1800">
+                          <a:sym typeface="+mn-ea"/>
+                        </a:rPr>
+                        <a:t>O(logn)</a:t>
+                      </a:r>
+                      <a:r>
+                        <a:rPr lang="zh-CN" altLang="en-US" sz="1800">
+                          <a:sym typeface="+mn-ea"/>
+                        </a:rPr>
+                        <a:t>，</a:t>
+                      </a:r>
+                      <a:r>
+                        <a:rPr lang="zh-CN" altLang="en-US" sz="1800">
+                          <a:solidFill>
+                            <a:srgbClr val="FF0000"/>
+                          </a:solidFill>
+                          <a:sym typeface="+mn-ea"/>
+                        </a:rPr>
+                        <a:t>时快时慢</a:t>
+                      </a:r>
+                      <a:endParaRPr lang="zh-CN" altLang="en-US" sz="1800">
+                        <a:solidFill>
+                          <a:srgbClr val="FF0000"/>
+                        </a:solidFill>
+                        <a:sym typeface="+mn-ea"/>
+                      </a:endParaRPr>
+                    </a:p>
+                  </a:txBody>
+                  <a:tcPr/>
+                </a:tc>
+              </a:tr>
+              <a:tr h="381000">
+                <a:tc>
+                  <a:txBody>
+                    <a:bodyPr/>
+                    <a:p>
+                      <a:pPr>
+                        <a:buNone/>
+                      </a:pPr>
+                      <a:r>
+                        <a:rPr lang="en-US"/>
+                        <a:t>unordered_multiset</a:t>
+                      </a:r>
+                      <a:endParaRPr lang="en-US"/>
+                    </a:p>
+                  </a:txBody>
+                  <a:tcPr/>
+                </a:tc>
+                <a:tc>
+                  <a:txBody>
+                    <a:bodyPr/>
+                    <a:p>
+                      <a:pPr>
+                        <a:buNone/>
+                      </a:pPr>
+                      <a:r>
+                        <a:rPr lang="zh-CN" altLang="en-US" sz="1800">
+                          <a:solidFill>
+                            <a:srgbClr val="FF0000"/>
+                          </a:solidFill>
+                          <a:sym typeface="+mn-ea"/>
+                        </a:rPr>
+                        <a:t>×</a:t>
+                      </a:r>
+                      <a:r>
+                        <a:rPr lang="en-US" altLang="zh-CN" sz="1800">
+                          <a:sym typeface="+mn-ea"/>
+                        </a:rPr>
+                        <a:t> </a:t>
+                      </a:r>
+                      <a:r>
+                        <a:rPr lang="zh-CN" altLang="en-US" sz="1800">
+                          <a:sym typeface="+mn-ea"/>
+                        </a:rPr>
+                        <a:t>重复元素紧挨着</a:t>
+                      </a:r>
+                      <a:endParaRPr lang="en-US"/>
+                    </a:p>
+                  </a:txBody>
+                  <a:tcPr/>
+                </a:tc>
+                <a:tc>
+                  <a:txBody>
+                    <a:bodyPr/>
+                    <a:p>
+                      <a:pPr>
+                        <a:buNone/>
+                      </a:pPr>
+                      <a:r>
+                        <a:rPr lang="zh-CN" altLang="en-US" sz="1800">
+                          <a:solidFill>
+                            <a:srgbClr val="FF0000"/>
+                          </a:solidFill>
+                          <a:sym typeface="+mn-ea"/>
+                        </a:rPr>
+                        <a:t>×</a:t>
+                      </a:r>
+                      <a:r>
+                        <a:rPr lang="en-US" altLang="zh-CN" sz="1800">
+                          <a:sym typeface="+mn-ea"/>
+                        </a:rPr>
+                        <a:t> </a:t>
+                      </a:r>
+                      <a:r>
+                        <a:rPr lang="zh-CN" altLang="en-US" sz="1800">
+                          <a:sym typeface="+mn-ea"/>
+                        </a:rPr>
+                        <a:t>随机打乱顺序</a:t>
+                      </a:r>
+                      <a:endParaRPr lang="en-US"/>
+                    </a:p>
+                  </a:txBody>
+                  <a:tcPr/>
+                </a:tc>
+                <a:tc>
+                  <a:txBody>
+                    <a:bodyPr/>
+                    <a:p>
+                      <a:pPr>
+                        <a:buNone/>
+                      </a:pPr>
+                      <a:r>
+                        <a:rPr lang="en-US" sz="1800">
+                          <a:solidFill>
+                            <a:srgbClr val="00B050"/>
+                          </a:solidFill>
+                          <a:sym typeface="+mn-ea"/>
+                        </a:rPr>
+                        <a:t>O(1)</a:t>
+                      </a:r>
+                      <a:r>
+                        <a:rPr lang="zh-CN" altLang="en-US" sz="1800">
+                          <a:sym typeface="+mn-ea"/>
+                        </a:rPr>
+                        <a:t>，</a:t>
+                      </a:r>
+                      <a:r>
+                        <a:rPr lang="zh-CN" altLang="en-US" sz="1800">
+                          <a:solidFill>
+                            <a:srgbClr val="FF0000"/>
+                          </a:solidFill>
+                          <a:sym typeface="+mn-ea"/>
+                        </a:rPr>
+                        <a:t>时快时慢</a:t>
+                      </a:r>
+                      <a:endParaRPr lang="zh-CN" altLang="en-US" sz="1800">
+                        <a:solidFill>
+                          <a:srgbClr val="FF0000"/>
+                        </a:solidFill>
+                        <a:sym typeface="+mn-ea"/>
+                      </a:endParaRPr>
+                    </a:p>
+                  </a:txBody>
+                  <a:tcPr/>
+                </a:tc>
+                <a:tc>
+                  <a:txBody>
+                    <a:bodyPr/>
+                    <a:p>
+                      <a:pPr>
+                        <a:buNone/>
+                      </a:pPr>
+                      <a:r>
+                        <a:rPr lang="en-US" sz="1800">
+                          <a:sym typeface="+mn-ea"/>
+                        </a:rPr>
+                        <a:t>O(logn)</a:t>
+                      </a:r>
+                      <a:r>
+                        <a:rPr lang="zh-CN" altLang="en-US" sz="1800">
+                          <a:sym typeface="+mn-ea"/>
+                        </a:rPr>
+                        <a:t>，</a:t>
+                      </a:r>
+                      <a:r>
+                        <a:rPr lang="zh-CN" altLang="en-US" sz="1800">
+                          <a:solidFill>
+                            <a:srgbClr val="FF0000"/>
+                          </a:solidFill>
+                          <a:sym typeface="+mn-ea"/>
+                        </a:rPr>
+                        <a:t>时快时慢</a:t>
+                      </a:r>
+                      <a:endParaRPr lang="zh-CN" altLang="en-US" sz="1800">
+                        <a:solidFill>
+                          <a:srgbClr val="FF0000"/>
+                        </a:solidFill>
+                        <a:sym typeface="+mn-ea"/>
+                      </a:endParaRPr>
+                    </a:p>
+                  </a:txBody>
+                  <a:tcPr/>
+                </a:tc>
+              </a:tr>
+            </a:tbl>
+          </a:graphicData>
+        </a:graphic>
+      </p:graphicFrame>
     </p:spTree>
   </p:cSld>
   <p:clrMapOvr>
@@ -5023,6 +7548,885 @@
           </a:ln>
         </p:spPr>
       </p:pic>
+    </p:spTree>
+  </p:cSld>
+  <p:clrMapOvr>
+    <a:masterClrMapping/>
+  </p:clrMapOvr>
+</p:sld>
+</file>
+
+<file path=ppt/slides/slide20.xml><?xml version="1.0" encoding="utf-8"?>
+<p:sld xmlns:a="http://schemas.openxmlformats.org/drawingml/2006/main" xmlns:r="http://schemas.openxmlformats.org/officeDocument/2006/relationships" xmlns:p="http://schemas.openxmlformats.org/presentationml/2006/main">
+  <p:cSld>
+    <p:spTree>
+      <p:nvGrpSpPr>
+        <p:cNvPr id="1" name=""/>
+        <p:cNvGrpSpPr/>
+        <p:nvPr/>
+      </p:nvGrpSpPr>
+      <p:grpSpPr/>
+      <p:sp>
+        <p:nvSpPr>
+          <p:cNvPr id="2" name="Title 1"/>
+          <p:cNvSpPr>
+            <a:spLocks noGrp="1"/>
+          </p:cNvSpPr>
+          <p:nvPr>
+            <p:ph type="title"/>
+          </p:nvPr>
+        </p:nvSpPr>
+        <p:spPr/>
+        <p:txBody>
+          <a:bodyPr/>
+          <a:p>
+            <a:r>
+              <a:rPr lang="en-US"/>
+              <a:t>algorithm</a:t>
+            </a:r>
+            <a:endParaRPr lang="en-US"/>
+          </a:p>
+        </p:txBody>
+      </p:sp>
+      <p:pic>
+        <p:nvPicPr>
+          <p:cNvPr id="4" name="Content Placeholder 3"/>
+          <p:cNvPicPr>
+            <a:picLocks noChangeAspect="1"/>
+          </p:cNvPicPr>
+          <p:nvPr>
+            <p:ph idx="1"/>
+          </p:nvPr>
+        </p:nvPicPr>
+        <p:blipFill>
+          <a:blip r:embed="rId1"/>
+          <a:stretch>
+            <a:fillRect/>
+          </a:stretch>
+        </p:blipFill>
+        <p:spPr>
+          <a:xfrm>
+            <a:off x="2957195" y="837565"/>
+            <a:ext cx="5896610" cy="6020435"/>
+          </a:xfrm>
+          <a:prstGeom prst="rect">
+            <a:avLst/>
+          </a:prstGeom>
+        </p:spPr>
+      </p:pic>
+    </p:spTree>
+  </p:cSld>
+  <p:clrMapOvr>
+    <a:masterClrMapping/>
+  </p:clrMapOvr>
+</p:sld>
+</file>
+
+<file path=ppt/slides/slide21.xml><?xml version="1.0" encoding="utf-8"?>
+<p:sld xmlns:a="http://schemas.openxmlformats.org/drawingml/2006/main" xmlns:r="http://schemas.openxmlformats.org/officeDocument/2006/relationships" xmlns:p="http://schemas.openxmlformats.org/presentationml/2006/main">
+  <p:cSld>
+    <p:spTree>
+      <p:nvGrpSpPr>
+        <p:cNvPr id="1" name=""/>
+        <p:cNvGrpSpPr/>
+        <p:nvPr/>
+      </p:nvGrpSpPr>
+      <p:grpSpPr/>
+      <p:sp>
+        <p:nvSpPr>
+          <p:cNvPr id="2" name="Title 1"/>
+          <p:cNvSpPr>
+            <a:spLocks noGrp="1"/>
+          </p:cNvSpPr>
+          <p:nvPr>
+            <p:ph type="title"/>
+          </p:nvPr>
+        </p:nvSpPr>
+        <p:spPr/>
+        <p:txBody>
+          <a:bodyPr/>
+          <a:p>
+            <a:r>
+              <a:rPr lang="en-US"/>
+              <a:t>algorithm</a:t>
+            </a:r>
+            <a:endParaRPr lang="en-US"/>
+          </a:p>
+        </p:txBody>
+      </p:sp>
+      <p:sp>
+        <p:nvSpPr>
+          <p:cNvPr id="3" name="Content Placeholder 2"/>
+          <p:cNvSpPr>
+            <a:spLocks noGrp="1"/>
+          </p:cNvSpPr>
+          <p:nvPr>
+            <p:ph sz="half" idx="1"/>
+          </p:nvPr>
+        </p:nvSpPr>
+        <p:spPr/>
+        <p:txBody>
+          <a:bodyPr>
+            <a:normAutofit/>
+          </a:bodyPr>
+          <a:p>
+            <a:r>
+              <a:rPr lang="en-US"/>
+              <a:t>copy, copy_n</a:t>
+            </a:r>
+            <a:endParaRPr lang="en-US"/>
+          </a:p>
+          <a:p>
+            <a:r>
+              <a:rPr lang="en-US"/>
+              <a:t>copy_if, copy_if_n</a:t>
+            </a:r>
+            <a:endParaRPr lang="en-US"/>
+          </a:p>
+          <a:p>
+            <a:r>
+              <a:rPr lang="en-US"/>
+              <a:t>copy_backward</a:t>
+            </a:r>
+            <a:endParaRPr lang="en-US"/>
+          </a:p>
+          <a:p>
+            <a:r>
+              <a:rPr lang="en-US"/>
+              <a:t>fill, fill_n</a:t>
+            </a:r>
+            <a:endParaRPr lang="en-US"/>
+          </a:p>
+          <a:p>
+            <a:r>
+              <a:rPr lang="en-US"/>
+              <a:t>for_each, for_each_n</a:t>
+            </a:r>
+            <a:endParaRPr lang="en-US"/>
+          </a:p>
+          <a:p>
+            <a:r>
+              <a:rPr lang="en-US"/>
+              <a:t>remove, remove_if</a:t>
+            </a:r>
+            <a:endParaRPr lang="en-US"/>
+          </a:p>
+          <a:p>
+            <a:r>
+              <a:rPr lang="en-US"/>
+              <a:t>remove_copy, remove_copy_if</a:t>
+            </a:r>
+            <a:endParaRPr lang="en-US"/>
+          </a:p>
+          <a:p>
+            <a:endParaRPr lang="en-US"/>
+          </a:p>
+        </p:txBody>
+      </p:sp>
+      <p:sp>
+        <p:nvSpPr>
+          <p:cNvPr id="4" name="Content Placeholder 3"/>
+          <p:cNvSpPr>
+            <a:spLocks noGrp="1"/>
+          </p:cNvSpPr>
+          <p:nvPr>
+            <p:ph sz="half" idx="2"/>
+          </p:nvPr>
+        </p:nvSpPr>
+        <p:spPr/>
+        <p:txBody>
+          <a:bodyPr/>
+          <a:p>
+            <a:r>
+              <a:rPr lang="en-US">
+                <a:sym typeface="+mn-ea"/>
+              </a:rPr>
+              <a:t>search, search_n</a:t>
+            </a:r>
+            <a:endParaRPr lang="en-US"/>
+          </a:p>
+          <a:p>
+            <a:r>
+              <a:rPr lang="en-US">
+                <a:sym typeface="+mn-ea"/>
+              </a:rPr>
+              <a:t>includes</a:t>
+            </a:r>
+            <a:endParaRPr lang="en-US"/>
+          </a:p>
+          <a:p>
+            <a:r>
+              <a:rPr lang="en-US">
+                <a:sym typeface="+mn-ea"/>
+              </a:rPr>
+              <a:t>mismatch</a:t>
+            </a:r>
+            <a:endParaRPr lang="en-US"/>
+          </a:p>
+          <a:p>
+            <a:r>
+              <a:rPr lang="en-US">
+                <a:sym typeface="+mn-ea"/>
+              </a:rPr>
+              <a:t>find, rfind</a:t>
+            </a:r>
+            <a:endParaRPr lang="en-US"/>
+          </a:p>
+          <a:p>
+            <a:r>
+              <a:rPr lang="en-US">
+                <a:sym typeface="+mn-ea"/>
+              </a:rPr>
+              <a:t>find_first_of, find_end</a:t>
+            </a:r>
+            <a:endParaRPr lang="en-US">
+              <a:sym typeface="+mn-ea"/>
+            </a:endParaRPr>
+          </a:p>
+          <a:p>
+            <a:r>
+              <a:rPr lang="en-US"/>
+              <a:t>replace, replace_if</a:t>
+            </a:r>
+            <a:endParaRPr lang="en-US"/>
+          </a:p>
+          <a:p>
+            <a:r>
+              <a:rPr lang="en-US"/>
+              <a:t>replace_copy, replace_copy_if</a:t>
+            </a:r>
+            <a:endParaRPr lang="en-US"/>
+          </a:p>
+        </p:txBody>
+      </p:sp>
+    </p:spTree>
+  </p:cSld>
+  <p:clrMapOvr>
+    <a:masterClrMapping/>
+  </p:clrMapOvr>
+</p:sld>
+</file>
+
+<file path=ppt/slides/slide22.xml><?xml version="1.0" encoding="utf-8"?>
+<p:sld xmlns:a="http://schemas.openxmlformats.org/drawingml/2006/main" xmlns:r="http://schemas.openxmlformats.org/officeDocument/2006/relationships" xmlns:p="http://schemas.openxmlformats.org/presentationml/2006/main">
+  <p:cSld>
+    <p:spTree>
+      <p:nvGrpSpPr>
+        <p:cNvPr id="1" name=""/>
+        <p:cNvGrpSpPr/>
+        <p:nvPr/>
+      </p:nvGrpSpPr>
+      <p:grpSpPr/>
+      <p:sp>
+        <p:nvSpPr>
+          <p:cNvPr id="2" name="Title 1"/>
+          <p:cNvSpPr>
+            <a:spLocks noGrp="1"/>
+          </p:cNvSpPr>
+          <p:nvPr>
+            <p:ph type="title"/>
+          </p:nvPr>
+        </p:nvSpPr>
+        <p:spPr/>
+        <p:txBody>
+          <a:bodyPr/>
+          <a:p>
+            <a:r>
+              <a:rPr lang="en-US"/>
+              <a:t>algorithm</a:t>
+            </a:r>
+            <a:endParaRPr lang="en-US"/>
+          </a:p>
+        </p:txBody>
+      </p:sp>
+      <p:sp>
+        <p:nvSpPr>
+          <p:cNvPr id="3" name="Content Placeholder 2"/>
+          <p:cNvSpPr>
+            <a:spLocks noGrp="1"/>
+          </p:cNvSpPr>
+          <p:nvPr>
+            <p:ph sz="half" idx="1"/>
+          </p:nvPr>
+        </p:nvSpPr>
+        <p:spPr/>
+        <p:txBody>
+          <a:bodyPr>
+            <a:normAutofit/>
+          </a:bodyPr>
+          <a:p>
+            <a:r>
+              <a:rPr lang="en-US">
+                <a:sym typeface="+mn-ea"/>
+              </a:rPr>
+              <a:t>search, search_n</a:t>
+            </a:r>
+            <a:endParaRPr lang="en-US"/>
+          </a:p>
+          <a:p>
+            <a:r>
+              <a:rPr lang="en-US">
+                <a:sym typeface="+mn-ea"/>
+              </a:rPr>
+              <a:t>mismatch</a:t>
+            </a:r>
+            <a:endParaRPr lang="en-US"/>
+          </a:p>
+          <a:p>
+            <a:r>
+              <a:rPr lang="en-US">
+                <a:sym typeface="+mn-ea"/>
+              </a:rPr>
+              <a:t>find, find_if, find_if_not</a:t>
+            </a:r>
+            <a:endParaRPr lang="en-US"/>
+          </a:p>
+          <a:p>
+            <a:r>
+              <a:rPr lang="en-US">
+                <a:sym typeface="+mn-ea"/>
+              </a:rPr>
+              <a:t>find_first_of, find_end</a:t>
+            </a:r>
+            <a:endParaRPr lang="en-US">
+              <a:sym typeface="+mn-ea"/>
+            </a:endParaRPr>
+          </a:p>
+          <a:p>
+            <a:r>
+              <a:rPr lang="en-US">
+                <a:sym typeface="+mn-ea"/>
+              </a:rPr>
+              <a:t>lexicographical_compare</a:t>
+            </a:r>
+            <a:endParaRPr lang="en-US">
+              <a:sym typeface="+mn-ea"/>
+            </a:endParaRPr>
+          </a:p>
+          <a:p>
+            <a:r>
+              <a:rPr lang="en-US"/>
+              <a:t>equal</a:t>
+            </a:r>
+            <a:endParaRPr lang="en-US"/>
+          </a:p>
+        </p:txBody>
+      </p:sp>
+      <p:sp>
+        <p:nvSpPr>
+          <p:cNvPr id="4" name="Content Placeholder 3"/>
+          <p:cNvSpPr>
+            <a:spLocks noGrp="1"/>
+          </p:cNvSpPr>
+          <p:nvPr>
+            <p:ph sz="half" idx="2"/>
+          </p:nvPr>
+        </p:nvSpPr>
+        <p:spPr>
+          <a:xfrm>
+            <a:off x="5981700" y="1825625"/>
+            <a:ext cx="5748655" cy="4351655"/>
+          </a:xfrm>
+        </p:spPr>
+        <p:txBody>
+          <a:bodyPr/>
+          <a:p>
+            <a:r>
+              <a:rPr lang="en-US">
+                <a:sym typeface="+mn-ea"/>
+              </a:rPr>
+              <a:t>min, max, minmax, </a:t>
+            </a:r>
+            <a:r>
+              <a:rPr lang="en-US">
+                <a:sym typeface="+mn-ea"/>
+              </a:rPr>
+              <a:t>clamp</a:t>
+            </a:r>
+            <a:endParaRPr lang="en-US">
+              <a:sym typeface="+mn-ea"/>
+            </a:endParaRPr>
+          </a:p>
+          <a:p>
+            <a:r>
+              <a:rPr lang="en-US">
+                <a:sym typeface="+mn-ea"/>
+              </a:rPr>
+              <a:t>min_element, max_element, minmax_element</a:t>
+            </a:r>
+            <a:endParaRPr lang="en-US">
+              <a:sym typeface="+mn-ea"/>
+            </a:endParaRPr>
+          </a:p>
+          <a:p>
+            <a:r>
+              <a:rPr lang="en-US"/>
+              <a:t>any_of, all_of, none_of</a:t>
+            </a:r>
+            <a:endParaRPr lang="en-US"/>
+          </a:p>
+          <a:p>
+            <a:r>
+              <a:rPr lang="en-US"/>
+              <a:t>count, count_if</a:t>
+            </a:r>
+            <a:endParaRPr lang="en-US"/>
+          </a:p>
+          <a:p>
+            <a:r>
+              <a:rPr lang="en-US"/>
+              <a:t>move, move_backward</a:t>
+            </a:r>
+            <a:endParaRPr lang="en-US"/>
+          </a:p>
+          <a:p>
+            <a:r>
+              <a:rPr lang="en-US"/>
+              <a:t>swap_ranges</a:t>
+            </a:r>
+            <a:endParaRPr lang="en-US"/>
+          </a:p>
+        </p:txBody>
+      </p:sp>
+    </p:spTree>
+  </p:cSld>
+  <p:clrMapOvr>
+    <a:masterClrMapping/>
+  </p:clrMapOvr>
+</p:sld>
+</file>
+
+<file path=ppt/slides/slide23.xml><?xml version="1.0" encoding="utf-8"?>
+<p:sld xmlns:a="http://schemas.openxmlformats.org/drawingml/2006/main" xmlns:r="http://schemas.openxmlformats.org/officeDocument/2006/relationships" xmlns:p="http://schemas.openxmlformats.org/presentationml/2006/main">
+  <p:cSld>
+    <p:spTree>
+      <p:nvGrpSpPr>
+        <p:cNvPr id="1" name=""/>
+        <p:cNvGrpSpPr/>
+        <p:nvPr/>
+      </p:nvGrpSpPr>
+      <p:grpSpPr/>
+      <p:sp>
+        <p:nvSpPr>
+          <p:cNvPr id="2" name="Title 1"/>
+          <p:cNvSpPr>
+            <a:spLocks noGrp="1"/>
+          </p:cNvSpPr>
+          <p:nvPr>
+            <p:ph type="title"/>
+          </p:nvPr>
+        </p:nvSpPr>
+        <p:spPr/>
+        <p:txBody>
+          <a:bodyPr/>
+          <a:p>
+            <a:r>
+              <a:rPr lang="en-US"/>
+              <a:t>algorithm</a:t>
+            </a:r>
+            <a:endParaRPr lang="en-US"/>
+          </a:p>
+        </p:txBody>
+      </p:sp>
+      <p:sp>
+        <p:nvSpPr>
+          <p:cNvPr id="3" name="Content Placeholder 2"/>
+          <p:cNvSpPr>
+            <a:spLocks noGrp="1"/>
+          </p:cNvSpPr>
+          <p:nvPr>
+            <p:ph sz="half" idx="1"/>
+          </p:nvPr>
+        </p:nvSpPr>
+        <p:spPr/>
+        <p:txBody>
+          <a:bodyPr>
+            <a:normAutofit/>
+          </a:bodyPr>
+          <a:p>
+            <a:r>
+              <a:rPr lang="en-US">
+                <a:sym typeface="+mn-ea"/>
+              </a:rPr>
+              <a:t>next_permutation, prev</a:t>
+            </a:r>
+            <a:r>
+              <a:rPr lang="en-US">
+                <a:sym typeface="+mn-ea"/>
+              </a:rPr>
+              <a:t>_permutation</a:t>
+            </a:r>
+            <a:endParaRPr lang="en-US"/>
+          </a:p>
+          <a:p>
+            <a:r>
+              <a:rPr lang="en-US">
+                <a:sym typeface="+mn-ea"/>
+              </a:rPr>
+              <a:t>is_permutation</a:t>
+            </a:r>
+            <a:endParaRPr lang="en-US">
+              <a:sym typeface="+mn-ea"/>
+            </a:endParaRPr>
+          </a:p>
+          <a:p>
+            <a:r>
+              <a:rPr lang="en-US">
+                <a:sym typeface="+mn-ea"/>
+              </a:rPr>
+              <a:t>merge, inplace_merge</a:t>
+            </a:r>
+            <a:endParaRPr lang="en-US">
+              <a:sym typeface="+mn-ea"/>
+            </a:endParaRPr>
+          </a:p>
+          <a:p>
+            <a:r>
+              <a:rPr lang="en-US">
+                <a:sym typeface="+mn-ea"/>
+              </a:rPr>
+              <a:t>set_difference, set_symmetric_difference</a:t>
+            </a:r>
+            <a:endParaRPr lang="en-US"/>
+          </a:p>
+          <a:p>
+            <a:r>
+              <a:rPr lang="en-US">
+                <a:sym typeface="+mn-ea"/>
+              </a:rPr>
+              <a:t>set_union, set_intersection</a:t>
+            </a:r>
+            <a:endParaRPr lang="en-US">
+              <a:sym typeface="+mn-ea"/>
+            </a:endParaRPr>
+          </a:p>
+          <a:p>
+            <a:r>
+              <a:rPr lang="en-US">
+                <a:sym typeface="+mn-ea"/>
+              </a:rPr>
+              <a:t>includes</a:t>
+            </a:r>
+            <a:endParaRPr lang="en-US">
+              <a:sym typeface="+mn-ea"/>
+            </a:endParaRPr>
+          </a:p>
+          <a:p>
+            <a:r>
+              <a:rPr lang="en-US">
+                <a:sym typeface="+mn-ea"/>
+              </a:rPr>
+              <a:t>unique, unique_copy</a:t>
+            </a:r>
+            <a:endParaRPr lang="en-US"/>
+          </a:p>
+          <a:p>
+            <a:endParaRPr lang="en-US"/>
+          </a:p>
+        </p:txBody>
+      </p:sp>
+      <p:sp>
+        <p:nvSpPr>
+          <p:cNvPr id="4" name="Content Placeholder 3"/>
+          <p:cNvSpPr>
+            <a:spLocks noGrp="1"/>
+          </p:cNvSpPr>
+          <p:nvPr>
+            <p:ph sz="half" idx="2"/>
+          </p:nvPr>
+        </p:nvSpPr>
+        <p:spPr>
+          <a:xfrm>
+            <a:off x="5981700" y="1825625"/>
+            <a:ext cx="5363210" cy="4351655"/>
+          </a:xfrm>
+        </p:spPr>
+        <p:txBody>
+          <a:bodyPr>
+            <a:normAutofit lnSpcReduction="20000"/>
+          </a:bodyPr>
+          <a:p>
+            <a:r>
+              <a:rPr lang="en-US">
+                <a:sym typeface="+mn-ea"/>
+              </a:rPr>
+              <a:t>transform, transform_n</a:t>
+            </a:r>
+            <a:endParaRPr lang="en-US"/>
+          </a:p>
+          <a:p>
+            <a:r>
+              <a:rPr lang="en-US">
+                <a:sym typeface="+mn-ea"/>
+              </a:rPr>
+              <a:t>generate, generate_n</a:t>
+            </a:r>
+            <a:endParaRPr lang="en-US">
+              <a:sym typeface="+mn-ea"/>
+            </a:endParaRPr>
+          </a:p>
+          <a:p>
+            <a:r>
+              <a:rPr lang="en-US">
+                <a:sym typeface="+mn-ea"/>
+              </a:rPr>
+              <a:t>iota</a:t>
+            </a:r>
+            <a:endParaRPr lang="en-US">
+              <a:sym typeface="+mn-ea"/>
+            </a:endParaRPr>
+          </a:p>
+          <a:p>
+            <a:r>
+              <a:rPr lang="en-US">
+                <a:sym typeface="+mn-ea"/>
+              </a:rPr>
+              <a:t>accumate, </a:t>
+            </a:r>
+            <a:r>
+              <a:rPr lang="en-US">
+                <a:sym typeface="+mn-ea"/>
+              </a:rPr>
+              <a:t>reduce, </a:t>
+            </a:r>
+            <a:r>
+              <a:rPr lang="en-US"/>
+              <a:t>transform_reduce</a:t>
+            </a:r>
+            <a:endParaRPr lang="en-US"/>
+          </a:p>
+          <a:p>
+            <a:r>
+              <a:rPr lang="en-US"/>
+              <a:t>inner_product</a:t>
+            </a:r>
+            <a:endParaRPr lang="en-US"/>
+          </a:p>
+          <a:p>
+            <a:r>
+              <a:rPr lang="en-US"/>
+              <a:t>exclusive_scan, transform_exclusive_scan</a:t>
+            </a:r>
+            <a:endParaRPr lang="en-US"/>
+          </a:p>
+          <a:p>
+            <a:r>
+              <a:rPr lang="en-US"/>
+              <a:t>inclusive_scan, transform_inclusive_scan</a:t>
+            </a:r>
+            <a:endParaRPr lang="en-US"/>
+          </a:p>
+          <a:p>
+            <a:r>
+              <a:rPr lang="en-US">
+                <a:sym typeface="+mn-ea"/>
+              </a:rPr>
+              <a:t>partial_sum</a:t>
+            </a:r>
+            <a:endParaRPr lang="en-US"/>
+          </a:p>
+          <a:p>
+            <a:endParaRPr lang="en-US"/>
+          </a:p>
+          <a:p>
+            <a:endParaRPr lang="en-US"/>
+          </a:p>
+        </p:txBody>
+      </p:sp>
+    </p:spTree>
+  </p:cSld>
+  <p:clrMapOvr>
+    <a:masterClrMapping/>
+  </p:clrMapOvr>
+</p:sld>
+</file>
+
+<file path=ppt/slides/slide24.xml><?xml version="1.0" encoding="utf-8"?>
+<p:sld xmlns:a="http://schemas.openxmlformats.org/drawingml/2006/main" xmlns:r="http://schemas.openxmlformats.org/officeDocument/2006/relationships" xmlns:p="http://schemas.openxmlformats.org/presentationml/2006/main">
+  <p:cSld>
+    <p:spTree>
+      <p:nvGrpSpPr>
+        <p:cNvPr id="1" name=""/>
+        <p:cNvGrpSpPr/>
+        <p:nvPr/>
+      </p:nvGrpSpPr>
+      <p:grpSpPr/>
+      <p:sp>
+        <p:nvSpPr>
+          <p:cNvPr id="2" name="Title 1"/>
+          <p:cNvSpPr>
+            <a:spLocks noGrp="1"/>
+          </p:cNvSpPr>
+          <p:nvPr>
+            <p:ph type="title"/>
+          </p:nvPr>
+        </p:nvSpPr>
+        <p:spPr/>
+        <p:txBody>
+          <a:bodyPr/>
+          <a:p>
+            <a:r>
+              <a:rPr lang="en-US"/>
+              <a:t>algorithm</a:t>
+            </a:r>
+            <a:endParaRPr lang="en-US"/>
+          </a:p>
+        </p:txBody>
+      </p:sp>
+      <p:sp>
+        <p:nvSpPr>
+          <p:cNvPr id="3" name="Content Placeholder 2"/>
+          <p:cNvSpPr>
+            <a:spLocks noGrp="1"/>
+          </p:cNvSpPr>
+          <p:nvPr>
+            <p:ph sz="half" idx="1"/>
+          </p:nvPr>
+        </p:nvSpPr>
+        <p:spPr/>
+        <p:txBody>
+          <a:bodyPr>
+            <a:normAutofit/>
+          </a:bodyPr>
+          <a:p>
+            <a:r>
+              <a:rPr lang="en-US">
+                <a:sym typeface="+mn-ea"/>
+              </a:rPr>
+              <a:t>binary_search</a:t>
+            </a:r>
+            <a:endParaRPr lang="en-US">
+              <a:sym typeface="+mn-ea"/>
+            </a:endParaRPr>
+          </a:p>
+          <a:p>
+            <a:r>
+              <a:rPr lang="en-US">
+                <a:sym typeface="+mn-ea"/>
+              </a:rPr>
+              <a:t>lower_bound, upper_bound, equal_range</a:t>
+            </a:r>
+            <a:endParaRPr lang="en-US">
+              <a:sym typeface="+mn-ea"/>
+            </a:endParaRPr>
+          </a:p>
+          <a:p>
+            <a:r>
+              <a:rPr lang="en-US">
+                <a:sym typeface="+mn-ea"/>
+              </a:rPr>
+              <a:t>nth_element, partition_point</a:t>
+            </a:r>
+            <a:endParaRPr lang="en-US"/>
+          </a:p>
+          <a:p>
+            <a:r>
+              <a:rPr lang="en-US">
+                <a:sym typeface="+mn-ea"/>
+              </a:rPr>
+              <a:t>partition, stable_partition, partition_copy</a:t>
+            </a:r>
+            <a:endParaRPr lang="en-US"/>
+          </a:p>
+          <a:p>
+            <a:r>
+              <a:rPr lang="en-US">
+                <a:sym typeface="+mn-ea"/>
+              </a:rPr>
+              <a:t>partial_sort, partial_sort_copy</a:t>
+            </a:r>
+            <a:endParaRPr lang="en-US"/>
+          </a:p>
+          <a:p>
+            <a:r>
+              <a:rPr lang="en-US">
+                <a:sym typeface="+mn-ea"/>
+              </a:rPr>
+              <a:t>sort, stable_sort</a:t>
+            </a:r>
+            <a:endParaRPr lang="en-US">
+              <a:sym typeface="+mn-ea"/>
+            </a:endParaRPr>
+          </a:p>
+          <a:p>
+            <a:r>
+              <a:rPr lang="en-US"/>
+              <a:t>is_sorted, is_sorted_until</a:t>
+            </a:r>
+            <a:endParaRPr lang="en-US"/>
+          </a:p>
+        </p:txBody>
+      </p:sp>
+      <p:sp>
+        <p:nvSpPr>
+          <p:cNvPr id="4" name="Content Placeholder 3"/>
+          <p:cNvSpPr>
+            <a:spLocks noGrp="1"/>
+          </p:cNvSpPr>
+          <p:nvPr>
+            <p:ph sz="half" idx="2"/>
+          </p:nvPr>
+        </p:nvSpPr>
+        <p:spPr/>
+        <p:txBody>
+          <a:bodyPr/>
+          <a:p>
+            <a:r>
+              <a:rPr lang="en-US"/>
+              <a:t>adjacent_difference</a:t>
+            </a:r>
+            <a:endParaRPr lang="en-US"/>
+          </a:p>
+          <a:p>
+            <a:r>
+              <a:rPr lang="en-US"/>
+              <a:t>adjacent_find</a:t>
+            </a:r>
+            <a:endParaRPr lang="en-US"/>
+          </a:p>
+          <a:p>
+            <a:r>
+              <a:rPr lang="en-US">
+                <a:sym typeface="+mn-ea"/>
+              </a:rPr>
+              <a:t>swap_ranges</a:t>
+            </a:r>
+            <a:endParaRPr lang="en-US">
+              <a:sym typeface="+mn-ea"/>
+            </a:endParaRPr>
+          </a:p>
+          <a:p>
+            <a:r>
+              <a:rPr lang="en-US">
+                <a:sym typeface="+mn-ea"/>
+              </a:rPr>
+              <a:t>shuffle, sample</a:t>
+            </a:r>
+            <a:endParaRPr lang="en-US"/>
+          </a:p>
+          <a:p>
+            <a:r>
+              <a:rPr lang="en-US"/>
+              <a:t>shift_left, shift_right</a:t>
+            </a:r>
+            <a:endParaRPr lang="en-US"/>
+          </a:p>
+          <a:p>
+            <a:r>
+              <a:rPr lang="en-US"/>
+              <a:t>rotate, rotate_copy</a:t>
+            </a:r>
+            <a:endParaRPr lang="en-US"/>
+          </a:p>
+          <a:p>
+            <a:r>
+              <a:rPr lang="en-US"/>
+              <a:t>reverse, reverse_copy</a:t>
+            </a:r>
+            <a:endParaRPr lang="en-US"/>
+          </a:p>
+        </p:txBody>
+      </p:sp>
     </p:spTree>
   </p:cSld>
   <p:clrMapOvr>
@@ -5351,274 +8755,6 @@
           <a:bodyPr/>
           <a:p>
             <a:r>
-              <a:rPr lang="en-US" altLang="zh-CN">
-                <a:sym typeface="+mn-ea"/>
-              </a:rPr>
-              <a:t>set </a:t>
-            </a:r>
-            <a:r>
-              <a:rPr lang="zh-CN" altLang="en-US">
-                <a:sym typeface="+mn-ea"/>
-              </a:rPr>
-              <a:t>和</a:t>
-            </a:r>
-            <a:r>
-              <a:rPr lang="en-US" altLang="zh-CN">
-                <a:sym typeface="+mn-ea"/>
-              </a:rPr>
-              <a:t> vector </a:t>
-            </a:r>
-            <a:r>
-              <a:rPr lang="zh-CN" altLang="en-US">
-                <a:sym typeface="+mn-ea"/>
-              </a:rPr>
-              <a:t>迭代器</a:t>
-            </a:r>
-            <a:r>
-              <a:rPr lang="zh-CN" altLang="en-US">
-                <a:sym typeface="+mn-ea"/>
-              </a:rPr>
-              <a:t>区别</a:t>
-            </a:r>
-            <a:endParaRPr lang="en-US"/>
-          </a:p>
-        </p:txBody>
-      </p:sp>
-      <p:sp>
-        <p:nvSpPr>
-          <p:cNvPr id="4" name="Content Placeholder 3"/>
-          <p:cNvSpPr>
-            <a:spLocks noGrp="1"/>
-          </p:cNvSpPr>
-          <p:nvPr>
-            <p:ph sz="half" idx="1"/>
-          </p:nvPr>
-        </p:nvSpPr>
-        <p:spPr>
-          <a:xfrm>
-            <a:off x="354965" y="890270"/>
-            <a:ext cx="5970270" cy="5730875"/>
-          </a:xfrm>
-        </p:spPr>
-        <p:txBody>
-          <a:bodyPr/>
-          <a:p>
-            <a:r>
-              <a:rPr lang="en-US" altLang="zh-CN"/>
-              <a:t>set </a:t>
-            </a:r>
-            <a:r>
-              <a:rPr lang="zh-CN" altLang="en-US"/>
-              <a:t>的迭代器对象也重载了</a:t>
-            </a:r>
-            <a:r>
-              <a:rPr lang="en-US" altLang="zh-CN"/>
-              <a:t> </a:t>
-            </a:r>
-            <a:r>
-              <a:rPr lang="en-US" altLang="zh-CN" b="1"/>
-              <a:t>++</a:t>
-            </a:r>
-            <a:r>
-              <a:rPr lang="en-US" altLang="zh-CN"/>
-              <a:t> </a:t>
-            </a:r>
-            <a:r>
-              <a:rPr lang="zh-CN" altLang="en-US"/>
-              <a:t>为红黑树的遍历。</a:t>
-            </a:r>
-            <a:endParaRPr lang="zh-CN" altLang="en-US"/>
-          </a:p>
-          <a:p>
-            <a:r>
-              <a:rPr lang="en-US" altLang="zh-CN">
-                <a:sym typeface="+mn-ea"/>
-              </a:rPr>
-              <a:t>vector </a:t>
-            </a:r>
-            <a:r>
-              <a:rPr lang="zh-CN" altLang="en-US">
-                <a:sym typeface="+mn-ea"/>
-              </a:rPr>
-              <a:t>提供了</a:t>
-            </a:r>
-            <a:r>
-              <a:rPr lang="en-US" altLang="zh-CN">
-                <a:sym typeface="+mn-ea"/>
-              </a:rPr>
-              <a:t> </a:t>
-            </a:r>
-            <a:r>
-              <a:rPr lang="en-US" altLang="zh-CN" b="1">
-                <a:sym typeface="+mn-ea"/>
-              </a:rPr>
-              <a:t>+</a:t>
-            </a:r>
-            <a:r>
-              <a:rPr lang="en-US" altLang="zh-CN">
-                <a:sym typeface="+mn-ea"/>
-              </a:rPr>
-              <a:t> </a:t>
-            </a:r>
-            <a:r>
-              <a:rPr lang="zh-CN" altLang="en-US">
-                <a:sym typeface="+mn-ea"/>
-              </a:rPr>
-              <a:t>和</a:t>
-            </a:r>
-            <a:r>
-              <a:rPr lang="en-US" altLang="zh-CN">
-                <a:sym typeface="+mn-ea"/>
-              </a:rPr>
-              <a:t> </a:t>
-            </a:r>
-            <a:r>
-              <a:rPr lang="en-US" altLang="zh-CN" b="1">
-                <a:sym typeface="+mn-ea"/>
-              </a:rPr>
-              <a:t>+=</a:t>
-            </a:r>
-            <a:r>
-              <a:rPr lang="en-US" altLang="zh-CN">
-                <a:sym typeface="+mn-ea"/>
-              </a:rPr>
-              <a:t> </a:t>
-            </a:r>
-            <a:r>
-              <a:rPr lang="zh-CN" altLang="en-US">
-                <a:sym typeface="+mn-ea"/>
-              </a:rPr>
-              <a:t>的重载，而</a:t>
-            </a:r>
-            <a:r>
-              <a:rPr lang="en-US" altLang="zh-CN"/>
-              <a:t> set </a:t>
-            </a:r>
-            <a:r>
-              <a:rPr lang="zh-CN" altLang="en-US"/>
-              <a:t>没有。这是因为</a:t>
-            </a:r>
-            <a:r>
-              <a:rPr lang="en-US" altLang="zh-CN"/>
-              <a:t> vector </a:t>
-            </a:r>
-            <a:r>
-              <a:rPr lang="zh-CN" altLang="en-US"/>
-              <a:t>中的元素在内存中是连续的，可以</a:t>
-            </a:r>
-            <a:r>
-              <a:rPr lang="zh-CN" altLang="en-US" b="1"/>
-              <a:t>随机访问</a:t>
-            </a:r>
-            <a:r>
-              <a:rPr lang="zh-CN" altLang="en-US"/>
-              <a:t>。而</a:t>
-            </a:r>
-            <a:r>
-              <a:rPr lang="en-US" altLang="zh-CN"/>
-              <a:t> set </a:t>
-            </a:r>
-            <a:r>
-              <a:rPr lang="zh-CN" altLang="en-US"/>
-              <a:t>是不连续的，所以不能随机访问，只能</a:t>
-            </a:r>
-            <a:r>
-              <a:rPr lang="zh-CN" altLang="en-US" b="1"/>
-              <a:t>顺序访问</a:t>
-            </a:r>
-            <a:r>
-              <a:rPr lang="zh-CN" altLang="en-US"/>
-              <a:t>。</a:t>
-            </a:r>
-            <a:endParaRPr lang="zh-CN" altLang="en-US"/>
-          </a:p>
-        </p:txBody>
-      </p:sp>
-      <p:pic>
-        <p:nvPicPr>
-          <p:cNvPr id="10" name="Content Placeholder 9"/>
-          <p:cNvPicPr>
-            <a:picLocks noChangeAspect="1"/>
-          </p:cNvPicPr>
-          <p:nvPr>
-            <p:ph sz="half" idx="2"/>
-          </p:nvPr>
-        </p:nvPicPr>
-        <p:blipFill>
-          <a:blip r:embed="rId1"/>
-          <a:stretch>
-            <a:fillRect/>
-          </a:stretch>
-        </p:blipFill>
-        <p:spPr>
-          <a:xfrm>
-            <a:off x="6301740" y="1975485"/>
-            <a:ext cx="5821045" cy="2841625"/>
-          </a:xfrm>
-          <a:prstGeom prst="rect">
-            <a:avLst/>
-          </a:prstGeom>
-        </p:spPr>
-      </p:pic>
-      <p:pic>
-        <p:nvPicPr>
-          <p:cNvPr id="12" name="Content Placeholder 11"/>
-          <p:cNvPicPr>
-            <a:picLocks noChangeAspect="1"/>
-          </p:cNvPicPr>
-          <p:nvPr>
-            <p:ph sz="half" idx="13"/>
-          </p:nvPr>
-        </p:nvPicPr>
-        <p:blipFill>
-          <a:blip r:embed="rId2"/>
-          <a:stretch>
-            <a:fillRect/>
-          </a:stretch>
-        </p:blipFill>
-        <p:spPr>
-          <a:xfrm>
-            <a:off x="3164205" y="6007100"/>
-            <a:ext cx="9027795" cy="850900"/>
-          </a:xfrm>
-          <a:prstGeom prst="rect">
-            <a:avLst/>
-          </a:prstGeom>
-        </p:spPr>
-      </p:pic>
-    </p:spTree>
-  </p:cSld>
-  <p:clrMapOvr>
-    <a:masterClrMapping/>
-  </p:clrMapOvr>
-</p:sld>
-</file>
-
-<file path=ppt/slides/slide5.xml><?xml version="1.0" encoding="utf-8"?>
-<p:sld xmlns:a="http://schemas.openxmlformats.org/drawingml/2006/main" xmlns:r="http://schemas.openxmlformats.org/officeDocument/2006/relationships" xmlns:p="http://schemas.openxmlformats.org/presentationml/2006/main">
-  <p:cSld>
-    <p:spTree>
-      <p:nvGrpSpPr>
-        <p:cNvPr id="1" name=""/>
-        <p:cNvGrpSpPr/>
-        <p:nvPr/>
-      </p:nvGrpSpPr>
-      <p:grpSpPr/>
-      <p:sp>
-        <p:nvSpPr>
-          <p:cNvPr id="2" name="Title 1"/>
-          <p:cNvSpPr>
-            <a:spLocks noGrp="1"/>
-          </p:cNvSpPr>
-          <p:nvPr>
-            <p:ph type="title"/>
-          </p:nvPr>
-        </p:nvSpPr>
-        <p:spPr/>
-        <p:txBody>
-          <a:bodyPr/>
-          <a:p>
-            <a:r>
               <a:rPr lang="zh-CN" altLang="en-US"/>
               <a:t>迭代器的五大分类</a:t>
             </a:r>
@@ -5636,7 +8772,7 @@
         </p:nvGraphicFramePr>
         <p:xfrm>
           <a:off x="568325" y="1195070"/>
-          <a:ext cx="11055350" cy="2645410"/>
+          <a:ext cx="11055350" cy="3014980"/>
         </p:xfrm>
         <a:graphic>
           <a:graphicData uri="http://schemas.openxmlformats.org/drawingml/2006/table">
@@ -5825,6 +8961,120 @@
                         <a:buNone/>
                       </a:pPr>
                       <a:r>
+                        <a:rPr lang="zh-CN" altLang="en-US" sz="1800">
+                          <a:sym typeface="+mn-ea"/>
+                        </a:rPr>
+                        <a:t>输出迭代器</a:t>
+                      </a:r>
+                      <a:endParaRPr lang="en-US"/>
+                    </a:p>
+                  </a:txBody>
+                  <a:tcPr/>
+                </a:tc>
+                <a:tc>
+                  <a:txBody>
+                    <a:bodyPr/>
+                    <a:p>
+                      <a:pPr>
+                        <a:buNone/>
+                      </a:pPr>
+                      <a:r>
+                        <a:rPr lang="en-US" altLang="zh-CN" sz="1800">
+                          <a:sym typeface="+mn-ea"/>
+                        </a:rPr>
+                        <a:t>*</a:t>
+                      </a:r>
+                      <a:r>
+                        <a:rPr lang="zh-CN" altLang="en-US" sz="1800">
+                          <a:sym typeface="+mn-ea"/>
+                        </a:rPr>
+                        <a:t>（可写入），</a:t>
+                      </a:r>
+                      <a:r>
+                        <a:rPr lang="en-US" altLang="zh-CN" sz="1800">
+                          <a:sym typeface="+mn-ea"/>
+                        </a:rPr>
+                        <a:t>!=</a:t>
+                      </a:r>
+                      <a:r>
+                        <a:rPr lang="zh-CN" altLang="en-US" sz="1800">
+                          <a:sym typeface="+mn-ea"/>
+                        </a:rPr>
+                        <a:t>，</a:t>
+                      </a:r>
+                      <a:r>
+                        <a:rPr lang="en-US" altLang="zh-CN" sz="1800">
+                          <a:sym typeface="+mn-ea"/>
+                        </a:rPr>
+                        <a:t>==</a:t>
+                      </a:r>
+                      <a:r>
+                        <a:rPr lang="zh-CN" altLang="en-US" sz="1800">
+                          <a:sym typeface="+mn-ea"/>
+                        </a:rPr>
+                        <a:t>，</a:t>
+                      </a:r>
+                      <a:r>
+                        <a:rPr lang="en-US" altLang="zh-CN" sz="1800">
+                          <a:sym typeface="+mn-ea"/>
+                        </a:rPr>
+                        <a:t>++</a:t>
+                      </a:r>
+                      <a:r>
+                        <a:rPr lang="zh-CN" altLang="en-US" sz="1800">
+                          <a:sym typeface="+mn-ea"/>
+                        </a:rPr>
+                        <a:t>（一次性）</a:t>
+                      </a:r>
+                      <a:endParaRPr lang="en-US"/>
+                    </a:p>
+                  </a:txBody>
+                  <a:tcPr/>
+                </a:tc>
+                <a:tc>
+                  <a:txBody>
+                    <a:bodyPr/>
+                    <a:p>
+                      <a:pPr>
+                        <a:buNone/>
+                      </a:pPr>
+                      <a:r>
+                        <a:rPr lang="en-US"/>
+                        <a:t>back_insert_iterator</a:t>
+                      </a:r>
+                      <a:endParaRPr lang="en-US"/>
+                    </a:p>
+                  </a:txBody>
+                  <a:tcPr/>
+                </a:tc>
+                <a:tc>
+                  <a:txBody>
+                    <a:bodyPr/>
+                    <a:p>
+                      <a:pPr>
+                        <a:buNone/>
+                      </a:pPr>
+                      <a:r>
+                        <a:rPr lang="en-US" sz="1800">
+                          <a:sym typeface="+mn-ea"/>
+                        </a:rPr>
+                        <a:t>output_iterator</a:t>
+                      </a:r>
+                      <a:endParaRPr lang="en-US"/>
+                    </a:p>
+                  </a:txBody>
+                  <a:tcPr/>
+                </a:tc>
+              </a:tr>
+              <a:tr h="369570">
+                <a:tc>
+                  <a:txBody>
+                    <a:bodyPr/>
+                    <a:p>
+                      <a:pPr>
+                        <a:buNone/>
+                      </a:pPr>
+                      <a:r>
                         <a:rPr lang="zh-CN" sz="1800">
                           <a:sym typeface="+mn-ea"/>
                         </a:rPr>
@@ -6205,10 +9455,40 @@
                         <a:buNone/>
                       </a:pPr>
                       <a:r>
-                        <a:rPr lang="zh-CN" altLang="en-US" sz="1800">
-                          <a:sym typeface="+mn-ea"/>
-                        </a:rPr>
-                        <a:t>输出迭代器</a:t>
+                        <a:rPr lang="zh-CN" altLang="en-US"/>
+                        <a:t>迭代器外包装</a:t>
+                      </a:r>
+                      <a:endParaRPr lang="zh-CN" altLang="en-US"/>
+                    </a:p>
+                  </a:txBody>
+                  <a:tcPr/>
+                </a:tc>
+                <a:tc>
+                  <a:txBody>
+                    <a:bodyPr/>
+                    <a:p>
+                      <a:pPr>
+                        <a:buNone/>
+                      </a:pPr>
+                      <a:r>
+                        <a:rPr lang="zh-CN" altLang="en-US"/>
+                        <a:t>和他所包装的迭代器保持一致</a:t>
+                      </a:r>
+                      <a:endParaRPr lang="zh-CN" altLang="en-US"/>
+                    </a:p>
+                  </a:txBody>
+                  <a:tcPr/>
+                </a:tc>
+                <a:tc>
+                  <a:txBody>
+                    <a:bodyPr/>
+                    <a:p>
+                      <a:pPr>
+                        <a:buNone/>
+                      </a:pPr>
+                      <a:r>
+                        <a:rPr lang="en-US"/>
+                        <a:t>reverse_iterator</a:t>
                       </a:r>
                       <a:endParaRPr lang="en-US"/>
                     </a:p>
@@ -6223,130 +9503,6 @@
                         <a:buNone/>
                       </a:pPr>
                       <a:r>
-                        <a:rPr lang="en-US" altLang="zh-CN" sz="1800">
-                          <a:sym typeface="+mn-ea"/>
-                        </a:rPr>
-                        <a:t>*</a:t>
-                      </a:r>
-                      <a:r>
-                        <a:rPr lang="zh-CN" altLang="en-US" sz="1800">
-                          <a:sym typeface="+mn-ea"/>
-                        </a:rPr>
-                        <a:t>（可写入）</a:t>
-                      </a:r>
-                      <a:r>
-                        <a:rPr lang="zh-CN" altLang="en-US" sz="1800">
-                          <a:sym typeface="+mn-ea"/>
-                        </a:rPr>
-                        <a:t>，</a:t>
-                      </a:r>
-                      <a:r>
-                        <a:rPr lang="en-US" altLang="zh-CN" sz="1800">
-                          <a:sym typeface="+mn-ea"/>
-                        </a:rPr>
-                        <a:t>++</a:t>
-                      </a:r>
-                      <a:r>
-                        <a:rPr lang="zh-CN" altLang="en-US" sz="1800">
-                          <a:sym typeface="+mn-ea"/>
-                        </a:rPr>
-                        <a:t>（一次性）</a:t>
-                      </a:r>
-                      <a:endParaRPr lang="en-US"/>
-                    </a:p>
-                  </a:txBody>
-                  <a:tcPr/>
-                </a:tc>
-                <a:tc>
-                  <a:txBody>
-                    <a:bodyPr/>
-                    <a:p>
-                      <a:pPr>
-                        <a:buNone/>
-                      </a:pPr>
-                      <a:r>
-                        <a:rPr lang="en-US"/>
-                        <a:t>back_insert_iterator</a:t>
-                      </a:r>
-                      <a:endParaRPr lang="en-US"/>
-                    </a:p>
-                  </a:txBody>
-                  <a:tcPr/>
-                </a:tc>
-                <a:tc>
-                  <a:txBody>
-                    <a:bodyPr/>
-                    <a:p>
-                      <a:pPr>
-                        <a:buNone/>
-                      </a:pPr>
-                      <a:r>
-                        <a:rPr lang="en-US"/>
-                        <a:t>output_iterator</a:t>
-                      </a:r>
-                      <a:endParaRPr lang="en-US"/>
-                    </a:p>
-                  </a:txBody>
-                  <a:tcPr/>
-                </a:tc>
-              </a:tr>
-              <a:tr h="370205">
-                <a:tc>
-                  <a:txBody>
-                    <a:bodyPr/>
-                    <a:p>
-                      <a:pPr>
-                        <a:buNone/>
-                      </a:pPr>
-                      <a:r>
-                        <a:rPr lang="zh-CN" altLang="en-US"/>
-                        <a:t>迭代器外包装</a:t>
-                      </a:r>
-                      <a:endParaRPr lang="zh-CN" altLang="en-US"/>
-                    </a:p>
-                  </a:txBody>
-                  <a:tcPr/>
-                </a:tc>
-                <a:tc>
-                  <a:txBody>
-                    <a:bodyPr/>
-                    <a:p>
-                      <a:pPr>
-                        <a:buNone/>
-                      </a:pPr>
-                      <a:r>
-                        <a:rPr lang="zh-CN" altLang="en-US"/>
-                        <a:t>和他所包装的迭代器保持一致</a:t>
-                      </a:r>
-                      <a:endParaRPr lang="zh-CN" altLang="en-US"/>
-                    </a:p>
-                  </a:txBody>
-                  <a:tcPr/>
-                </a:tc>
-                <a:tc>
-                  <a:txBody>
-                    <a:bodyPr/>
-                    <a:p>
-                      <a:pPr>
-                        <a:buNone/>
-                      </a:pPr>
-                      <a:r>
-                        <a:rPr lang="en-US"/>
-                        <a:t>reverse_iterator</a:t>
-                      </a:r>
-                      <a:endParaRPr lang="en-US"/>
-                    </a:p>
-                  </a:txBody>
-                  <a:tcPr/>
-                </a:tc>
-                <a:tc>
-                  <a:txBody>
-                    <a:bodyPr/>
-                    <a:p>
-                      <a:pPr>
-                        <a:buNone/>
-                      </a:pPr>
-                      <a:r>
                         <a:rPr lang="zh-CN" altLang="en-US"/>
                         <a:t>和所包装的迭代器一致</a:t>
                       </a:r>
@@ -6368,7 +9524,7 @@
         </p:nvSpPr>
         <p:spPr>
           <a:xfrm>
-            <a:off x="601980" y="6381115"/>
+            <a:off x="609600" y="6381115"/>
             <a:ext cx="10980420" cy="368300"/>
           </a:xfrm>
           <a:prstGeom prst="rect">
@@ -6441,7 +9597,17 @@
           <a:p>
             <a:r>
               <a:rPr lang="zh-CN" altLang="en-US"/>
-              <a:t>包含关系：前向迭代器＜双向迭代器＜随机访问迭代器</a:t>
+              <a:t>包含关系：前向迭代器＞双向迭代器</a:t>
+            </a:r>
+            <a:r>
+              <a:rPr lang="zh-CN" altLang="en-US">
+                <a:sym typeface="+mn-ea"/>
+              </a:rPr>
+              <a:t>＞</a:t>
+            </a:r>
+            <a:r>
+              <a:rPr lang="zh-CN" altLang="en-US"/>
+              <a:t>随机访问迭代器</a:t>
             </a:r>
             <a:endParaRPr lang="zh-CN" altLang="en-US"/>
           </a:p>
@@ -6527,7 +9693,7 @@
             </a:r>
             <a:r>
               <a:rPr lang="zh-CN" altLang="en-US"/>
-              <a:t>则是提供了</a:t>
+              <a:t>则直接提供了</a:t>
             </a:r>
             <a:r>
               <a:rPr lang="en-US" altLang="zh-CN"/>
@@ -6541,6 +9707,289 @@
           </a:p>
         </p:txBody>
       </p:sp>
+    </p:spTree>
+  </p:cSld>
+  <p:clrMapOvr>
+    <a:masterClrMapping/>
+  </p:clrMapOvr>
+</p:sld>
+</file>
+
+<file path=ppt/slides/slide5.xml><?xml version="1.0" encoding="utf-8"?>
+<p:sld xmlns:a="http://schemas.openxmlformats.org/drawingml/2006/main" xmlns:r="http://schemas.openxmlformats.org/officeDocument/2006/relationships" xmlns:p="http://schemas.openxmlformats.org/presentationml/2006/main">
+  <p:cSld>
+    <p:spTree>
+      <p:nvGrpSpPr>
+        <p:cNvPr id="1" name=""/>
+        <p:cNvGrpSpPr/>
+        <p:nvPr/>
+      </p:nvGrpSpPr>
+      <p:grpSpPr/>
+      <p:sp>
+        <p:nvSpPr>
+          <p:cNvPr id="2" name="Title 1"/>
+          <p:cNvSpPr>
+            <a:spLocks noGrp="1"/>
+          </p:cNvSpPr>
+          <p:nvPr>
+            <p:ph type="title"/>
+          </p:nvPr>
+        </p:nvSpPr>
+        <p:spPr/>
+        <p:txBody>
+          <a:bodyPr/>
+          <a:p>
+            <a:r>
+              <a:rPr lang="en-US" altLang="zh-CN">
+                <a:sym typeface="+mn-ea"/>
+              </a:rPr>
+              <a:t>set </a:t>
+            </a:r>
+            <a:r>
+              <a:rPr lang="zh-CN" altLang="en-US">
+                <a:sym typeface="+mn-ea"/>
+              </a:rPr>
+              <a:t>和</a:t>
+            </a:r>
+            <a:r>
+              <a:rPr lang="en-US" altLang="zh-CN">
+                <a:sym typeface="+mn-ea"/>
+              </a:rPr>
+              <a:t> vector </a:t>
+            </a:r>
+            <a:r>
+              <a:rPr lang="zh-CN" altLang="en-US">
+                <a:sym typeface="+mn-ea"/>
+              </a:rPr>
+              <a:t>迭代器</a:t>
+            </a:r>
+            <a:r>
+              <a:rPr lang="zh-CN" altLang="en-US">
+                <a:sym typeface="+mn-ea"/>
+              </a:rPr>
+              <a:t>区别</a:t>
+            </a:r>
+            <a:endParaRPr lang="en-US"/>
+          </a:p>
+        </p:txBody>
+      </p:sp>
+      <p:sp>
+        <p:nvSpPr>
+          <p:cNvPr id="4" name="Content Placeholder 3"/>
+          <p:cNvSpPr>
+            <a:spLocks noGrp="1"/>
+          </p:cNvSpPr>
+          <p:nvPr>
+            <p:ph sz="half" idx="1"/>
+          </p:nvPr>
+        </p:nvSpPr>
+        <p:spPr>
+          <a:xfrm>
+            <a:off x="354965" y="890270"/>
+            <a:ext cx="5970270" cy="5730875"/>
+          </a:xfrm>
+        </p:spPr>
+        <p:txBody>
+          <a:bodyPr/>
+          <a:p>
+            <a:r>
+              <a:rPr lang="en-US" altLang="zh-CN"/>
+              <a:t>set </a:t>
+            </a:r>
+            <a:r>
+              <a:rPr lang="zh-CN" altLang="en-US"/>
+              <a:t>的迭代器对象也重载了</a:t>
+            </a:r>
+            <a:r>
+              <a:rPr lang="en-US" altLang="zh-CN"/>
+              <a:t> </a:t>
+            </a:r>
+            <a:r>
+              <a:rPr lang="en-US" altLang="zh-CN" b="1"/>
+              <a:t>++</a:t>
+            </a:r>
+            <a:r>
+              <a:rPr lang="en-US" altLang="zh-CN"/>
+              <a:t> </a:t>
+            </a:r>
+            <a:r>
+              <a:rPr lang="zh-CN" altLang="en-US"/>
+              <a:t>为红黑树的遍历。</a:t>
+            </a:r>
+            <a:endParaRPr lang="zh-CN" altLang="en-US"/>
+          </a:p>
+          <a:p>
+            <a:r>
+              <a:rPr lang="en-US" altLang="zh-CN">
+                <a:sym typeface="+mn-ea"/>
+              </a:rPr>
+              <a:t>vector </a:t>
+            </a:r>
+            <a:r>
+              <a:rPr lang="zh-CN" altLang="en-US">
+                <a:sym typeface="+mn-ea"/>
+              </a:rPr>
+              <a:t>提供了</a:t>
+            </a:r>
+            <a:r>
+              <a:rPr lang="en-US" altLang="zh-CN">
+                <a:sym typeface="+mn-ea"/>
+              </a:rPr>
+              <a:t> </a:t>
+            </a:r>
+            <a:r>
+              <a:rPr lang="en-US" altLang="zh-CN" b="1">
+                <a:sym typeface="+mn-ea"/>
+              </a:rPr>
+              <a:t>+</a:t>
+            </a:r>
+            <a:r>
+              <a:rPr lang="en-US" altLang="zh-CN">
+                <a:sym typeface="+mn-ea"/>
+              </a:rPr>
+              <a:t> </a:t>
+            </a:r>
+            <a:r>
+              <a:rPr lang="zh-CN" altLang="en-US">
+                <a:sym typeface="+mn-ea"/>
+              </a:rPr>
+              <a:t>和</a:t>
+            </a:r>
+            <a:r>
+              <a:rPr lang="en-US" altLang="zh-CN">
+                <a:sym typeface="+mn-ea"/>
+              </a:rPr>
+              <a:t> </a:t>
+            </a:r>
+            <a:r>
+              <a:rPr lang="en-US" altLang="zh-CN" b="1">
+                <a:sym typeface="+mn-ea"/>
+              </a:rPr>
+              <a:t>+=</a:t>
+            </a:r>
+            <a:r>
+              <a:rPr lang="en-US" altLang="zh-CN">
+                <a:sym typeface="+mn-ea"/>
+              </a:rPr>
+              <a:t> </a:t>
+            </a:r>
+            <a:r>
+              <a:rPr lang="zh-CN" altLang="en-US">
+                <a:sym typeface="+mn-ea"/>
+              </a:rPr>
+              <a:t>的重载，而</a:t>
+            </a:r>
+            <a:r>
+              <a:rPr lang="en-US" altLang="zh-CN"/>
+              <a:t> set </a:t>
+            </a:r>
+            <a:r>
+              <a:rPr lang="zh-CN" altLang="en-US"/>
+              <a:t>没有。这是因为</a:t>
+            </a:r>
+            <a:r>
+              <a:rPr lang="en-US" altLang="zh-CN"/>
+              <a:t> vector </a:t>
+            </a:r>
+            <a:r>
+              <a:rPr lang="zh-CN" altLang="en-US"/>
+              <a:t>中的元素在内存中是连续的，可以</a:t>
+            </a:r>
+            <a:r>
+              <a:rPr lang="zh-CN" altLang="en-US" b="1"/>
+              <a:t>随机访问</a:t>
+            </a:r>
+            <a:r>
+              <a:rPr lang="zh-CN" altLang="en-US"/>
+              <a:t>。而</a:t>
+            </a:r>
+            <a:r>
+              <a:rPr lang="en-US" altLang="zh-CN"/>
+              <a:t> set </a:t>
+            </a:r>
+            <a:r>
+              <a:rPr lang="zh-CN" altLang="en-US"/>
+              <a:t>是不连续的，所以不能随机访问，只能</a:t>
+            </a:r>
+            <a:r>
+              <a:rPr lang="zh-CN" altLang="en-US" b="1"/>
+              <a:t>顺序访问</a:t>
+            </a:r>
+            <a:r>
+              <a:rPr lang="zh-CN" altLang="en-US"/>
+              <a:t>。</a:t>
+            </a:r>
+            <a:endParaRPr lang="zh-CN" altLang="en-US"/>
+          </a:p>
+          <a:p>
+            <a:r>
+              <a:rPr lang="zh-CN" altLang="en-US"/>
+              <a:t>所以这里调用</a:t>
+            </a:r>
+            <a:r>
+              <a:rPr lang="en-US" altLang="zh-CN"/>
+              <a:t> b.begin() + 3</a:t>
+            </a:r>
+            <a:r>
+              <a:rPr lang="zh-CN" altLang="en-US"/>
+              <a:t>，就出错了。</a:t>
+            </a:r>
+            <a:endParaRPr lang="zh-CN" altLang="en-US"/>
+          </a:p>
+        </p:txBody>
+      </p:sp>
+      <p:pic>
+        <p:nvPicPr>
+          <p:cNvPr id="10" name="Content Placeholder 9"/>
+          <p:cNvPicPr>
+            <a:picLocks noChangeAspect="1"/>
+          </p:cNvPicPr>
+          <p:nvPr>
+            <p:ph sz="half" idx="2"/>
+          </p:nvPr>
+        </p:nvPicPr>
+        <p:blipFill>
+          <a:blip r:embed="rId1"/>
+          <a:stretch>
+            <a:fillRect/>
+          </a:stretch>
+        </p:blipFill>
+        <p:spPr>
+          <a:xfrm>
+            <a:off x="6301740" y="1975485"/>
+            <a:ext cx="5821045" cy="2841625"/>
+          </a:xfrm>
+          <a:prstGeom prst="rect">
+            <a:avLst/>
+          </a:prstGeom>
+        </p:spPr>
+      </p:pic>
+      <p:pic>
+        <p:nvPicPr>
+          <p:cNvPr id="12" name="Content Placeholder 11"/>
+          <p:cNvPicPr>
+            <a:picLocks noChangeAspect="1"/>
+          </p:cNvPicPr>
+          <p:nvPr>
+            <p:ph sz="half" idx="13"/>
+          </p:nvPr>
+        </p:nvPicPr>
+        <p:blipFill>
+          <a:blip r:embed="rId2"/>
+          <a:stretch>
+            <a:fillRect/>
+          </a:stretch>
+        </p:blipFill>
+        <p:spPr>
+          <a:xfrm>
+            <a:off x="3164205" y="6007100"/>
+            <a:ext cx="9027795" cy="850900"/>
+          </a:xfrm>
+          <a:prstGeom prst="rect">
+            <a:avLst/>
+          </a:prstGeom>
+        </p:spPr>
+      </p:pic>
     </p:spTree>
   </p:cSld>
   <p:clrMapOvr>
@@ -6575,900 +10024,253 @@
           <a:p>
             <a:r>
               <a:rPr lang="zh-CN" altLang="en-US"/>
-              <a:t>不同版本的</a:t>
+              <a:t>多次调用</a:t>
             </a:r>
             <a:r>
               <a:rPr lang="en-US" altLang="zh-CN"/>
+              <a:t> ++ </a:t>
+            </a:r>
+            <a:r>
+              <a:rPr lang="zh-CN" altLang="en-US"/>
+              <a:t>实现</a:t>
+            </a:r>
+            <a:r>
+              <a:rPr lang="en-US" altLang="zh-CN"/>
+              <a:t> + </a:t>
+            </a:r>
+            <a:r>
+              <a:rPr lang="zh-CN" altLang="en-US"/>
+              <a:t>同样效果</a:t>
+            </a:r>
+            <a:endParaRPr lang="zh-CN" altLang="en-US"/>
+          </a:p>
+        </p:txBody>
+      </p:sp>
+      <p:sp>
+        <p:nvSpPr>
+          <p:cNvPr id="6" name="Content Placeholder 5"/>
+          <p:cNvSpPr>
+            <a:spLocks noGrp="1"/>
+          </p:cNvSpPr>
+          <p:nvPr>
+            <p:ph sz="half" idx="1"/>
+          </p:nvPr>
+        </p:nvSpPr>
+        <p:spPr/>
+        <p:txBody>
+          <a:bodyPr/>
+          <a:p>
+            <a:r>
+              <a:rPr lang="en-US" altLang="zh-CN">
+                <a:sym typeface="+mn-ea"/>
+              </a:rPr>
+              <a:t>set </a:t>
+            </a:r>
+            <a:r>
+              <a:rPr lang="zh-CN" altLang="en-US">
+                <a:sym typeface="+mn-ea"/>
+              </a:rPr>
+              <a:t>迭代器没有重载</a:t>
+            </a:r>
+            <a:r>
+              <a:rPr lang="en-US" altLang="zh-CN">
+                <a:sym typeface="+mn-ea"/>
+              </a:rPr>
+              <a:t> + </a:t>
+            </a:r>
+            <a:r>
+              <a:rPr lang="zh-CN" altLang="en-US">
+                <a:sym typeface="+mn-ea"/>
+              </a:rPr>
+              <a:t>运算符，因为他不是随机迭代器。</a:t>
+            </a:r>
+            <a:endParaRPr lang="zh-CN" altLang="en-US">
+              <a:sym typeface="+mn-ea"/>
+            </a:endParaRPr>
+          </a:p>
+          <a:p>
+            <a:r>
+              <a:rPr lang="zh-CN" altLang="en-US">
+                <a:sym typeface="+mn-ea"/>
+              </a:rPr>
+              <a:t>那如果我确实需要让</a:t>
+            </a:r>
+            <a:r>
+              <a:rPr lang="en-US" altLang="zh-CN">
+                <a:sym typeface="+mn-ea"/>
+              </a:rPr>
               <a:t> set </a:t>
             </a:r>
             <a:r>
-              <a:rPr lang="zh-CN" altLang="en-US"/>
-              <a:t>容器比较</a:t>
+              <a:rPr lang="zh-CN" altLang="en-US">
+                <a:sym typeface="+mn-ea"/>
+              </a:rPr>
+              <a:t>迭代器向前移动</a:t>
+            </a:r>
+            <a:r>
+              <a:rPr lang="en-US" altLang="zh-CN">
+                <a:sym typeface="+mn-ea"/>
+              </a:rPr>
+              <a:t> 3 </a:t>
+            </a:r>
+            <a:r>
+              <a:rPr lang="zh-CN" altLang="en-US">
+                <a:sym typeface="+mn-ea"/>
+              </a:rPr>
+              <a:t>格怎么办？</a:t>
+            </a:r>
+            <a:endParaRPr lang="zh-CN" altLang="en-US">
+              <a:sym typeface="+mn-ea"/>
+            </a:endParaRPr>
+          </a:p>
+          <a:p>
+            <a:r>
+              <a:rPr lang="zh-CN" altLang="en-US"/>
+              <a:t>可以调用三次</a:t>
+            </a:r>
+            <a:r>
+              <a:rPr lang="en-US" altLang="zh-CN"/>
+              <a:t> ++ </a:t>
+            </a:r>
+            <a:r>
+              <a:rPr lang="zh-CN" altLang="en-US"/>
+              <a:t>运算，实现和</a:t>
+            </a:r>
+            <a:r>
+              <a:rPr lang="en-US" altLang="zh-CN"/>
+              <a:t> + 3 </a:t>
+            </a:r>
+            <a:r>
+              <a:rPr lang="zh-CN" altLang="en-US"/>
+              <a:t>同样的效果。</a:t>
             </a:r>
             <a:endParaRPr lang="zh-CN" altLang="en-US"/>
           </a:p>
-        </p:txBody>
-      </p:sp>
-      <p:graphicFrame>
-        <p:nvGraphicFramePr>
-          <p:cNvPr id="8" name="Content Placeholder 7"/>
-          <p:cNvGraphicFramePr/>
-          <p:nvPr>
-            <p:ph idx="1"/>
-          </p:nvPr>
-        </p:nvGraphicFramePr>
-        <p:xfrm>
-          <a:off x="609600" y="1174750"/>
-          <a:ext cx="10972800" cy="2286000"/>
-        </p:xfrm>
-        <a:graphic>
-          <a:graphicData uri="http://schemas.openxmlformats.org/drawingml/2006/table">
-            <a:tbl>
-              <a:tblPr firstRow="1" bandRow="1">
-                <a:tableStyleId>{5C22544A-7EE6-4342-B048-85BDC9FD1C3A}</a:tableStyleId>
-              </a:tblPr>
-              <a:tblGrid>
-                <a:gridCol w="2194560"/>
-                <a:gridCol w="2194560"/>
-                <a:gridCol w="2194560"/>
-                <a:gridCol w="2194560"/>
-                <a:gridCol w="2194560"/>
-              </a:tblGrid>
-              <a:tr h="381000">
-                <a:tc>
-                  <a:txBody>
-                    <a:bodyPr/>
-                    <a:p>
-                      <a:pPr>
-                        <a:buNone/>
-                      </a:pPr>
-                      <a:r>
-                        <a:rPr lang="zh-CN" altLang="en-US"/>
-                        <a:t>类型</a:t>
-                      </a:r>
-                      <a:endParaRPr lang="zh-CN" altLang="en-US"/>
-                    </a:p>
-                  </a:txBody>
-                  <a:tcPr/>
-                </a:tc>
-                <a:tc>
-                  <a:txBody>
-                    <a:bodyPr/>
-                    <a:p>
-                      <a:pPr>
-                        <a:buNone/>
-                      </a:pPr>
-                      <a:r>
-                        <a:rPr lang="zh-CN" altLang="en-US"/>
-                        <a:t>去重</a:t>
-                      </a:r>
-                      <a:endParaRPr lang="zh-CN" altLang="en-US"/>
-                    </a:p>
-                  </a:txBody>
-                  <a:tcPr/>
-                </a:tc>
-                <a:tc>
-                  <a:txBody>
-                    <a:bodyPr/>
-                    <a:p>
-                      <a:pPr>
-                        <a:buNone/>
-                      </a:pPr>
-                      <a:r>
-                        <a:rPr lang="zh-CN" altLang="en-US"/>
-                        <a:t>排序</a:t>
-                      </a:r>
-                      <a:endParaRPr lang="zh-CN" altLang="en-US"/>
-                    </a:p>
-                  </a:txBody>
-                  <a:tcPr/>
-                </a:tc>
-                <a:tc>
-                  <a:txBody>
-                    <a:bodyPr/>
-                    <a:p>
-                      <a:pPr>
-                        <a:buNone/>
-                      </a:pPr>
-                      <a:r>
-                        <a:rPr lang="zh-CN" altLang="en-US"/>
-                        <a:t>查找</a:t>
-                      </a:r>
-                      <a:endParaRPr lang="zh-CN" altLang="en-US"/>
-                    </a:p>
-                  </a:txBody>
-                  <a:tcPr/>
-                </a:tc>
-                <a:tc>
-                  <a:txBody>
-                    <a:bodyPr/>
-                    <a:p>
-                      <a:pPr>
-                        <a:buNone/>
-                      </a:pPr>
-                      <a:r>
-                        <a:rPr lang="zh-CN" altLang="en-US"/>
-                        <a:t>插入</a:t>
-                      </a:r>
-                      <a:endParaRPr lang="zh-CN" altLang="en-US"/>
-                    </a:p>
-                  </a:txBody>
-                  <a:tcPr/>
-                </a:tc>
-              </a:tr>
-              <a:tr h="381000">
-                <a:tc>
-                  <a:txBody>
-                    <a:bodyPr/>
-                    <a:p>
-                      <a:pPr>
-                        <a:buNone/>
-                      </a:pPr>
-                      <a:r>
-                        <a:rPr lang="en-US"/>
-                        <a:t>vector</a:t>
-                      </a:r>
-                      <a:endParaRPr lang="en-US"/>
-                    </a:p>
-                  </a:txBody>
-                  <a:tcPr/>
-                </a:tc>
-                <a:tc>
-                  <a:txBody>
-                    <a:bodyPr/>
-                    <a:p>
-                      <a:pPr>
-                        <a:buNone/>
-                      </a:pPr>
-                      <a:r>
-                        <a:rPr lang="zh-CN" altLang="en-US">
-                          <a:solidFill>
-                            <a:srgbClr val="FF0000"/>
-                          </a:solidFill>
-                        </a:rPr>
-                        <a:t>×</a:t>
-                      </a:r>
-                      <a:r>
-                        <a:rPr lang="en-US" altLang="zh-CN">
-                          <a:solidFill>
-                            <a:srgbClr val="FF0000"/>
-                          </a:solidFill>
-                        </a:rPr>
-                        <a:t> </a:t>
-                      </a:r>
-                      <a:r>
-                        <a:rPr lang="zh-CN" altLang="en-US"/>
-                        <a:t>元素可是任意值</a:t>
-                      </a:r>
-                      <a:endParaRPr lang="zh-CN" altLang="en-US"/>
-                    </a:p>
-                  </a:txBody>
-                  <a:tcPr/>
-                </a:tc>
-                <a:tc>
-                  <a:txBody>
-                    <a:bodyPr/>
-                    <a:p>
-                      <a:pPr>
-                        <a:buNone/>
-                      </a:pPr>
-                      <a:r>
-                        <a:rPr lang="zh-CN" altLang="en-US">
-                          <a:solidFill>
-                            <a:srgbClr val="FF0000"/>
-                          </a:solidFill>
-                        </a:rPr>
-                        <a:t>×</a:t>
-                      </a:r>
-                      <a:r>
-                        <a:rPr lang="en-US" altLang="zh-CN"/>
-                        <a:t> </a:t>
-                      </a:r>
-                      <a:r>
-                        <a:rPr lang="zh-CN" altLang="en-US"/>
-                        <a:t>维持</a:t>
-                      </a:r>
-                      <a:r>
-                        <a:rPr lang="zh-CN" altLang="en-US"/>
-                        <a:t>插入时顺序</a:t>
-                      </a:r>
-                      <a:endParaRPr lang="zh-CN" altLang="en-US"/>
-                    </a:p>
-                  </a:txBody>
-                  <a:tcPr/>
-                </a:tc>
-                <a:tc>
-                  <a:txBody>
-                    <a:bodyPr/>
-                    <a:p>
-                      <a:pPr>
-                        <a:buNone/>
-                      </a:pPr>
-                      <a:r>
-                        <a:rPr lang="en-US">
-                          <a:solidFill>
-                            <a:srgbClr val="FF0000"/>
-                          </a:solidFill>
-                        </a:rPr>
-                        <a:t>O(n)</a:t>
-                      </a:r>
-                      <a:r>
-                        <a:rPr lang="zh-CN" altLang="en-US"/>
-                        <a:t>，</a:t>
-                      </a:r>
-                      <a:r>
-                        <a:rPr lang="zh-CN" altLang="en-US">
-                          <a:solidFill>
-                            <a:srgbClr val="FF0000"/>
-                          </a:solidFill>
-                        </a:rPr>
-                        <a:t>需要遍历</a:t>
-                      </a:r>
-                      <a:endParaRPr lang="zh-CN" altLang="en-US">
-                        <a:solidFill>
-                          <a:srgbClr val="FF0000"/>
-                        </a:solidFill>
-                      </a:endParaRPr>
-                    </a:p>
-                  </a:txBody>
-                  <a:tcPr/>
-                </a:tc>
-                <a:tc>
-                  <a:txBody>
-                    <a:bodyPr/>
-                    <a:p>
-                      <a:pPr>
-                        <a:buNone/>
-                      </a:pPr>
-                      <a:r>
-                        <a:rPr lang="zh-CN" altLang="en-US"/>
-                        <a:t>尾部</a:t>
-                      </a:r>
-                      <a:r>
-                        <a:rPr lang="en-US">
-                          <a:solidFill>
-                            <a:srgbClr val="00B050"/>
-                          </a:solidFill>
-                        </a:rPr>
-                        <a:t>O(1)</a:t>
-                      </a:r>
-                      <a:r>
-                        <a:rPr lang="en-US"/>
-                        <a:t> </a:t>
-                      </a:r>
-                      <a:r>
-                        <a:rPr lang="zh-CN" altLang="en-US"/>
-                        <a:t>头部</a:t>
-                      </a:r>
-                      <a:r>
-                        <a:rPr lang="en-US" altLang="zh-CN">
-                          <a:solidFill>
-                            <a:srgbClr val="FF0000"/>
-                          </a:solidFill>
-                        </a:rPr>
-                        <a:t>O(n)</a:t>
-                      </a:r>
-                      <a:endParaRPr lang="en-US" altLang="zh-CN">
-                        <a:solidFill>
-                          <a:srgbClr val="FF0000"/>
-                        </a:solidFill>
-                      </a:endParaRPr>
-                    </a:p>
-                  </a:txBody>
-                  <a:tcPr/>
-                </a:tc>
-              </a:tr>
-              <a:tr h="381000">
-                <a:tc>
-                  <a:txBody>
-                    <a:bodyPr/>
-                    <a:p>
-                      <a:pPr>
-                        <a:buNone/>
-                      </a:pPr>
-                      <a:r>
-                        <a:rPr lang="en-US"/>
-                        <a:t>set</a:t>
-                      </a:r>
-                      <a:endParaRPr lang="en-US"/>
-                    </a:p>
-                  </a:txBody>
-                  <a:tcPr/>
-                </a:tc>
-                <a:tc>
-                  <a:txBody>
-                    <a:bodyPr/>
-                    <a:p>
-                      <a:pPr>
-                        <a:buNone/>
-                      </a:pPr>
-                      <a:r>
-                        <a:rPr lang="en-US">
-                          <a:solidFill>
-                            <a:srgbClr val="00B050"/>
-                          </a:solidFill>
-                        </a:rPr>
-                        <a:t>√ </a:t>
-                      </a:r>
-                      <a:r>
-                        <a:rPr lang="zh-CN" altLang="en-US"/>
-                        <a:t>不会有重复元素</a:t>
-                      </a:r>
-                      <a:endParaRPr lang="zh-CN" altLang="en-US"/>
-                    </a:p>
-                  </a:txBody>
-                  <a:tcPr/>
-                </a:tc>
-                <a:tc>
-                  <a:txBody>
-                    <a:bodyPr/>
-                    <a:p>
-                      <a:pPr>
-                        <a:buNone/>
-                      </a:pPr>
-                      <a:r>
-                        <a:rPr lang="en-US">
-                          <a:solidFill>
-                            <a:srgbClr val="00B050"/>
-                          </a:solidFill>
-                        </a:rPr>
-                        <a:t>√ </a:t>
-                      </a:r>
-                      <a:r>
-                        <a:rPr lang="zh-CN" altLang="en-US"/>
-                        <a:t>从小到大排序</a:t>
-                      </a:r>
-                      <a:endParaRPr lang="zh-CN" altLang="en-US"/>
-                    </a:p>
-                  </a:txBody>
-                  <a:tcPr/>
-                </a:tc>
-                <a:tc>
-                  <a:txBody>
-                    <a:bodyPr/>
-                    <a:p>
-                      <a:pPr>
-                        <a:buNone/>
-                      </a:pPr>
-                      <a:r>
-                        <a:rPr lang="en-US"/>
-                        <a:t>O(logn)</a:t>
-                      </a:r>
-                      <a:r>
-                        <a:rPr lang="zh-CN" altLang="en-US"/>
-                        <a:t>，</a:t>
-                      </a:r>
-                      <a:r>
-                        <a:rPr lang="zh-CN" altLang="en-US">
-                          <a:solidFill>
-                            <a:srgbClr val="00B050"/>
-                          </a:solidFill>
-                        </a:rPr>
-                        <a:t>稳定</a:t>
-                      </a:r>
-                      <a:endParaRPr lang="zh-CN" altLang="en-US">
-                        <a:solidFill>
-                          <a:srgbClr val="00B050"/>
-                        </a:solidFill>
-                      </a:endParaRPr>
-                    </a:p>
-                  </a:txBody>
-                  <a:tcPr/>
-                </a:tc>
-                <a:tc>
-                  <a:txBody>
-                    <a:bodyPr/>
-                    <a:p>
-                      <a:pPr>
-                        <a:buNone/>
-                      </a:pPr>
-                      <a:r>
-                        <a:rPr lang="en-US" sz="1800">
-                          <a:sym typeface="+mn-ea"/>
-                        </a:rPr>
-                        <a:t>O(logn)</a:t>
-                      </a:r>
-                      <a:r>
-                        <a:rPr lang="zh-CN" altLang="en-US" sz="1800">
-                          <a:sym typeface="+mn-ea"/>
-                        </a:rPr>
-                        <a:t>，</a:t>
-                      </a:r>
-                      <a:r>
-                        <a:rPr lang="zh-CN" altLang="en-US" sz="1800">
-                          <a:solidFill>
-                            <a:srgbClr val="00B050"/>
-                          </a:solidFill>
-                          <a:sym typeface="+mn-ea"/>
-                        </a:rPr>
-                        <a:t>稳定</a:t>
-                      </a:r>
-                      <a:endParaRPr lang="zh-CN" altLang="en-US" sz="1800">
-                        <a:solidFill>
-                          <a:srgbClr val="00B050"/>
-                        </a:solidFill>
-                        <a:sym typeface="+mn-ea"/>
-                      </a:endParaRPr>
-                    </a:p>
-                  </a:txBody>
-                  <a:tcPr/>
-                </a:tc>
-              </a:tr>
-              <a:tr h="381000">
-                <a:tc>
-                  <a:txBody>
-                    <a:bodyPr/>
-                    <a:p>
-                      <a:pPr>
-                        <a:buNone/>
-                      </a:pPr>
-                      <a:r>
-                        <a:rPr lang="en-US"/>
-                        <a:t>multiset</a:t>
-                      </a:r>
-                      <a:endParaRPr lang="en-US"/>
-                    </a:p>
-                  </a:txBody>
-                  <a:tcPr/>
-                </a:tc>
-                <a:tc>
-                  <a:txBody>
-                    <a:bodyPr/>
-                    <a:p>
-                      <a:pPr>
-                        <a:buNone/>
-                      </a:pPr>
-                      <a:r>
-                        <a:rPr lang="zh-CN" altLang="en-US" sz="1800">
-                          <a:solidFill>
-                            <a:srgbClr val="FF0000"/>
-                          </a:solidFill>
-                          <a:sym typeface="+mn-ea"/>
-                        </a:rPr>
-                        <a:t>×</a:t>
-                      </a:r>
-                      <a:r>
-                        <a:rPr lang="en-US" altLang="zh-CN" sz="1800">
-                          <a:sym typeface="+mn-ea"/>
-                        </a:rPr>
-                        <a:t> </a:t>
-                      </a:r>
-                      <a:r>
-                        <a:rPr lang="zh-CN" altLang="en-US" sz="1800">
-                          <a:sym typeface="+mn-ea"/>
-                        </a:rPr>
-                        <a:t>重复元素紧挨着</a:t>
-                      </a:r>
-                      <a:endParaRPr lang="zh-CN" altLang="en-US" sz="1800">
-                        <a:sym typeface="+mn-ea"/>
-                      </a:endParaRPr>
-                    </a:p>
-                  </a:txBody>
-                  <a:tcPr/>
-                </a:tc>
-                <a:tc>
-                  <a:txBody>
-                    <a:bodyPr/>
-                    <a:p>
-                      <a:pPr>
-                        <a:buNone/>
-                      </a:pPr>
-                      <a:r>
-                        <a:rPr lang="en-US" sz="1800">
-                          <a:solidFill>
-                            <a:srgbClr val="00B050"/>
-                          </a:solidFill>
-                          <a:sym typeface="+mn-ea"/>
-                        </a:rPr>
-                        <a:t>√ </a:t>
-                      </a:r>
-                      <a:r>
-                        <a:rPr lang="zh-CN" altLang="en-US" sz="1800">
-                          <a:sym typeface="+mn-ea"/>
-                        </a:rPr>
-                        <a:t>从小到大排序</a:t>
-                      </a:r>
-                      <a:endParaRPr lang="en-US"/>
-                    </a:p>
-                  </a:txBody>
-                  <a:tcPr/>
-                </a:tc>
-                <a:tc>
-                  <a:txBody>
-                    <a:bodyPr/>
-                    <a:p>
-                      <a:pPr>
-                        <a:buNone/>
-                      </a:pPr>
-                      <a:r>
-                        <a:rPr lang="en-US" sz="1800">
-                          <a:sym typeface="+mn-ea"/>
-                        </a:rPr>
-                        <a:t>O(logn)</a:t>
-                      </a:r>
-                      <a:r>
-                        <a:rPr lang="zh-CN" altLang="en-US" sz="1800">
-                          <a:sym typeface="+mn-ea"/>
-                        </a:rPr>
-                        <a:t>，</a:t>
-                      </a:r>
-                      <a:r>
-                        <a:rPr lang="zh-CN" altLang="en-US" sz="1800">
-                          <a:solidFill>
-                            <a:srgbClr val="00B050"/>
-                          </a:solidFill>
-                          <a:sym typeface="+mn-ea"/>
-                        </a:rPr>
-                        <a:t>稳定</a:t>
-                      </a:r>
-                      <a:endParaRPr lang="zh-CN" altLang="en-US" sz="1800">
-                        <a:solidFill>
-                          <a:srgbClr val="00B050"/>
-                        </a:solidFill>
-                        <a:sym typeface="+mn-ea"/>
-                      </a:endParaRPr>
-                    </a:p>
-                  </a:txBody>
-                  <a:tcPr/>
-                </a:tc>
-                <a:tc>
-                  <a:txBody>
-                    <a:bodyPr/>
-                    <a:p>
-                      <a:pPr>
-                        <a:buNone/>
-                      </a:pPr>
-                      <a:r>
-                        <a:rPr lang="en-US" sz="1800">
-                          <a:sym typeface="+mn-ea"/>
-                        </a:rPr>
-                        <a:t>O(logn)</a:t>
-                      </a:r>
-                      <a:r>
-                        <a:rPr lang="zh-CN" altLang="en-US" sz="1800">
-                          <a:sym typeface="+mn-ea"/>
-                        </a:rPr>
-                        <a:t>，</a:t>
-                      </a:r>
-                      <a:r>
-                        <a:rPr lang="zh-CN" altLang="en-US" sz="1800">
-                          <a:solidFill>
-                            <a:srgbClr val="00B050"/>
-                          </a:solidFill>
-                          <a:sym typeface="+mn-ea"/>
-                        </a:rPr>
-                        <a:t>稳定</a:t>
-                      </a:r>
-                      <a:endParaRPr lang="zh-CN" altLang="en-US" sz="1800">
-                        <a:solidFill>
-                          <a:srgbClr val="00B050"/>
-                        </a:solidFill>
-                        <a:sym typeface="+mn-ea"/>
-                      </a:endParaRPr>
-                    </a:p>
-                  </a:txBody>
-                  <a:tcPr/>
-                </a:tc>
-              </a:tr>
-              <a:tr h="381000">
-                <a:tc>
-                  <a:txBody>
-                    <a:bodyPr/>
-                    <a:p>
-                      <a:pPr>
-                        <a:buNone/>
-                      </a:pPr>
-                      <a:r>
-                        <a:rPr lang="en-US"/>
-                        <a:t>unordered_set</a:t>
-                      </a:r>
-                      <a:endParaRPr lang="en-US"/>
-                    </a:p>
-                  </a:txBody>
-                  <a:tcPr/>
-                </a:tc>
-                <a:tc>
-                  <a:txBody>
-                    <a:bodyPr/>
-                    <a:p>
-                      <a:pPr>
-                        <a:buNone/>
-                      </a:pPr>
-                      <a:r>
-                        <a:rPr lang="en-US" sz="1800">
-                          <a:solidFill>
-                            <a:srgbClr val="00B050"/>
-                          </a:solidFill>
-                          <a:sym typeface="+mn-ea"/>
-                        </a:rPr>
-                        <a:t>√ </a:t>
-                      </a:r>
-                      <a:r>
-                        <a:rPr lang="zh-CN" altLang="en-US" sz="1800">
-                          <a:sym typeface="+mn-ea"/>
-                        </a:rPr>
-                        <a:t>不会有重复元素</a:t>
-                      </a:r>
-                      <a:endParaRPr lang="en-US"/>
-                    </a:p>
-                  </a:txBody>
-                  <a:tcPr/>
-                </a:tc>
-                <a:tc>
-                  <a:txBody>
-                    <a:bodyPr/>
-                    <a:p>
-                      <a:pPr>
-                        <a:buNone/>
-                      </a:pPr>
-                      <a:r>
-                        <a:rPr lang="zh-CN" altLang="en-US">
-                          <a:solidFill>
-                            <a:srgbClr val="FF0000"/>
-                          </a:solidFill>
-                        </a:rPr>
-                        <a:t>×</a:t>
-                      </a:r>
-                      <a:r>
-                        <a:rPr lang="en-US" altLang="zh-CN"/>
-                        <a:t> </a:t>
-                      </a:r>
-                      <a:r>
-                        <a:rPr lang="zh-CN" altLang="en-US"/>
-                        <a:t>随机打乱顺序</a:t>
-                      </a:r>
-                      <a:endParaRPr lang="zh-CN" altLang="en-US"/>
-                    </a:p>
-                  </a:txBody>
-                  <a:tcPr/>
-                </a:tc>
-                <a:tc>
-                  <a:txBody>
-                    <a:bodyPr/>
-                    <a:p>
-                      <a:pPr>
-                        <a:buNone/>
-                      </a:pPr>
-                      <a:r>
-                        <a:rPr lang="en-US" sz="1800">
-                          <a:solidFill>
-                            <a:srgbClr val="00B050"/>
-                          </a:solidFill>
-                          <a:sym typeface="+mn-ea"/>
-                        </a:rPr>
-                        <a:t>O(1)</a:t>
-                      </a:r>
-                      <a:r>
-                        <a:rPr lang="zh-CN" altLang="en-US" sz="1800">
-                          <a:sym typeface="+mn-ea"/>
-                        </a:rPr>
-                        <a:t>，</a:t>
-                      </a:r>
-                      <a:r>
-                        <a:rPr lang="zh-CN" altLang="en-US" sz="1800">
-                          <a:solidFill>
-                            <a:srgbClr val="FF0000"/>
-                          </a:solidFill>
-                          <a:sym typeface="+mn-ea"/>
-                        </a:rPr>
-                        <a:t>时快时慢</a:t>
-                      </a:r>
-                      <a:endParaRPr lang="zh-CN" altLang="en-US" sz="1800">
-                        <a:solidFill>
-                          <a:srgbClr val="FF0000"/>
-                        </a:solidFill>
-                        <a:sym typeface="+mn-ea"/>
-                      </a:endParaRPr>
-                    </a:p>
-                  </a:txBody>
-                  <a:tcPr/>
-                </a:tc>
-                <a:tc>
-                  <a:txBody>
-                    <a:bodyPr/>
-                    <a:p>
-                      <a:pPr>
-                        <a:buNone/>
-                      </a:pPr>
-                      <a:r>
-                        <a:rPr lang="en-US" sz="1800">
-                          <a:sym typeface="+mn-ea"/>
-                        </a:rPr>
-                        <a:t>O(logn)</a:t>
-                      </a:r>
-                      <a:r>
-                        <a:rPr lang="zh-CN" altLang="en-US" sz="1800">
-                          <a:sym typeface="+mn-ea"/>
-                        </a:rPr>
-                        <a:t>，</a:t>
-                      </a:r>
-                      <a:r>
-                        <a:rPr lang="zh-CN" altLang="en-US" sz="1800">
-                          <a:solidFill>
-                            <a:srgbClr val="FF0000"/>
-                          </a:solidFill>
-                          <a:sym typeface="+mn-ea"/>
-                        </a:rPr>
-                        <a:t>时快时慢</a:t>
-                      </a:r>
-                      <a:endParaRPr lang="zh-CN" altLang="en-US" sz="1800">
-                        <a:solidFill>
-                          <a:srgbClr val="FF0000"/>
-                        </a:solidFill>
-                        <a:sym typeface="+mn-ea"/>
-                      </a:endParaRPr>
-                    </a:p>
-                  </a:txBody>
-                  <a:tcPr/>
-                </a:tc>
-              </a:tr>
-              <a:tr h="381000">
-                <a:tc>
-                  <a:txBody>
-                    <a:bodyPr/>
-                    <a:p>
-                      <a:pPr>
-                        <a:buNone/>
-                      </a:pPr>
-                      <a:r>
-                        <a:rPr lang="en-US"/>
-                        <a:t>unordered_multiset</a:t>
-                      </a:r>
-                      <a:endParaRPr lang="en-US"/>
-                    </a:p>
-                  </a:txBody>
-                  <a:tcPr/>
-                </a:tc>
-                <a:tc>
-                  <a:txBody>
-                    <a:bodyPr/>
-                    <a:p>
-                      <a:pPr>
-                        <a:buNone/>
-                      </a:pPr>
-                      <a:r>
-                        <a:rPr lang="zh-CN" altLang="en-US" sz="1800">
-                          <a:solidFill>
-                            <a:srgbClr val="FF0000"/>
-                          </a:solidFill>
-                          <a:sym typeface="+mn-ea"/>
-                        </a:rPr>
-                        <a:t>×</a:t>
-                      </a:r>
-                      <a:r>
-                        <a:rPr lang="en-US" altLang="zh-CN" sz="1800">
-                          <a:sym typeface="+mn-ea"/>
-                        </a:rPr>
-                        <a:t> </a:t>
-                      </a:r>
-                      <a:r>
-                        <a:rPr lang="zh-CN" altLang="en-US" sz="1800">
-                          <a:sym typeface="+mn-ea"/>
-                        </a:rPr>
-                        <a:t>重复元素紧挨着</a:t>
-                      </a:r>
-                      <a:endParaRPr lang="en-US"/>
-                    </a:p>
-                  </a:txBody>
-                  <a:tcPr/>
-                </a:tc>
-                <a:tc>
-                  <a:txBody>
-                    <a:bodyPr/>
-                    <a:p>
-                      <a:pPr>
-                        <a:buNone/>
-                      </a:pPr>
-                      <a:r>
-                        <a:rPr lang="zh-CN" altLang="en-US" sz="1800">
-                          <a:solidFill>
-                            <a:srgbClr val="FF0000"/>
-                          </a:solidFill>
-                          <a:sym typeface="+mn-ea"/>
-                        </a:rPr>
-                        <a:t>×</a:t>
-                      </a:r>
-                      <a:r>
-                        <a:rPr lang="en-US" altLang="zh-CN" sz="1800">
-                          <a:sym typeface="+mn-ea"/>
-                        </a:rPr>
-                        <a:t> </a:t>
-                      </a:r>
-                      <a:r>
-                        <a:rPr lang="zh-CN" altLang="en-US" sz="1800">
-                          <a:sym typeface="+mn-ea"/>
-                        </a:rPr>
-                        <a:t>随机打乱顺序</a:t>
-                      </a:r>
-                      <a:endParaRPr lang="en-US"/>
-                    </a:p>
-                  </a:txBody>
-                  <a:tcPr/>
-                </a:tc>
-                <a:tc>
-                  <a:txBody>
-                    <a:bodyPr/>
-                    <a:p>
-                      <a:pPr>
-                        <a:buNone/>
-                      </a:pPr>
-                      <a:r>
-                        <a:rPr lang="en-US" sz="1800">
-                          <a:solidFill>
-                            <a:srgbClr val="00B050"/>
-                          </a:solidFill>
-                          <a:sym typeface="+mn-ea"/>
-                        </a:rPr>
-                        <a:t>O(1)</a:t>
-                      </a:r>
-                      <a:r>
-                        <a:rPr lang="zh-CN" altLang="en-US" sz="1800">
-                          <a:sym typeface="+mn-ea"/>
-                        </a:rPr>
-                        <a:t>，</a:t>
-                      </a:r>
-                      <a:r>
-                        <a:rPr lang="zh-CN" altLang="en-US" sz="1800">
-                          <a:solidFill>
-                            <a:srgbClr val="FF0000"/>
-                          </a:solidFill>
-                          <a:sym typeface="+mn-ea"/>
-                        </a:rPr>
-                        <a:t>时快时慢</a:t>
-                      </a:r>
-                      <a:endParaRPr lang="zh-CN" altLang="en-US" sz="1800">
-                        <a:solidFill>
-                          <a:srgbClr val="FF0000"/>
-                        </a:solidFill>
-                        <a:sym typeface="+mn-ea"/>
-                      </a:endParaRPr>
-                    </a:p>
-                  </a:txBody>
-                  <a:tcPr/>
-                </a:tc>
-                <a:tc>
-                  <a:txBody>
-                    <a:bodyPr/>
-                    <a:p>
-                      <a:pPr>
-                        <a:buNone/>
-                      </a:pPr>
-                      <a:r>
-                        <a:rPr lang="en-US" sz="1800">
-                          <a:sym typeface="+mn-ea"/>
-                        </a:rPr>
-                        <a:t>O(logn)</a:t>
-                      </a:r>
-                      <a:r>
-                        <a:rPr lang="zh-CN" altLang="en-US" sz="1800">
-                          <a:sym typeface="+mn-ea"/>
-                        </a:rPr>
-                        <a:t>，</a:t>
-                      </a:r>
-                      <a:r>
-                        <a:rPr lang="zh-CN" altLang="en-US" sz="1800">
-                          <a:solidFill>
-                            <a:srgbClr val="FF0000"/>
-                          </a:solidFill>
-                          <a:sym typeface="+mn-ea"/>
-                        </a:rPr>
-                        <a:t>时快时慢</a:t>
-                      </a:r>
-                      <a:endParaRPr lang="zh-CN" altLang="en-US" sz="1800">
-                        <a:solidFill>
-                          <a:srgbClr val="FF0000"/>
-                        </a:solidFill>
-                        <a:sym typeface="+mn-ea"/>
-                      </a:endParaRPr>
-                    </a:p>
-                  </a:txBody>
-                  <a:tcPr/>
-                </a:tc>
-              </a:tr>
-            </a:tbl>
-          </a:graphicData>
-        </a:graphic>
-      </p:graphicFrame>
+          <a:p>
+            <a:r>
+              <a:rPr lang="en-US" altLang="zh-CN">
+                <a:sym typeface="+mn-ea"/>
+              </a:rPr>
+              <a:t>vector </a:t>
+            </a:r>
+            <a:r>
+              <a:rPr lang="zh-CN" altLang="en-US">
+                <a:sym typeface="+mn-ea"/>
+              </a:rPr>
+              <a:t>迭代器的</a:t>
+            </a:r>
+            <a:r>
+              <a:rPr lang="en-US" altLang="zh-CN">
+                <a:sym typeface="+mn-ea"/>
+              </a:rPr>
+              <a:t> + n </a:t>
+            </a:r>
+            <a:r>
+              <a:rPr lang="zh-CN" altLang="en-US">
+                <a:sym typeface="+mn-ea"/>
+              </a:rPr>
+              <a:t>复杂度是</a:t>
+            </a:r>
+            <a:r>
+              <a:rPr lang="en-US" altLang="zh-CN">
+                <a:sym typeface="+mn-ea"/>
+              </a:rPr>
+              <a:t> O(1)</a:t>
+            </a:r>
+            <a:r>
+              <a:rPr lang="zh-CN" altLang="en-US">
+                <a:sym typeface="+mn-ea"/>
+              </a:rPr>
+              <a:t>。而</a:t>
+            </a:r>
+            <a:r>
+              <a:rPr lang="en-US" altLang="zh-CN">
+                <a:sym typeface="+mn-ea"/>
+              </a:rPr>
+              <a:t> set </a:t>
+            </a:r>
+            <a:r>
+              <a:rPr lang="zh-CN" altLang="en-US">
+                <a:sym typeface="+mn-ea"/>
+              </a:rPr>
+              <a:t>迭代器</a:t>
+            </a:r>
+            <a:r>
+              <a:rPr lang="zh-CN" altLang="en-US"/>
+              <a:t>模拟出来的</a:t>
+            </a:r>
+            <a:r>
+              <a:rPr lang="en-US" altLang="zh-CN"/>
+              <a:t> + n </a:t>
+            </a:r>
+            <a:r>
+              <a:rPr lang="zh-CN" altLang="en-US"/>
+              <a:t>复杂度为</a:t>
+            </a:r>
+            <a:r>
+              <a:rPr lang="en-US" altLang="zh-CN"/>
+              <a:t> O(n)</a:t>
+            </a:r>
+            <a:r>
+              <a:rPr lang="zh-CN" altLang="en-US"/>
+              <a:t>。虽然低效，但至少可以用了。</a:t>
+            </a:r>
+            <a:endParaRPr lang="zh-CN" altLang="en-US"/>
+          </a:p>
+        </p:txBody>
+      </p:sp>
+      <p:pic>
+        <p:nvPicPr>
+          <p:cNvPr id="12" name="Content Placeholder 11"/>
+          <p:cNvPicPr>
+            <a:picLocks noChangeAspect="1"/>
+          </p:cNvPicPr>
+          <p:nvPr>
+            <p:ph sz="half" idx="2"/>
+          </p:nvPr>
+        </p:nvPicPr>
+        <p:blipFill>
+          <a:blip r:embed="rId1"/>
+          <a:stretch>
+            <a:fillRect/>
+          </a:stretch>
+        </p:blipFill>
+        <p:spPr>
+          <a:xfrm>
+            <a:off x="6325235" y="1078230"/>
+            <a:ext cx="5380990" cy="3491230"/>
+          </a:xfrm>
+          <a:prstGeom prst="rect">
+            <a:avLst/>
+          </a:prstGeom>
+        </p:spPr>
+      </p:pic>
+      <p:pic>
+        <p:nvPicPr>
+          <p:cNvPr id="13" name="Content Placeholder 12"/>
+          <p:cNvPicPr>
+            <a:picLocks noChangeAspect="1"/>
+          </p:cNvPicPr>
+          <p:nvPr>
+            <p:ph sz="half" idx="13"/>
+          </p:nvPr>
+        </p:nvPicPr>
+        <p:blipFill>
+          <a:blip r:embed="rId2"/>
+          <a:stretch>
+            <a:fillRect/>
+          </a:stretch>
+        </p:blipFill>
+        <p:spPr>
+          <a:xfrm>
+            <a:off x="8019415" y="5332095"/>
+            <a:ext cx="1991360" cy="830580"/>
+          </a:xfrm>
+          <a:prstGeom prst="rect">
+            <a:avLst/>
+          </a:prstGeom>
+        </p:spPr>
+      </p:pic>
     </p:spTree>
   </p:cSld>
   <p:clrMapOvr>
@@ -7489,7 +10291,7 @@
       <p:grpSpPr/>
       <p:sp>
         <p:nvSpPr>
-          <p:cNvPr id="2" name="Title 1"/>
+          <p:cNvPr id="5" name="Title 4"/>
           <p:cNvSpPr>
             <a:spLocks noGrp="1"/>
           </p:cNvSpPr>
@@ -7502,21 +10304,174 @@
           <a:bodyPr/>
           <a:p>
             <a:r>
-              <a:rPr lang="en-US"/>
-              <a:t>algorithm</a:t>
-            </a:r>
-            <a:endParaRPr lang="en-US"/>
+              <a:rPr lang="en-US" altLang="zh-CN"/>
+              <a:t>std::next </a:t>
+            </a:r>
+            <a:r>
+              <a:rPr lang="zh-CN" altLang="en-US"/>
+              <a:t>等价于</a:t>
+            </a:r>
+            <a:r>
+              <a:rPr lang="en-US" altLang="zh-CN"/>
+              <a:t> +</a:t>
+            </a:r>
+            <a:endParaRPr lang="en-US" altLang="zh-CN"/>
+          </a:p>
+        </p:txBody>
+      </p:sp>
+      <p:sp>
+        <p:nvSpPr>
+          <p:cNvPr id="6" name="Content Placeholder 5"/>
+          <p:cNvSpPr>
+            <a:spLocks noGrp="1"/>
+          </p:cNvSpPr>
+          <p:nvPr>
+            <p:ph sz="half" idx="1"/>
+          </p:nvPr>
+        </p:nvSpPr>
+        <p:spPr>
+          <a:xfrm>
+            <a:off x="609600" y="890270"/>
+            <a:ext cx="5715635" cy="5812155"/>
+          </a:xfrm>
+        </p:spPr>
+        <p:txBody>
+          <a:bodyPr/>
+          <a:p>
+            <a:r>
+              <a:rPr lang="zh-CN" sz="2800">
+                <a:sym typeface="+mn-ea"/>
+              </a:rPr>
+              <a:t>但是这样手写三个</a:t>
+            </a:r>
+            <a:r>
+              <a:rPr lang="en-US" altLang="zh-CN" sz="2800">
+                <a:sym typeface="+mn-ea"/>
+              </a:rPr>
+              <a:t> ++ </a:t>
+            </a:r>
+            <a:r>
+              <a:rPr lang="zh-CN" altLang="en-US" sz="2800">
+                <a:sym typeface="+mn-ea"/>
+              </a:rPr>
+              <a:t>太麻烦了，而且是就地操作，会改变迭代器本身。</a:t>
+            </a:r>
+            <a:endParaRPr lang="zh-CN" altLang="en-US" sz="2800">
+              <a:sym typeface="+mn-ea"/>
+            </a:endParaRPr>
+          </a:p>
+          <a:p>
+            <a:r>
+              <a:rPr lang="zh-CN" altLang="en-US" sz="2800">
+                <a:sym typeface="+mn-ea"/>
+              </a:rPr>
+              <a:t>因此标准库提供了</a:t>
+            </a:r>
+            <a:r>
+              <a:rPr lang="en-US" altLang="zh-CN" sz="2800">
+                <a:sym typeface="+mn-ea"/>
+              </a:rPr>
+              <a:t> std::next </a:t>
+            </a:r>
+            <a:r>
+              <a:rPr lang="zh-CN" altLang="en-US" sz="2800">
+                <a:sym typeface="+mn-ea"/>
+              </a:rPr>
+              <a:t>函数，他的内部实现相当于这样：</a:t>
+            </a:r>
+            <a:endParaRPr lang="zh-CN" altLang="en-US" sz="2800">
+              <a:sym typeface="+mn-ea"/>
+            </a:endParaRPr>
+          </a:p>
+          <a:p>
+            <a:endParaRPr lang="zh-CN" altLang="en-US" sz="2800">
+              <a:sym typeface="+mn-ea"/>
+            </a:endParaRPr>
+          </a:p>
+          <a:p>
+            <a:endParaRPr lang="zh-CN" altLang="en-US" sz="2800">
+              <a:sym typeface="+mn-ea"/>
+            </a:endParaRPr>
+          </a:p>
+          <a:p>
+            <a:endParaRPr lang="zh-CN" altLang="en-US" sz="2800">
+              <a:sym typeface="+mn-ea"/>
+            </a:endParaRPr>
+          </a:p>
+          <a:p>
+            <a:endParaRPr lang="zh-CN" altLang="en-US" sz="2800">
+              <a:sym typeface="+mn-ea"/>
+            </a:endParaRPr>
+          </a:p>
+          <a:p>
+            <a:r>
+              <a:rPr lang="zh-CN" altLang="en-US" sz="2800">
+                <a:sym typeface="+mn-ea"/>
+              </a:rPr>
+              <a:t>没错，他会</a:t>
+            </a:r>
+            <a:r>
+              <a:rPr lang="zh-CN" altLang="en-US" sz="2800" b="1">
+                <a:sym typeface="+mn-ea"/>
+              </a:rPr>
+              <a:t>自动判断迭代器是否支持</a:t>
+            </a:r>
+            <a:r>
+              <a:rPr lang="en-US" altLang="zh-CN" sz="2800" b="1">
+                <a:sym typeface="+mn-ea"/>
+              </a:rPr>
+              <a:t> + </a:t>
+            </a:r>
+            <a:r>
+              <a:rPr lang="zh-CN" altLang="en-US" sz="2800" b="1">
+                <a:sym typeface="+mn-ea"/>
+              </a:rPr>
+              <a:t>运算</a:t>
+            </a:r>
+            <a:r>
+              <a:rPr lang="zh-CN" altLang="en-US" sz="2800">
+                <a:sym typeface="+mn-ea"/>
+              </a:rPr>
+              <a:t>，如果不支持，会改为比较低效的调用</a:t>
+            </a:r>
+            <a:r>
+              <a:rPr lang="en-US" altLang="zh-CN" sz="2800">
+                <a:sym typeface="+mn-ea"/>
+              </a:rPr>
+              <a:t> n </a:t>
+            </a:r>
+            <a:r>
+              <a:rPr lang="zh-CN" altLang="en-US" sz="2800">
+                <a:sym typeface="+mn-ea"/>
+              </a:rPr>
+              <a:t>次</a:t>
+            </a:r>
+            <a:r>
+              <a:rPr lang="en-US" altLang="zh-CN" sz="2800">
+                <a:sym typeface="+mn-ea"/>
+              </a:rPr>
+              <a:t> ++</a:t>
+            </a:r>
+            <a:r>
+              <a:rPr lang="zh-CN" altLang="en-US" sz="2800">
+                <a:sym typeface="+mn-ea"/>
+              </a:rPr>
+              <a:t>。</a:t>
+            </a:r>
+            <a:endParaRPr lang="zh-CN" altLang="en-US" sz="2800">
+              <a:sym typeface="+mn-ea"/>
+            </a:endParaRPr>
           </a:p>
         </p:txBody>
       </p:sp>
       <p:pic>
         <p:nvPicPr>
-          <p:cNvPr id="4" name="Content Placeholder 3"/>
+          <p:cNvPr id="13" name="Content Placeholder 12"/>
           <p:cNvPicPr>
             <a:picLocks noChangeAspect="1"/>
           </p:cNvPicPr>
           <p:nvPr>
-            <p:ph idx="1"/>
+            <p:ph sz="half" idx="13"/>
           </p:nvPr>
         </p:nvPicPr>
         <p:blipFill>
@@ -7527,8 +10482,58 @@
         </p:blipFill>
         <p:spPr>
           <a:xfrm>
-            <a:off x="2957195" y="837565"/>
-            <a:ext cx="5896610" cy="6020435"/>
+            <a:off x="8019415" y="5332095"/>
+            <a:ext cx="1991360" cy="830580"/>
+          </a:xfrm>
+          <a:prstGeom prst="rect">
+            <a:avLst/>
+          </a:prstGeom>
+        </p:spPr>
+      </p:pic>
+      <p:pic>
+        <p:nvPicPr>
+          <p:cNvPr id="2" name="Picture 1"/>
+          <p:cNvPicPr>
+            <a:picLocks noChangeAspect="1"/>
+          </p:cNvPicPr>
+          <p:nvPr/>
+        </p:nvPicPr>
+        <p:blipFill>
+          <a:blip r:embed="rId2"/>
+          <a:stretch>
+            <a:fillRect/>
+          </a:stretch>
+        </p:blipFill>
+        <p:spPr>
+          <a:xfrm>
+            <a:off x="1664970" y="3182620"/>
+            <a:ext cx="3605530" cy="1976120"/>
+          </a:xfrm>
+          <a:prstGeom prst="rect">
+            <a:avLst/>
+          </a:prstGeom>
+        </p:spPr>
+      </p:pic>
+      <p:pic>
+        <p:nvPicPr>
+          <p:cNvPr id="4" name="Content Placeholder 3"/>
+          <p:cNvPicPr>
+            <a:picLocks noChangeAspect="1"/>
+          </p:cNvPicPr>
+          <p:nvPr>
+            <p:ph sz="half" idx="2"/>
+          </p:nvPr>
+        </p:nvPicPr>
+        <p:blipFill>
+          <a:blip r:embed="rId3"/>
+          <a:stretch>
+            <a:fillRect/>
+          </a:stretch>
+        </p:blipFill>
+        <p:spPr>
+          <a:xfrm>
+            <a:off x="6038850" y="1994535"/>
+            <a:ext cx="6153150" cy="2402840"/>
           </a:xfrm>
           <a:prstGeom prst="rect">
             <a:avLst/>
@@ -7555,7 +10560,7 @@
       <p:grpSpPr/>
       <p:sp>
         <p:nvSpPr>
-          <p:cNvPr id="2" name="Title 1"/>
+          <p:cNvPr id="5" name="Title 4"/>
           <p:cNvSpPr>
             <a:spLocks noGrp="1"/>
           </p:cNvSpPr>
@@ -7568,16 +10573,26 @@
           <a:bodyPr/>
           <a:p>
             <a:r>
-              <a:rPr lang="en-US"/>
-              <a:t>algorithm</a:t>
-            </a:r>
-            <a:endParaRPr lang="en-US"/>
-          </a:p>
-        </p:txBody>
-      </p:sp>
-      <p:sp>
-        <p:nvSpPr>
-          <p:cNvPr id="3" name="Content Placeholder 2"/>
+              <a:rPr lang="en-US" altLang="zh-CN"/>
+              <a:t>std::advance </a:t>
+            </a:r>
+            <a:r>
+              <a:rPr lang="zh-CN" altLang="en-US">
+                <a:sym typeface="+mn-ea"/>
+              </a:rPr>
+              <a:t>等价于</a:t>
+            </a:r>
+            <a:r>
+              <a:rPr lang="en-US" altLang="zh-CN"/>
+              <a:t> +=</a:t>
+            </a:r>
+            <a:endParaRPr lang="en-US" altLang="zh-CN"/>
+          </a:p>
+        </p:txBody>
+      </p:sp>
+      <p:sp>
+        <p:nvSpPr>
+          <p:cNvPr id="6" name="Content Placeholder 5"/>
           <p:cNvSpPr>
             <a:spLocks noGrp="1"/>
           </p:cNvSpPr>
@@ -7585,141 +10600,263 @@
             <p:ph sz="half" idx="1"/>
           </p:nvPr>
         </p:nvSpPr>
-        <p:spPr/>
-        <p:txBody>
-          <a:bodyPr>
-            <a:normAutofit/>
-          </a:bodyPr>
-          <a:p>
-            <a:r>
-              <a:rPr lang="en-US"/>
-              <a:t>copy, copy_n</a:t>
-            </a:r>
-            <a:endParaRPr lang="en-US"/>
-          </a:p>
-          <a:p>
-            <a:r>
-              <a:rPr lang="en-US"/>
-              <a:t>copy_if, copy_if_n</a:t>
-            </a:r>
-            <a:endParaRPr lang="en-US"/>
-          </a:p>
-          <a:p>
-            <a:r>
-              <a:rPr lang="en-US"/>
-              <a:t>copy_backward</a:t>
-            </a:r>
-            <a:endParaRPr lang="en-US"/>
-          </a:p>
-          <a:p>
-            <a:r>
-              <a:rPr lang="en-US"/>
-              <a:t>fill, fill_n</a:t>
-            </a:r>
-            <a:endParaRPr lang="en-US"/>
-          </a:p>
-          <a:p>
-            <a:r>
-              <a:rPr lang="en-US"/>
-              <a:t>for_each, for_each_n</a:t>
-            </a:r>
-            <a:endParaRPr lang="en-US"/>
-          </a:p>
-          <a:p>
-            <a:r>
-              <a:rPr lang="en-US"/>
-              <a:t>remove, remove_if</a:t>
-            </a:r>
-            <a:endParaRPr lang="en-US"/>
-          </a:p>
-          <a:p>
-            <a:r>
-              <a:rPr lang="en-US"/>
-              <a:t>remove_copy, remove_copy_if</a:t>
-            </a:r>
-            <a:endParaRPr lang="en-US"/>
-          </a:p>
-          <a:p>
-            <a:endParaRPr lang="en-US"/>
-          </a:p>
-        </p:txBody>
-      </p:sp>
-      <p:sp>
-        <p:nvSpPr>
-          <p:cNvPr id="4" name="Content Placeholder 3"/>
-          <p:cNvSpPr>
-            <a:spLocks noGrp="1"/>
-          </p:cNvSpPr>
-          <p:nvPr>
-            <p:ph sz="half" idx="2"/>
-          </p:nvPr>
-        </p:nvSpPr>
-        <p:spPr/>
+        <p:spPr>
+          <a:xfrm>
+            <a:off x="436880" y="931545"/>
+            <a:ext cx="6643370" cy="5770880"/>
+          </a:xfrm>
+        </p:spPr>
         <p:txBody>
           <a:bodyPr/>
           <a:p>
             <a:r>
-              <a:rPr lang="en-US">
+              <a:rPr lang="en-US" altLang="zh-CN" sz="2800">
                 <a:sym typeface="+mn-ea"/>
               </a:rPr>
-              <a:t>search, search_n</a:t>
-            </a:r>
-            <a:endParaRPr lang="en-US"/>
-          </a:p>
-          <a:p>
-            <a:r>
-              <a:rPr lang="en-US">
+              <a:t>std::next </a:t>
+            </a:r>
+            <a:r>
+              <a:rPr lang="zh-CN" altLang="en-US" sz="2800">
                 <a:sym typeface="+mn-ea"/>
               </a:rPr>
-              <a:t>includes</a:t>
-            </a:r>
-            <a:endParaRPr lang="en-US"/>
-          </a:p>
-          <a:p>
-            <a:r>
-              <a:rPr lang="en-US">
+              <a:t>会</a:t>
+            </a:r>
+            <a:r>
+              <a:rPr lang="zh-CN" sz="2800">
                 <a:sym typeface="+mn-ea"/>
               </a:rPr>
-              <a:t>mismatch</a:t>
-            </a:r>
-            <a:endParaRPr lang="en-US"/>
-          </a:p>
-          <a:p>
-            <a:r>
-              <a:rPr lang="en-US">
-                <a:sym typeface="+mn-ea"/>
-              </a:rPr>
-              <a:t>find, rfind</a:t>
-            </a:r>
-            <a:endParaRPr lang="en-US"/>
-          </a:p>
-          <a:p>
-            <a:r>
-              <a:rPr lang="en-US">
-                <a:sym typeface="+mn-ea"/>
-              </a:rPr>
-              <a:t>find_first_of, find_end</a:t>
-            </a:r>
-            <a:endParaRPr lang="en-US">
+              <a:t>返回自增后迭代器。</a:t>
+            </a:r>
+            <a:endParaRPr lang="zh-CN" sz="2800">
               <a:sym typeface="+mn-ea"/>
             </a:endParaRPr>
           </a:p>
           <a:p>
             <a:r>
-              <a:rPr lang="en-US"/>
-              <a:t>replace, replace_if</a:t>
-            </a:r>
-            <a:endParaRPr lang="en-US"/>
-          </a:p>
-          <a:p>
-            <a:r>
-              <a:rPr lang="en-US"/>
-              <a:t>replace_copy, replace_copy_if</a:t>
-            </a:r>
-            <a:endParaRPr lang="en-US"/>
-          </a:p>
-        </p:txBody>
-      </p:sp>
+              <a:rPr lang="zh-CN" altLang="en-US" sz="2800">
+                <a:sym typeface="+mn-ea"/>
+              </a:rPr>
+              <a:t>还有</a:t>
+            </a:r>
+            <a:r>
+              <a:rPr lang="en-US" altLang="zh-CN" sz="2800">
+                <a:sym typeface="+mn-ea"/>
+              </a:rPr>
+              <a:t> std::advance </a:t>
+            </a:r>
+            <a:r>
+              <a:rPr lang="zh-CN" altLang="en-US" sz="2800">
+                <a:sym typeface="+mn-ea"/>
+              </a:rPr>
+              <a:t>会就地自增作为引用传入的迭代器，他同样会判断是否支持</a:t>
+            </a:r>
+            <a:r>
+              <a:rPr lang="en-US" altLang="zh-CN" sz="2800">
+                <a:sym typeface="+mn-ea"/>
+              </a:rPr>
+              <a:t> += </a:t>
+            </a:r>
+            <a:r>
+              <a:rPr lang="zh-CN" altLang="en-US" sz="2800">
+                <a:sym typeface="+mn-ea"/>
+              </a:rPr>
+              <a:t>来决定要采用哪一种实现。</a:t>
+            </a:r>
+            <a:endParaRPr lang="zh-CN" altLang="en-US" sz="2800">
+              <a:sym typeface="+mn-ea"/>
+            </a:endParaRPr>
+          </a:p>
+          <a:p>
+            <a:endParaRPr lang="zh-CN" altLang="en-US" sz="2800">
+              <a:sym typeface="+mn-ea"/>
+            </a:endParaRPr>
+          </a:p>
+          <a:p>
+            <a:endParaRPr lang="zh-CN" altLang="en-US" sz="2800">
+              <a:sym typeface="+mn-ea"/>
+            </a:endParaRPr>
+          </a:p>
+          <a:p>
+            <a:endParaRPr lang="zh-CN" altLang="en-US" sz="2800">
+              <a:sym typeface="+mn-ea"/>
+            </a:endParaRPr>
+          </a:p>
+          <a:p>
+            <a:endParaRPr lang="zh-CN" altLang="en-US" sz="2800">
+              <a:sym typeface="+mn-ea"/>
+            </a:endParaRPr>
+          </a:p>
+          <a:p>
+            <a:r>
+              <a:rPr lang="zh-CN" altLang="en-US" sz="2800">
+                <a:sym typeface="+mn-ea"/>
+              </a:rPr>
+              <a:t>区别：</a:t>
+            </a:r>
+            <a:r>
+              <a:rPr lang="en-US" altLang="zh-CN" sz="2800">
+                <a:sym typeface="+mn-ea"/>
+              </a:rPr>
+              <a:t>advance </a:t>
+            </a:r>
+            <a:r>
+              <a:rPr lang="zh-CN" altLang="en-US" sz="2800">
+                <a:sym typeface="+mn-ea"/>
+              </a:rPr>
+              <a:t>就地修改迭代器，没有返回值；</a:t>
+            </a:r>
+            <a:r>
+              <a:rPr lang="en-US" altLang="zh-CN" sz="2800">
+                <a:sym typeface="+mn-ea"/>
+              </a:rPr>
+              <a:t>next </a:t>
+            </a:r>
+            <a:r>
+              <a:rPr lang="zh-CN" altLang="en-US" sz="2800">
+                <a:sym typeface="+mn-ea"/>
+              </a:rPr>
+              <a:t>修改迭代器后返回，不会改变原迭代器。</a:t>
+            </a:r>
+            <a:endParaRPr lang="zh-CN" altLang="en-US" sz="2800">
+              <a:sym typeface="+mn-ea"/>
+            </a:endParaRPr>
+          </a:p>
+          <a:p>
+            <a:r>
+              <a:rPr lang="en-US" altLang="zh-CN" sz="2800">
+                <a:sym typeface="+mn-ea"/>
+              </a:rPr>
+              <a:t>advance </a:t>
+            </a:r>
+            <a:r>
+              <a:rPr lang="zh-CN" altLang="en-US" sz="2800">
+                <a:sym typeface="+mn-ea"/>
+              </a:rPr>
+              <a:t>相当于</a:t>
+            </a:r>
+            <a:r>
+              <a:rPr lang="en-US" altLang="zh-CN" sz="2800">
+                <a:sym typeface="+mn-ea"/>
+              </a:rPr>
+              <a:t> +=</a:t>
+            </a:r>
+            <a:r>
+              <a:rPr lang="zh-CN" altLang="en-US" sz="2800">
+                <a:sym typeface="+mn-ea"/>
+              </a:rPr>
+              <a:t>，</a:t>
+            </a:r>
+            <a:r>
+              <a:rPr lang="en-US" altLang="zh-CN" sz="2800">
+                <a:sym typeface="+mn-ea"/>
+              </a:rPr>
+              <a:t>next </a:t>
+            </a:r>
+            <a:r>
+              <a:rPr lang="zh-CN" altLang="en-US" sz="2800">
+                <a:sym typeface="+mn-ea"/>
+              </a:rPr>
+              <a:t>相当于</a:t>
+            </a:r>
+            <a:r>
+              <a:rPr lang="en-US" altLang="zh-CN" sz="2800">
+                <a:sym typeface="+mn-ea"/>
+              </a:rPr>
+              <a:t> +</a:t>
+            </a:r>
+            <a:r>
+              <a:rPr lang="zh-CN" altLang="en-US" sz="2800">
+                <a:sym typeface="+mn-ea"/>
+              </a:rPr>
+              <a:t>。</a:t>
+            </a:r>
+            <a:endParaRPr lang="zh-CN" altLang="en-US" sz="2800">
+              <a:sym typeface="+mn-ea"/>
+            </a:endParaRPr>
+          </a:p>
+          <a:p>
+            <a:endParaRPr lang="zh-CN" altLang="en-US" sz="2800">
+              <a:sym typeface="+mn-ea"/>
+            </a:endParaRPr>
+          </a:p>
+        </p:txBody>
+      </p:sp>
+      <p:pic>
+        <p:nvPicPr>
+          <p:cNvPr id="13" name="Content Placeholder 12"/>
+          <p:cNvPicPr>
+            <a:picLocks noChangeAspect="1"/>
+          </p:cNvPicPr>
+          <p:nvPr>
+            <p:ph sz="half" idx="13"/>
+          </p:nvPr>
+        </p:nvPicPr>
+        <p:blipFill>
+          <a:blip r:embed="rId1"/>
+          <a:stretch>
+            <a:fillRect/>
+          </a:stretch>
+        </p:blipFill>
+        <p:spPr>
+          <a:xfrm>
+            <a:off x="8019415" y="5332095"/>
+            <a:ext cx="1991360" cy="830580"/>
+          </a:xfrm>
+          <a:prstGeom prst="rect">
+            <a:avLst/>
+          </a:prstGeom>
+        </p:spPr>
+      </p:pic>
+      <p:pic>
+        <p:nvPicPr>
+          <p:cNvPr id="8" name="Content Placeholder 7"/>
+          <p:cNvPicPr>
+            <a:picLocks noChangeAspect="1"/>
+          </p:cNvPicPr>
+          <p:nvPr>
+            <p:ph sz="half" idx="2"/>
+          </p:nvPr>
+        </p:nvPicPr>
+        <p:blipFill>
+          <a:blip r:embed="rId2"/>
+          <a:stretch>
+            <a:fillRect/>
+          </a:stretch>
+        </p:blipFill>
+        <p:spPr>
+          <a:xfrm>
+            <a:off x="6249670" y="2292985"/>
+            <a:ext cx="5744845" cy="2487930"/>
+          </a:xfrm>
+          <a:prstGeom prst="rect">
+            <a:avLst/>
+          </a:prstGeom>
+        </p:spPr>
+      </p:pic>
+      <p:pic>
+        <p:nvPicPr>
+          <p:cNvPr id="2" name="Picture 1"/>
+          <p:cNvPicPr>
+            <a:picLocks noChangeAspect="1"/>
+          </p:cNvPicPr>
+          <p:nvPr/>
+        </p:nvPicPr>
+        <p:blipFill>
+          <a:blip r:embed="rId3"/>
+          <a:stretch>
+            <a:fillRect/>
+          </a:stretch>
+        </p:blipFill>
+        <p:spPr>
+          <a:xfrm>
+            <a:off x="1728470" y="2802890"/>
+            <a:ext cx="3768090" cy="2028190"/>
+          </a:xfrm>
+          <a:prstGeom prst="rect">
+            <a:avLst/>
+          </a:prstGeom>
+        </p:spPr>
+      </p:pic>
     </p:spTree>
   </p:cSld>
   <p:clrMapOvr>
@@ -7754,9 +10891,21 @@
           <a:p>
             <a:r>
               <a:rPr lang="en-US"/>
-              <a:t>algorithm</a:t>
-            </a:r>
-            <a:endParaRPr lang="en-US"/>
+              <a:t>next </a:t>
+            </a:r>
+            <a:r>
+              <a:rPr lang="zh-CN" altLang="en-US"/>
+              <a:t>和</a:t>
+            </a:r>
+            <a:r>
+              <a:rPr lang="en-US" altLang="zh-CN"/>
+              <a:t> advance </a:t>
+            </a:r>
+            <a:r>
+              <a:rPr lang="zh-CN" altLang="en-US"/>
+              <a:t>同样支持负数</a:t>
+            </a:r>
+            <a:endParaRPr lang="zh-CN" altLang="en-US"/>
           </a:p>
         </p:txBody>
       </p:sp>
@@ -7770,145 +10919,166 @@
             <p:ph sz="half" idx="1"/>
           </p:nvPr>
         </p:nvSpPr>
-        <p:spPr/>
-        <p:txBody>
-          <a:bodyPr>
-            <a:normAutofit/>
-          </a:bodyPr>
-          <a:p>
-            <a:r>
-              <a:rPr lang="en-US">
-                <a:sym typeface="+mn-ea"/>
-              </a:rPr>
-              <a:t>search, search_n</a:t>
-            </a:r>
-            <a:endParaRPr lang="en-US"/>
-          </a:p>
-          <a:p>
-            <a:r>
-              <a:rPr lang="en-US">
-                <a:sym typeface="+mn-ea"/>
-              </a:rPr>
-              <a:t>mismatch</a:t>
-            </a:r>
-            <a:endParaRPr lang="en-US"/>
-          </a:p>
-          <a:p>
-            <a:r>
-              <a:rPr lang="en-US">
-                <a:sym typeface="+mn-ea"/>
-              </a:rPr>
-              <a:t>find, find_if, find_if_not</a:t>
-            </a:r>
-            <a:endParaRPr lang="en-US"/>
-          </a:p>
-          <a:p>
-            <a:r>
-              <a:rPr lang="en-US">
-                <a:sym typeface="+mn-ea"/>
-              </a:rPr>
-              <a:t>find_first_of, find_end</a:t>
-            </a:r>
-            <a:endParaRPr lang="en-US">
-              <a:sym typeface="+mn-ea"/>
-            </a:endParaRPr>
-          </a:p>
-          <a:p>
-            <a:r>
-              <a:rPr lang="en-US">
-                <a:sym typeface="+mn-ea"/>
-              </a:rPr>
-              <a:t>lexicographical_compare</a:t>
-            </a:r>
-            <a:endParaRPr lang="en-US">
-              <a:sym typeface="+mn-ea"/>
-            </a:endParaRPr>
-          </a:p>
-          <a:p>
-            <a:r>
-              <a:rPr lang="en-US"/>
-              <a:t>equal</a:t>
-            </a:r>
-            <a:endParaRPr lang="en-US"/>
-          </a:p>
-        </p:txBody>
-      </p:sp>
-      <p:sp>
-        <p:nvSpPr>
-          <p:cNvPr id="4" name="Content Placeholder 3"/>
-          <p:cNvSpPr>
-            <a:spLocks noGrp="1"/>
-          </p:cNvSpPr>
-          <p:nvPr>
-            <p:ph sz="half" idx="2"/>
-          </p:nvPr>
-        </p:nvSpPr>
         <p:spPr>
           <a:xfrm>
-            <a:off x="5981700" y="1825625"/>
-            <a:ext cx="5748655" cy="4351655"/>
+            <a:off x="415925" y="1164590"/>
+            <a:ext cx="6416675" cy="4953000"/>
           </a:xfrm>
         </p:spPr>
         <p:txBody>
           <a:bodyPr/>
           <a:p>
             <a:r>
-              <a:rPr lang="en-US">
-                <a:sym typeface="+mn-ea"/>
-              </a:rPr>
-              <a:t>min, max, minmax, </a:t>
-            </a:r>
-            <a:r>
-              <a:rPr lang="en-US">
-                <a:sym typeface="+mn-ea"/>
-              </a:rPr>
-              <a:t>clamp</a:t>
-            </a:r>
-            <a:endParaRPr lang="en-US">
-              <a:sym typeface="+mn-ea"/>
-            </a:endParaRPr>
-          </a:p>
-          <a:p>
-            <a:r>
-              <a:rPr lang="en-US">
-                <a:sym typeface="+mn-ea"/>
-              </a:rPr>
-              <a:t>min_element, max_element, minmax_element</a:t>
-            </a:r>
-            <a:endParaRPr lang="en-US">
-              <a:sym typeface="+mn-ea"/>
-            </a:endParaRPr>
-          </a:p>
-          <a:p>
+              <a:rPr lang="en-US" altLang="zh-CN"/>
+              <a:t>next </a:t>
+            </a:r>
+            <a:r>
+              <a:rPr lang="zh-CN" altLang="en-US"/>
+              <a:t>的第二个参数</a:t>
+            </a:r>
+            <a:r>
+              <a:rPr lang="en-US" altLang="zh-CN"/>
+              <a:t> n </a:t>
+            </a:r>
+            <a:r>
+              <a:rPr lang="zh-CN" altLang="en-US"/>
+              <a:t>通常是正数，表示向前走的距离。</a:t>
+            </a:r>
+            <a:endParaRPr lang="zh-CN" altLang="en-US"/>
+          </a:p>
+          <a:p>
+            <a:r>
+              <a:rPr lang="zh-CN" altLang="en-US"/>
+              <a:t>如果迭代器类型是</a:t>
+            </a:r>
+            <a:r>
+              <a:rPr lang="zh-CN" altLang="en-US" b="1"/>
+              <a:t>双向迭代器</a:t>
+            </a:r>
+            <a:r>
+              <a:rPr lang="zh-CN" altLang="en-US"/>
+              <a:t>。</a:t>
+            </a:r>
             <a:r>
               <a:rPr lang="en-US"/>
-              <a:t>any_of, all_of, none_of</a:t>
-            </a:r>
-            <a:endParaRPr lang="en-US"/>
-          </a:p>
-          <a:p>
-            <a:r>
-              <a:rPr lang="en-US"/>
-              <a:t>count, count_if</a:t>
-            </a:r>
-            <a:endParaRPr lang="en-US"/>
-          </a:p>
-          <a:p>
-            <a:r>
-              <a:rPr lang="en-US"/>
-              <a:t>move, move_backward</a:t>
-            </a:r>
-            <a:endParaRPr lang="en-US"/>
-          </a:p>
-          <a:p>
-            <a:r>
-              <a:rPr lang="en-US"/>
-              <a:t>swap_ranges</a:t>
-            </a:r>
-            <a:endParaRPr lang="en-US"/>
-          </a:p>
-        </p:txBody>
-      </p:sp>
+              <a:t>next </a:t>
+            </a:r>
+            <a:r>
+              <a:rPr lang="zh-CN" altLang="en-US"/>
+              <a:t>的第二个参数</a:t>
+            </a:r>
+            <a:r>
+              <a:rPr lang="en-US" altLang="zh-CN"/>
+              <a:t> n </a:t>
+            </a:r>
+            <a:r>
+              <a:rPr lang="zh-CN" altLang="en-US"/>
+              <a:t>还</a:t>
+            </a:r>
+            <a:r>
+              <a:rPr lang="zh-CN" altLang="en-US" b="1"/>
+              <a:t>可以是负数</a:t>
+            </a:r>
+            <a:r>
+              <a:rPr lang="zh-CN" altLang="en-US"/>
+              <a:t>，这时他会让迭代器往前走一段距离，例如：</a:t>
+            </a:r>
+            <a:endParaRPr lang="zh-CN" altLang="en-US"/>
+          </a:p>
+          <a:p>
+            <a:r>
+              <a:rPr lang="en-US" altLang="zh-CN"/>
+              <a:t>std::next(it, -3) </a:t>
+            </a:r>
+            <a:r>
+              <a:rPr lang="zh-CN" altLang="en-US"/>
+              <a:t>相当于</a:t>
+            </a:r>
+            <a:r>
+              <a:rPr lang="en-US" altLang="zh-CN"/>
+              <a:t> it - 3</a:t>
+            </a:r>
+            <a:r>
+              <a:rPr lang="zh-CN" altLang="en-US"/>
+              <a:t>。</a:t>
+            </a:r>
+            <a:endParaRPr lang="zh-CN" altLang="en-US"/>
+          </a:p>
+          <a:p>
+            <a:r>
+              <a:rPr lang="zh-CN"/>
+              <a:t>还可以用另一个专门的函数</a:t>
+            </a:r>
+            <a:r>
+              <a:rPr lang="en-US" altLang="zh-CN"/>
+              <a:t> std::prev(it, 3) </a:t>
+            </a:r>
+            <a:r>
+              <a:rPr lang="zh-CN" altLang="en-US"/>
+              <a:t>也相当于</a:t>
+            </a:r>
+            <a:r>
+              <a:rPr lang="en-US" altLang="zh-CN"/>
+              <a:t> it - 3</a:t>
+            </a:r>
+            <a:r>
+              <a:rPr lang="zh-CN" altLang="en-US"/>
+              <a:t>。</a:t>
+            </a:r>
+            <a:endParaRPr lang="zh-CN" altLang="en-US"/>
+          </a:p>
+        </p:txBody>
+      </p:sp>
+      <p:pic>
+        <p:nvPicPr>
+          <p:cNvPr id="5" name="Content Placeholder 4"/>
+          <p:cNvPicPr>
+            <a:picLocks noChangeAspect="1"/>
+          </p:cNvPicPr>
+          <p:nvPr>
+            <p:ph sz="half" idx="2"/>
+          </p:nvPr>
+        </p:nvPicPr>
+        <p:blipFill>
+          <a:blip r:embed="rId1"/>
+          <a:stretch>
+            <a:fillRect/>
+          </a:stretch>
+        </p:blipFill>
+        <p:spPr>
+          <a:xfrm>
+            <a:off x="7016750" y="418465"/>
+            <a:ext cx="5175250" cy="6439535"/>
+          </a:xfrm>
+          <a:prstGeom prst="rect">
+            <a:avLst/>
+          </a:prstGeom>
+        </p:spPr>
+      </p:pic>
+      <p:pic>
+        <p:nvPicPr>
+          <p:cNvPr id="7" name="Picture 6"/>
+          <p:cNvPicPr>
+            <a:picLocks noChangeAspect="1"/>
+          </p:cNvPicPr>
+          <p:nvPr/>
+        </p:nvPicPr>
+        <p:blipFill>
+          <a:blip r:embed="rId2"/>
+          <a:stretch>
+            <a:fillRect/>
+          </a:stretch>
+        </p:blipFill>
+        <p:spPr>
+          <a:xfrm>
+            <a:off x="1311910" y="5917565"/>
+            <a:ext cx="4359910" cy="940435"/>
+          </a:xfrm>
+          <a:prstGeom prst="rect">
+            <a:avLst/>
+          </a:prstGeom>
+        </p:spPr>
+      </p:pic>
     </p:spTree>
   </p:cSld>
   <p:clrMapOvr>
